--- a/lectures/Week 1 - Course Overview.pptx
+++ b/lectures/Week 1 - Course Overview.pptx
@@ -5,7 +5,7 @@
     <p:sldMasterId id="2147483718" r:id="rId1"/>
   </p:sldMasterIdLst>
   <p:notesMasterIdLst>
-    <p:notesMasterId r:id="rId14"/>
+    <p:notesMasterId r:id="rId16"/>
   </p:notesMasterIdLst>
   <p:sldIdLst>
     <p:sldId id="256" r:id="rId2"/>
@@ -17,9 +17,11 @@
     <p:sldId id="275" r:id="rId8"/>
     <p:sldId id="276" r:id="rId9"/>
     <p:sldId id="852" r:id="rId10"/>
-    <p:sldId id="844" r:id="rId11"/>
-    <p:sldId id="845" r:id="rId12"/>
-    <p:sldId id="846" r:id="rId13"/>
+    <p:sldId id="853" r:id="rId11"/>
+    <p:sldId id="844" r:id="rId12"/>
+    <p:sldId id="845" r:id="rId13"/>
+    <p:sldId id="854" r:id="rId14"/>
+    <p:sldId id="846" r:id="rId15"/>
   </p:sldIdLst>
   <p:sldSz cx="12192000" cy="6858000"/>
   <p:notesSz cx="6858000" cy="9144000"/>
@@ -540,7 +542,7 @@
           <a:p>
             <a:fld id="{068FE4ED-59E9-4944-A32F-9556C2E2A90E}" type="slidenum">
               <a:rPr lang="en-US" smtClean="0"/>
-              <a:t>12</a:t>
+              <a:t>14</a:t>
             </a:fld>
             <a:endParaRPr lang="en-US"/>
           </a:p>
@@ -3475,7 +3477,7 @@
           <a:p>
             <a:r>
               <a:rPr lang="en-US" sz="2800" dirty="0"/>
-              <a:t>Summer 2021</a:t>
+              <a:t>Spring 2022</a:t>
             </a:r>
             <a:endParaRPr lang="en-US" sz="2800" dirty="0">
               <a:solidFill>
@@ -3814,13 +3816,7 @@
       </p:grpSpPr>
       <p:sp>
         <p:nvSpPr>
-          <p:cNvPr id="2" name="Title 1">
-            <a:extLst>
-              <a:ext uri="{FF2B5EF4-FFF2-40B4-BE49-F238E27FC236}">
-                <a16:creationId xmlns:a16="http://schemas.microsoft.com/office/drawing/2014/main" id="{8F29ACB7-3B63-49E7-96D7-15DA3109CDE5}"/>
-              </a:ext>
-            </a:extLst>
-          </p:cNvPr>
+          <p:cNvPr id="2" name="Title 1"/>
           <p:cNvSpPr>
             <a:spLocks noGrp="1"/>
           </p:cNvSpPr>
@@ -3830,92 +3826,21 @@
         </p:nvSpPr>
         <p:spPr/>
         <p:txBody>
-          <a:bodyPr/>
-          <a:lstStyle/>
-          <a:p>
-            <a:r>
-              <a:rPr lang="en-US" b="1" dirty="0"/>
-              <a:t>Assignments, Assessments, and Evaluations</a:t>
-            </a:r>
-          </a:p>
-        </p:txBody>
-      </p:sp>
-      <p:sp>
-        <p:nvSpPr>
-          <p:cNvPr id="3" name="Content Placeholder 2">
-            <a:extLst>
-              <a:ext uri="{FF2B5EF4-FFF2-40B4-BE49-F238E27FC236}">
-                <a16:creationId xmlns:a16="http://schemas.microsoft.com/office/drawing/2014/main" id="{EE97DE04-F64B-4CFF-A456-22A3858468CF}"/>
-              </a:ext>
-            </a:extLst>
-          </p:cNvPr>
-          <p:cNvSpPr>
-            <a:spLocks noGrp="1"/>
-          </p:cNvSpPr>
-          <p:nvPr>
-            <p:ph idx="1"/>
-          </p:nvPr>
-        </p:nvSpPr>
-        <p:spPr>
-          <a:xfrm>
-            <a:off x="838200" y="1825625"/>
-            <a:ext cx="10273879" cy="4351338"/>
-          </a:xfrm>
-        </p:spPr>
-        <p:txBody>
-          <a:bodyPr/>
-          <a:lstStyle/>
-          <a:p>
-            <a:r>
-              <a:rPr lang="en-US" dirty="0"/>
-              <a:t>Individual assignment with multiple deliverables: </a:t>
-            </a:r>
-          </a:p>
-          <a:p>
-            <a:pPr lvl="1"/>
-            <a:r>
-              <a:rPr lang="en-US" dirty="0"/>
-              <a:t>Design, analyze, and implement software architecture</a:t>
-            </a:r>
-          </a:p>
-          <a:p>
-            <a:pPr lvl="1"/>
-            <a:r>
-              <a:rPr lang="en-US" dirty="0"/>
-              <a:t>Apply architecture patterns to achieve extensibility</a:t>
-            </a:r>
-          </a:p>
-          <a:p>
-            <a:pPr lvl="1"/>
-            <a:r>
-              <a:rPr lang="en-US" dirty="0"/>
-              <a:t>Reason about various architecture quality attributes</a:t>
-            </a:r>
-          </a:p>
-          <a:p>
-            <a:pPr lvl="1"/>
-            <a:endParaRPr lang="en-US" dirty="0"/>
-          </a:p>
-          <a:p>
-            <a:r>
-              <a:rPr lang="en-US" dirty="0"/>
-              <a:t>Reading assignments, 2 foundational and 2 modern software architecture papers</a:t>
-            </a:r>
-          </a:p>
-          <a:p>
-            <a:endParaRPr lang="en-US" dirty="0"/>
-          </a:p>
-        </p:txBody>
-      </p:sp>
-      <p:sp>
-        <p:nvSpPr>
-          <p:cNvPr id="4" name="Slide Number Placeholder 3">
-            <a:extLst>
-              <a:ext uri="{FF2B5EF4-FFF2-40B4-BE49-F238E27FC236}">
-                <a16:creationId xmlns:a16="http://schemas.microsoft.com/office/drawing/2014/main" id="{542EAC42-38A0-4516-814B-016A18951906}"/>
-              </a:ext>
-            </a:extLst>
-          </p:cNvPr>
+          <a:bodyPr>
+            <a:normAutofit/>
+          </a:bodyPr>
+          <a:lstStyle/>
+          <a:p>
+            <a:r>
+              <a:rPr lang="en-US" sz="3600" b="1" dirty="0"/>
+              <a:t>Learning Material</a:t>
+            </a:r>
+          </a:p>
+        </p:txBody>
+      </p:sp>
+      <p:sp>
+        <p:nvSpPr>
+          <p:cNvPr id="4" name="Slide Number Placeholder 3"/>
           <p:cNvSpPr>
             <a:spLocks noGrp="1"/>
           </p:cNvSpPr>
@@ -3936,10 +3861,119 @@
           </a:p>
         </p:txBody>
       </p:sp>
+      <p:sp>
+        <p:nvSpPr>
+          <p:cNvPr id="6" name="Content Placeholder 5">
+            <a:extLst>
+              <a:ext uri="{FF2B5EF4-FFF2-40B4-BE49-F238E27FC236}">
+                <a16:creationId xmlns:a16="http://schemas.microsoft.com/office/drawing/2014/main" id="{F0EAE5D6-6F4E-4902-B3E1-FC9E443ECF84}"/>
+              </a:ext>
+            </a:extLst>
+          </p:cNvPr>
+          <p:cNvSpPr>
+            <a:spLocks noGrp="1"/>
+          </p:cNvSpPr>
+          <p:nvPr>
+            <p:ph idx="1"/>
+          </p:nvPr>
+        </p:nvSpPr>
+        <p:spPr>
+          <a:xfrm>
+            <a:off x="723143" y="1825625"/>
+            <a:ext cx="6713170" cy="2954804"/>
+          </a:xfrm>
+        </p:spPr>
+        <p:txBody>
+          <a:bodyPr>
+            <a:normAutofit/>
+          </a:bodyPr>
+          <a:lstStyle/>
+          <a:p>
+            <a:r>
+              <a:rPr lang="en-US" altLang="zh-CN" dirty="0"/>
+              <a:t>Reference Book 5: </a:t>
+            </a:r>
+          </a:p>
+          <a:p>
+            <a:pPr marL="457200" lvl="1" indent="0">
+              <a:buNone/>
+            </a:pPr>
+            <a:r>
+              <a:rPr lang="en-US" altLang="zh-CN" dirty="0"/>
+              <a:t>“</a:t>
+            </a:r>
+            <a:r>
+              <a:rPr lang="en-US" altLang="zh-CN" i="1" dirty="0"/>
+              <a:t>The Software Architect Elevator” </a:t>
+            </a:r>
+          </a:p>
+          <a:p>
+            <a:pPr marL="457200" lvl="1" indent="0">
+              <a:buNone/>
+            </a:pPr>
+            <a:r>
+              <a:rPr lang="en-US" altLang="zh-CN" dirty="0"/>
+              <a:t>by Gregor </a:t>
+            </a:r>
+            <a:r>
+              <a:rPr lang="en-US" altLang="zh-CN" dirty="0" err="1"/>
+              <a:t>Hohpe</a:t>
+            </a:r>
+            <a:endParaRPr lang="en-US" altLang="zh-CN" dirty="0"/>
+          </a:p>
+        </p:txBody>
+      </p:sp>
+      <p:pic>
+        <p:nvPicPr>
+          <p:cNvPr id="3074" name="Picture 2" descr="Software Architect Elevator Book Cover">
+            <a:extLst>
+              <a:ext uri="{FF2B5EF4-FFF2-40B4-BE49-F238E27FC236}">
+                <a16:creationId xmlns:a16="http://schemas.microsoft.com/office/drawing/2014/main" id="{A5F90783-7664-774A-9301-B17320D865A5}"/>
+              </a:ext>
+            </a:extLst>
+          </p:cNvPr>
+          <p:cNvPicPr>
+            <a:picLocks noChangeAspect="1" noChangeArrowheads="1"/>
+          </p:cNvPicPr>
+          <p:nvPr/>
+        </p:nvPicPr>
+        <p:blipFill>
+          <a:blip r:embed="rId2">
+            <a:extLst>
+              <a:ext uri="{28A0092B-C50C-407E-A947-70E740481C1C}">
+                <a14:useLocalDpi xmlns:a14="http://schemas.microsoft.com/office/drawing/2010/main" val="0"/>
+              </a:ext>
+            </a:extLst>
+          </a:blip>
+          <a:srcRect/>
+          <a:stretch>
+            <a:fillRect/>
+          </a:stretch>
+        </p:blipFill>
+        <p:spPr bwMode="auto">
+          <a:xfrm>
+            <a:off x="7986218" y="1143000"/>
+            <a:ext cx="3175000" cy="4572000"/>
+          </a:xfrm>
+          <a:prstGeom prst="rect">
+            <a:avLst/>
+          </a:prstGeom>
+          <a:noFill/>
+          <a:extLst>
+            <a:ext uri="{909E8E84-426E-40DD-AFC4-6F175D3DCCD1}">
+              <a14:hiddenFill xmlns:a14="http://schemas.microsoft.com/office/drawing/2010/main">
+                <a:solidFill>
+                  <a:srgbClr val="FFFFFF"/>
+                </a:solidFill>
+              </a14:hiddenFill>
+            </a:ext>
+          </a:extLst>
+        </p:spPr>
+      </p:pic>
     </p:spTree>
     <p:extLst>
       <p:ext uri="{BB962C8B-B14F-4D97-AF65-F5344CB8AC3E}">
-        <p14:creationId xmlns:p14="http://schemas.microsoft.com/office/powerpoint/2010/main" val="429238667"/>
+        <p14:creationId xmlns:p14="http://schemas.microsoft.com/office/powerpoint/2010/main" val="3358783516"/>
       </p:ext>
     </p:extLst>
   </p:cSld>
@@ -4017,48 +4051,47 @@
           </a:xfrm>
         </p:spPr>
         <p:txBody>
-          <a:bodyPr>
-            <a:normAutofit/>
-          </a:bodyPr>
+          <a:bodyPr/>
           <a:lstStyle/>
           <a:p>
             <a:r>
               <a:rPr lang="en-US" dirty="0"/>
-              <a:t>Grading Component: </a:t>
+              <a:t>Individual assignment with multiple deliverables: </a:t>
             </a:r>
           </a:p>
           <a:p>
             <a:pPr lvl="1"/>
             <a:r>
               <a:rPr lang="en-US" dirty="0"/>
-              <a:t>Course Reading summaries and other assignments 40%</a:t>
-            </a:r>
-          </a:p>
-          <a:p>
-            <a:pPr marL="914400" lvl="2" indent="0">
-              <a:buNone/>
-            </a:pPr>
+              <a:t>Design, analyze, and implement software architecture</a:t>
+            </a:r>
+          </a:p>
+          <a:p>
+            <a:pPr lvl="1"/>
+            <a:r>
+              <a:rPr lang="en-US" dirty="0"/>
+              <a:t>Apply architecture patterns to achieve extensibility</a:t>
+            </a:r>
+          </a:p>
+          <a:p>
+            <a:pPr lvl="1"/>
+            <a:r>
+              <a:rPr lang="en-US" dirty="0"/>
+              <a:t>Reason about various architecture quality attributes</a:t>
+            </a:r>
+          </a:p>
+          <a:p>
+            <a:pPr lvl="1"/>
             <a:endParaRPr lang="en-US" dirty="0"/>
           </a:p>
           <a:p>
-            <a:pPr lvl="1"/>
             <a:r>
               <a:rPr lang="en-US" dirty="0"/>
-              <a:t>Course Project 50%</a:t>
-            </a:r>
-          </a:p>
-          <a:p>
-            <a:pPr marL="914400" lvl="2" indent="0">
-              <a:buNone/>
-            </a:pPr>
+              <a:t>Reading assignments, 2 foundational and 2 modern software architecture papers</a:t>
+            </a:r>
+          </a:p>
+          <a:p>
             <a:endParaRPr lang="en-US" dirty="0"/>
-          </a:p>
-          <a:p>
-            <a:pPr lvl="1"/>
-            <a:r>
-              <a:rPr lang="en-US" dirty="0"/>
-              <a:t>Participation: 10%</a:t>
-            </a:r>
           </a:p>
         </p:txBody>
       </p:sp>
@@ -4094,7 +4127,7 @@
     </p:spTree>
     <p:extLst>
       <p:ext uri="{BB962C8B-B14F-4D97-AF65-F5344CB8AC3E}">
-        <p14:creationId xmlns:p14="http://schemas.microsoft.com/office/powerpoint/2010/main" val="3221273072"/>
+        <p14:creationId xmlns:p14="http://schemas.microsoft.com/office/powerpoint/2010/main" val="429238667"/>
       </p:ext>
     </p:extLst>
   </p:cSld>
@@ -4126,6 +4159,317 @@
           <p:cNvPr id="2" name="Title 1">
             <a:extLst>
               <a:ext uri="{FF2B5EF4-FFF2-40B4-BE49-F238E27FC236}">
+                <a16:creationId xmlns:a16="http://schemas.microsoft.com/office/drawing/2014/main" id="{8F29ACB7-3B63-49E7-96D7-15DA3109CDE5}"/>
+              </a:ext>
+            </a:extLst>
+          </p:cNvPr>
+          <p:cNvSpPr>
+            <a:spLocks noGrp="1"/>
+          </p:cNvSpPr>
+          <p:nvPr>
+            <p:ph type="title"/>
+          </p:nvPr>
+        </p:nvSpPr>
+        <p:spPr/>
+        <p:txBody>
+          <a:bodyPr/>
+          <a:lstStyle/>
+          <a:p>
+            <a:r>
+              <a:rPr lang="en-US" b="1" dirty="0"/>
+              <a:t>Assignments, Assessments, and Evaluations</a:t>
+            </a:r>
+          </a:p>
+        </p:txBody>
+      </p:sp>
+      <p:sp>
+        <p:nvSpPr>
+          <p:cNvPr id="3" name="Content Placeholder 2">
+            <a:extLst>
+              <a:ext uri="{FF2B5EF4-FFF2-40B4-BE49-F238E27FC236}">
+                <a16:creationId xmlns:a16="http://schemas.microsoft.com/office/drawing/2014/main" id="{EE97DE04-F64B-4CFF-A456-22A3858468CF}"/>
+              </a:ext>
+            </a:extLst>
+          </p:cNvPr>
+          <p:cNvSpPr>
+            <a:spLocks noGrp="1"/>
+          </p:cNvSpPr>
+          <p:nvPr>
+            <p:ph idx="1"/>
+          </p:nvPr>
+        </p:nvSpPr>
+        <p:spPr>
+          <a:xfrm>
+            <a:off x="838200" y="1825625"/>
+            <a:ext cx="10273879" cy="4351338"/>
+          </a:xfrm>
+        </p:spPr>
+        <p:txBody>
+          <a:bodyPr>
+            <a:normAutofit/>
+          </a:bodyPr>
+          <a:lstStyle/>
+          <a:p>
+            <a:r>
+              <a:rPr lang="en-US" dirty="0"/>
+              <a:t>Grading Component: </a:t>
+            </a:r>
+          </a:p>
+          <a:p>
+            <a:pPr lvl="1"/>
+            <a:r>
+              <a:rPr lang="en-US" dirty="0"/>
+              <a:t>Course Reading summaries and other assignments 40%</a:t>
+            </a:r>
+          </a:p>
+          <a:p>
+            <a:pPr marL="914400" lvl="2" indent="0">
+              <a:buNone/>
+            </a:pPr>
+            <a:endParaRPr lang="en-US" dirty="0"/>
+          </a:p>
+          <a:p>
+            <a:pPr lvl="1"/>
+            <a:r>
+              <a:rPr lang="en-US" dirty="0"/>
+              <a:t>Course Project 50%</a:t>
+            </a:r>
+          </a:p>
+          <a:p>
+            <a:pPr marL="914400" lvl="2" indent="0">
+              <a:buNone/>
+            </a:pPr>
+            <a:endParaRPr lang="en-US" dirty="0"/>
+          </a:p>
+          <a:p>
+            <a:pPr lvl="1"/>
+            <a:r>
+              <a:rPr lang="en-US" dirty="0"/>
+              <a:t>Participation: 10%</a:t>
+            </a:r>
+          </a:p>
+        </p:txBody>
+      </p:sp>
+      <p:sp>
+        <p:nvSpPr>
+          <p:cNvPr id="4" name="Slide Number Placeholder 3">
+            <a:extLst>
+              <a:ext uri="{FF2B5EF4-FFF2-40B4-BE49-F238E27FC236}">
+                <a16:creationId xmlns:a16="http://schemas.microsoft.com/office/drawing/2014/main" id="{542EAC42-38A0-4516-814B-016A18951906}"/>
+              </a:ext>
+            </a:extLst>
+          </p:cNvPr>
+          <p:cNvSpPr>
+            <a:spLocks noGrp="1"/>
+          </p:cNvSpPr>
+          <p:nvPr>
+            <p:ph type="sldNum" sz="quarter" idx="12"/>
+          </p:nvPr>
+        </p:nvSpPr>
+        <p:spPr/>
+        <p:txBody>
+          <a:bodyPr/>
+          <a:lstStyle/>
+          <a:p>
+            <a:fld id="{69E57DC2-970A-4B3E-BB1C-7A09969E49DF}" type="slidenum">
+              <a:rPr lang="en-US" smtClean="0"/>
+              <a:t>12</a:t>
+            </a:fld>
+            <a:endParaRPr lang="en-US" dirty="0"/>
+          </a:p>
+        </p:txBody>
+      </p:sp>
+    </p:spTree>
+    <p:extLst>
+      <p:ext uri="{BB962C8B-B14F-4D97-AF65-F5344CB8AC3E}">
+        <p14:creationId xmlns:p14="http://schemas.microsoft.com/office/powerpoint/2010/main" val="3221273072"/>
+      </p:ext>
+    </p:extLst>
+  </p:cSld>
+  <p:clrMapOvr>
+    <a:masterClrMapping/>
+  </p:clrMapOvr>
+</p:sld>
+</file>
+
+<file path=ppt/slides/slide13.xml><?xml version="1.0" encoding="utf-8"?>
+<p:sld xmlns:a="http://schemas.openxmlformats.org/drawingml/2006/main" xmlns:r="http://schemas.openxmlformats.org/officeDocument/2006/relationships" xmlns:p="http://schemas.openxmlformats.org/presentationml/2006/main">
+  <p:cSld>
+    <p:spTree>
+      <p:nvGrpSpPr>
+        <p:cNvPr id="1" name=""/>
+        <p:cNvGrpSpPr/>
+        <p:nvPr/>
+      </p:nvGrpSpPr>
+      <p:grpSpPr>
+        <a:xfrm>
+          <a:off x="0" y="0"/>
+          <a:ext cx="0" cy="0"/>
+          <a:chOff x="0" y="0"/>
+          <a:chExt cx="0" cy="0"/>
+        </a:xfrm>
+      </p:grpSpPr>
+      <p:sp>
+        <p:nvSpPr>
+          <p:cNvPr id="2" name="Title 1">
+            <a:extLst>
+              <a:ext uri="{FF2B5EF4-FFF2-40B4-BE49-F238E27FC236}">
+                <a16:creationId xmlns:a16="http://schemas.microsoft.com/office/drawing/2014/main" id="{8F29ACB7-3B63-49E7-96D7-15DA3109CDE5}"/>
+              </a:ext>
+            </a:extLst>
+          </p:cNvPr>
+          <p:cNvSpPr>
+            <a:spLocks noGrp="1"/>
+          </p:cNvSpPr>
+          <p:nvPr>
+            <p:ph type="title"/>
+          </p:nvPr>
+        </p:nvSpPr>
+        <p:spPr>
+          <a:xfrm>
+            <a:off x="164892" y="175937"/>
+            <a:ext cx="11617377" cy="1325563"/>
+          </a:xfrm>
+        </p:spPr>
+        <p:txBody>
+          <a:bodyPr/>
+          <a:lstStyle/>
+          <a:p>
+            <a:r>
+              <a:rPr lang="en-US" b="1" dirty="0"/>
+              <a:t>Slack will be our PRIMARY mode of communication</a:t>
+            </a:r>
+          </a:p>
+        </p:txBody>
+      </p:sp>
+      <p:sp>
+        <p:nvSpPr>
+          <p:cNvPr id="4" name="Slide Number Placeholder 3">
+            <a:extLst>
+              <a:ext uri="{FF2B5EF4-FFF2-40B4-BE49-F238E27FC236}">
+                <a16:creationId xmlns:a16="http://schemas.microsoft.com/office/drawing/2014/main" id="{542EAC42-38A0-4516-814B-016A18951906}"/>
+              </a:ext>
+            </a:extLst>
+          </p:cNvPr>
+          <p:cNvSpPr>
+            <a:spLocks noGrp="1"/>
+          </p:cNvSpPr>
+          <p:nvPr>
+            <p:ph type="sldNum" sz="quarter" idx="12"/>
+          </p:nvPr>
+        </p:nvSpPr>
+        <p:spPr/>
+        <p:txBody>
+          <a:bodyPr/>
+          <a:lstStyle/>
+          <a:p>
+            <a:fld id="{69E57DC2-970A-4B3E-BB1C-7A09969E49DF}" type="slidenum">
+              <a:rPr lang="en-US" smtClean="0"/>
+              <a:t>13</a:t>
+            </a:fld>
+            <a:endParaRPr lang="en-US" dirty="0"/>
+          </a:p>
+        </p:txBody>
+      </p:sp>
+      <p:pic>
+        <p:nvPicPr>
+          <p:cNvPr id="7" name="Picture 6">
+            <a:extLst>
+              <a:ext uri="{FF2B5EF4-FFF2-40B4-BE49-F238E27FC236}">
+                <a16:creationId xmlns:a16="http://schemas.microsoft.com/office/drawing/2014/main" id="{212AD27B-F960-1845-A1E7-6E507DCC43E5}"/>
+              </a:ext>
+            </a:extLst>
+          </p:cNvPr>
+          <p:cNvPicPr>
+            <a:picLocks noChangeAspect="1"/>
+          </p:cNvPicPr>
+          <p:nvPr/>
+        </p:nvPicPr>
+        <p:blipFill>
+          <a:blip r:embed="rId2"/>
+          <a:stretch>
+            <a:fillRect/>
+          </a:stretch>
+        </p:blipFill>
+        <p:spPr>
+          <a:xfrm>
+            <a:off x="2938072" y="1679508"/>
+            <a:ext cx="7283034" cy="4169050"/>
+          </a:xfrm>
+          <a:prstGeom prst="rect">
+            <a:avLst/>
+          </a:prstGeom>
+        </p:spPr>
+      </p:pic>
+      <p:sp>
+        <p:nvSpPr>
+          <p:cNvPr id="8" name="Rectangle 7">
+            <a:extLst>
+              <a:ext uri="{FF2B5EF4-FFF2-40B4-BE49-F238E27FC236}">
+                <a16:creationId xmlns:a16="http://schemas.microsoft.com/office/drawing/2014/main" id="{DD4ACB9B-1C25-5B41-B459-1A6DC067AC89}"/>
+              </a:ext>
+            </a:extLst>
+          </p:cNvPr>
+          <p:cNvSpPr/>
+          <p:nvPr/>
+        </p:nvSpPr>
+        <p:spPr>
+          <a:xfrm>
+            <a:off x="4490134" y="6026566"/>
+            <a:ext cx="4755533" cy="461665"/>
+          </a:xfrm>
+          <a:prstGeom prst="rect">
+            <a:avLst/>
+          </a:prstGeom>
+        </p:spPr>
+        <p:txBody>
+          <a:bodyPr wrap="none">
+            <a:spAutoFit/>
+          </a:bodyPr>
+          <a:lstStyle/>
+          <a:p>
+            <a:r>
+              <a:rPr lang="en-US" sz="2400" dirty="0"/>
+              <a:t>https://drexel-se577-2022.slack.com</a:t>
+            </a:r>
+          </a:p>
+        </p:txBody>
+      </p:sp>
+    </p:spTree>
+    <p:extLst>
+      <p:ext uri="{BB962C8B-B14F-4D97-AF65-F5344CB8AC3E}">
+        <p14:creationId xmlns:p14="http://schemas.microsoft.com/office/powerpoint/2010/main" val="1475521508"/>
+      </p:ext>
+    </p:extLst>
+  </p:cSld>
+  <p:clrMapOvr>
+    <a:masterClrMapping/>
+  </p:clrMapOvr>
+</p:sld>
+</file>
+
+<file path=ppt/slides/slide14.xml><?xml version="1.0" encoding="utf-8"?>
+<p:sld xmlns:a="http://schemas.openxmlformats.org/drawingml/2006/main" xmlns:r="http://schemas.openxmlformats.org/officeDocument/2006/relationships" xmlns:p="http://schemas.openxmlformats.org/presentationml/2006/main">
+  <p:cSld>
+    <p:spTree>
+      <p:nvGrpSpPr>
+        <p:cNvPr id="1" name=""/>
+        <p:cNvGrpSpPr/>
+        <p:nvPr/>
+      </p:nvGrpSpPr>
+      <p:grpSpPr>
+        <a:xfrm>
+          <a:off x="0" y="0"/>
+          <a:ext cx="0" cy="0"/>
+          <a:chOff x="0" y="0"/>
+          <a:chExt cx="0" cy="0"/>
+        </a:xfrm>
+      </p:grpSpPr>
+      <p:sp>
+        <p:nvSpPr>
+          <p:cNvPr id="2" name="Title 1">
+            <a:extLst>
+              <a:ext uri="{FF2B5EF4-FFF2-40B4-BE49-F238E27FC236}">
                 <a16:creationId xmlns:a16="http://schemas.microsoft.com/office/drawing/2014/main" id="{AD4D4935-D8AE-4457-8ECD-E9622C739125}"/>
               </a:ext>
             </a:extLst>
@@ -4222,7 +4566,7 @@
           <a:p>
             <a:fld id="{69E57DC2-970A-4B3E-BB1C-7A09969E49DF}" type="slidenum">
               <a:rPr lang="en-US" smtClean="0"/>
-              <a:t>12</a:t>
+              <a:t>14</a:t>
             </a:fld>
             <a:endParaRPr lang="en-US" dirty="0"/>
           </a:p>

--- a/lectures/Week 1 - Course Overview.pptx
+++ b/lectures/Week 1 - Course Overview.pptx
@@ -5,7 +5,7 @@
     <p:sldMasterId id="2147483718" r:id="rId1"/>
   </p:sldMasterIdLst>
   <p:notesMasterIdLst>
-    <p:notesMasterId r:id="rId16"/>
+    <p:notesMasterId r:id="rId26"/>
   </p:notesMasterIdLst>
   <p:sldIdLst>
     <p:sldId id="256" r:id="rId2"/>
@@ -22,6 +22,16 @@
     <p:sldId id="845" r:id="rId13"/>
     <p:sldId id="854" r:id="rId14"/>
     <p:sldId id="846" r:id="rId15"/>
+    <p:sldId id="858" r:id="rId16"/>
+    <p:sldId id="855" r:id="rId17"/>
+    <p:sldId id="857" r:id="rId18"/>
+    <p:sldId id="859" r:id="rId19"/>
+    <p:sldId id="860" r:id="rId20"/>
+    <p:sldId id="861" r:id="rId21"/>
+    <p:sldId id="862" r:id="rId22"/>
+    <p:sldId id="856" r:id="rId23"/>
+    <p:sldId id="863" r:id="rId24"/>
+    <p:sldId id="864" r:id="rId25"/>
   </p:sldIdLst>
   <p:sldSz cx="12192000" cy="6858000"/>
   <p:notesSz cx="6858000" cy="9144000"/>
@@ -210,7 +220,7 @@
           <a:p>
             <a:fld id="{FD445C60-CED6-B440-8927-4AEA12D2D7A5}" type="datetimeFigureOut">
               <a:rPr lang="en-US" smtClean="0"/>
-              <a:t>3/28/22</a:t>
+              <a:t>3/30/22</a:t>
             </a:fld>
             <a:endParaRPr lang="en-US"/>
           </a:p>
@@ -561,6 +571,510 @@
 </p:notes>
 </file>
 
+<file path=ppt/notesSlides/notesSlide2.xml><?xml version="1.0" encoding="utf-8"?>
+<p:notes xmlns:a="http://schemas.openxmlformats.org/drawingml/2006/main" xmlns:r="http://schemas.openxmlformats.org/officeDocument/2006/relationships" xmlns:p="http://schemas.openxmlformats.org/presentationml/2006/main">
+  <p:cSld>
+    <p:spTree>
+      <p:nvGrpSpPr>
+        <p:cNvPr id="1" name=""/>
+        <p:cNvGrpSpPr/>
+        <p:nvPr/>
+      </p:nvGrpSpPr>
+      <p:grpSpPr>
+        <a:xfrm>
+          <a:off x="0" y="0"/>
+          <a:ext cx="0" cy="0"/>
+          <a:chOff x="0" y="0"/>
+          <a:chExt cx="0" cy="0"/>
+        </a:xfrm>
+      </p:grpSpPr>
+      <p:sp>
+        <p:nvSpPr>
+          <p:cNvPr id="2" name="Slide Image Placeholder 1"/>
+          <p:cNvSpPr>
+            <a:spLocks noGrp="1" noRot="1" noChangeAspect="1"/>
+          </p:cNvSpPr>
+          <p:nvPr>
+            <p:ph type="sldImg"/>
+          </p:nvPr>
+        </p:nvSpPr>
+        <p:spPr/>
+      </p:sp>
+      <p:sp>
+        <p:nvSpPr>
+          <p:cNvPr id="3" name="Notes Placeholder 2"/>
+          <p:cNvSpPr>
+            <a:spLocks noGrp="1"/>
+          </p:cNvSpPr>
+          <p:nvPr>
+            <p:ph type="body" idx="1"/>
+          </p:nvPr>
+        </p:nvSpPr>
+        <p:spPr/>
+        <p:txBody>
+          <a:bodyPr/>
+          <a:lstStyle/>
+          <a:p>
+            <a:endParaRPr lang="en-US" dirty="0"/>
+          </a:p>
+        </p:txBody>
+      </p:sp>
+      <p:sp>
+        <p:nvSpPr>
+          <p:cNvPr id="4" name="Slide Number Placeholder 3"/>
+          <p:cNvSpPr>
+            <a:spLocks noGrp="1"/>
+          </p:cNvSpPr>
+          <p:nvPr>
+            <p:ph type="sldNum" sz="quarter" idx="5"/>
+          </p:nvPr>
+        </p:nvSpPr>
+        <p:spPr/>
+        <p:txBody>
+          <a:bodyPr/>
+          <a:lstStyle/>
+          <a:p>
+            <a:fld id="{068FE4ED-59E9-4944-A32F-9556C2E2A90E}" type="slidenum">
+              <a:rPr lang="en-US" smtClean="0"/>
+              <a:t>16</a:t>
+            </a:fld>
+            <a:endParaRPr lang="en-US"/>
+          </a:p>
+        </p:txBody>
+      </p:sp>
+    </p:spTree>
+    <p:extLst>
+      <p:ext uri="{BB962C8B-B14F-4D97-AF65-F5344CB8AC3E}">
+        <p14:creationId xmlns:p14="http://schemas.microsoft.com/office/powerpoint/2010/main" val="348509969"/>
+      </p:ext>
+    </p:extLst>
+  </p:cSld>
+  <p:clrMapOvr>
+    <a:masterClrMapping/>
+  </p:clrMapOvr>
+</p:notes>
+</file>
+
+<file path=ppt/notesSlides/notesSlide3.xml><?xml version="1.0" encoding="utf-8"?>
+<p:notes xmlns:a="http://schemas.openxmlformats.org/drawingml/2006/main" xmlns:r="http://schemas.openxmlformats.org/officeDocument/2006/relationships" xmlns:p="http://schemas.openxmlformats.org/presentationml/2006/main">
+  <p:cSld>
+    <p:spTree>
+      <p:nvGrpSpPr>
+        <p:cNvPr id="1" name=""/>
+        <p:cNvGrpSpPr/>
+        <p:nvPr/>
+      </p:nvGrpSpPr>
+      <p:grpSpPr>
+        <a:xfrm>
+          <a:off x="0" y="0"/>
+          <a:ext cx="0" cy="0"/>
+          <a:chOff x="0" y="0"/>
+          <a:chExt cx="0" cy="0"/>
+        </a:xfrm>
+      </p:grpSpPr>
+      <p:sp>
+        <p:nvSpPr>
+          <p:cNvPr id="2" name="Slide Image Placeholder 1"/>
+          <p:cNvSpPr>
+            <a:spLocks noGrp="1" noRot="1" noChangeAspect="1"/>
+          </p:cNvSpPr>
+          <p:nvPr>
+            <p:ph type="sldImg"/>
+          </p:nvPr>
+        </p:nvSpPr>
+        <p:spPr/>
+      </p:sp>
+      <p:sp>
+        <p:nvSpPr>
+          <p:cNvPr id="3" name="Notes Placeholder 2"/>
+          <p:cNvSpPr>
+            <a:spLocks noGrp="1"/>
+          </p:cNvSpPr>
+          <p:nvPr>
+            <p:ph type="body" idx="1"/>
+          </p:nvPr>
+        </p:nvSpPr>
+        <p:spPr/>
+        <p:txBody>
+          <a:bodyPr/>
+          <a:lstStyle/>
+          <a:p>
+            <a:endParaRPr lang="en-US" dirty="0"/>
+          </a:p>
+        </p:txBody>
+      </p:sp>
+      <p:sp>
+        <p:nvSpPr>
+          <p:cNvPr id="4" name="Slide Number Placeholder 3"/>
+          <p:cNvSpPr>
+            <a:spLocks noGrp="1"/>
+          </p:cNvSpPr>
+          <p:nvPr>
+            <p:ph type="sldNum" sz="quarter" idx="5"/>
+          </p:nvPr>
+        </p:nvSpPr>
+        <p:spPr/>
+        <p:txBody>
+          <a:bodyPr/>
+          <a:lstStyle/>
+          <a:p>
+            <a:fld id="{068FE4ED-59E9-4944-A32F-9556C2E2A90E}" type="slidenum">
+              <a:rPr lang="en-US" smtClean="0"/>
+              <a:t>17</a:t>
+            </a:fld>
+            <a:endParaRPr lang="en-US"/>
+          </a:p>
+        </p:txBody>
+      </p:sp>
+    </p:spTree>
+    <p:extLst>
+      <p:ext uri="{BB962C8B-B14F-4D97-AF65-F5344CB8AC3E}">
+        <p14:creationId xmlns:p14="http://schemas.microsoft.com/office/powerpoint/2010/main" val="3597972125"/>
+      </p:ext>
+    </p:extLst>
+  </p:cSld>
+  <p:clrMapOvr>
+    <a:masterClrMapping/>
+  </p:clrMapOvr>
+</p:notes>
+</file>
+
+<file path=ppt/notesSlides/notesSlide4.xml><?xml version="1.0" encoding="utf-8"?>
+<p:notes xmlns:a="http://schemas.openxmlformats.org/drawingml/2006/main" xmlns:r="http://schemas.openxmlformats.org/officeDocument/2006/relationships" xmlns:p="http://schemas.openxmlformats.org/presentationml/2006/main">
+  <p:cSld>
+    <p:spTree>
+      <p:nvGrpSpPr>
+        <p:cNvPr id="1" name=""/>
+        <p:cNvGrpSpPr/>
+        <p:nvPr/>
+      </p:nvGrpSpPr>
+      <p:grpSpPr>
+        <a:xfrm>
+          <a:off x="0" y="0"/>
+          <a:ext cx="0" cy="0"/>
+          <a:chOff x="0" y="0"/>
+          <a:chExt cx="0" cy="0"/>
+        </a:xfrm>
+      </p:grpSpPr>
+      <p:sp>
+        <p:nvSpPr>
+          <p:cNvPr id="2" name="Slide Image Placeholder 1"/>
+          <p:cNvSpPr>
+            <a:spLocks noGrp="1" noRot="1" noChangeAspect="1"/>
+          </p:cNvSpPr>
+          <p:nvPr>
+            <p:ph type="sldImg"/>
+          </p:nvPr>
+        </p:nvSpPr>
+        <p:spPr/>
+      </p:sp>
+      <p:sp>
+        <p:nvSpPr>
+          <p:cNvPr id="3" name="Notes Placeholder 2"/>
+          <p:cNvSpPr>
+            <a:spLocks noGrp="1"/>
+          </p:cNvSpPr>
+          <p:nvPr>
+            <p:ph type="body" idx="1"/>
+          </p:nvPr>
+        </p:nvSpPr>
+        <p:spPr/>
+        <p:txBody>
+          <a:bodyPr/>
+          <a:lstStyle/>
+          <a:p>
+            <a:endParaRPr lang="en-US" dirty="0"/>
+          </a:p>
+        </p:txBody>
+      </p:sp>
+      <p:sp>
+        <p:nvSpPr>
+          <p:cNvPr id="4" name="Slide Number Placeholder 3"/>
+          <p:cNvSpPr>
+            <a:spLocks noGrp="1"/>
+          </p:cNvSpPr>
+          <p:nvPr>
+            <p:ph type="sldNum" sz="quarter" idx="5"/>
+          </p:nvPr>
+        </p:nvSpPr>
+        <p:spPr/>
+        <p:txBody>
+          <a:bodyPr/>
+          <a:lstStyle/>
+          <a:p>
+            <a:fld id="{068FE4ED-59E9-4944-A32F-9556C2E2A90E}" type="slidenum">
+              <a:rPr lang="en-US" smtClean="0"/>
+              <a:t>18</a:t>
+            </a:fld>
+            <a:endParaRPr lang="en-US"/>
+          </a:p>
+        </p:txBody>
+      </p:sp>
+    </p:spTree>
+    <p:extLst>
+      <p:ext uri="{BB962C8B-B14F-4D97-AF65-F5344CB8AC3E}">
+        <p14:creationId xmlns:p14="http://schemas.microsoft.com/office/powerpoint/2010/main" val="3408438533"/>
+      </p:ext>
+    </p:extLst>
+  </p:cSld>
+  <p:clrMapOvr>
+    <a:masterClrMapping/>
+  </p:clrMapOvr>
+</p:notes>
+</file>
+
+<file path=ppt/notesSlides/notesSlide5.xml><?xml version="1.0" encoding="utf-8"?>
+<p:notes xmlns:a="http://schemas.openxmlformats.org/drawingml/2006/main" xmlns:r="http://schemas.openxmlformats.org/officeDocument/2006/relationships" xmlns:p="http://schemas.openxmlformats.org/presentationml/2006/main">
+  <p:cSld>
+    <p:spTree>
+      <p:nvGrpSpPr>
+        <p:cNvPr id="1" name=""/>
+        <p:cNvGrpSpPr/>
+        <p:nvPr/>
+      </p:nvGrpSpPr>
+      <p:grpSpPr>
+        <a:xfrm>
+          <a:off x="0" y="0"/>
+          <a:ext cx="0" cy="0"/>
+          <a:chOff x="0" y="0"/>
+          <a:chExt cx="0" cy="0"/>
+        </a:xfrm>
+      </p:grpSpPr>
+      <p:sp>
+        <p:nvSpPr>
+          <p:cNvPr id="2" name="Slide Image Placeholder 1"/>
+          <p:cNvSpPr>
+            <a:spLocks noGrp="1" noRot="1" noChangeAspect="1"/>
+          </p:cNvSpPr>
+          <p:nvPr>
+            <p:ph type="sldImg"/>
+          </p:nvPr>
+        </p:nvSpPr>
+        <p:spPr/>
+      </p:sp>
+      <p:sp>
+        <p:nvSpPr>
+          <p:cNvPr id="3" name="Notes Placeholder 2"/>
+          <p:cNvSpPr>
+            <a:spLocks noGrp="1"/>
+          </p:cNvSpPr>
+          <p:nvPr>
+            <p:ph type="body" idx="1"/>
+          </p:nvPr>
+        </p:nvSpPr>
+        <p:spPr/>
+        <p:txBody>
+          <a:bodyPr/>
+          <a:lstStyle/>
+          <a:p>
+            <a:endParaRPr lang="en-US" dirty="0"/>
+          </a:p>
+        </p:txBody>
+      </p:sp>
+      <p:sp>
+        <p:nvSpPr>
+          <p:cNvPr id="4" name="Slide Number Placeholder 3"/>
+          <p:cNvSpPr>
+            <a:spLocks noGrp="1"/>
+          </p:cNvSpPr>
+          <p:nvPr>
+            <p:ph type="sldNum" sz="quarter" idx="5"/>
+          </p:nvPr>
+        </p:nvSpPr>
+        <p:spPr/>
+        <p:txBody>
+          <a:bodyPr/>
+          <a:lstStyle/>
+          <a:p>
+            <a:fld id="{068FE4ED-59E9-4944-A32F-9556C2E2A90E}" type="slidenum">
+              <a:rPr lang="en-US" smtClean="0"/>
+              <a:t>22</a:t>
+            </a:fld>
+            <a:endParaRPr lang="en-US"/>
+          </a:p>
+        </p:txBody>
+      </p:sp>
+    </p:spTree>
+    <p:extLst>
+      <p:ext uri="{BB962C8B-B14F-4D97-AF65-F5344CB8AC3E}">
+        <p14:creationId xmlns:p14="http://schemas.microsoft.com/office/powerpoint/2010/main" val="505949191"/>
+      </p:ext>
+    </p:extLst>
+  </p:cSld>
+  <p:clrMapOvr>
+    <a:masterClrMapping/>
+  </p:clrMapOvr>
+</p:notes>
+</file>
+
+<file path=ppt/notesSlides/notesSlide6.xml><?xml version="1.0" encoding="utf-8"?>
+<p:notes xmlns:a="http://schemas.openxmlformats.org/drawingml/2006/main" xmlns:r="http://schemas.openxmlformats.org/officeDocument/2006/relationships" xmlns:p="http://schemas.openxmlformats.org/presentationml/2006/main">
+  <p:cSld>
+    <p:spTree>
+      <p:nvGrpSpPr>
+        <p:cNvPr id="1" name=""/>
+        <p:cNvGrpSpPr/>
+        <p:nvPr/>
+      </p:nvGrpSpPr>
+      <p:grpSpPr>
+        <a:xfrm>
+          <a:off x="0" y="0"/>
+          <a:ext cx="0" cy="0"/>
+          <a:chOff x="0" y="0"/>
+          <a:chExt cx="0" cy="0"/>
+        </a:xfrm>
+      </p:grpSpPr>
+      <p:sp>
+        <p:nvSpPr>
+          <p:cNvPr id="2" name="Slide Image Placeholder 1"/>
+          <p:cNvSpPr>
+            <a:spLocks noGrp="1" noRot="1" noChangeAspect="1"/>
+          </p:cNvSpPr>
+          <p:nvPr>
+            <p:ph type="sldImg"/>
+          </p:nvPr>
+        </p:nvSpPr>
+        <p:spPr/>
+      </p:sp>
+      <p:sp>
+        <p:nvSpPr>
+          <p:cNvPr id="3" name="Notes Placeholder 2"/>
+          <p:cNvSpPr>
+            <a:spLocks noGrp="1"/>
+          </p:cNvSpPr>
+          <p:nvPr>
+            <p:ph type="body" idx="1"/>
+          </p:nvPr>
+        </p:nvSpPr>
+        <p:spPr/>
+        <p:txBody>
+          <a:bodyPr/>
+          <a:lstStyle/>
+          <a:p>
+            <a:endParaRPr lang="en-US" dirty="0"/>
+          </a:p>
+        </p:txBody>
+      </p:sp>
+      <p:sp>
+        <p:nvSpPr>
+          <p:cNvPr id="4" name="Slide Number Placeholder 3"/>
+          <p:cNvSpPr>
+            <a:spLocks noGrp="1"/>
+          </p:cNvSpPr>
+          <p:nvPr>
+            <p:ph type="sldNum" sz="quarter" idx="5"/>
+          </p:nvPr>
+        </p:nvSpPr>
+        <p:spPr/>
+        <p:txBody>
+          <a:bodyPr/>
+          <a:lstStyle/>
+          <a:p>
+            <a:fld id="{068FE4ED-59E9-4944-A32F-9556C2E2A90E}" type="slidenum">
+              <a:rPr lang="en-US" smtClean="0"/>
+              <a:t>23</a:t>
+            </a:fld>
+            <a:endParaRPr lang="en-US"/>
+          </a:p>
+        </p:txBody>
+      </p:sp>
+    </p:spTree>
+    <p:extLst>
+      <p:ext uri="{BB962C8B-B14F-4D97-AF65-F5344CB8AC3E}">
+        <p14:creationId xmlns:p14="http://schemas.microsoft.com/office/powerpoint/2010/main" val="2743184768"/>
+      </p:ext>
+    </p:extLst>
+  </p:cSld>
+  <p:clrMapOvr>
+    <a:masterClrMapping/>
+  </p:clrMapOvr>
+</p:notes>
+</file>
+
+<file path=ppt/notesSlides/notesSlide7.xml><?xml version="1.0" encoding="utf-8"?>
+<p:notes xmlns:a="http://schemas.openxmlformats.org/drawingml/2006/main" xmlns:r="http://schemas.openxmlformats.org/officeDocument/2006/relationships" xmlns:p="http://schemas.openxmlformats.org/presentationml/2006/main">
+  <p:cSld>
+    <p:spTree>
+      <p:nvGrpSpPr>
+        <p:cNvPr id="1" name=""/>
+        <p:cNvGrpSpPr/>
+        <p:nvPr/>
+      </p:nvGrpSpPr>
+      <p:grpSpPr>
+        <a:xfrm>
+          <a:off x="0" y="0"/>
+          <a:ext cx="0" cy="0"/>
+          <a:chOff x="0" y="0"/>
+          <a:chExt cx="0" cy="0"/>
+        </a:xfrm>
+      </p:grpSpPr>
+      <p:sp>
+        <p:nvSpPr>
+          <p:cNvPr id="2" name="Slide Image Placeholder 1"/>
+          <p:cNvSpPr>
+            <a:spLocks noGrp="1" noRot="1" noChangeAspect="1"/>
+          </p:cNvSpPr>
+          <p:nvPr>
+            <p:ph type="sldImg"/>
+          </p:nvPr>
+        </p:nvSpPr>
+        <p:spPr/>
+      </p:sp>
+      <p:sp>
+        <p:nvSpPr>
+          <p:cNvPr id="3" name="Notes Placeholder 2"/>
+          <p:cNvSpPr>
+            <a:spLocks noGrp="1"/>
+          </p:cNvSpPr>
+          <p:nvPr>
+            <p:ph type="body" idx="1"/>
+          </p:nvPr>
+        </p:nvSpPr>
+        <p:spPr/>
+        <p:txBody>
+          <a:bodyPr/>
+          <a:lstStyle/>
+          <a:p>
+            <a:endParaRPr lang="en-US" dirty="0"/>
+          </a:p>
+        </p:txBody>
+      </p:sp>
+      <p:sp>
+        <p:nvSpPr>
+          <p:cNvPr id="4" name="Slide Number Placeholder 3"/>
+          <p:cNvSpPr>
+            <a:spLocks noGrp="1"/>
+          </p:cNvSpPr>
+          <p:nvPr>
+            <p:ph type="sldNum" sz="quarter" idx="5"/>
+          </p:nvPr>
+        </p:nvSpPr>
+        <p:spPr/>
+        <p:txBody>
+          <a:bodyPr/>
+          <a:lstStyle/>
+          <a:p>
+            <a:fld id="{068FE4ED-59E9-4944-A32F-9556C2E2A90E}" type="slidenum">
+              <a:rPr lang="en-US" smtClean="0"/>
+              <a:t>24</a:t>
+            </a:fld>
+            <a:endParaRPr lang="en-US"/>
+          </a:p>
+        </p:txBody>
+      </p:sp>
+    </p:spTree>
+    <p:extLst>
+      <p:ext uri="{BB962C8B-B14F-4D97-AF65-F5344CB8AC3E}">
+        <p14:creationId xmlns:p14="http://schemas.microsoft.com/office/powerpoint/2010/main" val="3524542958"/>
+      </p:ext>
+    </p:extLst>
+  </p:cSld>
+  <p:clrMapOvr>
+    <a:masterClrMapping/>
+  </p:clrMapOvr>
+</p:notes>
+</file>
+
 <file path=ppt/slideLayouts/slideLayout1.xml><?xml version="1.0" encoding="utf-8"?>
 <p:sldLayout xmlns:a="http://schemas.openxmlformats.org/drawingml/2006/main" xmlns:r="http://schemas.openxmlformats.org/officeDocument/2006/relationships" xmlns:p="http://schemas.openxmlformats.org/presentationml/2006/main" type="title" preserve="1">
   <p:cSld name="Title Slide">
@@ -690,7 +1204,7 @@
           <a:p>
             <a:fld id="{4E81F04F-08BC-4642-81C9-00D36C75945A}" type="datetime1">
               <a:rPr lang="en-US" smtClean="0"/>
-              <a:t>3/28/22</a:t>
+              <a:t>3/30/22</a:t>
             </a:fld>
             <a:endParaRPr lang="en-US" dirty="0"/>
           </a:p>
@@ -859,7 +1373,7 @@
           <a:p>
             <a:fld id="{E32DCFFA-6FA3-4C6C-8A77-3356F28F7C80}" type="datetime1">
               <a:rPr lang="en-US" smtClean="0"/>
-              <a:t>3/28/22</a:t>
+              <a:t>3/30/22</a:t>
             </a:fld>
             <a:endParaRPr lang="en-US" dirty="0"/>
           </a:p>
@@ -1037,7 +1551,7 @@
           <a:p>
             <a:fld id="{D047F53D-4D03-447A-A139-EDA188F180D9}" type="datetime1">
               <a:rPr lang="en-US" smtClean="0"/>
-              <a:t>3/28/22</a:t>
+              <a:t>3/30/22</a:t>
             </a:fld>
             <a:endParaRPr lang="en-US" dirty="0"/>
           </a:p>
@@ -1205,7 +1719,7 @@
           <a:p>
             <a:fld id="{C84EFC3D-9B20-4F77-B52D-B54E10146E16}" type="datetime1">
               <a:rPr lang="en-US" smtClean="0"/>
-              <a:t>3/28/22</a:t>
+              <a:t>3/30/22</a:t>
             </a:fld>
             <a:endParaRPr lang="en-US" dirty="0"/>
           </a:p>
@@ -1450,7 +1964,7 @@
           <a:p>
             <a:fld id="{75DA1B6D-97C1-4E2F-88EA-2004A60DE029}" type="datetime1">
               <a:rPr lang="en-US" smtClean="0"/>
-              <a:t>3/28/22</a:t>
+              <a:t>3/30/22</a:t>
             </a:fld>
             <a:endParaRPr lang="en-US" dirty="0"/>
           </a:p>
@@ -1680,7 +2194,7 @@
           <a:p>
             <a:fld id="{186A922D-A106-4715-A85A-76B2A0882E12}" type="datetime1">
               <a:rPr lang="en-US" smtClean="0"/>
-              <a:t>3/28/22</a:t>
+              <a:t>3/30/22</a:t>
             </a:fld>
             <a:endParaRPr lang="en-US" dirty="0"/>
           </a:p>
@@ -2044,7 +2558,7 @@
           <a:p>
             <a:fld id="{E0C552D5-4B11-47DE-A1F6-CCF748D12FEF}" type="datetime1">
               <a:rPr lang="en-US" smtClean="0"/>
-              <a:t>3/28/22</a:t>
+              <a:t>3/30/22</a:t>
             </a:fld>
             <a:endParaRPr lang="en-US" dirty="0"/>
           </a:p>
@@ -2161,7 +2675,7 @@
           <a:p>
             <a:fld id="{2E51E434-4C74-4702-AE92-0270A5A5157D}" type="datetime1">
               <a:rPr lang="en-US" smtClean="0"/>
-              <a:t>3/28/22</a:t>
+              <a:t>3/30/22</a:t>
             </a:fld>
             <a:endParaRPr lang="en-US" dirty="0"/>
           </a:p>
@@ -2256,7 +2770,7 @@
           <a:p>
             <a:fld id="{2320976F-0323-4648-A0DE-D0A05A884501}" type="datetime1">
               <a:rPr lang="en-US" smtClean="0"/>
-              <a:t>3/28/22</a:t>
+              <a:t>3/30/22</a:t>
             </a:fld>
             <a:endParaRPr lang="en-US" dirty="0"/>
           </a:p>
@@ -2531,7 +3045,7 @@
           <a:p>
             <a:fld id="{12A58C61-2A80-424D-B21E-E31F34EF830C}" type="datetime1">
               <a:rPr lang="en-US" smtClean="0"/>
-              <a:t>3/28/22</a:t>
+              <a:t>3/30/22</a:t>
             </a:fld>
             <a:endParaRPr lang="en-US" dirty="0"/>
           </a:p>
@@ -2784,7 +3298,7 @@
           <a:p>
             <a:fld id="{531BDF06-0BA9-4386-94D6-42D80F71273B}" type="datetime1">
               <a:rPr lang="en-US" smtClean="0"/>
-              <a:t>3/28/22</a:t>
+              <a:t>3/30/22</a:t>
             </a:fld>
             <a:endParaRPr lang="en-US" dirty="0"/>
           </a:p>
@@ -2996,7 +3510,7 @@
           <a:p>
             <a:fld id="{6931C7C3-C7FC-4D2F-B0CE-10B197DF22B1}" type="datetime1">
               <a:rPr lang="en-US" smtClean="0"/>
-              <a:t>3/28/22</a:t>
+              <a:t>3/30/22</a:t>
             </a:fld>
             <a:endParaRPr lang="en-US" dirty="0"/>
           </a:p>
@@ -4572,10 +5086,2595 @@
           </a:p>
         </p:txBody>
       </p:sp>
+      <p:sp>
+        <p:nvSpPr>
+          <p:cNvPr id="5" name="Rectangle 4">
+            <a:extLst>
+              <a:ext uri="{FF2B5EF4-FFF2-40B4-BE49-F238E27FC236}">
+                <a16:creationId xmlns:a16="http://schemas.microsoft.com/office/drawing/2014/main" id="{71A635B9-A30A-0945-A375-A406FFD598DF}"/>
+              </a:ext>
+            </a:extLst>
+          </p:cNvPr>
+          <p:cNvSpPr/>
+          <p:nvPr/>
+        </p:nvSpPr>
+        <p:spPr>
+          <a:xfrm>
+            <a:off x="1103372" y="5161750"/>
+            <a:ext cx="9985255" cy="830997"/>
+          </a:xfrm>
+          <a:prstGeom prst="rect">
+            <a:avLst/>
+          </a:prstGeom>
+        </p:spPr>
+        <p:txBody>
+          <a:bodyPr wrap="square">
+            <a:spAutoFit/>
+          </a:bodyPr>
+          <a:lstStyle/>
+          <a:p>
+            <a:r>
+              <a:rPr lang="en-US" sz="2400" b="1" dirty="0">
+                <a:solidFill>
+                  <a:srgbClr val="7030A0"/>
+                </a:solidFill>
+              </a:rPr>
+              <a:t>LETS USE THIS AS AN EXAMPLE DEMONSTRATING WHAT AN ARCHITECT DOES AND WHAT YOU SHOULD BE ABLE TO DO AFTER TAKING THIS CLASS</a:t>
+            </a:r>
+          </a:p>
+        </p:txBody>
+      </p:sp>
     </p:spTree>
     <p:extLst>
       <p:ext uri="{BB962C8B-B14F-4D97-AF65-F5344CB8AC3E}">
         <p14:creationId xmlns:p14="http://schemas.microsoft.com/office/powerpoint/2010/main" val="1266875325"/>
+      </p:ext>
+    </p:extLst>
+  </p:cSld>
+  <p:clrMapOvr>
+    <a:masterClrMapping/>
+  </p:clrMapOvr>
+</p:sld>
+</file>
+
+<file path=ppt/slides/slide15.xml><?xml version="1.0" encoding="utf-8"?>
+<p:sld xmlns:a="http://schemas.openxmlformats.org/drawingml/2006/main" xmlns:r="http://schemas.openxmlformats.org/officeDocument/2006/relationships" xmlns:p="http://schemas.openxmlformats.org/presentationml/2006/main">
+  <p:cSld>
+    <p:spTree>
+      <p:nvGrpSpPr>
+        <p:cNvPr id="1" name=""/>
+        <p:cNvGrpSpPr/>
+        <p:nvPr/>
+      </p:nvGrpSpPr>
+      <p:grpSpPr>
+        <a:xfrm>
+          <a:off x="0" y="0"/>
+          <a:ext cx="0" cy="0"/>
+          <a:chOff x="0" y="0"/>
+          <a:chExt cx="0" cy="0"/>
+        </a:xfrm>
+      </p:grpSpPr>
+      <p:sp>
+        <p:nvSpPr>
+          <p:cNvPr id="2" name="Title 1">
+            <a:extLst>
+              <a:ext uri="{FF2B5EF4-FFF2-40B4-BE49-F238E27FC236}">
+                <a16:creationId xmlns:a16="http://schemas.microsoft.com/office/drawing/2014/main" id="{8F29ACB7-3B63-49E7-96D7-15DA3109CDE5}"/>
+              </a:ext>
+            </a:extLst>
+          </p:cNvPr>
+          <p:cNvSpPr>
+            <a:spLocks noGrp="1"/>
+          </p:cNvSpPr>
+          <p:nvPr>
+            <p:ph type="title"/>
+          </p:nvPr>
+        </p:nvSpPr>
+        <p:spPr>
+          <a:xfrm>
+            <a:off x="39223" y="1969"/>
+            <a:ext cx="11617377" cy="1325563"/>
+          </a:xfrm>
+        </p:spPr>
+        <p:txBody>
+          <a:bodyPr/>
+          <a:lstStyle/>
+          <a:p>
+            <a:r>
+              <a:rPr lang="en-US" b="1" dirty="0"/>
+              <a:t>Our first software architecture example</a:t>
+            </a:r>
+          </a:p>
+        </p:txBody>
+      </p:sp>
+      <p:sp>
+        <p:nvSpPr>
+          <p:cNvPr id="4" name="Slide Number Placeholder 3">
+            <a:extLst>
+              <a:ext uri="{FF2B5EF4-FFF2-40B4-BE49-F238E27FC236}">
+                <a16:creationId xmlns:a16="http://schemas.microsoft.com/office/drawing/2014/main" id="{542EAC42-38A0-4516-814B-016A18951906}"/>
+              </a:ext>
+            </a:extLst>
+          </p:cNvPr>
+          <p:cNvSpPr>
+            <a:spLocks noGrp="1"/>
+          </p:cNvSpPr>
+          <p:nvPr>
+            <p:ph type="sldNum" sz="quarter" idx="12"/>
+          </p:nvPr>
+        </p:nvSpPr>
+        <p:spPr>
+          <a:xfrm>
+            <a:off x="8610600" y="6114304"/>
+            <a:ext cx="2743200" cy="365125"/>
+          </a:xfrm>
+        </p:spPr>
+        <p:txBody>
+          <a:bodyPr/>
+          <a:lstStyle/>
+          <a:p>
+            <a:fld id="{69E57DC2-970A-4B3E-BB1C-7A09969E49DF}" type="slidenum">
+              <a:rPr lang="en-US" smtClean="0"/>
+              <a:t>15</a:t>
+            </a:fld>
+            <a:endParaRPr lang="en-US" dirty="0"/>
+          </a:p>
+        </p:txBody>
+      </p:sp>
+      <p:sp>
+        <p:nvSpPr>
+          <p:cNvPr id="8" name="Rectangle 7">
+            <a:extLst>
+              <a:ext uri="{FF2B5EF4-FFF2-40B4-BE49-F238E27FC236}">
+                <a16:creationId xmlns:a16="http://schemas.microsoft.com/office/drawing/2014/main" id="{DD4ACB9B-1C25-5B41-B459-1A6DC067AC89}"/>
+              </a:ext>
+            </a:extLst>
+          </p:cNvPr>
+          <p:cNvSpPr/>
+          <p:nvPr/>
+        </p:nvSpPr>
+        <p:spPr>
+          <a:xfrm>
+            <a:off x="416859" y="5777976"/>
+            <a:ext cx="9985255" cy="830997"/>
+          </a:xfrm>
+          <a:prstGeom prst="rect">
+            <a:avLst/>
+          </a:prstGeom>
+        </p:spPr>
+        <p:txBody>
+          <a:bodyPr wrap="square">
+            <a:spAutoFit/>
+          </a:bodyPr>
+          <a:lstStyle/>
+          <a:p>
+            <a:r>
+              <a:rPr lang="en-US" sz="2400" dirty="0"/>
+              <a:t>Lets examine this from an architects viewpoint – We will learn later that this can be articulated as an architecture decision record (ADR)</a:t>
+            </a:r>
+          </a:p>
+        </p:txBody>
+      </p:sp>
+      <p:sp>
+        <p:nvSpPr>
+          <p:cNvPr id="3" name="TextBox 2">
+            <a:extLst>
+              <a:ext uri="{FF2B5EF4-FFF2-40B4-BE49-F238E27FC236}">
+                <a16:creationId xmlns:a16="http://schemas.microsoft.com/office/drawing/2014/main" id="{A8E9695D-B400-D546-AEEE-F126D77C8632}"/>
+              </a:ext>
+            </a:extLst>
+          </p:cNvPr>
+          <p:cNvSpPr txBox="1"/>
+          <p:nvPr/>
+        </p:nvSpPr>
+        <p:spPr>
+          <a:xfrm>
+            <a:off x="685799" y="956791"/>
+            <a:ext cx="10377713" cy="646331"/>
+          </a:xfrm>
+          <a:prstGeom prst="rect">
+            <a:avLst/>
+          </a:prstGeom>
+          <a:noFill/>
+        </p:spPr>
+        <p:txBody>
+          <a:bodyPr wrap="none" rtlCol="0">
+            <a:spAutoFit/>
+          </a:bodyPr>
+          <a:lstStyle/>
+          <a:p>
+            <a:r>
+              <a:rPr lang="en-US" dirty="0"/>
+              <a:t>Architecture Guidance:  For most new modern development the overall JVM ecosystem should be avoided, if</a:t>
+            </a:r>
+            <a:br>
+              <a:rPr lang="en-US" dirty="0"/>
+            </a:br>
+            <a:r>
+              <a:rPr lang="en-US" dirty="0"/>
+              <a:t>the criteria for acceptable use of the JVM ecosystem are met, then:  </a:t>
+            </a:r>
+          </a:p>
+        </p:txBody>
+      </p:sp>
+      <p:sp>
+        <p:nvSpPr>
+          <p:cNvPr id="9" name="TextBox 8">
+            <a:extLst>
+              <a:ext uri="{FF2B5EF4-FFF2-40B4-BE49-F238E27FC236}">
+                <a16:creationId xmlns:a16="http://schemas.microsoft.com/office/drawing/2014/main" id="{4176AAE0-05AC-1E42-ACEE-F3B485D73848}"/>
+              </a:ext>
+            </a:extLst>
+          </p:cNvPr>
+          <p:cNvSpPr txBox="1"/>
+          <p:nvPr/>
+        </p:nvSpPr>
+        <p:spPr>
+          <a:xfrm>
+            <a:off x="685799" y="1609740"/>
+            <a:ext cx="10212989" cy="646331"/>
+          </a:xfrm>
+          <a:prstGeom prst="rect">
+            <a:avLst/>
+          </a:prstGeom>
+          <a:noFill/>
+        </p:spPr>
+        <p:txBody>
+          <a:bodyPr wrap="none" rtlCol="0">
+            <a:spAutoFit/>
+          </a:bodyPr>
+          <a:lstStyle/>
+          <a:p>
+            <a:r>
+              <a:rPr lang="en-US" dirty="0"/>
+              <a:t>Existing Java code bases can continue to be developed and extended in Java – significant new development</a:t>
+            </a:r>
+            <a:br>
+              <a:rPr lang="en-US" dirty="0"/>
+            </a:br>
+            <a:r>
+              <a:rPr lang="en-US" dirty="0"/>
+              <a:t>or enhancements to these systems should consider moving over to Kotlin. </a:t>
+            </a:r>
+          </a:p>
+        </p:txBody>
+      </p:sp>
+      <p:sp>
+        <p:nvSpPr>
+          <p:cNvPr id="10" name="Rectangle 9">
+            <a:extLst>
+              <a:ext uri="{FF2B5EF4-FFF2-40B4-BE49-F238E27FC236}">
+                <a16:creationId xmlns:a16="http://schemas.microsoft.com/office/drawing/2014/main" id="{9BD9C7B9-71E4-E547-A76A-108DE13B69CB}"/>
+              </a:ext>
+            </a:extLst>
+          </p:cNvPr>
+          <p:cNvSpPr/>
+          <p:nvPr/>
+        </p:nvSpPr>
+        <p:spPr>
+          <a:xfrm>
+            <a:off x="1842246" y="2385676"/>
+            <a:ext cx="3363686" cy="3392300"/>
+          </a:xfrm>
+          <a:prstGeom prst="rect">
+            <a:avLst/>
+          </a:prstGeom>
+        </p:spPr>
+        <p:style>
+          <a:lnRef idx="2">
+            <a:schemeClr val="accent1">
+              <a:shade val="50000"/>
+            </a:schemeClr>
+          </a:lnRef>
+          <a:fillRef idx="1">
+            <a:schemeClr val="accent1"/>
+          </a:fillRef>
+          <a:effectRef idx="0">
+            <a:schemeClr val="accent1"/>
+          </a:effectRef>
+          <a:fontRef idx="minor">
+            <a:schemeClr val="lt1"/>
+          </a:fontRef>
+        </p:style>
+        <p:txBody>
+          <a:bodyPr rtlCol="0" anchor="t" anchorCtr="0"/>
+          <a:lstStyle/>
+          <a:p>
+            <a:pPr algn="ctr"/>
+            <a:r>
+              <a:rPr lang="en-US" dirty="0"/>
+              <a:t>Java Virtual Machine</a:t>
+            </a:r>
+          </a:p>
+        </p:txBody>
+      </p:sp>
+      <p:sp>
+        <p:nvSpPr>
+          <p:cNvPr id="11" name="Rectangle 10">
+            <a:extLst>
+              <a:ext uri="{FF2B5EF4-FFF2-40B4-BE49-F238E27FC236}">
+                <a16:creationId xmlns:a16="http://schemas.microsoft.com/office/drawing/2014/main" id="{205B166A-0CA3-B94D-BB46-6BD69D40F672}"/>
+              </a:ext>
+            </a:extLst>
+          </p:cNvPr>
+          <p:cNvSpPr/>
+          <p:nvPr/>
+        </p:nvSpPr>
+        <p:spPr>
+          <a:xfrm>
+            <a:off x="2033192" y="2866974"/>
+            <a:ext cx="3062794" cy="578865"/>
+          </a:xfrm>
+          <a:prstGeom prst="rect">
+            <a:avLst/>
+          </a:prstGeom>
+          <a:solidFill>
+            <a:schemeClr val="bg1"/>
+          </a:solidFill>
+        </p:spPr>
+        <p:style>
+          <a:lnRef idx="2">
+            <a:schemeClr val="accent1">
+              <a:shade val="50000"/>
+            </a:schemeClr>
+          </a:lnRef>
+          <a:fillRef idx="1">
+            <a:schemeClr val="accent1"/>
+          </a:fillRef>
+          <a:effectRef idx="0">
+            <a:schemeClr val="accent1"/>
+          </a:effectRef>
+          <a:fontRef idx="minor">
+            <a:schemeClr val="lt1"/>
+          </a:fontRef>
+        </p:style>
+        <p:txBody>
+          <a:bodyPr rtlCol="0" anchor="ctr" anchorCtr="0"/>
+          <a:lstStyle/>
+          <a:p>
+            <a:pPr algn="ctr"/>
+            <a:r>
+              <a:rPr lang="en-US" sz="2000" dirty="0">
+                <a:solidFill>
+                  <a:schemeClr val="tx1"/>
+                </a:solidFill>
+              </a:rPr>
+              <a:t>JVM Runtime</a:t>
+            </a:r>
+          </a:p>
+        </p:txBody>
+      </p:sp>
+      <p:sp>
+        <p:nvSpPr>
+          <p:cNvPr id="13" name="Rectangle 12">
+            <a:extLst>
+              <a:ext uri="{FF2B5EF4-FFF2-40B4-BE49-F238E27FC236}">
+                <a16:creationId xmlns:a16="http://schemas.microsoft.com/office/drawing/2014/main" id="{ED060E6C-A3BF-BC43-B127-1BE057D424A1}"/>
+              </a:ext>
+            </a:extLst>
+          </p:cNvPr>
+          <p:cNvSpPr/>
+          <p:nvPr/>
+        </p:nvSpPr>
+        <p:spPr>
+          <a:xfrm>
+            <a:off x="2033191" y="4258604"/>
+            <a:ext cx="3062796" cy="1262102"/>
+          </a:xfrm>
+          <a:prstGeom prst="rect">
+            <a:avLst/>
+          </a:prstGeom>
+          <a:solidFill>
+            <a:schemeClr val="bg1"/>
+          </a:solidFill>
+        </p:spPr>
+        <p:style>
+          <a:lnRef idx="2">
+            <a:schemeClr val="accent1">
+              <a:shade val="50000"/>
+            </a:schemeClr>
+          </a:lnRef>
+          <a:fillRef idx="1">
+            <a:schemeClr val="accent1"/>
+          </a:fillRef>
+          <a:effectRef idx="0">
+            <a:schemeClr val="accent1"/>
+          </a:effectRef>
+          <a:fontRef idx="minor">
+            <a:schemeClr val="lt1"/>
+          </a:fontRef>
+        </p:style>
+        <p:txBody>
+          <a:bodyPr rtlCol="0" anchor="t" anchorCtr="0"/>
+          <a:lstStyle/>
+          <a:p>
+            <a:pPr algn="ctr"/>
+            <a:r>
+              <a:rPr lang="en-US" sz="2000" dirty="0">
+                <a:solidFill>
+                  <a:schemeClr val="tx1"/>
+                </a:solidFill>
+              </a:rPr>
+              <a:t>JVM Languages</a:t>
+            </a:r>
+          </a:p>
+        </p:txBody>
+      </p:sp>
+      <p:sp>
+        <p:nvSpPr>
+          <p:cNvPr id="14" name="Rectangle 13">
+            <a:extLst>
+              <a:ext uri="{FF2B5EF4-FFF2-40B4-BE49-F238E27FC236}">
+                <a16:creationId xmlns:a16="http://schemas.microsoft.com/office/drawing/2014/main" id="{7E9A82FA-FCB0-6940-983C-DDC4CEE6090A}"/>
+              </a:ext>
+            </a:extLst>
+          </p:cNvPr>
+          <p:cNvSpPr/>
+          <p:nvPr/>
+        </p:nvSpPr>
+        <p:spPr>
+          <a:xfrm>
+            <a:off x="2258427" y="4749150"/>
+            <a:ext cx="1156008" cy="578865"/>
+          </a:xfrm>
+          <a:prstGeom prst="rect">
+            <a:avLst/>
+          </a:prstGeom>
+          <a:solidFill>
+            <a:schemeClr val="accent6">
+              <a:lumMod val="20000"/>
+              <a:lumOff val="80000"/>
+            </a:schemeClr>
+          </a:solidFill>
+        </p:spPr>
+        <p:style>
+          <a:lnRef idx="2">
+            <a:schemeClr val="accent1">
+              <a:shade val="50000"/>
+            </a:schemeClr>
+          </a:lnRef>
+          <a:fillRef idx="1">
+            <a:schemeClr val="accent1"/>
+          </a:fillRef>
+          <a:effectRef idx="0">
+            <a:schemeClr val="accent1"/>
+          </a:effectRef>
+          <a:fontRef idx="minor">
+            <a:schemeClr val="lt1"/>
+          </a:fontRef>
+        </p:style>
+        <p:txBody>
+          <a:bodyPr rtlCol="0" anchor="ctr" anchorCtr="0"/>
+          <a:lstStyle/>
+          <a:p>
+            <a:pPr algn="ctr"/>
+            <a:r>
+              <a:rPr lang="en-US" sz="2000" dirty="0">
+                <a:solidFill>
+                  <a:schemeClr val="tx1"/>
+                </a:solidFill>
+              </a:rPr>
+              <a:t>JAVA</a:t>
+            </a:r>
+          </a:p>
+        </p:txBody>
+      </p:sp>
+      <p:sp>
+        <p:nvSpPr>
+          <p:cNvPr id="16" name="Rectangle 15">
+            <a:extLst>
+              <a:ext uri="{FF2B5EF4-FFF2-40B4-BE49-F238E27FC236}">
+                <a16:creationId xmlns:a16="http://schemas.microsoft.com/office/drawing/2014/main" id="{ED117790-0FD8-6042-9467-EE77BE5944FF}"/>
+              </a:ext>
+            </a:extLst>
+          </p:cNvPr>
+          <p:cNvSpPr/>
+          <p:nvPr/>
+        </p:nvSpPr>
+        <p:spPr>
+          <a:xfrm>
+            <a:off x="2033192" y="3568039"/>
+            <a:ext cx="3062794" cy="578865"/>
+          </a:xfrm>
+          <a:prstGeom prst="rect">
+            <a:avLst/>
+          </a:prstGeom>
+          <a:solidFill>
+            <a:schemeClr val="bg1"/>
+          </a:solidFill>
+        </p:spPr>
+        <p:style>
+          <a:lnRef idx="2">
+            <a:schemeClr val="accent1">
+              <a:shade val="50000"/>
+            </a:schemeClr>
+          </a:lnRef>
+          <a:fillRef idx="1">
+            <a:schemeClr val="accent1"/>
+          </a:fillRef>
+          <a:effectRef idx="0">
+            <a:schemeClr val="accent1"/>
+          </a:effectRef>
+          <a:fontRef idx="minor">
+            <a:schemeClr val="lt1"/>
+          </a:fontRef>
+        </p:style>
+        <p:txBody>
+          <a:bodyPr rtlCol="0" anchor="ctr" anchorCtr="0"/>
+          <a:lstStyle/>
+          <a:p>
+            <a:pPr algn="ctr"/>
+            <a:r>
+              <a:rPr lang="en-US" sz="2000" dirty="0">
+                <a:solidFill>
+                  <a:schemeClr val="tx1"/>
+                </a:solidFill>
+              </a:rPr>
+              <a:t>JVM Ecosystem</a:t>
+            </a:r>
+          </a:p>
+        </p:txBody>
+      </p:sp>
+      <p:sp>
+        <p:nvSpPr>
+          <p:cNvPr id="17" name="Rectangle 16">
+            <a:extLst>
+              <a:ext uri="{FF2B5EF4-FFF2-40B4-BE49-F238E27FC236}">
+                <a16:creationId xmlns:a16="http://schemas.microsoft.com/office/drawing/2014/main" id="{EE9AF297-4E1C-D248-94A0-1836ECE0B863}"/>
+              </a:ext>
+            </a:extLst>
+          </p:cNvPr>
+          <p:cNvSpPr/>
+          <p:nvPr/>
+        </p:nvSpPr>
+        <p:spPr>
+          <a:xfrm>
+            <a:off x="3639670" y="4749149"/>
+            <a:ext cx="1231082" cy="578865"/>
+          </a:xfrm>
+          <a:prstGeom prst="rect">
+            <a:avLst/>
+          </a:prstGeom>
+          <a:solidFill>
+            <a:schemeClr val="accent6">
+              <a:lumMod val="20000"/>
+              <a:lumOff val="80000"/>
+            </a:schemeClr>
+          </a:solidFill>
+        </p:spPr>
+        <p:style>
+          <a:lnRef idx="2">
+            <a:schemeClr val="accent1">
+              <a:shade val="50000"/>
+            </a:schemeClr>
+          </a:lnRef>
+          <a:fillRef idx="1">
+            <a:schemeClr val="accent1"/>
+          </a:fillRef>
+          <a:effectRef idx="0">
+            <a:schemeClr val="accent1"/>
+          </a:effectRef>
+          <a:fontRef idx="minor">
+            <a:schemeClr val="lt1"/>
+          </a:fontRef>
+        </p:style>
+        <p:txBody>
+          <a:bodyPr rtlCol="0" anchor="ctr" anchorCtr="0"/>
+          <a:lstStyle/>
+          <a:p>
+            <a:pPr algn="ctr"/>
+            <a:r>
+              <a:rPr lang="en-US" sz="2000" dirty="0">
+                <a:solidFill>
+                  <a:schemeClr val="tx1"/>
+                </a:solidFill>
+              </a:rPr>
+              <a:t>Kotlin</a:t>
+            </a:r>
+          </a:p>
+        </p:txBody>
+      </p:sp>
+      <p:sp>
+        <p:nvSpPr>
+          <p:cNvPr id="5" name="Left Arrow 4">
+            <a:extLst>
+              <a:ext uri="{FF2B5EF4-FFF2-40B4-BE49-F238E27FC236}">
+                <a16:creationId xmlns:a16="http://schemas.microsoft.com/office/drawing/2014/main" id="{4248B435-7061-924E-A126-B40DC2CA0F22}"/>
+              </a:ext>
+            </a:extLst>
+          </p:cNvPr>
+          <p:cNvSpPr/>
+          <p:nvPr/>
+        </p:nvSpPr>
+        <p:spPr>
+          <a:xfrm>
+            <a:off x="5809129" y="2866974"/>
+            <a:ext cx="3957918" cy="2062547"/>
+          </a:xfrm>
+          <a:prstGeom prst="leftArrow">
+            <a:avLst>
+              <a:gd name="adj1" fmla="val 50000"/>
+              <a:gd name="adj2" fmla="val 39866"/>
+            </a:avLst>
+          </a:prstGeom>
+        </p:spPr>
+        <p:style>
+          <a:lnRef idx="2">
+            <a:schemeClr val="accent1">
+              <a:shade val="50000"/>
+            </a:schemeClr>
+          </a:lnRef>
+          <a:fillRef idx="1">
+            <a:schemeClr val="accent1"/>
+          </a:fillRef>
+          <a:effectRef idx="0">
+            <a:schemeClr val="accent1"/>
+          </a:effectRef>
+          <a:fontRef idx="minor">
+            <a:schemeClr val="lt1"/>
+          </a:fontRef>
+        </p:style>
+        <p:txBody>
+          <a:bodyPr rtlCol="0" anchor="ctr"/>
+          <a:lstStyle/>
+          <a:p>
+            <a:pPr algn="ctr"/>
+            <a:r>
+              <a:rPr lang="en-US" sz="2000" b="1" dirty="0"/>
+              <a:t>JVM Ecosystem</a:t>
+            </a:r>
+            <a:br>
+              <a:rPr lang="en-US" sz="2000" b="1" dirty="0"/>
+            </a:br>
+            <a:r>
+              <a:rPr lang="en-US" sz="2000" b="1" dirty="0"/>
+              <a:t>Architecture</a:t>
+            </a:r>
+          </a:p>
+        </p:txBody>
+      </p:sp>
+    </p:spTree>
+    <p:extLst>
+      <p:ext uri="{BB962C8B-B14F-4D97-AF65-F5344CB8AC3E}">
+        <p14:creationId xmlns:p14="http://schemas.microsoft.com/office/powerpoint/2010/main" val="1455515498"/>
+      </p:ext>
+    </p:extLst>
+  </p:cSld>
+  <p:clrMapOvr>
+    <a:masterClrMapping/>
+  </p:clrMapOvr>
+</p:sld>
+</file>
+
+<file path=ppt/slides/slide16.xml><?xml version="1.0" encoding="utf-8"?>
+<p:sld xmlns:a="http://schemas.openxmlformats.org/drawingml/2006/main" xmlns:r="http://schemas.openxmlformats.org/officeDocument/2006/relationships" xmlns:p="http://schemas.openxmlformats.org/presentationml/2006/main">
+  <p:cSld>
+    <p:spTree>
+      <p:nvGrpSpPr>
+        <p:cNvPr id="1" name=""/>
+        <p:cNvGrpSpPr/>
+        <p:nvPr/>
+      </p:nvGrpSpPr>
+      <p:grpSpPr>
+        <a:xfrm>
+          <a:off x="0" y="0"/>
+          <a:ext cx="0" cy="0"/>
+          <a:chOff x="0" y="0"/>
+          <a:chExt cx="0" cy="0"/>
+        </a:xfrm>
+      </p:grpSpPr>
+      <p:sp>
+        <p:nvSpPr>
+          <p:cNvPr id="2" name="Title 1">
+            <a:extLst>
+              <a:ext uri="{FF2B5EF4-FFF2-40B4-BE49-F238E27FC236}">
+                <a16:creationId xmlns:a16="http://schemas.microsoft.com/office/drawing/2014/main" id="{AD4D4935-D8AE-4457-8ECD-E9622C739125}"/>
+              </a:ext>
+            </a:extLst>
+          </p:cNvPr>
+          <p:cNvSpPr>
+            <a:spLocks noGrp="1"/>
+          </p:cNvSpPr>
+          <p:nvPr>
+            <p:ph type="title"/>
+          </p:nvPr>
+        </p:nvSpPr>
+        <p:spPr>
+          <a:xfrm>
+            <a:off x="901051" y="104714"/>
+            <a:ext cx="10917326" cy="1325563"/>
+          </a:xfrm>
+        </p:spPr>
+        <p:txBody>
+          <a:bodyPr/>
+          <a:lstStyle/>
+          <a:p>
+            <a:r>
+              <a:rPr lang="en-US" dirty="0"/>
+              <a:t>First Architecture Example:  Lets analyze the Java </a:t>
+            </a:r>
+          </a:p>
+        </p:txBody>
+      </p:sp>
+      <p:sp>
+        <p:nvSpPr>
+          <p:cNvPr id="4" name="Slide Number Placeholder 3">
+            <a:extLst>
+              <a:ext uri="{FF2B5EF4-FFF2-40B4-BE49-F238E27FC236}">
+                <a16:creationId xmlns:a16="http://schemas.microsoft.com/office/drawing/2014/main" id="{20C5C833-51D4-4016-8613-78309C790EF8}"/>
+              </a:ext>
+            </a:extLst>
+          </p:cNvPr>
+          <p:cNvSpPr>
+            <a:spLocks noGrp="1"/>
+          </p:cNvSpPr>
+          <p:nvPr>
+            <p:ph type="sldNum" sz="quarter" idx="12"/>
+          </p:nvPr>
+        </p:nvSpPr>
+        <p:spPr/>
+        <p:txBody>
+          <a:bodyPr/>
+          <a:lstStyle/>
+          <a:p>
+            <a:fld id="{69E57DC2-970A-4B3E-BB1C-7A09969E49DF}" type="slidenum">
+              <a:rPr lang="en-US" smtClean="0"/>
+              <a:t>16</a:t>
+            </a:fld>
+            <a:endParaRPr lang="en-US" dirty="0"/>
+          </a:p>
+        </p:txBody>
+      </p:sp>
+      <p:pic>
+        <p:nvPicPr>
+          <p:cNvPr id="4098" name="Picture 2" descr="US Department of Homeland Security advises disabling Java following fresh  zero-day vulnerability - The Verge">
+            <a:extLst>
+              <a:ext uri="{FF2B5EF4-FFF2-40B4-BE49-F238E27FC236}">
+                <a16:creationId xmlns:a16="http://schemas.microsoft.com/office/drawing/2014/main" id="{CFB89BE9-98D0-314A-B417-39E6DA16F0E9}"/>
+              </a:ext>
+            </a:extLst>
+          </p:cNvPr>
+          <p:cNvPicPr>
+            <a:picLocks noChangeAspect="1" noChangeArrowheads="1"/>
+          </p:cNvPicPr>
+          <p:nvPr/>
+        </p:nvPicPr>
+        <p:blipFill>
+          <a:blip r:embed="rId3">
+            <a:extLst>
+              <a:ext uri="{28A0092B-C50C-407E-A947-70E740481C1C}">
+                <a14:useLocalDpi xmlns:a14="http://schemas.microsoft.com/office/drawing/2010/main" val="0"/>
+              </a:ext>
+            </a:extLst>
+          </a:blip>
+          <a:srcRect/>
+          <a:stretch>
+            <a:fillRect/>
+          </a:stretch>
+        </p:blipFill>
+        <p:spPr bwMode="auto">
+          <a:xfrm>
+            <a:off x="0" y="1259272"/>
+            <a:ext cx="2413416" cy="1807732"/>
+          </a:xfrm>
+          <a:prstGeom prst="rect">
+            <a:avLst/>
+          </a:prstGeom>
+          <a:noFill/>
+          <a:extLst>
+            <a:ext uri="{909E8E84-426E-40DD-AFC4-6F175D3DCCD1}">
+              <a14:hiddenFill xmlns:a14="http://schemas.microsoft.com/office/drawing/2010/main">
+                <a:solidFill>
+                  <a:srgbClr val="FFFFFF"/>
+                </a:solidFill>
+              </a14:hiddenFill>
+            </a:ext>
+          </a:extLst>
+        </p:spPr>
+      </p:pic>
+      <p:sp>
+        <p:nvSpPr>
+          <p:cNvPr id="13" name="TextBox 12">
+            <a:extLst>
+              <a:ext uri="{FF2B5EF4-FFF2-40B4-BE49-F238E27FC236}">
+                <a16:creationId xmlns:a16="http://schemas.microsoft.com/office/drawing/2014/main" id="{42E8FFD1-3214-F34B-AEFC-A82AE5215178}"/>
+              </a:ext>
+            </a:extLst>
+          </p:cNvPr>
+          <p:cNvSpPr txBox="1"/>
+          <p:nvPr/>
+        </p:nvSpPr>
+        <p:spPr>
+          <a:xfrm>
+            <a:off x="2413416" y="1425814"/>
+            <a:ext cx="3515771" cy="461665"/>
+          </a:xfrm>
+          <a:prstGeom prst="rect">
+            <a:avLst/>
+          </a:prstGeom>
+          <a:noFill/>
+        </p:spPr>
+        <p:txBody>
+          <a:bodyPr wrap="none" rtlCol="0">
+            <a:spAutoFit/>
+          </a:bodyPr>
+          <a:lstStyle/>
+          <a:p>
+            <a:r>
+              <a:rPr lang="en-US" sz="2400" dirty="0"/>
+              <a:t>Java first appeared in 1995</a:t>
+            </a:r>
+          </a:p>
+        </p:txBody>
+      </p:sp>
+      <p:sp>
+        <p:nvSpPr>
+          <p:cNvPr id="15" name="TextBox 14">
+            <a:extLst>
+              <a:ext uri="{FF2B5EF4-FFF2-40B4-BE49-F238E27FC236}">
+                <a16:creationId xmlns:a16="http://schemas.microsoft.com/office/drawing/2014/main" id="{06605702-C925-E24C-880E-E3805AA082EA}"/>
+              </a:ext>
+            </a:extLst>
+          </p:cNvPr>
+          <p:cNvSpPr txBox="1"/>
+          <p:nvPr/>
+        </p:nvSpPr>
+        <p:spPr>
+          <a:xfrm>
+            <a:off x="2422499" y="1794476"/>
+            <a:ext cx="9229065" cy="461665"/>
+          </a:xfrm>
+          <a:prstGeom prst="rect">
+            <a:avLst/>
+          </a:prstGeom>
+          <a:noFill/>
+        </p:spPr>
+        <p:txBody>
+          <a:bodyPr wrap="none" rtlCol="0">
+            <a:spAutoFit/>
+          </a:bodyPr>
+          <a:lstStyle/>
+          <a:p>
+            <a:r>
+              <a:rPr lang="en-US" sz="2400" dirty="0"/>
+              <a:t>Objective:  Improve on scale, simplicity, portability over things like C/C++</a:t>
+            </a:r>
+          </a:p>
+        </p:txBody>
+      </p:sp>
+      <p:sp>
+        <p:nvSpPr>
+          <p:cNvPr id="16" name="TextBox 15">
+            <a:extLst>
+              <a:ext uri="{FF2B5EF4-FFF2-40B4-BE49-F238E27FC236}">
+                <a16:creationId xmlns:a16="http://schemas.microsoft.com/office/drawing/2014/main" id="{D5CA3536-26C8-3C48-9597-8C992888E8A3}"/>
+              </a:ext>
+            </a:extLst>
+          </p:cNvPr>
+          <p:cNvSpPr txBox="1"/>
+          <p:nvPr/>
+        </p:nvSpPr>
+        <p:spPr>
+          <a:xfrm>
+            <a:off x="2431582" y="2163138"/>
+            <a:ext cx="5698868" cy="461665"/>
+          </a:xfrm>
+          <a:prstGeom prst="rect">
+            <a:avLst/>
+          </a:prstGeom>
+          <a:noFill/>
+        </p:spPr>
+        <p:txBody>
+          <a:bodyPr wrap="none" rtlCol="0">
+            <a:spAutoFit/>
+          </a:bodyPr>
+          <a:lstStyle/>
+          <a:p>
+            <a:r>
+              <a:rPr lang="en-US" sz="2400" dirty="0"/>
+              <a:t>Obsessive focus on Backwards Compatibility</a:t>
+            </a:r>
+          </a:p>
+        </p:txBody>
+      </p:sp>
+      <p:sp>
+        <p:nvSpPr>
+          <p:cNvPr id="17" name="TextBox 16">
+            <a:extLst>
+              <a:ext uri="{FF2B5EF4-FFF2-40B4-BE49-F238E27FC236}">
+                <a16:creationId xmlns:a16="http://schemas.microsoft.com/office/drawing/2014/main" id="{A8F87C52-7C0B-C84A-87E2-D1A2E905EFD1}"/>
+              </a:ext>
+            </a:extLst>
+          </p:cNvPr>
+          <p:cNvSpPr txBox="1"/>
+          <p:nvPr/>
+        </p:nvSpPr>
+        <p:spPr>
+          <a:xfrm>
+            <a:off x="2440665" y="2562287"/>
+            <a:ext cx="7305270" cy="461665"/>
+          </a:xfrm>
+          <a:prstGeom prst="rect">
+            <a:avLst/>
+          </a:prstGeom>
+          <a:noFill/>
+        </p:spPr>
+        <p:txBody>
+          <a:bodyPr wrap="none" rtlCol="0">
+            <a:spAutoFit/>
+          </a:bodyPr>
+          <a:lstStyle/>
+          <a:p>
+            <a:r>
+              <a:rPr lang="en-US" sz="2400" dirty="0"/>
+              <a:t>Implementing best of class support for object orientation</a:t>
+            </a:r>
+          </a:p>
+        </p:txBody>
+      </p:sp>
+      <p:pic>
+        <p:nvPicPr>
+          <p:cNvPr id="4100" name="Picture 4" descr="ProSyst mBS SDK 8.2: Overview">
+            <a:extLst>
+              <a:ext uri="{FF2B5EF4-FFF2-40B4-BE49-F238E27FC236}">
+                <a16:creationId xmlns:a16="http://schemas.microsoft.com/office/drawing/2014/main" id="{A1F805B8-A7E1-2C4D-B64F-EE3E36E2D5F5}"/>
+              </a:ext>
+            </a:extLst>
+          </p:cNvPr>
+          <p:cNvPicPr>
+            <a:picLocks noChangeAspect="1" noChangeArrowheads="1"/>
+          </p:cNvPicPr>
+          <p:nvPr/>
+        </p:nvPicPr>
+        <p:blipFill>
+          <a:blip r:embed="rId4">
+            <a:extLst>
+              <a:ext uri="{28A0092B-C50C-407E-A947-70E740481C1C}">
+                <a14:useLocalDpi xmlns:a14="http://schemas.microsoft.com/office/drawing/2010/main" val="0"/>
+              </a:ext>
+            </a:extLst>
+          </a:blip>
+          <a:srcRect/>
+          <a:stretch>
+            <a:fillRect/>
+          </a:stretch>
+        </p:blipFill>
+        <p:spPr bwMode="auto">
+          <a:xfrm>
+            <a:off x="439214" y="4035326"/>
+            <a:ext cx="1868613" cy="1401460"/>
+          </a:xfrm>
+          <a:prstGeom prst="rect">
+            <a:avLst/>
+          </a:prstGeom>
+          <a:noFill/>
+          <a:extLst>
+            <a:ext uri="{909E8E84-426E-40DD-AFC4-6F175D3DCCD1}">
+              <a14:hiddenFill xmlns:a14="http://schemas.microsoft.com/office/drawing/2010/main">
+                <a:solidFill>
+                  <a:srgbClr val="FFFFFF"/>
+                </a:solidFill>
+              </a14:hiddenFill>
+            </a:ext>
+          </a:extLst>
+        </p:spPr>
+      </p:pic>
+      <p:sp>
+        <p:nvSpPr>
+          <p:cNvPr id="19" name="TextBox 18">
+            <a:extLst>
+              <a:ext uri="{FF2B5EF4-FFF2-40B4-BE49-F238E27FC236}">
+                <a16:creationId xmlns:a16="http://schemas.microsoft.com/office/drawing/2014/main" id="{E5B6B1AC-F3B6-F94E-B39D-5478000642EF}"/>
+              </a:ext>
+            </a:extLst>
+          </p:cNvPr>
+          <p:cNvSpPr txBox="1"/>
+          <p:nvPr/>
+        </p:nvSpPr>
+        <p:spPr>
+          <a:xfrm>
+            <a:off x="2580228" y="3572630"/>
+            <a:ext cx="9366933" cy="830997"/>
+          </a:xfrm>
+          <a:prstGeom prst="rect">
+            <a:avLst/>
+          </a:prstGeom>
+          <a:noFill/>
+        </p:spPr>
+        <p:txBody>
+          <a:bodyPr wrap="square" rtlCol="0">
+            <a:spAutoFit/>
+          </a:bodyPr>
+          <a:lstStyle/>
+          <a:p>
+            <a:r>
+              <a:rPr lang="en-US" sz="2400" dirty="0"/>
+              <a:t>The Java Virtual Machine is one of the most impressive pieces of software ever developed</a:t>
+            </a:r>
+          </a:p>
+        </p:txBody>
+      </p:sp>
+      <p:sp>
+        <p:nvSpPr>
+          <p:cNvPr id="20" name="TextBox 19">
+            <a:extLst>
+              <a:ext uri="{FF2B5EF4-FFF2-40B4-BE49-F238E27FC236}">
+                <a16:creationId xmlns:a16="http://schemas.microsoft.com/office/drawing/2014/main" id="{4736C84F-A13F-9643-A97F-AC902FAA6596}"/>
+              </a:ext>
+            </a:extLst>
+          </p:cNvPr>
+          <p:cNvSpPr txBox="1"/>
+          <p:nvPr/>
+        </p:nvSpPr>
+        <p:spPr>
+          <a:xfrm>
+            <a:off x="2607478" y="4369109"/>
+            <a:ext cx="9366933" cy="461665"/>
+          </a:xfrm>
+          <a:prstGeom prst="rect">
+            <a:avLst/>
+          </a:prstGeom>
+          <a:noFill/>
+        </p:spPr>
+        <p:txBody>
+          <a:bodyPr wrap="square" rtlCol="0">
+            <a:spAutoFit/>
+          </a:bodyPr>
+          <a:lstStyle/>
+          <a:p>
+            <a:r>
+              <a:rPr lang="en-US" sz="2400" dirty="0"/>
+              <a:t>Provides an isolated sandbox for running applications</a:t>
+            </a:r>
+          </a:p>
+        </p:txBody>
+      </p:sp>
+      <p:sp>
+        <p:nvSpPr>
+          <p:cNvPr id="21" name="TextBox 20">
+            <a:extLst>
+              <a:ext uri="{FF2B5EF4-FFF2-40B4-BE49-F238E27FC236}">
+                <a16:creationId xmlns:a16="http://schemas.microsoft.com/office/drawing/2014/main" id="{D9F4EEAA-6B96-C246-A37B-05510B4ED406}"/>
+              </a:ext>
+            </a:extLst>
+          </p:cNvPr>
+          <p:cNvSpPr txBox="1"/>
+          <p:nvPr/>
+        </p:nvSpPr>
+        <p:spPr>
+          <a:xfrm>
+            <a:off x="2607478" y="4784552"/>
+            <a:ext cx="9366933" cy="461665"/>
+          </a:xfrm>
+          <a:prstGeom prst="rect">
+            <a:avLst/>
+          </a:prstGeom>
+          <a:noFill/>
+        </p:spPr>
+        <p:txBody>
+          <a:bodyPr wrap="square" rtlCol="0">
+            <a:spAutoFit/>
+          </a:bodyPr>
+          <a:lstStyle/>
+          <a:p>
+            <a:r>
+              <a:rPr lang="en-US" sz="2400" dirty="0"/>
+              <a:t>Provides a portable runtime for multiple architectures</a:t>
+            </a:r>
+          </a:p>
+        </p:txBody>
+      </p:sp>
+      <p:sp>
+        <p:nvSpPr>
+          <p:cNvPr id="22" name="TextBox 21">
+            <a:extLst>
+              <a:ext uri="{FF2B5EF4-FFF2-40B4-BE49-F238E27FC236}">
+                <a16:creationId xmlns:a16="http://schemas.microsoft.com/office/drawing/2014/main" id="{83FA55C5-3EC9-694F-BF9D-B85FF70695B5}"/>
+              </a:ext>
+            </a:extLst>
+          </p:cNvPr>
+          <p:cNvSpPr txBox="1"/>
+          <p:nvPr/>
+        </p:nvSpPr>
+        <p:spPr>
+          <a:xfrm>
+            <a:off x="2607478" y="5199995"/>
+            <a:ext cx="9366933" cy="461665"/>
+          </a:xfrm>
+          <a:prstGeom prst="rect">
+            <a:avLst/>
+          </a:prstGeom>
+          <a:noFill/>
+        </p:spPr>
+        <p:txBody>
+          <a:bodyPr wrap="square" rtlCol="0">
+            <a:spAutoFit/>
+          </a:bodyPr>
+          <a:lstStyle/>
+          <a:p>
+            <a:r>
+              <a:rPr lang="en-US" sz="2400" dirty="0"/>
+              <a:t>Over the years has achieved near native performance</a:t>
+            </a:r>
+          </a:p>
+        </p:txBody>
+      </p:sp>
+      <p:sp>
+        <p:nvSpPr>
+          <p:cNvPr id="23" name="TextBox 22">
+            <a:extLst>
+              <a:ext uri="{FF2B5EF4-FFF2-40B4-BE49-F238E27FC236}">
+                <a16:creationId xmlns:a16="http://schemas.microsoft.com/office/drawing/2014/main" id="{6F40C096-921B-E544-8967-35C0E2E66C3A}"/>
+              </a:ext>
+            </a:extLst>
+          </p:cNvPr>
+          <p:cNvSpPr txBox="1"/>
+          <p:nvPr/>
+        </p:nvSpPr>
+        <p:spPr>
+          <a:xfrm>
+            <a:off x="1373520" y="5943443"/>
+            <a:ext cx="9366933" cy="461665"/>
+          </a:xfrm>
+          <a:prstGeom prst="rect">
+            <a:avLst/>
+          </a:prstGeom>
+          <a:noFill/>
+        </p:spPr>
+        <p:txBody>
+          <a:bodyPr wrap="square" rtlCol="0">
+            <a:spAutoFit/>
+          </a:bodyPr>
+          <a:lstStyle/>
+          <a:p>
+            <a:pPr algn="ctr"/>
+            <a:r>
+              <a:rPr lang="en-US" sz="2400" b="1" dirty="0">
+                <a:solidFill>
+                  <a:srgbClr val="7030A0"/>
+                </a:solidFill>
+              </a:rPr>
+              <a:t>ON THE SURFACE PRETTY AWESOME – WHAT DO YOU THINK?</a:t>
+            </a:r>
+          </a:p>
+        </p:txBody>
+      </p:sp>
+    </p:spTree>
+    <p:extLst>
+      <p:ext uri="{BB962C8B-B14F-4D97-AF65-F5344CB8AC3E}">
+        <p14:creationId xmlns:p14="http://schemas.microsoft.com/office/powerpoint/2010/main" val="1826167041"/>
+      </p:ext>
+    </p:extLst>
+  </p:cSld>
+  <p:clrMapOvr>
+    <a:masterClrMapping/>
+  </p:clrMapOvr>
+</p:sld>
+</file>
+
+<file path=ppt/slides/slide17.xml><?xml version="1.0" encoding="utf-8"?>
+<p:sld xmlns:a="http://schemas.openxmlformats.org/drawingml/2006/main" xmlns:r="http://schemas.openxmlformats.org/officeDocument/2006/relationships" xmlns:p="http://schemas.openxmlformats.org/presentationml/2006/main">
+  <p:cSld>
+    <p:spTree>
+      <p:nvGrpSpPr>
+        <p:cNvPr id="1" name=""/>
+        <p:cNvGrpSpPr/>
+        <p:nvPr/>
+      </p:nvGrpSpPr>
+      <p:grpSpPr>
+        <a:xfrm>
+          <a:off x="0" y="0"/>
+          <a:ext cx="0" cy="0"/>
+          <a:chOff x="0" y="0"/>
+          <a:chExt cx="0" cy="0"/>
+        </a:xfrm>
+      </p:grpSpPr>
+      <p:sp>
+        <p:nvSpPr>
+          <p:cNvPr id="2" name="Title 1">
+            <a:extLst>
+              <a:ext uri="{FF2B5EF4-FFF2-40B4-BE49-F238E27FC236}">
+                <a16:creationId xmlns:a16="http://schemas.microsoft.com/office/drawing/2014/main" id="{AD4D4935-D8AE-4457-8ECD-E9622C739125}"/>
+              </a:ext>
+            </a:extLst>
+          </p:cNvPr>
+          <p:cNvSpPr>
+            <a:spLocks noGrp="1"/>
+          </p:cNvSpPr>
+          <p:nvPr>
+            <p:ph type="title"/>
+          </p:nvPr>
+        </p:nvSpPr>
+        <p:spPr>
+          <a:xfrm>
+            <a:off x="1598382" y="87009"/>
+            <a:ext cx="10917326" cy="1325563"/>
+          </a:xfrm>
+        </p:spPr>
+        <p:txBody>
+          <a:bodyPr>
+            <a:normAutofit/>
+          </a:bodyPr>
+          <a:lstStyle/>
+          <a:p>
+            <a:r>
+              <a:rPr lang="en-US" sz="3200" dirty="0"/>
+              <a:t>First Architecture Example:  Lets analyze the Java - II </a:t>
+            </a:r>
+          </a:p>
+        </p:txBody>
+      </p:sp>
+      <p:sp>
+        <p:nvSpPr>
+          <p:cNvPr id="4" name="Slide Number Placeholder 3">
+            <a:extLst>
+              <a:ext uri="{FF2B5EF4-FFF2-40B4-BE49-F238E27FC236}">
+                <a16:creationId xmlns:a16="http://schemas.microsoft.com/office/drawing/2014/main" id="{20C5C833-51D4-4016-8613-78309C790EF8}"/>
+              </a:ext>
+            </a:extLst>
+          </p:cNvPr>
+          <p:cNvSpPr>
+            <a:spLocks noGrp="1"/>
+          </p:cNvSpPr>
+          <p:nvPr>
+            <p:ph type="sldNum" sz="quarter" idx="12"/>
+          </p:nvPr>
+        </p:nvSpPr>
+        <p:spPr/>
+        <p:txBody>
+          <a:bodyPr/>
+          <a:lstStyle/>
+          <a:p>
+            <a:fld id="{69E57DC2-970A-4B3E-BB1C-7A09969E49DF}" type="slidenum">
+              <a:rPr lang="en-US" smtClean="0"/>
+              <a:t>17</a:t>
+            </a:fld>
+            <a:endParaRPr lang="en-US" dirty="0"/>
+          </a:p>
+        </p:txBody>
+      </p:sp>
+      <p:pic>
+        <p:nvPicPr>
+          <p:cNvPr id="4098" name="Picture 2" descr="US Department of Homeland Security advises disabling Java following fresh  zero-day vulnerability - The Verge">
+            <a:extLst>
+              <a:ext uri="{FF2B5EF4-FFF2-40B4-BE49-F238E27FC236}">
+                <a16:creationId xmlns:a16="http://schemas.microsoft.com/office/drawing/2014/main" id="{CFB89BE9-98D0-314A-B417-39E6DA16F0E9}"/>
+              </a:ext>
+            </a:extLst>
+          </p:cNvPr>
+          <p:cNvPicPr>
+            <a:picLocks noChangeAspect="1" noChangeArrowheads="1"/>
+          </p:cNvPicPr>
+          <p:nvPr/>
+        </p:nvPicPr>
+        <p:blipFill>
+          <a:blip r:embed="rId3">
+            <a:extLst>
+              <a:ext uri="{28A0092B-C50C-407E-A947-70E740481C1C}">
+                <a14:useLocalDpi xmlns:a14="http://schemas.microsoft.com/office/drawing/2010/main" val="0"/>
+              </a:ext>
+            </a:extLst>
+          </a:blip>
+          <a:srcRect/>
+          <a:stretch>
+            <a:fillRect/>
+          </a:stretch>
+        </p:blipFill>
+        <p:spPr bwMode="auto">
+          <a:xfrm>
+            <a:off x="164892" y="311412"/>
+            <a:ext cx="1217789" cy="912166"/>
+          </a:xfrm>
+          <a:prstGeom prst="rect">
+            <a:avLst/>
+          </a:prstGeom>
+          <a:noFill/>
+          <a:extLst>
+            <a:ext uri="{909E8E84-426E-40DD-AFC4-6F175D3DCCD1}">
+              <a14:hiddenFill xmlns:a14="http://schemas.microsoft.com/office/drawing/2010/main">
+                <a:solidFill>
+                  <a:srgbClr val="FFFFFF"/>
+                </a:solidFill>
+              </a14:hiddenFill>
+            </a:ext>
+          </a:extLst>
+        </p:spPr>
+      </p:pic>
+      <p:sp>
+        <p:nvSpPr>
+          <p:cNvPr id="13" name="TextBox 12">
+            <a:extLst>
+              <a:ext uri="{FF2B5EF4-FFF2-40B4-BE49-F238E27FC236}">
+                <a16:creationId xmlns:a16="http://schemas.microsoft.com/office/drawing/2014/main" id="{42E8FFD1-3214-F34B-AEFC-A82AE5215178}"/>
+              </a:ext>
+            </a:extLst>
+          </p:cNvPr>
+          <p:cNvSpPr txBox="1"/>
+          <p:nvPr/>
+        </p:nvSpPr>
+        <p:spPr>
+          <a:xfrm>
+            <a:off x="2275949" y="967917"/>
+            <a:ext cx="8059770" cy="461665"/>
+          </a:xfrm>
+          <a:prstGeom prst="rect">
+            <a:avLst/>
+          </a:prstGeom>
+          <a:noFill/>
+        </p:spPr>
+        <p:txBody>
+          <a:bodyPr wrap="none" rtlCol="0">
+            <a:spAutoFit/>
+          </a:bodyPr>
+          <a:lstStyle/>
+          <a:p>
+            <a:r>
+              <a:rPr lang="en-US" sz="2400" dirty="0"/>
+              <a:t>We will be learning that architecture is largely about tradeoffs</a:t>
+            </a:r>
+          </a:p>
+        </p:txBody>
+      </p:sp>
+      <p:graphicFrame>
+        <p:nvGraphicFramePr>
+          <p:cNvPr id="3" name="Table 4">
+            <a:extLst>
+              <a:ext uri="{FF2B5EF4-FFF2-40B4-BE49-F238E27FC236}">
+                <a16:creationId xmlns:a16="http://schemas.microsoft.com/office/drawing/2014/main" id="{E3CBC000-924D-1A40-84BC-739D2CB2522A}"/>
+              </a:ext>
+            </a:extLst>
+          </p:cNvPr>
+          <p:cNvGraphicFramePr>
+            <a:graphicFrameLocks noGrp="1"/>
+          </p:cNvGraphicFramePr>
+          <p:nvPr>
+            <p:extLst>
+              <p:ext uri="{D42A27DB-BD31-4B8C-83A1-F6EECF244321}">
+                <p14:modId xmlns:p14="http://schemas.microsoft.com/office/powerpoint/2010/main" val="206445195"/>
+              </p:ext>
+            </p:extLst>
+          </p:nvPr>
+        </p:nvGraphicFramePr>
+        <p:xfrm>
+          <a:off x="269257" y="1635676"/>
+          <a:ext cx="11653485" cy="5120640"/>
+        </p:xfrm>
+        <a:graphic>
+          <a:graphicData uri="http://schemas.openxmlformats.org/drawingml/2006/table">
+            <a:tbl>
+              <a:tblPr firstRow="1" bandRow="1">
+                <a:tableStyleId>{5C22544A-7EE6-4342-B048-85BDC9FD1C3A}</a:tableStyleId>
+              </a:tblPr>
+              <a:tblGrid>
+                <a:gridCol w="1978482">
+                  <a:extLst>
+                    <a:ext uri="{9D8B030D-6E8A-4147-A177-3AD203B41FA5}">
+                      <a16:colId xmlns:a16="http://schemas.microsoft.com/office/drawing/2014/main" val="3803904326"/>
+                    </a:ext>
+                  </a:extLst>
+                </a:gridCol>
+                <a:gridCol w="9675003">
+                  <a:extLst>
+                    <a:ext uri="{9D8B030D-6E8A-4147-A177-3AD203B41FA5}">
+                      <a16:colId xmlns:a16="http://schemas.microsoft.com/office/drawing/2014/main" val="2937203599"/>
+                    </a:ext>
+                  </a:extLst>
+                </a:gridCol>
+              </a:tblGrid>
+              <a:tr h="279804">
+                <a:tc>
+                  <a:txBody>
+                    <a:bodyPr/>
+                    <a:lstStyle/>
+                    <a:p>
+                      <a:r>
+                        <a:rPr lang="en-US" dirty="0"/>
+                        <a:t>Feature</a:t>
+                      </a:r>
+                    </a:p>
+                  </a:txBody>
+                  <a:tcPr/>
+                </a:tc>
+                <a:tc>
+                  <a:txBody>
+                    <a:bodyPr/>
+                    <a:lstStyle/>
+                    <a:p>
+                      <a:r>
+                        <a:rPr lang="en-US" dirty="0"/>
+                        <a:t>Implication</a:t>
+                      </a:r>
+                    </a:p>
+                  </a:txBody>
+                  <a:tcPr/>
+                </a:tc>
+                <a:extLst>
+                  <a:ext uri="{0D108BD9-81ED-4DB2-BD59-A6C34878D82A}">
+                    <a16:rowId xmlns:a16="http://schemas.microsoft.com/office/drawing/2014/main" val="667961924"/>
+                  </a:ext>
+                </a:extLst>
+              </a:tr>
+              <a:tr h="370840">
+                <a:tc>
+                  <a:txBody>
+                    <a:bodyPr/>
+                    <a:lstStyle/>
+                    <a:p>
+                      <a:r>
+                        <a:rPr lang="en-US" dirty="0"/>
+                        <a:t>Backwards Compatibility</a:t>
+                      </a:r>
+                    </a:p>
+                  </a:txBody>
+                  <a:tcPr/>
+                </a:tc>
+                <a:tc>
+                  <a:txBody>
+                    <a:bodyPr/>
+                    <a:lstStyle/>
+                    <a:p>
+                      <a:r>
+                        <a:rPr lang="en-US" dirty="0"/>
+                        <a:t>GREAT:  Code written today or 20 years ago largely compiles as is</a:t>
+                      </a:r>
+                    </a:p>
+                    <a:p>
+                      <a:r>
+                        <a:rPr lang="en-US" dirty="0"/>
+                        <a:t>GREAT: JVM enhancements over the years enables Java to run at speeds comparable with any modern programming language</a:t>
+                      </a:r>
+                    </a:p>
+                    <a:p>
+                      <a:r>
+                        <a:rPr lang="en-US" dirty="0"/>
+                        <a:t>ISSUE:  Early Java language decisions based on the state of software engineering and object orientation in the 1990s have been shown to be suboptimal – but we are still stuck with them.  </a:t>
+                      </a:r>
+                      <a:r>
+                        <a:rPr lang="en-US" b="1" dirty="0">
+                          <a:solidFill>
+                            <a:srgbClr val="FF0000"/>
+                          </a:solidFill>
+                        </a:rPr>
+                        <a:t>Implications – Type erasure at compile time for generics, improper lambdas/closure support, awkward functional programing extensions, inconsistent views of object vs native types</a:t>
+                      </a:r>
+                    </a:p>
+                  </a:txBody>
+                  <a:tcPr/>
+                </a:tc>
+                <a:extLst>
+                  <a:ext uri="{0D108BD9-81ED-4DB2-BD59-A6C34878D82A}">
+                    <a16:rowId xmlns:a16="http://schemas.microsoft.com/office/drawing/2014/main" val="40906955"/>
+                  </a:ext>
+                </a:extLst>
+              </a:tr>
+              <a:tr h="370840">
+                <a:tc>
+                  <a:txBody>
+                    <a:bodyPr/>
+                    <a:lstStyle/>
+                    <a:p>
+                      <a:r>
+                        <a:rPr lang="en-US" dirty="0"/>
+                        <a:t>Language Syntax</a:t>
+                      </a:r>
+                    </a:p>
+                  </a:txBody>
+                  <a:tcPr/>
+                </a:tc>
+                <a:tc>
+                  <a:txBody>
+                    <a:bodyPr/>
+                    <a:lstStyle/>
+                    <a:p>
+                      <a:r>
+                        <a:rPr lang="en-US" dirty="0"/>
+                        <a:t>Great 30 years ago when compared to other languages at the time</a:t>
+                      </a:r>
+                    </a:p>
+                    <a:p>
+                      <a:r>
+                        <a:rPr lang="en-US" dirty="0"/>
+                        <a:t>But lacking many of the things that have proven to be useful in modern programming languages:  awkward type inference, immutability not a first-class concern, extremely verbose</a:t>
+                      </a:r>
+                    </a:p>
+                  </a:txBody>
+                  <a:tcPr/>
+                </a:tc>
+                <a:extLst>
+                  <a:ext uri="{0D108BD9-81ED-4DB2-BD59-A6C34878D82A}">
+                    <a16:rowId xmlns:a16="http://schemas.microsoft.com/office/drawing/2014/main" val="470154636"/>
+                  </a:ext>
+                </a:extLst>
+              </a:tr>
+              <a:tr h="370840">
+                <a:tc>
+                  <a:txBody>
+                    <a:bodyPr/>
+                    <a:lstStyle/>
+                    <a:p>
+                      <a:r>
+                        <a:rPr lang="en-US" dirty="0"/>
+                        <a:t>Developer familiarity</a:t>
+                      </a:r>
+                    </a:p>
+                  </a:txBody>
+                  <a:tcPr/>
+                </a:tc>
+                <a:tc>
+                  <a:txBody>
+                    <a:bodyPr/>
+                    <a:lstStyle/>
+                    <a:p>
+                      <a:r>
+                        <a:rPr lang="en-US" dirty="0"/>
+                        <a:t>When Java rolled out, standardizing around a language made a lot of sense.  Although Java has been “free” since the get go, a large ecosystem of expensive commercial tools were centered around Java-based systems – the infamous Java Application Server – if you are investing millions on a Java based commercial runtime, you need Java developers/engineers</a:t>
+                      </a:r>
+                    </a:p>
+                  </a:txBody>
+                  <a:tcPr/>
+                </a:tc>
+                <a:extLst>
+                  <a:ext uri="{0D108BD9-81ED-4DB2-BD59-A6C34878D82A}">
+                    <a16:rowId xmlns:a16="http://schemas.microsoft.com/office/drawing/2014/main" val="49547986"/>
+                  </a:ext>
+                </a:extLst>
+              </a:tr>
+              <a:tr h="370840">
+                <a:tc>
+                  <a:txBody>
+                    <a:bodyPr/>
+                    <a:lstStyle/>
+                    <a:p>
+                      <a:r>
+                        <a:rPr lang="en-US" dirty="0"/>
+                        <a:t>Portability</a:t>
+                      </a:r>
+                    </a:p>
+                  </a:txBody>
+                  <a:tcPr/>
+                </a:tc>
+                <a:tc>
+                  <a:txBody>
+                    <a:bodyPr/>
+                    <a:lstStyle/>
+                    <a:p>
+                      <a:r>
+                        <a:rPr lang="en-US" dirty="0"/>
+                        <a:t>In the early days you wanted to develop on one OS but deploy to another OS – Java had excellent support for this, but this is no longer a “big deal”</a:t>
+                      </a:r>
+                    </a:p>
+                  </a:txBody>
+                  <a:tcPr/>
+                </a:tc>
+                <a:extLst>
+                  <a:ext uri="{0D108BD9-81ED-4DB2-BD59-A6C34878D82A}">
+                    <a16:rowId xmlns:a16="http://schemas.microsoft.com/office/drawing/2014/main" val="1350894681"/>
+                  </a:ext>
+                </a:extLst>
+              </a:tr>
+            </a:tbl>
+          </a:graphicData>
+        </a:graphic>
+      </p:graphicFrame>
+    </p:spTree>
+    <p:extLst>
+      <p:ext uri="{BB962C8B-B14F-4D97-AF65-F5344CB8AC3E}">
+        <p14:creationId xmlns:p14="http://schemas.microsoft.com/office/powerpoint/2010/main" val="2107088636"/>
+      </p:ext>
+    </p:extLst>
+  </p:cSld>
+  <p:clrMapOvr>
+    <a:masterClrMapping/>
+  </p:clrMapOvr>
+</p:sld>
+</file>
+
+<file path=ppt/slides/slide18.xml><?xml version="1.0" encoding="utf-8"?>
+<p:sld xmlns:a="http://schemas.openxmlformats.org/drawingml/2006/main" xmlns:r="http://schemas.openxmlformats.org/officeDocument/2006/relationships" xmlns:p="http://schemas.openxmlformats.org/presentationml/2006/main">
+  <p:cSld>
+    <p:spTree>
+      <p:nvGrpSpPr>
+        <p:cNvPr id="1" name=""/>
+        <p:cNvGrpSpPr/>
+        <p:nvPr/>
+      </p:nvGrpSpPr>
+      <p:grpSpPr>
+        <a:xfrm>
+          <a:off x="0" y="0"/>
+          <a:ext cx="0" cy="0"/>
+          <a:chOff x="0" y="0"/>
+          <a:chExt cx="0" cy="0"/>
+        </a:xfrm>
+      </p:grpSpPr>
+      <p:pic>
+        <p:nvPicPr>
+          <p:cNvPr id="1026" name="Picture 2" descr="Kotlin Logo PNG Transparent &amp; SVG Vector - Freebie Supply">
+            <a:extLst>
+              <a:ext uri="{FF2B5EF4-FFF2-40B4-BE49-F238E27FC236}">
+                <a16:creationId xmlns:a16="http://schemas.microsoft.com/office/drawing/2014/main" id="{F867091F-09C8-AA4B-8208-5D6DD7936C96}"/>
+              </a:ext>
+            </a:extLst>
+          </p:cNvPr>
+          <p:cNvPicPr>
+            <a:picLocks noChangeAspect="1" noChangeArrowheads="1"/>
+          </p:cNvPicPr>
+          <p:nvPr/>
+        </p:nvPicPr>
+        <p:blipFill>
+          <a:blip r:embed="rId3">
+            <a:extLst>
+              <a:ext uri="{28A0092B-C50C-407E-A947-70E740481C1C}">
+                <a14:useLocalDpi xmlns:a14="http://schemas.microsoft.com/office/drawing/2010/main" val="0"/>
+              </a:ext>
+            </a:extLst>
+          </a:blip>
+          <a:srcRect/>
+          <a:stretch>
+            <a:fillRect/>
+          </a:stretch>
+        </p:blipFill>
+        <p:spPr bwMode="auto">
+          <a:xfrm>
+            <a:off x="102196" y="3667906"/>
+            <a:ext cx="2801757" cy="2098613"/>
+          </a:xfrm>
+          <a:prstGeom prst="rect">
+            <a:avLst/>
+          </a:prstGeom>
+          <a:noFill/>
+          <a:extLst>
+            <a:ext uri="{909E8E84-426E-40DD-AFC4-6F175D3DCCD1}">
+              <a14:hiddenFill xmlns:a14="http://schemas.microsoft.com/office/drawing/2010/main">
+                <a:solidFill>
+                  <a:srgbClr val="FFFFFF"/>
+                </a:solidFill>
+              </a14:hiddenFill>
+            </a:ext>
+          </a:extLst>
+        </p:spPr>
+      </p:pic>
+      <p:sp>
+        <p:nvSpPr>
+          <p:cNvPr id="2" name="Title 1">
+            <a:extLst>
+              <a:ext uri="{FF2B5EF4-FFF2-40B4-BE49-F238E27FC236}">
+                <a16:creationId xmlns:a16="http://schemas.microsoft.com/office/drawing/2014/main" id="{AD4D4935-D8AE-4457-8ECD-E9622C739125}"/>
+              </a:ext>
+            </a:extLst>
+          </p:cNvPr>
+          <p:cNvSpPr>
+            <a:spLocks noGrp="1"/>
+          </p:cNvSpPr>
+          <p:nvPr>
+            <p:ph type="title"/>
+          </p:nvPr>
+        </p:nvSpPr>
+        <p:spPr>
+          <a:xfrm>
+            <a:off x="637337" y="104656"/>
+            <a:ext cx="10917326" cy="1325563"/>
+          </a:xfrm>
+        </p:spPr>
+        <p:txBody>
+          <a:bodyPr>
+            <a:normAutofit fontScale="90000"/>
+          </a:bodyPr>
+          <a:lstStyle/>
+          <a:p>
+            <a:r>
+              <a:rPr lang="en-US" dirty="0"/>
+              <a:t>Arguing Recommendation 1:  </a:t>
+            </a:r>
+            <a:br>
+              <a:rPr lang="en-US" dirty="0"/>
+            </a:br>
+            <a:r>
+              <a:rPr lang="en-US" dirty="0"/>
+              <a:t>Major refactoring of Java apps should move to Kotlin</a:t>
+            </a:r>
+          </a:p>
+        </p:txBody>
+      </p:sp>
+      <p:sp>
+        <p:nvSpPr>
+          <p:cNvPr id="4" name="Slide Number Placeholder 3">
+            <a:extLst>
+              <a:ext uri="{FF2B5EF4-FFF2-40B4-BE49-F238E27FC236}">
+                <a16:creationId xmlns:a16="http://schemas.microsoft.com/office/drawing/2014/main" id="{20C5C833-51D4-4016-8613-78309C790EF8}"/>
+              </a:ext>
+            </a:extLst>
+          </p:cNvPr>
+          <p:cNvSpPr>
+            <a:spLocks noGrp="1"/>
+          </p:cNvSpPr>
+          <p:nvPr>
+            <p:ph type="sldNum" sz="quarter" idx="12"/>
+          </p:nvPr>
+        </p:nvSpPr>
+        <p:spPr/>
+        <p:txBody>
+          <a:bodyPr/>
+          <a:lstStyle/>
+          <a:p>
+            <a:fld id="{69E57DC2-970A-4B3E-BB1C-7A09969E49DF}" type="slidenum">
+              <a:rPr lang="en-US" smtClean="0"/>
+              <a:t>18</a:t>
+            </a:fld>
+            <a:endParaRPr lang="en-US" dirty="0"/>
+          </a:p>
+        </p:txBody>
+      </p:sp>
+      <p:pic>
+        <p:nvPicPr>
+          <p:cNvPr id="4098" name="Picture 2" descr="US Department of Homeland Security advises disabling Java following fresh  zero-day vulnerability - The Verge">
+            <a:extLst>
+              <a:ext uri="{FF2B5EF4-FFF2-40B4-BE49-F238E27FC236}">
+                <a16:creationId xmlns:a16="http://schemas.microsoft.com/office/drawing/2014/main" id="{CFB89BE9-98D0-314A-B417-39E6DA16F0E9}"/>
+              </a:ext>
+            </a:extLst>
+          </p:cNvPr>
+          <p:cNvPicPr>
+            <a:picLocks noChangeAspect="1" noChangeArrowheads="1"/>
+          </p:cNvPicPr>
+          <p:nvPr/>
+        </p:nvPicPr>
+        <p:blipFill>
+          <a:blip r:embed="rId4">
+            <a:extLst>
+              <a:ext uri="{28A0092B-C50C-407E-A947-70E740481C1C}">
+                <a14:useLocalDpi xmlns:a14="http://schemas.microsoft.com/office/drawing/2010/main" val="0"/>
+              </a:ext>
+            </a:extLst>
+          </a:blip>
+          <a:srcRect/>
+          <a:stretch>
+            <a:fillRect/>
+          </a:stretch>
+        </p:blipFill>
+        <p:spPr bwMode="auto">
+          <a:xfrm>
+            <a:off x="0" y="2066092"/>
+            <a:ext cx="2413416" cy="1807732"/>
+          </a:xfrm>
+          <a:prstGeom prst="rect">
+            <a:avLst/>
+          </a:prstGeom>
+          <a:noFill/>
+          <a:extLst>
+            <a:ext uri="{909E8E84-426E-40DD-AFC4-6F175D3DCCD1}">
+              <a14:hiddenFill xmlns:a14="http://schemas.microsoft.com/office/drawing/2010/main">
+                <a:solidFill>
+                  <a:srgbClr val="FFFFFF"/>
+                </a:solidFill>
+              </a14:hiddenFill>
+            </a:ext>
+          </a:extLst>
+        </p:spPr>
+      </p:pic>
+      <p:sp>
+        <p:nvSpPr>
+          <p:cNvPr id="3" name="TextBox 2">
+            <a:extLst>
+              <a:ext uri="{FF2B5EF4-FFF2-40B4-BE49-F238E27FC236}">
+                <a16:creationId xmlns:a16="http://schemas.microsoft.com/office/drawing/2014/main" id="{611335A4-2F23-1F42-9F13-74178FD5DB77}"/>
+              </a:ext>
+            </a:extLst>
+          </p:cNvPr>
+          <p:cNvSpPr txBox="1"/>
+          <p:nvPr/>
+        </p:nvSpPr>
+        <p:spPr>
+          <a:xfrm>
+            <a:off x="3321424" y="1430219"/>
+            <a:ext cx="7853082" cy="1508105"/>
+          </a:xfrm>
+          <a:prstGeom prst="rect">
+            <a:avLst/>
+          </a:prstGeom>
+          <a:noFill/>
+        </p:spPr>
+        <p:txBody>
+          <a:bodyPr wrap="square" rtlCol="0">
+            <a:spAutoFit/>
+          </a:bodyPr>
+          <a:lstStyle/>
+          <a:p>
+            <a:pPr marL="285750" indent="-285750">
+              <a:buFont typeface="Arial" panose="020B0604020202020204" pitchFamily="34" charset="0"/>
+              <a:buChar char="•"/>
+            </a:pPr>
+            <a:r>
+              <a:rPr lang="en-US" sz="3200" dirty="0"/>
+              <a:t>Kotlin is significantly less verbose than java</a:t>
+            </a:r>
+          </a:p>
+          <a:p>
+            <a:pPr marL="742950" lvl="1" indent="-285750">
+              <a:buFont typeface="Arial" panose="020B0604020202020204" pitchFamily="34" charset="0"/>
+              <a:buChar char="•"/>
+            </a:pPr>
+            <a:r>
+              <a:rPr lang="en-US" sz="2000" dirty="0"/>
+              <a:t>Less code = less bugs</a:t>
+            </a:r>
+          </a:p>
+          <a:p>
+            <a:pPr marL="742950" lvl="1" indent="-285750">
+              <a:buFont typeface="Arial" panose="020B0604020202020204" pitchFamily="34" charset="0"/>
+              <a:buChar char="•"/>
+            </a:pPr>
+            <a:r>
+              <a:rPr lang="en-US" sz="2000" dirty="0"/>
+              <a:t>Less code = more productivity </a:t>
+            </a:r>
+          </a:p>
+          <a:p>
+            <a:pPr marL="285750" indent="-285750">
+              <a:buFont typeface="Arial" panose="020B0604020202020204" pitchFamily="34" charset="0"/>
+              <a:buChar char="•"/>
+            </a:pPr>
+            <a:endParaRPr lang="en-US" sz="2000" dirty="0"/>
+          </a:p>
+        </p:txBody>
+      </p:sp>
+      <p:sp>
+        <p:nvSpPr>
+          <p:cNvPr id="18" name="TextBox 17">
+            <a:extLst>
+              <a:ext uri="{FF2B5EF4-FFF2-40B4-BE49-F238E27FC236}">
+                <a16:creationId xmlns:a16="http://schemas.microsoft.com/office/drawing/2014/main" id="{CBEDC29D-72C0-A845-B23E-86D888EFFBA1}"/>
+              </a:ext>
+            </a:extLst>
+          </p:cNvPr>
+          <p:cNvSpPr txBox="1"/>
+          <p:nvPr/>
+        </p:nvSpPr>
+        <p:spPr>
+          <a:xfrm>
+            <a:off x="3321424" y="2596299"/>
+            <a:ext cx="7853082" cy="1508105"/>
+          </a:xfrm>
+          <a:prstGeom prst="rect">
+            <a:avLst/>
+          </a:prstGeom>
+          <a:noFill/>
+        </p:spPr>
+        <p:txBody>
+          <a:bodyPr wrap="square" rtlCol="0">
+            <a:spAutoFit/>
+          </a:bodyPr>
+          <a:lstStyle/>
+          <a:p>
+            <a:pPr marL="285750" indent="-285750">
+              <a:buFont typeface="Arial" panose="020B0604020202020204" pitchFamily="34" charset="0"/>
+              <a:buChar char="•"/>
+            </a:pPr>
+            <a:r>
+              <a:rPr lang="en-US" sz="3200" dirty="0"/>
+              <a:t>Kotlin embraces modern language features</a:t>
+            </a:r>
+          </a:p>
+          <a:p>
+            <a:pPr marL="742950" lvl="1" indent="-285750">
+              <a:buFont typeface="Arial" panose="020B0604020202020204" pitchFamily="34" charset="0"/>
+              <a:buChar char="•"/>
+            </a:pPr>
+            <a:r>
+              <a:rPr lang="en-US" sz="2000" dirty="0"/>
+              <a:t>Better support for distributed systems, which are most systems these days</a:t>
+            </a:r>
+          </a:p>
+          <a:p>
+            <a:pPr marL="285750" indent="-285750">
+              <a:buFont typeface="Arial" panose="020B0604020202020204" pitchFamily="34" charset="0"/>
+              <a:buChar char="•"/>
+            </a:pPr>
+            <a:endParaRPr lang="en-US" sz="2000" dirty="0"/>
+          </a:p>
+        </p:txBody>
+      </p:sp>
+      <p:sp>
+        <p:nvSpPr>
+          <p:cNvPr id="24" name="TextBox 23">
+            <a:extLst>
+              <a:ext uri="{FF2B5EF4-FFF2-40B4-BE49-F238E27FC236}">
+                <a16:creationId xmlns:a16="http://schemas.microsoft.com/office/drawing/2014/main" id="{193C8BF2-260B-8745-8DBF-53555BEAEDCA}"/>
+              </a:ext>
+            </a:extLst>
+          </p:cNvPr>
+          <p:cNvSpPr txBox="1"/>
+          <p:nvPr/>
+        </p:nvSpPr>
+        <p:spPr>
+          <a:xfrm>
+            <a:off x="3321424" y="3762379"/>
+            <a:ext cx="7853082" cy="1508105"/>
+          </a:xfrm>
+          <a:prstGeom prst="rect">
+            <a:avLst/>
+          </a:prstGeom>
+          <a:noFill/>
+        </p:spPr>
+        <p:txBody>
+          <a:bodyPr wrap="square" rtlCol="0">
+            <a:spAutoFit/>
+          </a:bodyPr>
+          <a:lstStyle/>
+          <a:p>
+            <a:pPr marL="285750" indent="-285750">
+              <a:buFont typeface="Arial" panose="020B0604020202020204" pitchFamily="34" charset="0"/>
+              <a:buChar char="•"/>
+            </a:pPr>
+            <a:r>
+              <a:rPr lang="en-US" sz="3200" dirty="0"/>
+              <a:t>Kotlin is interoperable and easy to learn</a:t>
+            </a:r>
+          </a:p>
+          <a:p>
+            <a:pPr marL="742950" lvl="1" indent="-285750">
+              <a:buFont typeface="Arial" panose="020B0604020202020204" pitchFamily="34" charset="0"/>
+              <a:buChar char="•"/>
+            </a:pPr>
+            <a:r>
+              <a:rPr lang="en-US" sz="2000" dirty="0"/>
+              <a:t>Simple to start integrating </a:t>
+            </a:r>
+            <a:r>
+              <a:rPr lang="en-US" sz="2000" dirty="0" err="1"/>
+              <a:t>kotlin</a:t>
+            </a:r>
+            <a:r>
+              <a:rPr lang="en-US" sz="2000" dirty="0"/>
+              <a:t> into existing projects as well as starting new projects with </a:t>
+            </a:r>
+            <a:r>
+              <a:rPr lang="en-US" sz="2000" dirty="0" err="1"/>
+              <a:t>kotlin</a:t>
+            </a:r>
+            <a:endParaRPr lang="en-US" sz="2000" dirty="0"/>
+          </a:p>
+          <a:p>
+            <a:pPr marL="285750" indent="-285750">
+              <a:buFont typeface="Arial" panose="020B0604020202020204" pitchFamily="34" charset="0"/>
+              <a:buChar char="•"/>
+            </a:pPr>
+            <a:endParaRPr lang="en-US" sz="2000" dirty="0"/>
+          </a:p>
+        </p:txBody>
+      </p:sp>
+      <p:sp>
+        <p:nvSpPr>
+          <p:cNvPr id="25" name="TextBox 24">
+            <a:extLst>
+              <a:ext uri="{FF2B5EF4-FFF2-40B4-BE49-F238E27FC236}">
+                <a16:creationId xmlns:a16="http://schemas.microsoft.com/office/drawing/2014/main" id="{7B58FD2D-C943-C547-B3BB-3B61E2925792}"/>
+              </a:ext>
+            </a:extLst>
+          </p:cNvPr>
+          <p:cNvSpPr txBox="1"/>
+          <p:nvPr/>
+        </p:nvSpPr>
+        <p:spPr>
+          <a:xfrm>
+            <a:off x="3321424" y="4928459"/>
+            <a:ext cx="7853082" cy="1508105"/>
+          </a:xfrm>
+          <a:prstGeom prst="rect">
+            <a:avLst/>
+          </a:prstGeom>
+          <a:noFill/>
+        </p:spPr>
+        <p:txBody>
+          <a:bodyPr wrap="square" rtlCol="0">
+            <a:spAutoFit/>
+          </a:bodyPr>
+          <a:lstStyle/>
+          <a:p>
+            <a:pPr marL="285750" indent="-285750">
+              <a:buFont typeface="Arial" panose="020B0604020202020204" pitchFamily="34" charset="0"/>
+              <a:buChar char="•"/>
+            </a:pPr>
+            <a:r>
+              <a:rPr lang="en-US" sz="3200" dirty="0"/>
+              <a:t>Kotlin is popular</a:t>
+            </a:r>
+          </a:p>
+          <a:p>
+            <a:pPr marL="742950" lvl="1" indent="-285750">
+              <a:buFont typeface="Arial" panose="020B0604020202020204" pitchFamily="34" charset="0"/>
+              <a:buChar char="•"/>
+            </a:pPr>
+            <a:r>
+              <a:rPr lang="en-US" sz="2000" dirty="0"/>
+              <a:t>Kotlin’s killer use case was Android development, but has now expanded as a popular choice with traditional Java developers</a:t>
+            </a:r>
+          </a:p>
+          <a:p>
+            <a:pPr marL="285750" indent="-285750">
+              <a:buFont typeface="Arial" panose="020B0604020202020204" pitchFamily="34" charset="0"/>
+              <a:buChar char="•"/>
+            </a:pPr>
+            <a:endParaRPr lang="en-US" sz="2000" dirty="0"/>
+          </a:p>
+        </p:txBody>
+      </p:sp>
+    </p:spTree>
+    <p:extLst>
+      <p:ext uri="{BB962C8B-B14F-4D97-AF65-F5344CB8AC3E}">
+        <p14:creationId xmlns:p14="http://schemas.microsoft.com/office/powerpoint/2010/main" val="115277274"/>
+      </p:ext>
+    </p:extLst>
+  </p:cSld>
+  <p:clrMapOvr>
+    <a:masterClrMapping/>
+  </p:clrMapOvr>
+</p:sld>
+</file>
+
+<file path=ppt/slides/slide19.xml><?xml version="1.0" encoding="utf-8"?>
+<p:sld xmlns:a="http://schemas.openxmlformats.org/drawingml/2006/main" xmlns:r="http://schemas.openxmlformats.org/officeDocument/2006/relationships" xmlns:p="http://schemas.openxmlformats.org/presentationml/2006/main">
+  <p:cSld>
+    <p:spTree>
+      <p:nvGrpSpPr>
+        <p:cNvPr id="1" name=""/>
+        <p:cNvGrpSpPr/>
+        <p:nvPr/>
+      </p:nvGrpSpPr>
+      <p:grpSpPr>
+        <a:xfrm>
+          <a:off x="0" y="0"/>
+          <a:ext cx="0" cy="0"/>
+          <a:chOff x="0" y="0"/>
+          <a:chExt cx="0" cy="0"/>
+        </a:xfrm>
+      </p:grpSpPr>
+      <p:sp>
+        <p:nvSpPr>
+          <p:cNvPr id="2" name="Title 1">
+            <a:extLst>
+              <a:ext uri="{FF2B5EF4-FFF2-40B4-BE49-F238E27FC236}">
+                <a16:creationId xmlns:a16="http://schemas.microsoft.com/office/drawing/2014/main" id="{8F29ACB7-3B63-49E7-96D7-15DA3109CDE5}"/>
+              </a:ext>
+            </a:extLst>
+          </p:cNvPr>
+          <p:cNvSpPr>
+            <a:spLocks noGrp="1"/>
+          </p:cNvSpPr>
+          <p:nvPr>
+            <p:ph type="title"/>
+          </p:nvPr>
+        </p:nvSpPr>
+        <p:spPr>
+          <a:xfrm>
+            <a:off x="39223" y="1969"/>
+            <a:ext cx="11617377" cy="1325563"/>
+          </a:xfrm>
+        </p:spPr>
+        <p:txBody>
+          <a:bodyPr>
+            <a:normAutofit/>
+          </a:bodyPr>
+          <a:lstStyle/>
+          <a:p>
+            <a:r>
+              <a:rPr lang="en-US" sz="4000" b="1" dirty="0"/>
+              <a:t>Arguing Recommendation 2</a:t>
+            </a:r>
+            <a:br>
+              <a:rPr lang="en-US" sz="4000" b="1" dirty="0"/>
+            </a:br>
+            <a:r>
+              <a:rPr lang="en-US" sz="4000" b="1" dirty="0"/>
+              <a:t>Avoid the JVM for largely Net New efforts, Part 1</a:t>
+            </a:r>
+          </a:p>
+        </p:txBody>
+      </p:sp>
+      <p:sp>
+        <p:nvSpPr>
+          <p:cNvPr id="4" name="Slide Number Placeholder 3">
+            <a:extLst>
+              <a:ext uri="{FF2B5EF4-FFF2-40B4-BE49-F238E27FC236}">
+                <a16:creationId xmlns:a16="http://schemas.microsoft.com/office/drawing/2014/main" id="{542EAC42-38A0-4516-814B-016A18951906}"/>
+              </a:ext>
+            </a:extLst>
+          </p:cNvPr>
+          <p:cNvSpPr>
+            <a:spLocks noGrp="1"/>
+          </p:cNvSpPr>
+          <p:nvPr>
+            <p:ph type="sldNum" sz="quarter" idx="12"/>
+          </p:nvPr>
+        </p:nvSpPr>
+        <p:spPr>
+          <a:xfrm>
+            <a:off x="8610600" y="6114304"/>
+            <a:ext cx="2743200" cy="365125"/>
+          </a:xfrm>
+        </p:spPr>
+        <p:txBody>
+          <a:bodyPr/>
+          <a:lstStyle/>
+          <a:p>
+            <a:fld id="{69E57DC2-970A-4B3E-BB1C-7A09969E49DF}" type="slidenum">
+              <a:rPr lang="en-US" smtClean="0"/>
+              <a:t>19</a:t>
+            </a:fld>
+            <a:endParaRPr lang="en-US" dirty="0"/>
+          </a:p>
+        </p:txBody>
+      </p:sp>
+      <p:sp>
+        <p:nvSpPr>
+          <p:cNvPr id="8" name="Rectangle 7">
+            <a:extLst>
+              <a:ext uri="{FF2B5EF4-FFF2-40B4-BE49-F238E27FC236}">
+                <a16:creationId xmlns:a16="http://schemas.microsoft.com/office/drawing/2014/main" id="{DD4ACB9B-1C25-5B41-B459-1A6DC067AC89}"/>
+              </a:ext>
+            </a:extLst>
+          </p:cNvPr>
+          <p:cNvSpPr/>
+          <p:nvPr/>
+        </p:nvSpPr>
+        <p:spPr>
+          <a:xfrm>
+            <a:off x="416860" y="5126155"/>
+            <a:ext cx="3363686" cy="461665"/>
+          </a:xfrm>
+          <a:prstGeom prst="rect">
+            <a:avLst/>
+          </a:prstGeom>
+        </p:spPr>
+        <p:txBody>
+          <a:bodyPr wrap="square">
+            <a:spAutoFit/>
+          </a:bodyPr>
+          <a:lstStyle/>
+          <a:p>
+            <a:r>
+              <a:rPr lang="en-US" sz="2400" dirty="0"/>
+              <a:t>Overall JVM Architecture</a:t>
+            </a:r>
+          </a:p>
+        </p:txBody>
+      </p:sp>
+      <p:sp>
+        <p:nvSpPr>
+          <p:cNvPr id="10" name="Rectangle 9">
+            <a:extLst>
+              <a:ext uri="{FF2B5EF4-FFF2-40B4-BE49-F238E27FC236}">
+                <a16:creationId xmlns:a16="http://schemas.microsoft.com/office/drawing/2014/main" id="{9BD9C7B9-71E4-E547-A76A-108DE13B69CB}"/>
+              </a:ext>
+            </a:extLst>
+          </p:cNvPr>
+          <p:cNvSpPr/>
+          <p:nvPr/>
+        </p:nvSpPr>
+        <p:spPr>
+          <a:xfrm>
+            <a:off x="416859" y="1537221"/>
+            <a:ext cx="3363686" cy="3392300"/>
+          </a:xfrm>
+          <a:prstGeom prst="rect">
+            <a:avLst/>
+          </a:prstGeom>
+        </p:spPr>
+        <p:style>
+          <a:lnRef idx="2">
+            <a:schemeClr val="accent1">
+              <a:shade val="50000"/>
+            </a:schemeClr>
+          </a:lnRef>
+          <a:fillRef idx="1">
+            <a:schemeClr val="accent1"/>
+          </a:fillRef>
+          <a:effectRef idx="0">
+            <a:schemeClr val="accent1"/>
+          </a:effectRef>
+          <a:fontRef idx="minor">
+            <a:schemeClr val="lt1"/>
+          </a:fontRef>
+        </p:style>
+        <p:txBody>
+          <a:bodyPr rtlCol="0" anchor="t" anchorCtr="0"/>
+          <a:lstStyle/>
+          <a:p>
+            <a:pPr algn="ctr"/>
+            <a:r>
+              <a:rPr lang="en-US" dirty="0"/>
+              <a:t>Java Virtual Machine</a:t>
+            </a:r>
+          </a:p>
+        </p:txBody>
+      </p:sp>
+      <p:sp>
+        <p:nvSpPr>
+          <p:cNvPr id="11" name="Rectangle 10">
+            <a:extLst>
+              <a:ext uri="{FF2B5EF4-FFF2-40B4-BE49-F238E27FC236}">
+                <a16:creationId xmlns:a16="http://schemas.microsoft.com/office/drawing/2014/main" id="{205B166A-0CA3-B94D-BB46-6BD69D40F672}"/>
+              </a:ext>
+            </a:extLst>
+          </p:cNvPr>
+          <p:cNvSpPr/>
+          <p:nvPr/>
+        </p:nvSpPr>
+        <p:spPr>
+          <a:xfrm>
+            <a:off x="607805" y="2018519"/>
+            <a:ext cx="3062794" cy="578865"/>
+          </a:xfrm>
+          <a:prstGeom prst="rect">
+            <a:avLst/>
+          </a:prstGeom>
+          <a:solidFill>
+            <a:schemeClr val="bg1"/>
+          </a:solidFill>
+        </p:spPr>
+        <p:style>
+          <a:lnRef idx="2">
+            <a:schemeClr val="accent1">
+              <a:shade val="50000"/>
+            </a:schemeClr>
+          </a:lnRef>
+          <a:fillRef idx="1">
+            <a:schemeClr val="accent1"/>
+          </a:fillRef>
+          <a:effectRef idx="0">
+            <a:schemeClr val="accent1"/>
+          </a:effectRef>
+          <a:fontRef idx="minor">
+            <a:schemeClr val="lt1"/>
+          </a:fontRef>
+        </p:style>
+        <p:txBody>
+          <a:bodyPr rtlCol="0" anchor="ctr" anchorCtr="0"/>
+          <a:lstStyle/>
+          <a:p>
+            <a:pPr algn="ctr"/>
+            <a:r>
+              <a:rPr lang="en-US" sz="2000" dirty="0">
+                <a:solidFill>
+                  <a:schemeClr val="tx1"/>
+                </a:solidFill>
+              </a:rPr>
+              <a:t>JVM Runtime</a:t>
+            </a:r>
+          </a:p>
+        </p:txBody>
+      </p:sp>
+      <p:sp>
+        <p:nvSpPr>
+          <p:cNvPr id="13" name="Rectangle 12">
+            <a:extLst>
+              <a:ext uri="{FF2B5EF4-FFF2-40B4-BE49-F238E27FC236}">
+                <a16:creationId xmlns:a16="http://schemas.microsoft.com/office/drawing/2014/main" id="{ED060E6C-A3BF-BC43-B127-1BE057D424A1}"/>
+              </a:ext>
+            </a:extLst>
+          </p:cNvPr>
+          <p:cNvSpPr/>
+          <p:nvPr/>
+        </p:nvSpPr>
+        <p:spPr>
+          <a:xfrm>
+            <a:off x="607804" y="3410149"/>
+            <a:ext cx="3062796" cy="1262102"/>
+          </a:xfrm>
+          <a:prstGeom prst="rect">
+            <a:avLst/>
+          </a:prstGeom>
+          <a:solidFill>
+            <a:schemeClr val="bg1"/>
+          </a:solidFill>
+        </p:spPr>
+        <p:style>
+          <a:lnRef idx="2">
+            <a:schemeClr val="accent1">
+              <a:shade val="50000"/>
+            </a:schemeClr>
+          </a:lnRef>
+          <a:fillRef idx="1">
+            <a:schemeClr val="accent1"/>
+          </a:fillRef>
+          <a:effectRef idx="0">
+            <a:schemeClr val="accent1"/>
+          </a:effectRef>
+          <a:fontRef idx="minor">
+            <a:schemeClr val="lt1"/>
+          </a:fontRef>
+        </p:style>
+        <p:txBody>
+          <a:bodyPr rtlCol="0" anchor="t" anchorCtr="0"/>
+          <a:lstStyle/>
+          <a:p>
+            <a:pPr algn="ctr"/>
+            <a:r>
+              <a:rPr lang="en-US" sz="2000" dirty="0">
+                <a:solidFill>
+                  <a:schemeClr val="tx1"/>
+                </a:solidFill>
+              </a:rPr>
+              <a:t>JVM Workloads</a:t>
+            </a:r>
+          </a:p>
+        </p:txBody>
+      </p:sp>
+      <p:sp>
+        <p:nvSpPr>
+          <p:cNvPr id="14" name="Rectangle 13">
+            <a:extLst>
+              <a:ext uri="{FF2B5EF4-FFF2-40B4-BE49-F238E27FC236}">
+                <a16:creationId xmlns:a16="http://schemas.microsoft.com/office/drawing/2014/main" id="{7E9A82FA-FCB0-6940-983C-DDC4CEE6090A}"/>
+              </a:ext>
+            </a:extLst>
+          </p:cNvPr>
+          <p:cNvSpPr/>
+          <p:nvPr/>
+        </p:nvSpPr>
+        <p:spPr>
+          <a:xfrm>
+            <a:off x="833040" y="3900695"/>
+            <a:ext cx="2582514" cy="578865"/>
+          </a:xfrm>
+          <a:prstGeom prst="rect">
+            <a:avLst/>
+          </a:prstGeom>
+          <a:solidFill>
+            <a:schemeClr val="accent6">
+              <a:lumMod val="20000"/>
+              <a:lumOff val="80000"/>
+            </a:schemeClr>
+          </a:solidFill>
+        </p:spPr>
+        <p:style>
+          <a:lnRef idx="2">
+            <a:schemeClr val="accent1">
+              <a:shade val="50000"/>
+            </a:schemeClr>
+          </a:lnRef>
+          <a:fillRef idx="1">
+            <a:schemeClr val="accent1"/>
+          </a:fillRef>
+          <a:effectRef idx="0">
+            <a:schemeClr val="accent1"/>
+          </a:effectRef>
+          <a:fontRef idx="minor">
+            <a:schemeClr val="lt1"/>
+          </a:fontRef>
+        </p:style>
+        <p:txBody>
+          <a:bodyPr rtlCol="0" anchor="ctr" anchorCtr="0"/>
+          <a:lstStyle/>
+          <a:p>
+            <a:pPr algn="ctr"/>
+            <a:r>
+              <a:rPr lang="en-US" sz="2000" dirty="0">
+                <a:solidFill>
+                  <a:schemeClr val="tx1"/>
+                </a:solidFill>
+              </a:rPr>
+              <a:t>Your Code is Here</a:t>
+            </a:r>
+          </a:p>
+        </p:txBody>
+      </p:sp>
+      <p:sp>
+        <p:nvSpPr>
+          <p:cNvPr id="16" name="Rectangle 15">
+            <a:extLst>
+              <a:ext uri="{FF2B5EF4-FFF2-40B4-BE49-F238E27FC236}">
+                <a16:creationId xmlns:a16="http://schemas.microsoft.com/office/drawing/2014/main" id="{ED117790-0FD8-6042-9467-EE77BE5944FF}"/>
+              </a:ext>
+            </a:extLst>
+          </p:cNvPr>
+          <p:cNvSpPr/>
+          <p:nvPr/>
+        </p:nvSpPr>
+        <p:spPr>
+          <a:xfrm>
+            <a:off x="607805" y="2719584"/>
+            <a:ext cx="3062794" cy="578865"/>
+          </a:xfrm>
+          <a:prstGeom prst="rect">
+            <a:avLst/>
+          </a:prstGeom>
+          <a:solidFill>
+            <a:schemeClr val="bg1"/>
+          </a:solidFill>
+        </p:spPr>
+        <p:style>
+          <a:lnRef idx="2">
+            <a:schemeClr val="accent1">
+              <a:shade val="50000"/>
+            </a:schemeClr>
+          </a:lnRef>
+          <a:fillRef idx="1">
+            <a:schemeClr val="accent1"/>
+          </a:fillRef>
+          <a:effectRef idx="0">
+            <a:schemeClr val="accent1"/>
+          </a:effectRef>
+          <a:fontRef idx="minor">
+            <a:schemeClr val="lt1"/>
+          </a:fontRef>
+        </p:style>
+        <p:txBody>
+          <a:bodyPr rtlCol="0" anchor="ctr" anchorCtr="0"/>
+          <a:lstStyle/>
+          <a:p>
+            <a:pPr algn="ctr"/>
+            <a:r>
+              <a:rPr lang="en-US" sz="2000" dirty="0">
+                <a:solidFill>
+                  <a:schemeClr val="tx1"/>
+                </a:solidFill>
+              </a:rPr>
+              <a:t>JVM Ecosystem</a:t>
+            </a:r>
+          </a:p>
+        </p:txBody>
+      </p:sp>
+      <p:sp>
+        <p:nvSpPr>
+          <p:cNvPr id="15" name="TextBox 14">
+            <a:extLst>
+              <a:ext uri="{FF2B5EF4-FFF2-40B4-BE49-F238E27FC236}">
+                <a16:creationId xmlns:a16="http://schemas.microsoft.com/office/drawing/2014/main" id="{8C3189C0-4BE0-5E42-9C50-C9B9099BFCC6}"/>
+              </a:ext>
+            </a:extLst>
+          </p:cNvPr>
+          <p:cNvSpPr txBox="1"/>
+          <p:nvPr/>
+        </p:nvSpPr>
+        <p:spPr>
+          <a:xfrm>
+            <a:off x="3971491" y="1593230"/>
+            <a:ext cx="7853082" cy="2431435"/>
+          </a:xfrm>
+          <a:prstGeom prst="rect">
+            <a:avLst/>
+          </a:prstGeom>
+          <a:noFill/>
+        </p:spPr>
+        <p:txBody>
+          <a:bodyPr wrap="square" rtlCol="0">
+            <a:spAutoFit/>
+          </a:bodyPr>
+          <a:lstStyle/>
+          <a:p>
+            <a:pPr marL="285750" indent="-285750">
+              <a:buFont typeface="Arial" panose="020B0604020202020204" pitchFamily="34" charset="0"/>
+              <a:buChar char="•"/>
+            </a:pPr>
+            <a:r>
+              <a:rPr lang="en-US" sz="3200" dirty="0"/>
+              <a:t>JVM Benefits </a:t>
+            </a:r>
+          </a:p>
+          <a:p>
+            <a:pPr marL="742950" lvl="1" indent="-285750">
+              <a:buFont typeface="Arial" panose="020B0604020202020204" pitchFamily="34" charset="0"/>
+              <a:buChar char="•"/>
+            </a:pPr>
+            <a:r>
+              <a:rPr lang="en-US" sz="2000" dirty="0"/>
+              <a:t>Provides isolated environment for executing your code</a:t>
+            </a:r>
+          </a:p>
+          <a:p>
+            <a:pPr marL="742950" lvl="1" indent="-285750">
+              <a:buFont typeface="Arial" panose="020B0604020202020204" pitchFamily="34" charset="0"/>
+              <a:buChar char="•"/>
+            </a:pPr>
+            <a:r>
+              <a:rPr lang="en-US" sz="2000" dirty="0"/>
+              <a:t>Provides runtime management for your executing code</a:t>
+            </a:r>
+          </a:p>
+          <a:p>
+            <a:pPr marL="742950" lvl="1" indent="-285750">
+              <a:buFont typeface="Arial" panose="020B0604020202020204" pitchFamily="34" charset="0"/>
+              <a:buChar char="•"/>
+            </a:pPr>
+            <a:r>
+              <a:rPr lang="en-US" sz="2000" dirty="0"/>
+              <a:t>Provides multi-threaded, and multi-process abstractions on top of OS</a:t>
+            </a:r>
+          </a:p>
+          <a:p>
+            <a:pPr marL="742950" lvl="1" indent="-285750">
+              <a:buFont typeface="Arial" panose="020B0604020202020204" pitchFamily="34" charset="0"/>
+              <a:buChar char="•"/>
+            </a:pPr>
+            <a:r>
+              <a:rPr lang="en-US" sz="2000" dirty="0"/>
+              <a:t>Portable across Operating systems</a:t>
+            </a:r>
+          </a:p>
+          <a:p>
+            <a:pPr marL="285750" indent="-285750">
+              <a:buFont typeface="Arial" panose="020B0604020202020204" pitchFamily="34" charset="0"/>
+              <a:buChar char="•"/>
+            </a:pPr>
+            <a:endParaRPr lang="en-US" sz="2000" dirty="0"/>
+          </a:p>
+        </p:txBody>
+      </p:sp>
+      <p:sp>
+        <p:nvSpPr>
+          <p:cNvPr id="18" name="TextBox 17">
+            <a:extLst>
+              <a:ext uri="{FF2B5EF4-FFF2-40B4-BE49-F238E27FC236}">
+                <a16:creationId xmlns:a16="http://schemas.microsoft.com/office/drawing/2014/main" id="{78608F57-9DD2-CD40-851D-4CB74B94C477}"/>
+              </a:ext>
+            </a:extLst>
+          </p:cNvPr>
+          <p:cNvSpPr txBox="1"/>
+          <p:nvPr/>
+        </p:nvSpPr>
+        <p:spPr>
+          <a:xfrm>
+            <a:off x="4005781" y="3959467"/>
+            <a:ext cx="7853082" cy="1508105"/>
+          </a:xfrm>
+          <a:prstGeom prst="rect">
+            <a:avLst/>
+          </a:prstGeom>
+          <a:noFill/>
+        </p:spPr>
+        <p:txBody>
+          <a:bodyPr wrap="square" rtlCol="0">
+            <a:spAutoFit/>
+          </a:bodyPr>
+          <a:lstStyle/>
+          <a:p>
+            <a:pPr marL="285750" indent="-285750">
+              <a:buFont typeface="Arial" panose="020B0604020202020204" pitchFamily="34" charset="0"/>
+              <a:buChar char="•"/>
+            </a:pPr>
+            <a:r>
+              <a:rPr lang="en-US" sz="3200" dirty="0"/>
+              <a:t>JVM Limitations </a:t>
+            </a:r>
+          </a:p>
+          <a:p>
+            <a:pPr marL="742950" lvl="1" indent="-285750">
+              <a:buFont typeface="Arial" panose="020B0604020202020204" pitchFamily="34" charset="0"/>
+              <a:buChar char="•"/>
+            </a:pPr>
+            <a:r>
+              <a:rPr lang="en-US" sz="2000" dirty="0"/>
+              <a:t>Cold start times because the JVM adaptively optimizes</a:t>
+            </a:r>
+          </a:p>
+          <a:p>
+            <a:pPr marL="742950" lvl="1" indent="-285750">
+              <a:buFont typeface="Arial" panose="020B0604020202020204" pitchFamily="34" charset="0"/>
+              <a:buChar char="•"/>
+            </a:pPr>
+            <a:r>
+              <a:rPr lang="en-US" sz="2000" dirty="0"/>
+              <a:t>Only supports JVM-based languages – Java, Kotlin, </a:t>
+            </a:r>
+            <a:r>
+              <a:rPr lang="en-US" sz="2000" dirty="0" err="1"/>
+              <a:t>etc</a:t>
+            </a:r>
+            <a:endParaRPr lang="en-US" sz="2000" dirty="0"/>
+          </a:p>
+          <a:p>
+            <a:pPr marL="285750" indent="-285750">
+              <a:buFont typeface="Arial" panose="020B0604020202020204" pitchFamily="34" charset="0"/>
+              <a:buChar char="•"/>
+            </a:pPr>
+            <a:endParaRPr lang="en-US" sz="2000" dirty="0"/>
+          </a:p>
+        </p:txBody>
+      </p:sp>
+    </p:spTree>
+    <p:extLst>
+      <p:ext uri="{BB962C8B-B14F-4D97-AF65-F5344CB8AC3E}">
+        <p14:creationId xmlns:p14="http://schemas.microsoft.com/office/powerpoint/2010/main" val="1532919205"/>
       </p:ext>
     </p:extLst>
   </p:cSld>
@@ -4777,6 +7876,2846 @@
     <p:extLst>
       <p:ext uri="{BB962C8B-B14F-4D97-AF65-F5344CB8AC3E}">
         <p14:creationId xmlns:p14="http://schemas.microsoft.com/office/powerpoint/2010/main" val="2345277291"/>
+      </p:ext>
+    </p:extLst>
+  </p:cSld>
+  <p:clrMapOvr>
+    <a:masterClrMapping/>
+  </p:clrMapOvr>
+</p:sld>
+</file>
+
+<file path=ppt/slides/slide20.xml><?xml version="1.0" encoding="utf-8"?>
+<p:sld xmlns:a="http://schemas.openxmlformats.org/drawingml/2006/main" xmlns:r="http://schemas.openxmlformats.org/officeDocument/2006/relationships" xmlns:p="http://schemas.openxmlformats.org/presentationml/2006/main">
+  <p:cSld>
+    <p:spTree>
+      <p:nvGrpSpPr>
+        <p:cNvPr id="1" name=""/>
+        <p:cNvGrpSpPr/>
+        <p:nvPr/>
+      </p:nvGrpSpPr>
+      <p:grpSpPr>
+        <a:xfrm>
+          <a:off x="0" y="0"/>
+          <a:ext cx="0" cy="0"/>
+          <a:chOff x="0" y="0"/>
+          <a:chExt cx="0" cy="0"/>
+        </a:xfrm>
+      </p:grpSpPr>
+      <p:sp>
+        <p:nvSpPr>
+          <p:cNvPr id="2" name="Title 1">
+            <a:extLst>
+              <a:ext uri="{FF2B5EF4-FFF2-40B4-BE49-F238E27FC236}">
+                <a16:creationId xmlns:a16="http://schemas.microsoft.com/office/drawing/2014/main" id="{8F29ACB7-3B63-49E7-96D7-15DA3109CDE5}"/>
+              </a:ext>
+            </a:extLst>
+          </p:cNvPr>
+          <p:cNvSpPr>
+            <a:spLocks noGrp="1"/>
+          </p:cNvSpPr>
+          <p:nvPr>
+            <p:ph type="title"/>
+          </p:nvPr>
+        </p:nvSpPr>
+        <p:spPr>
+          <a:xfrm>
+            <a:off x="39223" y="1969"/>
+            <a:ext cx="11617377" cy="1325563"/>
+          </a:xfrm>
+        </p:spPr>
+        <p:txBody>
+          <a:bodyPr>
+            <a:normAutofit/>
+          </a:bodyPr>
+          <a:lstStyle/>
+          <a:p>
+            <a:r>
+              <a:rPr lang="en-US" sz="4000" b="1" dirty="0"/>
+              <a:t>Arguing Recommendation 2</a:t>
+            </a:r>
+            <a:br>
+              <a:rPr lang="en-US" sz="4000" b="1" dirty="0"/>
+            </a:br>
+            <a:r>
+              <a:rPr lang="en-US" sz="4000" b="1" dirty="0"/>
+              <a:t>Avoid the JVM for largely Net New efforts, Part 2</a:t>
+            </a:r>
+          </a:p>
+        </p:txBody>
+      </p:sp>
+      <p:sp>
+        <p:nvSpPr>
+          <p:cNvPr id="4" name="Slide Number Placeholder 3">
+            <a:extLst>
+              <a:ext uri="{FF2B5EF4-FFF2-40B4-BE49-F238E27FC236}">
+                <a16:creationId xmlns:a16="http://schemas.microsoft.com/office/drawing/2014/main" id="{542EAC42-38A0-4516-814B-016A18951906}"/>
+              </a:ext>
+            </a:extLst>
+          </p:cNvPr>
+          <p:cNvSpPr>
+            <a:spLocks noGrp="1"/>
+          </p:cNvSpPr>
+          <p:nvPr>
+            <p:ph type="sldNum" sz="quarter" idx="12"/>
+          </p:nvPr>
+        </p:nvSpPr>
+        <p:spPr>
+          <a:xfrm>
+            <a:off x="8610600" y="6114304"/>
+            <a:ext cx="2743200" cy="365125"/>
+          </a:xfrm>
+        </p:spPr>
+        <p:txBody>
+          <a:bodyPr/>
+          <a:lstStyle/>
+          <a:p>
+            <a:fld id="{69E57DC2-970A-4B3E-BB1C-7A09969E49DF}" type="slidenum">
+              <a:rPr lang="en-US" smtClean="0"/>
+              <a:t>20</a:t>
+            </a:fld>
+            <a:endParaRPr lang="en-US" dirty="0"/>
+          </a:p>
+        </p:txBody>
+      </p:sp>
+      <p:sp>
+        <p:nvSpPr>
+          <p:cNvPr id="8" name="Rectangle 7">
+            <a:extLst>
+              <a:ext uri="{FF2B5EF4-FFF2-40B4-BE49-F238E27FC236}">
+                <a16:creationId xmlns:a16="http://schemas.microsoft.com/office/drawing/2014/main" id="{DD4ACB9B-1C25-5B41-B459-1A6DC067AC89}"/>
+              </a:ext>
+            </a:extLst>
+          </p:cNvPr>
+          <p:cNvSpPr/>
+          <p:nvPr/>
+        </p:nvSpPr>
+        <p:spPr>
+          <a:xfrm>
+            <a:off x="185220" y="6212899"/>
+            <a:ext cx="4117203" cy="461665"/>
+          </a:xfrm>
+          <a:prstGeom prst="rect">
+            <a:avLst/>
+          </a:prstGeom>
+        </p:spPr>
+        <p:txBody>
+          <a:bodyPr wrap="square">
+            <a:spAutoFit/>
+          </a:bodyPr>
+          <a:lstStyle/>
+          <a:p>
+            <a:r>
+              <a:rPr lang="en-US" sz="2400" dirty="0"/>
+              <a:t>Overall Docker Architecture</a:t>
+            </a:r>
+          </a:p>
+        </p:txBody>
+      </p:sp>
+      <p:sp>
+        <p:nvSpPr>
+          <p:cNvPr id="15" name="TextBox 14">
+            <a:extLst>
+              <a:ext uri="{FF2B5EF4-FFF2-40B4-BE49-F238E27FC236}">
+                <a16:creationId xmlns:a16="http://schemas.microsoft.com/office/drawing/2014/main" id="{8C3189C0-4BE0-5E42-9C50-C9B9099BFCC6}"/>
+              </a:ext>
+            </a:extLst>
+          </p:cNvPr>
+          <p:cNvSpPr txBox="1"/>
+          <p:nvPr/>
+        </p:nvSpPr>
+        <p:spPr>
+          <a:xfrm>
+            <a:off x="4005781" y="1450424"/>
+            <a:ext cx="7853082" cy="3662541"/>
+          </a:xfrm>
+          <a:prstGeom prst="rect">
+            <a:avLst/>
+          </a:prstGeom>
+          <a:noFill/>
+        </p:spPr>
+        <p:txBody>
+          <a:bodyPr wrap="square" rtlCol="0">
+            <a:spAutoFit/>
+          </a:bodyPr>
+          <a:lstStyle/>
+          <a:p>
+            <a:pPr marL="285750" indent="-285750">
+              <a:buFont typeface="Arial" panose="020B0604020202020204" pitchFamily="34" charset="0"/>
+              <a:buChar char="•"/>
+            </a:pPr>
+            <a:r>
+              <a:rPr lang="en-US" sz="3200" dirty="0"/>
+              <a:t>Docker Benefits </a:t>
+            </a:r>
+          </a:p>
+          <a:p>
+            <a:pPr marL="742950" lvl="1" indent="-285750">
+              <a:buFont typeface="Arial" panose="020B0604020202020204" pitchFamily="34" charset="0"/>
+              <a:buChar char="•"/>
+            </a:pPr>
+            <a:r>
+              <a:rPr lang="en-US" sz="2000" dirty="0"/>
+              <a:t>Provides isolated environment for executing your code</a:t>
+            </a:r>
+          </a:p>
+          <a:p>
+            <a:pPr marL="742950" lvl="1" indent="-285750">
+              <a:buFont typeface="Arial" panose="020B0604020202020204" pitchFamily="34" charset="0"/>
+              <a:buChar char="•"/>
+            </a:pPr>
+            <a:r>
+              <a:rPr lang="en-US" sz="2000" dirty="0"/>
+              <a:t>Provides runtime management for your executing code</a:t>
+            </a:r>
+          </a:p>
+          <a:p>
+            <a:pPr marL="742950" lvl="1" indent="-285750">
+              <a:buFont typeface="Arial" panose="020B0604020202020204" pitchFamily="34" charset="0"/>
+              <a:buChar char="•"/>
+            </a:pPr>
+            <a:r>
+              <a:rPr lang="en-US" sz="2000" dirty="0"/>
+              <a:t>Provides multi-threaded, and multi-process abstractions on top of OS</a:t>
+            </a:r>
+          </a:p>
+          <a:p>
+            <a:pPr marL="742950" lvl="1" indent="-285750">
+              <a:buFont typeface="Arial" panose="020B0604020202020204" pitchFamily="34" charset="0"/>
+              <a:buChar char="•"/>
+            </a:pPr>
+            <a:r>
+              <a:rPr lang="en-US" sz="2000" dirty="0"/>
+              <a:t>Portable across Operating systems</a:t>
+            </a:r>
+          </a:p>
+          <a:p>
+            <a:pPr marL="742950" lvl="1" indent="-285750">
+              <a:buFont typeface="Arial" panose="020B0604020202020204" pitchFamily="34" charset="0"/>
+              <a:buChar char="•"/>
+            </a:pPr>
+            <a:r>
+              <a:rPr lang="en-US" sz="2000" dirty="0"/>
+              <a:t>Language, framework agnostic</a:t>
+            </a:r>
+          </a:p>
+          <a:p>
+            <a:pPr marL="742950" lvl="1" indent="-285750">
+              <a:buFont typeface="Arial" panose="020B0604020202020204" pitchFamily="34" charset="0"/>
+              <a:buChar char="•"/>
+            </a:pPr>
+            <a:r>
+              <a:rPr lang="en-US" sz="2000" dirty="0"/>
+              <a:t>Can be composed with other containers</a:t>
+            </a:r>
+          </a:p>
+          <a:p>
+            <a:pPr marL="742950" lvl="1" indent="-285750">
+              <a:buFont typeface="Arial" panose="020B0604020202020204" pitchFamily="34" charset="0"/>
+              <a:buChar char="•"/>
+            </a:pPr>
+            <a:r>
+              <a:rPr lang="en-US" sz="2000" dirty="0"/>
+              <a:t>Light footprint – </a:t>
+            </a:r>
+            <a:r>
+              <a:rPr lang="en-US" sz="2000" dirty="0" err="1"/>
+              <a:t>e.g</a:t>
+            </a:r>
+            <a:r>
+              <a:rPr lang="en-US" sz="2000" dirty="0"/>
+              <a:t>, Alpine Linux base image is 5Mb.</a:t>
+            </a:r>
+          </a:p>
+          <a:p>
+            <a:pPr marL="742950" lvl="1" indent="-285750">
+              <a:buFont typeface="Arial" panose="020B0604020202020204" pitchFamily="34" charset="0"/>
+              <a:buChar char="•"/>
+            </a:pPr>
+            <a:r>
+              <a:rPr lang="en-US" sz="2000" dirty="0"/>
+              <a:t>Has all of the benefits of the JVM and then some</a:t>
+            </a:r>
+          </a:p>
+          <a:p>
+            <a:pPr marL="285750" indent="-285750">
+              <a:buFont typeface="Arial" panose="020B0604020202020204" pitchFamily="34" charset="0"/>
+              <a:buChar char="•"/>
+            </a:pPr>
+            <a:endParaRPr lang="en-US" sz="2000" dirty="0"/>
+          </a:p>
+        </p:txBody>
+      </p:sp>
+      <p:pic>
+        <p:nvPicPr>
+          <p:cNvPr id="4098" name="Picture 2" descr="Docker Logos - Docker">
+            <a:extLst>
+              <a:ext uri="{FF2B5EF4-FFF2-40B4-BE49-F238E27FC236}">
+                <a16:creationId xmlns:a16="http://schemas.microsoft.com/office/drawing/2014/main" id="{DDED687B-57C9-5A48-A2B5-67895D7C82CF}"/>
+              </a:ext>
+            </a:extLst>
+          </p:cNvPr>
+          <p:cNvPicPr>
+            <a:picLocks noChangeAspect="1" noChangeArrowheads="1"/>
+          </p:cNvPicPr>
+          <p:nvPr/>
+        </p:nvPicPr>
+        <p:blipFill>
+          <a:blip r:embed="rId2">
+            <a:extLst>
+              <a:ext uri="{28A0092B-C50C-407E-A947-70E740481C1C}">
+                <a14:useLocalDpi xmlns:a14="http://schemas.microsoft.com/office/drawing/2010/main" val="0"/>
+              </a:ext>
+            </a:extLst>
+          </a:blip>
+          <a:srcRect/>
+          <a:stretch>
+            <a:fillRect/>
+          </a:stretch>
+        </p:blipFill>
+        <p:spPr bwMode="auto">
+          <a:xfrm>
+            <a:off x="853987" y="1408552"/>
+            <a:ext cx="2321985" cy="1664819"/>
+          </a:xfrm>
+          <a:prstGeom prst="rect">
+            <a:avLst/>
+          </a:prstGeom>
+          <a:noFill/>
+          <a:extLst>
+            <a:ext uri="{909E8E84-426E-40DD-AFC4-6F175D3DCCD1}">
+              <a14:hiddenFill xmlns:a14="http://schemas.microsoft.com/office/drawing/2010/main">
+                <a:solidFill>
+                  <a:srgbClr val="FFFFFF"/>
+                </a:solidFill>
+              </a14:hiddenFill>
+            </a:ext>
+          </a:extLst>
+        </p:spPr>
+      </p:pic>
+      <p:sp>
+        <p:nvSpPr>
+          <p:cNvPr id="17" name="Rectangle 16">
+            <a:extLst>
+              <a:ext uri="{FF2B5EF4-FFF2-40B4-BE49-F238E27FC236}">
+                <a16:creationId xmlns:a16="http://schemas.microsoft.com/office/drawing/2014/main" id="{B7134BE2-BF0C-D743-899C-B6167648BF1E}"/>
+              </a:ext>
+            </a:extLst>
+          </p:cNvPr>
+          <p:cNvSpPr/>
+          <p:nvPr/>
+        </p:nvSpPr>
+        <p:spPr>
+          <a:xfrm>
+            <a:off x="333137" y="3254188"/>
+            <a:ext cx="3363686" cy="3004242"/>
+          </a:xfrm>
+          <a:prstGeom prst="rect">
+            <a:avLst/>
+          </a:prstGeom>
+        </p:spPr>
+        <p:style>
+          <a:lnRef idx="2">
+            <a:schemeClr val="accent1">
+              <a:shade val="50000"/>
+            </a:schemeClr>
+          </a:lnRef>
+          <a:fillRef idx="1">
+            <a:schemeClr val="accent1"/>
+          </a:fillRef>
+          <a:effectRef idx="0">
+            <a:schemeClr val="accent1"/>
+          </a:effectRef>
+          <a:fontRef idx="minor">
+            <a:schemeClr val="lt1"/>
+          </a:fontRef>
+        </p:style>
+        <p:txBody>
+          <a:bodyPr rtlCol="0" anchor="t" anchorCtr="0"/>
+          <a:lstStyle/>
+          <a:p>
+            <a:pPr algn="ctr"/>
+            <a:r>
+              <a:rPr lang="en-US" dirty="0"/>
+              <a:t>Docker Engine</a:t>
+            </a:r>
+          </a:p>
+        </p:txBody>
+      </p:sp>
+      <p:sp>
+        <p:nvSpPr>
+          <p:cNvPr id="20" name="Rectangle 19">
+            <a:extLst>
+              <a:ext uri="{FF2B5EF4-FFF2-40B4-BE49-F238E27FC236}">
+                <a16:creationId xmlns:a16="http://schemas.microsoft.com/office/drawing/2014/main" id="{61227CCC-7F63-3E4F-A1EA-799C164C494B}"/>
+              </a:ext>
+            </a:extLst>
+          </p:cNvPr>
+          <p:cNvSpPr/>
+          <p:nvPr/>
+        </p:nvSpPr>
+        <p:spPr>
+          <a:xfrm>
+            <a:off x="524082" y="3684494"/>
+            <a:ext cx="3062796" cy="2316666"/>
+          </a:xfrm>
+          <a:prstGeom prst="rect">
+            <a:avLst/>
+          </a:prstGeom>
+          <a:solidFill>
+            <a:schemeClr val="bg1"/>
+          </a:solidFill>
+        </p:spPr>
+        <p:style>
+          <a:lnRef idx="2">
+            <a:schemeClr val="accent1">
+              <a:shade val="50000"/>
+            </a:schemeClr>
+          </a:lnRef>
+          <a:fillRef idx="1">
+            <a:schemeClr val="accent1"/>
+          </a:fillRef>
+          <a:effectRef idx="0">
+            <a:schemeClr val="accent1"/>
+          </a:effectRef>
+          <a:fontRef idx="minor">
+            <a:schemeClr val="lt1"/>
+          </a:fontRef>
+        </p:style>
+        <p:txBody>
+          <a:bodyPr rtlCol="0" anchor="t" anchorCtr="0"/>
+          <a:lstStyle/>
+          <a:p>
+            <a:pPr algn="ctr"/>
+            <a:r>
+              <a:rPr lang="en-US" sz="2000" dirty="0">
+                <a:solidFill>
+                  <a:schemeClr val="tx1"/>
+                </a:solidFill>
+              </a:rPr>
+              <a:t>Docker Image</a:t>
+            </a:r>
+          </a:p>
+        </p:txBody>
+      </p:sp>
+      <p:sp>
+        <p:nvSpPr>
+          <p:cNvPr id="21" name="Rectangle 20">
+            <a:extLst>
+              <a:ext uri="{FF2B5EF4-FFF2-40B4-BE49-F238E27FC236}">
+                <a16:creationId xmlns:a16="http://schemas.microsoft.com/office/drawing/2014/main" id="{798252B3-01D4-BD40-9928-E0F76073C7EC}"/>
+              </a:ext>
+            </a:extLst>
+          </p:cNvPr>
+          <p:cNvSpPr/>
+          <p:nvPr/>
+        </p:nvSpPr>
+        <p:spPr>
+          <a:xfrm>
+            <a:off x="749318" y="5323227"/>
+            <a:ext cx="2582514" cy="485242"/>
+          </a:xfrm>
+          <a:prstGeom prst="rect">
+            <a:avLst/>
+          </a:prstGeom>
+          <a:solidFill>
+            <a:schemeClr val="accent6">
+              <a:lumMod val="20000"/>
+              <a:lumOff val="80000"/>
+            </a:schemeClr>
+          </a:solidFill>
+        </p:spPr>
+        <p:style>
+          <a:lnRef idx="2">
+            <a:schemeClr val="accent1">
+              <a:shade val="50000"/>
+            </a:schemeClr>
+          </a:lnRef>
+          <a:fillRef idx="1">
+            <a:schemeClr val="accent1"/>
+          </a:fillRef>
+          <a:effectRef idx="0">
+            <a:schemeClr val="accent1"/>
+          </a:effectRef>
+          <a:fontRef idx="minor">
+            <a:schemeClr val="lt1"/>
+          </a:fontRef>
+        </p:style>
+        <p:txBody>
+          <a:bodyPr rtlCol="0" anchor="ctr" anchorCtr="0"/>
+          <a:lstStyle/>
+          <a:p>
+            <a:pPr algn="ctr"/>
+            <a:r>
+              <a:rPr lang="en-US" sz="2000" dirty="0">
+                <a:solidFill>
+                  <a:schemeClr val="tx1"/>
+                </a:solidFill>
+              </a:rPr>
+              <a:t>Your Code is Here</a:t>
+            </a:r>
+          </a:p>
+        </p:txBody>
+      </p:sp>
+      <p:sp>
+        <p:nvSpPr>
+          <p:cNvPr id="23" name="Rectangle 22">
+            <a:extLst>
+              <a:ext uri="{FF2B5EF4-FFF2-40B4-BE49-F238E27FC236}">
+                <a16:creationId xmlns:a16="http://schemas.microsoft.com/office/drawing/2014/main" id="{BCAD2441-431E-D640-81B6-06C850A388D9}"/>
+              </a:ext>
+            </a:extLst>
+          </p:cNvPr>
+          <p:cNvSpPr/>
+          <p:nvPr/>
+        </p:nvSpPr>
+        <p:spPr>
+          <a:xfrm>
+            <a:off x="749318" y="4619632"/>
+            <a:ext cx="2582514" cy="688946"/>
+          </a:xfrm>
+          <a:prstGeom prst="rect">
+            <a:avLst/>
+          </a:prstGeom>
+          <a:solidFill>
+            <a:schemeClr val="accent6">
+              <a:lumMod val="20000"/>
+              <a:lumOff val="80000"/>
+            </a:schemeClr>
+          </a:solidFill>
+        </p:spPr>
+        <p:style>
+          <a:lnRef idx="2">
+            <a:schemeClr val="accent1">
+              <a:shade val="50000"/>
+            </a:schemeClr>
+          </a:lnRef>
+          <a:fillRef idx="1">
+            <a:schemeClr val="accent1"/>
+          </a:fillRef>
+          <a:effectRef idx="0">
+            <a:schemeClr val="accent1"/>
+          </a:effectRef>
+          <a:fontRef idx="minor">
+            <a:schemeClr val="lt1"/>
+          </a:fontRef>
+        </p:style>
+        <p:txBody>
+          <a:bodyPr rtlCol="0" anchor="ctr" anchorCtr="0"/>
+          <a:lstStyle/>
+          <a:p>
+            <a:pPr algn="ctr"/>
+            <a:r>
+              <a:rPr lang="en-US" sz="2000" dirty="0">
+                <a:solidFill>
+                  <a:schemeClr val="tx1"/>
+                </a:solidFill>
+              </a:rPr>
+              <a:t>Your Code Dependencies</a:t>
+            </a:r>
+          </a:p>
+        </p:txBody>
+      </p:sp>
+      <p:sp>
+        <p:nvSpPr>
+          <p:cNvPr id="24" name="Rectangle 23">
+            <a:extLst>
+              <a:ext uri="{FF2B5EF4-FFF2-40B4-BE49-F238E27FC236}">
+                <a16:creationId xmlns:a16="http://schemas.microsoft.com/office/drawing/2014/main" id="{1D0C6255-24FB-514A-BC3A-8B9DA5F14A35}"/>
+              </a:ext>
+            </a:extLst>
+          </p:cNvPr>
+          <p:cNvSpPr/>
+          <p:nvPr/>
+        </p:nvSpPr>
+        <p:spPr>
+          <a:xfrm>
+            <a:off x="749318" y="4127066"/>
+            <a:ext cx="2582514" cy="485242"/>
+          </a:xfrm>
+          <a:prstGeom prst="rect">
+            <a:avLst/>
+          </a:prstGeom>
+          <a:solidFill>
+            <a:schemeClr val="accent6">
+              <a:lumMod val="50000"/>
+            </a:schemeClr>
+          </a:solidFill>
+        </p:spPr>
+        <p:style>
+          <a:lnRef idx="2">
+            <a:schemeClr val="accent1">
+              <a:shade val="50000"/>
+            </a:schemeClr>
+          </a:lnRef>
+          <a:fillRef idx="1">
+            <a:schemeClr val="accent1"/>
+          </a:fillRef>
+          <a:effectRef idx="0">
+            <a:schemeClr val="accent1"/>
+          </a:effectRef>
+          <a:fontRef idx="minor">
+            <a:schemeClr val="lt1"/>
+          </a:fontRef>
+        </p:style>
+        <p:txBody>
+          <a:bodyPr rtlCol="0" anchor="ctr" anchorCtr="0"/>
+          <a:lstStyle/>
+          <a:p>
+            <a:pPr algn="ctr"/>
+            <a:r>
+              <a:rPr lang="en-US" sz="2000" dirty="0">
+                <a:solidFill>
+                  <a:schemeClr val="bg1"/>
+                </a:solidFill>
+              </a:rPr>
+              <a:t>Virtual OS</a:t>
+            </a:r>
+          </a:p>
+        </p:txBody>
+      </p:sp>
+      <p:sp>
+        <p:nvSpPr>
+          <p:cNvPr id="25" name="Rectangle 24">
+            <a:extLst>
+              <a:ext uri="{FF2B5EF4-FFF2-40B4-BE49-F238E27FC236}">
+                <a16:creationId xmlns:a16="http://schemas.microsoft.com/office/drawing/2014/main" id="{F1D1E77B-9242-0944-B414-E7FC9E82818C}"/>
+              </a:ext>
+            </a:extLst>
+          </p:cNvPr>
+          <p:cNvSpPr/>
+          <p:nvPr/>
+        </p:nvSpPr>
+        <p:spPr>
+          <a:xfrm>
+            <a:off x="4232755" y="5479610"/>
+            <a:ext cx="7121045" cy="1200329"/>
+          </a:xfrm>
+          <a:prstGeom prst="rect">
+            <a:avLst/>
+          </a:prstGeom>
+        </p:spPr>
+        <p:txBody>
+          <a:bodyPr wrap="square">
+            <a:spAutoFit/>
+          </a:bodyPr>
+          <a:lstStyle/>
+          <a:p>
+            <a:r>
+              <a:rPr lang="en-US" sz="2400" i="1" dirty="0"/>
+              <a:t>Unrelated – some are speculating that server-side </a:t>
+            </a:r>
+            <a:r>
+              <a:rPr lang="en-US" sz="2400" i="1" dirty="0" err="1"/>
+              <a:t>webassembly</a:t>
+            </a:r>
+            <a:r>
+              <a:rPr lang="en-US" sz="2400" i="1" dirty="0"/>
+              <a:t> will be the “next thing” to take over from docker</a:t>
+            </a:r>
+          </a:p>
+        </p:txBody>
+      </p:sp>
+    </p:spTree>
+    <p:extLst>
+      <p:ext uri="{BB962C8B-B14F-4D97-AF65-F5344CB8AC3E}">
+        <p14:creationId xmlns:p14="http://schemas.microsoft.com/office/powerpoint/2010/main" val="2309402726"/>
+      </p:ext>
+    </p:extLst>
+  </p:cSld>
+  <p:clrMapOvr>
+    <a:masterClrMapping/>
+  </p:clrMapOvr>
+</p:sld>
+</file>
+
+<file path=ppt/slides/slide21.xml><?xml version="1.0" encoding="utf-8"?>
+<p:sld xmlns:a="http://schemas.openxmlformats.org/drawingml/2006/main" xmlns:r="http://schemas.openxmlformats.org/officeDocument/2006/relationships" xmlns:p="http://schemas.openxmlformats.org/presentationml/2006/main">
+  <p:cSld>
+    <p:spTree>
+      <p:nvGrpSpPr>
+        <p:cNvPr id="1" name=""/>
+        <p:cNvGrpSpPr/>
+        <p:nvPr/>
+      </p:nvGrpSpPr>
+      <p:grpSpPr>
+        <a:xfrm>
+          <a:off x="0" y="0"/>
+          <a:ext cx="0" cy="0"/>
+          <a:chOff x="0" y="0"/>
+          <a:chExt cx="0" cy="0"/>
+        </a:xfrm>
+      </p:grpSpPr>
+      <p:sp>
+        <p:nvSpPr>
+          <p:cNvPr id="2" name="Title 1">
+            <a:extLst>
+              <a:ext uri="{FF2B5EF4-FFF2-40B4-BE49-F238E27FC236}">
+                <a16:creationId xmlns:a16="http://schemas.microsoft.com/office/drawing/2014/main" id="{8F29ACB7-3B63-49E7-96D7-15DA3109CDE5}"/>
+              </a:ext>
+            </a:extLst>
+          </p:cNvPr>
+          <p:cNvSpPr>
+            <a:spLocks noGrp="1"/>
+          </p:cNvSpPr>
+          <p:nvPr>
+            <p:ph type="title"/>
+          </p:nvPr>
+        </p:nvSpPr>
+        <p:spPr>
+          <a:xfrm>
+            <a:off x="39223" y="1969"/>
+            <a:ext cx="11617377" cy="1325563"/>
+          </a:xfrm>
+        </p:spPr>
+        <p:txBody>
+          <a:bodyPr>
+            <a:normAutofit/>
+          </a:bodyPr>
+          <a:lstStyle/>
+          <a:p>
+            <a:r>
+              <a:rPr lang="en-US" sz="4000" b="1" dirty="0"/>
+              <a:t>Arguing Recommendation 2</a:t>
+            </a:r>
+            <a:br>
+              <a:rPr lang="en-US" sz="4000" b="1" dirty="0"/>
+            </a:br>
+            <a:r>
+              <a:rPr lang="en-US" sz="4000" b="1" dirty="0"/>
+              <a:t>Avoid the JVM for largely Net New efforts, Part 3</a:t>
+            </a:r>
+          </a:p>
+        </p:txBody>
+      </p:sp>
+      <p:sp>
+        <p:nvSpPr>
+          <p:cNvPr id="4" name="Slide Number Placeholder 3">
+            <a:extLst>
+              <a:ext uri="{FF2B5EF4-FFF2-40B4-BE49-F238E27FC236}">
+                <a16:creationId xmlns:a16="http://schemas.microsoft.com/office/drawing/2014/main" id="{542EAC42-38A0-4516-814B-016A18951906}"/>
+              </a:ext>
+            </a:extLst>
+          </p:cNvPr>
+          <p:cNvSpPr>
+            <a:spLocks noGrp="1"/>
+          </p:cNvSpPr>
+          <p:nvPr>
+            <p:ph type="sldNum" sz="quarter" idx="12"/>
+          </p:nvPr>
+        </p:nvSpPr>
+        <p:spPr>
+          <a:xfrm>
+            <a:off x="8610600" y="6114304"/>
+            <a:ext cx="2743200" cy="365125"/>
+          </a:xfrm>
+        </p:spPr>
+        <p:txBody>
+          <a:bodyPr/>
+          <a:lstStyle/>
+          <a:p>
+            <a:fld id="{69E57DC2-970A-4B3E-BB1C-7A09969E49DF}" type="slidenum">
+              <a:rPr lang="en-US" smtClean="0"/>
+              <a:t>21</a:t>
+            </a:fld>
+            <a:endParaRPr lang="en-US" dirty="0"/>
+          </a:p>
+        </p:txBody>
+      </p:sp>
+      <p:sp>
+        <p:nvSpPr>
+          <p:cNvPr id="8" name="Rectangle 7">
+            <a:extLst>
+              <a:ext uri="{FF2B5EF4-FFF2-40B4-BE49-F238E27FC236}">
+                <a16:creationId xmlns:a16="http://schemas.microsoft.com/office/drawing/2014/main" id="{DD4ACB9B-1C25-5B41-B459-1A6DC067AC89}"/>
+              </a:ext>
+            </a:extLst>
+          </p:cNvPr>
+          <p:cNvSpPr/>
+          <p:nvPr/>
+        </p:nvSpPr>
+        <p:spPr>
+          <a:xfrm>
+            <a:off x="1013086" y="3216699"/>
+            <a:ext cx="1791498" cy="461665"/>
+          </a:xfrm>
+          <a:prstGeom prst="rect">
+            <a:avLst/>
+          </a:prstGeom>
+        </p:spPr>
+        <p:txBody>
+          <a:bodyPr wrap="square">
+            <a:spAutoFit/>
+          </a:bodyPr>
+          <a:lstStyle/>
+          <a:p>
+            <a:r>
+              <a:rPr lang="en-US" sz="2400" dirty="0"/>
+              <a:t>Docker OK</a:t>
+            </a:r>
+          </a:p>
+        </p:txBody>
+      </p:sp>
+      <p:pic>
+        <p:nvPicPr>
+          <p:cNvPr id="4098" name="Picture 2" descr="Docker Logos - Docker">
+            <a:extLst>
+              <a:ext uri="{FF2B5EF4-FFF2-40B4-BE49-F238E27FC236}">
+                <a16:creationId xmlns:a16="http://schemas.microsoft.com/office/drawing/2014/main" id="{DDED687B-57C9-5A48-A2B5-67895D7C82CF}"/>
+              </a:ext>
+            </a:extLst>
+          </p:cNvPr>
+          <p:cNvPicPr>
+            <a:picLocks noChangeAspect="1" noChangeArrowheads="1"/>
+          </p:cNvPicPr>
+          <p:nvPr/>
+        </p:nvPicPr>
+        <p:blipFill>
+          <a:blip r:embed="rId2">
+            <a:extLst>
+              <a:ext uri="{28A0092B-C50C-407E-A947-70E740481C1C}">
+                <a14:useLocalDpi xmlns:a14="http://schemas.microsoft.com/office/drawing/2010/main" val="0"/>
+              </a:ext>
+            </a:extLst>
+          </a:blip>
+          <a:srcRect/>
+          <a:stretch>
+            <a:fillRect/>
+          </a:stretch>
+        </p:blipFill>
+        <p:spPr bwMode="auto">
+          <a:xfrm>
+            <a:off x="853987" y="1408552"/>
+            <a:ext cx="2321985" cy="1664819"/>
+          </a:xfrm>
+          <a:prstGeom prst="rect">
+            <a:avLst/>
+          </a:prstGeom>
+          <a:noFill/>
+          <a:extLst>
+            <a:ext uri="{909E8E84-426E-40DD-AFC4-6F175D3DCCD1}">
+              <a14:hiddenFill xmlns:a14="http://schemas.microsoft.com/office/drawing/2010/main">
+                <a:solidFill>
+                  <a:srgbClr val="FFFFFF"/>
+                </a:solidFill>
+              </a14:hiddenFill>
+            </a:ext>
+          </a:extLst>
+        </p:spPr>
+      </p:pic>
+      <p:sp>
+        <p:nvSpPr>
+          <p:cNvPr id="17" name="Rectangle 16">
+            <a:extLst>
+              <a:ext uri="{FF2B5EF4-FFF2-40B4-BE49-F238E27FC236}">
+                <a16:creationId xmlns:a16="http://schemas.microsoft.com/office/drawing/2014/main" id="{B7134BE2-BF0C-D743-899C-B6167648BF1E}"/>
+              </a:ext>
+            </a:extLst>
+          </p:cNvPr>
+          <p:cNvSpPr/>
+          <p:nvPr/>
+        </p:nvSpPr>
+        <p:spPr>
+          <a:xfrm>
+            <a:off x="7056667" y="1327531"/>
+            <a:ext cx="3363686" cy="5006034"/>
+          </a:xfrm>
+          <a:prstGeom prst="rect">
+            <a:avLst/>
+          </a:prstGeom>
+        </p:spPr>
+        <p:style>
+          <a:lnRef idx="2">
+            <a:schemeClr val="accent1">
+              <a:shade val="50000"/>
+            </a:schemeClr>
+          </a:lnRef>
+          <a:fillRef idx="1">
+            <a:schemeClr val="accent1"/>
+          </a:fillRef>
+          <a:effectRef idx="0">
+            <a:schemeClr val="accent1"/>
+          </a:effectRef>
+          <a:fontRef idx="minor">
+            <a:schemeClr val="lt1"/>
+          </a:fontRef>
+        </p:style>
+        <p:txBody>
+          <a:bodyPr rtlCol="0" anchor="t" anchorCtr="0"/>
+          <a:lstStyle/>
+          <a:p>
+            <a:pPr algn="ctr"/>
+            <a:r>
+              <a:rPr lang="en-US" dirty="0"/>
+              <a:t>Docker Engine</a:t>
+            </a:r>
+          </a:p>
+        </p:txBody>
+      </p:sp>
+      <p:sp>
+        <p:nvSpPr>
+          <p:cNvPr id="20" name="Rectangle 19">
+            <a:extLst>
+              <a:ext uri="{FF2B5EF4-FFF2-40B4-BE49-F238E27FC236}">
+                <a16:creationId xmlns:a16="http://schemas.microsoft.com/office/drawing/2014/main" id="{61227CCC-7F63-3E4F-A1EA-799C164C494B}"/>
+              </a:ext>
+            </a:extLst>
+          </p:cNvPr>
+          <p:cNvSpPr/>
+          <p:nvPr/>
+        </p:nvSpPr>
+        <p:spPr>
+          <a:xfrm>
+            <a:off x="7247612" y="1761565"/>
+            <a:ext cx="3062796" cy="4352739"/>
+          </a:xfrm>
+          <a:prstGeom prst="rect">
+            <a:avLst/>
+          </a:prstGeom>
+          <a:solidFill>
+            <a:schemeClr val="bg1"/>
+          </a:solidFill>
+        </p:spPr>
+        <p:style>
+          <a:lnRef idx="2">
+            <a:schemeClr val="accent1">
+              <a:shade val="50000"/>
+            </a:schemeClr>
+          </a:lnRef>
+          <a:fillRef idx="1">
+            <a:schemeClr val="accent1"/>
+          </a:fillRef>
+          <a:effectRef idx="0">
+            <a:schemeClr val="accent1"/>
+          </a:effectRef>
+          <a:fontRef idx="minor">
+            <a:schemeClr val="lt1"/>
+          </a:fontRef>
+        </p:style>
+        <p:txBody>
+          <a:bodyPr rtlCol="0" anchor="t" anchorCtr="0"/>
+          <a:lstStyle/>
+          <a:p>
+            <a:pPr algn="ctr"/>
+            <a:r>
+              <a:rPr lang="en-US" sz="2000" dirty="0">
+                <a:solidFill>
+                  <a:schemeClr val="tx1"/>
+                </a:solidFill>
+              </a:rPr>
+              <a:t>Docker Image</a:t>
+            </a:r>
+          </a:p>
+        </p:txBody>
+      </p:sp>
+      <p:sp>
+        <p:nvSpPr>
+          <p:cNvPr id="24" name="Rectangle 23">
+            <a:extLst>
+              <a:ext uri="{FF2B5EF4-FFF2-40B4-BE49-F238E27FC236}">
+                <a16:creationId xmlns:a16="http://schemas.microsoft.com/office/drawing/2014/main" id="{1D0C6255-24FB-514A-BC3A-8B9DA5F14A35}"/>
+              </a:ext>
+            </a:extLst>
+          </p:cNvPr>
+          <p:cNvSpPr/>
+          <p:nvPr/>
+        </p:nvSpPr>
+        <p:spPr>
+          <a:xfrm>
+            <a:off x="7487753" y="2240961"/>
+            <a:ext cx="2582514" cy="485242"/>
+          </a:xfrm>
+          <a:prstGeom prst="rect">
+            <a:avLst/>
+          </a:prstGeom>
+          <a:solidFill>
+            <a:schemeClr val="accent6">
+              <a:lumMod val="50000"/>
+            </a:schemeClr>
+          </a:solidFill>
+        </p:spPr>
+        <p:style>
+          <a:lnRef idx="2">
+            <a:schemeClr val="accent1">
+              <a:shade val="50000"/>
+            </a:schemeClr>
+          </a:lnRef>
+          <a:fillRef idx="1">
+            <a:schemeClr val="accent1"/>
+          </a:fillRef>
+          <a:effectRef idx="0">
+            <a:schemeClr val="accent1"/>
+          </a:effectRef>
+          <a:fontRef idx="minor">
+            <a:schemeClr val="lt1"/>
+          </a:fontRef>
+        </p:style>
+        <p:txBody>
+          <a:bodyPr rtlCol="0" anchor="ctr" anchorCtr="0"/>
+          <a:lstStyle/>
+          <a:p>
+            <a:pPr algn="ctr"/>
+            <a:r>
+              <a:rPr lang="en-US" sz="2000" dirty="0">
+                <a:solidFill>
+                  <a:schemeClr val="bg1"/>
+                </a:solidFill>
+              </a:rPr>
+              <a:t>Virtual OS</a:t>
+            </a:r>
+          </a:p>
+        </p:txBody>
+      </p:sp>
+      <p:sp>
+        <p:nvSpPr>
+          <p:cNvPr id="12" name="Rectangle 11">
+            <a:extLst>
+              <a:ext uri="{FF2B5EF4-FFF2-40B4-BE49-F238E27FC236}">
+                <a16:creationId xmlns:a16="http://schemas.microsoft.com/office/drawing/2014/main" id="{A6DE1719-5E3E-8F48-BE7A-E9925964A24B}"/>
+              </a:ext>
+            </a:extLst>
+          </p:cNvPr>
+          <p:cNvSpPr/>
+          <p:nvPr/>
+        </p:nvSpPr>
+        <p:spPr>
+          <a:xfrm>
+            <a:off x="7499196" y="2726204"/>
+            <a:ext cx="2571071" cy="3182602"/>
+          </a:xfrm>
+          <a:prstGeom prst="rect">
+            <a:avLst/>
+          </a:prstGeom>
+          <a:solidFill>
+            <a:schemeClr val="accent2"/>
+          </a:solidFill>
+        </p:spPr>
+        <p:style>
+          <a:lnRef idx="2">
+            <a:schemeClr val="accent1">
+              <a:shade val="50000"/>
+            </a:schemeClr>
+          </a:lnRef>
+          <a:fillRef idx="1">
+            <a:schemeClr val="accent1"/>
+          </a:fillRef>
+          <a:effectRef idx="0">
+            <a:schemeClr val="accent1"/>
+          </a:effectRef>
+          <a:fontRef idx="minor">
+            <a:schemeClr val="lt1"/>
+          </a:fontRef>
+        </p:style>
+        <p:txBody>
+          <a:bodyPr rtlCol="0" anchor="t" anchorCtr="0"/>
+          <a:lstStyle/>
+          <a:p>
+            <a:pPr algn="ctr"/>
+            <a:r>
+              <a:rPr lang="en-US" sz="2000" dirty="0">
+                <a:solidFill>
+                  <a:schemeClr val="bg1"/>
+                </a:solidFill>
+              </a:rPr>
+              <a:t>JVM</a:t>
+            </a:r>
+          </a:p>
+        </p:txBody>
+      </p:sp>
+      <p:sp>
+        <p:nvSpPr>
+          <p:cNvPr id="13" name="Rectangle 12">
+            <a:extLst>
+              <a:ext uri="{FF2B5EF4-FFF2-40B4-BE49-F238E27FC236}">
+                <a16:creationId xmlns:a16="http://schemas.microsoft.com/office/drawing/2014/main" id="{40D60C4E-BD61-9C4C-8E5A-253CBBEEC5A8}"/>
+              </a:ext>
+            </a:extLst>
+          </p:cNvPr>
+          <p:cNvSpPr/>
+          <p:nvPr/>
+        </p:nvSpPr>
+        <p:spPr>
+          <a:xfrm>
+            <a:off x="7609142" y="3139567"/>
+            <a:ext cx="2341682" cy="578865"/>
+          </a:xfrm>
+          <a:prstGeom prst="rect">
+            <a:avLst/>
+          </a:prstGeom>
+          <a:solidFill>
+            <a:schemeClr val="bg1"/>
+          </a:solidFill>
+        </p:spPr>
+        <p:style>
+          <a:lnRef idx="2">
+            <a:schemeClr val="accent1">
+              <a:shade val="50000"/>
+            </a:schemeClr>
+          </a:lnRef>
+          <a:fillRef idx="1">
+            <a:schemeClr val="accent1"/>
+          </a:fillRef>
+          <a:effectRef idx="0">
+            <a:schemeClr val="accent1"/>
+          </a:effectRef>
+          <a:fontRef idx="minor">
+            <a:schemeClr val="lt1"/>
+          </a:fontRef>
+        </p:style>
+        <p:txBody>
+          <a:bodyPr rtlCol="0" anchor="ctr" anchorCtr="0"/>
+          <a:lstStyle/>
+          <a:p>
+            <a:pPr algn="ctr"/>
+            <a:r>
+              <a:rPr lang="en-US" sz="2000" dirty="0">
+                <a:solidFill>
+                  <a:schemeClr val="tx1"/>
+                </a:solidFill>
+              </a:rPr>
+              <a:t>JVM Runtime</a:t>
+            </a:r>
+          </a:p>
+        </p:txBody>
+      </p:sp>
+      <p:sp>
+        <p:nvSpPr>
+          <p:cNvPr id="14" name="Rectangle 13">
+            <a:extLst>
+              <a:ext uri="{FF2B5EF4-FFF2-40B4-BE49-F238E27FC236}">
+                <a16:creationId xmlns:a16="http://schemas.microsoft.com/office/drawing/2014/main" id="{634380C2-3442-FF4E-894A-7A65DAC255C4}"/>
+              </a:ext>
+            </a:extLst>
+          </p:cNvPr>
+          <p:cNvSpPr/>
+          <p:nvPr/>
+        </p:nvSpPr>
+        <p:spPr>
+          <a:xfrm>
+            <a:off x="7609141" y="4531197"/>
+            <a:ext cx="2341682" cy="1262102"/>
+          </a:xfrm>
+          <a:prstGeom prst="rect">
+            <a:avLst/>
+          </a:prstGeom>
+          <a:solidFill>
+            <a:schemeClr val="bg1"/>
+          </a:solidFill>
+        </p:spPr>
+        <p:style>
+          <a:lnRef idx="2">
+            <a:schemeClr val="accent1">
+              <a:shade val="50000"/>
+            </a:schemeClr>
+          </a:lnRef>
+          <a:fillRef idx="1">
+            <a:schemeClr val="accent1"/>
+          </a:fillRef>
+          <a:effectRef idx="0">
+            <a:schemeClr val="accent1"/>
+          </a:effectRef>
+          <a:fontRef idx="minor">
+            <a:schemeClr val="lt1"/>
+          </a:fontRef>
+        </p:style>
+        <p:txBody>
+          <a:bodyPr rtlCol="0" anchor="t" anchorCtr="0"/>
+          <a:lstStyle/>
+          <a:p>
+            <a:pPr algn="ctr"/>
+            <a:r>
+              <a:rPr lang="en-US" sz="2000" dirty="0">
+                <a:solidFill>
+                  <a:schemeClr val="tx1"/>
+                </a:solidFill>
+              </a:rPr>
+              <a:t>JVM Workloads</a:t>
+            </a:r>
+          </a:p>
+        </p:txBody>
+      </p:sp>
+      <p:sp>
+        <p:nvSpPr>
+          <p:cNvPr id="16" name="Rectangle 15">
+            <a:extLst>
+              <a:ext uri="{FF2B5EF4-FFF2-40B4-BE49-F238E27FC236}">
+                <a16:creationId xmlns:a16="http://schemas.microsoft.com/office/drawing/2014/main" id="{2BF129E9-EE32-5244-8B4E-DEAC01D17EA0}"/>
+              </a:ext>
+            </a:extLst>
+          </p:cNvPr>
+          <p:cNvSpPr/>
+          <p:nvPr/>
+        </p:nvSpPr>
+        <p:spPr>
+          <a:xfrm>
+            <a:off x="7834377" y="5021743"/>
+            <a:ext cx="1955082" cy="578865"/>
+          </a:xfrm>
+          <a:prstGeom prst="rect">
+            <a:avLst/>
+          </a:prstGeom>
+          <a:solidFill>
+            <a:schemeClr val="accent6">
+              <a:lumMod val="20000"/>
+              <a:lumOff val="80000"/>
+            </a:schemeClr>
+          </a:solidFill>
+        </p:spPr>
+        <p:style>
+          <a:lnRef idx="2">
+            <a:schemeClr val="accent1">
+              <a:shade val="50000"/>
+            </a:schemeClr>
+          </a:lnRef>
+          <a:fillRef idx="1">
+            <a:schemeClr val="accent1"/>
+          </a:fillRef>
+          <a:effectRef idx="0">
+            <a:schemeClr val="accent1"/>
+          </a:effectRef>
+          <a:fontRef idx="minor">
+            <a:schemeClr val="lt1"/>
+          </a:fontRef>
+        </p:style>
+        <p:txBody>
+          <a:bodyPr rtlCol="0" anchor="ctr" anchorCtr="0"/>
+          <a:lstStyle/>
+          <a:p>
+            <a:pPr algn="ctr"/>
+            <a:r>
+              <a:rPr lang="en-US" sz="2000" dirty="0">
+                <a:solidFill>
+                  <a:schemeClr val="tx1"/>
+                </a:solidFill>
+              </a:rPr>
+              <a:t>Your Code is Here</a:t>
+            </a:r>
+          </a:p>
+        </p:txBody>
+      </p:sp>
+      <p:sp>
+        <p:nvSpPr>
+          <p:cNvPr id="18" name="Rectangle 17">
+            <a:extLst>
+              <a:ext uri="{FF2B5EF4-FFF2-40B4-BE49-F238E27FC236}">
+                <a16:creationId xmlns:a16="http://schemas.microsoft.com/office/drawing/2014/main" id="{14109FC5-795B-574A-BAEA-8023DA3D7C14}"/>
+              </a:ext>
+            </a:extLst>
+          </p:cNvPr>
+          <p:cNvSpPr/>
+          <p:nvPr/>
+        </p:nvSpPr>
+        <p:spPr>
+          <a:xfrm>
+            <a:off x="7609142" y="3840632"/>
+            <a:ext cx="2341682" cy="578865"/>
+          </a:xfrm>
+          <a:prstGeom prst="rect">
+            <a:avLst/>
+          </a:prstGeom>
+          <a:solidFill>
+            <a:schemeClr val="bg1"/>
+          </a:solidFill>
+        </p:spPr>
+        <p:style>
+          <a:lnRef idx="2">
+            <a:schemeClr val="accent1">
+              <a:shade val="50000"/>
+            </a:schemeClr>
+          </a:lnRef>
+          <a:fillRef idx="1">
+            <a:schemeClr val="accent1"/>
+          </a:fillRef>
+          <a:effectRef idx="0">
+            <a:schemeClr val="accent1"/>
+          </a:effectRef>
+          <a:fontRef idx="minor">
+            <a:schemeClr val="lt1"/>
+          </a:fontRef>
+        </p:style>
+        <p:txBody>
+          <a:bodyPr rtlCol="0" anchor="ctr" anchorCtr="0"/>
+          <a:lstStyle/>
+          <a:p>
+            <a:pPr algn="ctr"/>
+            <a:r>
+              <a:rPr lang="en-US" sz="2000" dirty="0">
+                <a:solidFill>
+                  <a:schemeClr val="tx1"/>
+                </a:solidFill>
+              </a:rPr>
+              <a:t>JVM Ecosystem</a:t>
+            </a:r>
+          </a:p>
+        </p:txBody>
+      </p:sp>
+      <p:pic>
+        <p:nvPicPr>
+          <p:cNvPr id="19" name="Picture 4" descr="ProSyst mBS SDK 8.2: Overview">
+            <a:extLst>
+              <a:ext uri="{FF2B5EF4-FFF2-40B4-BE49-F238E27FC236}">
+                <a16:creationId xmlns:a16="http://schemas.microsoft.com/office/drawing/2014/main" id="{7F959B0F-7B97-D54D-B575-75B45A78FF46}"/>
+              </a:ext>
+            </a:extLst>
+          </p:cNvPr>
+          <p:cNvPicPr>
+            <a:picLocks noChangeAspect="1" noChangeArrowheads="1"/>
+          </p:cNvPicPr>
+          <p:nvPr/>
+        </p:nvPicPr>
+        <p:blipFill>
+          <a:blip r:embed="rId3">
+            <a:extLst>
+              <a:ext uri="{28A0092B-C50C-407E-A947-70E740481C1C}">
+                <a14:useLocalDpi xmlns:a14="http://schemas.microsoft.com/office/drawing/2010/main" val="0"/>
+              </a:ext>
+            </a:extLst>
+          </a:blip>
+          <a:srcRect/>
+          <a:stretch>
+            <a:fillRect/>
+          </a:stretch>
+        </p:blipFill>
+        <p:spPr bwMode="auto">
+          <a:xfrm>
+            <a:off x="768555" y="3965827"/>
+            <a:ext cx="1868613" cy="1401460"/>
+          </a:xfrm>
+          <a:prstGeom prst="rect">
+            <a:avLst/>
+          </a:prstGeom>
+          <a:noFill/>
+          <a:extLst>
+            <a:ext uri="{909E8E84-426E-40DD-AFC4-6F175D3DCCD1}">
+              <a14:hiddenFill xmlns:a14="http://schemas.microsoft.com/office/drawing/2010/main">
+                <a:solidFill>
+                  <a:srgbClr val="FFFFFF"/>
+                </a:solidFill>
+              </a14:hiddenFill>
+            </a:ext>
+          </a:extLst>
+        </p:spPr>
+      </p:pic>
+      <p:sp>
+        <p:nvSpPr>
+          <p:cNvPr id="22" name="Rectangle 21">
+            <a:extLst>
+              <a:ext uri="{FF2B5EF4-FFF2-40B4-BE49-F238E27FC236}">
+                <a16:creationId xmlns:a16="http://schemas.microsoft.com/office/drawing/2014/main" id="{673F27D6-137B-3147-BA99-7BED23AE8FAC}"/>
+              </a:ext>
+            </a:extLst>
+          </p:cNvPr>
+          <p:cNvSpPr/>
+          <p:nvPr/>
+        </p:nvSpPr>
+        <p:spPr>
+          <a:xfrm>
+            <a:off x="1119230" y="5413175"/>
+            <a:ext cx="1791498" cy="461665"/>
+          </a:xfrm>
+          <a:prstGeom prst="rect">
+            <a:avLst/>
+          </a:prstGeom>
+        </p:spPr>
+        <p:txBody>
+          <a:bodyPr wrap="square">
+            <a:spAutoFit/>
+          </a:bodyPr>
+          <a:lstStyle/>
+          <a:p>
+            <a:r>
+              <a:rPr lang="en-US" sz="2400" dirty="0"/>
+              <a:t>JVM OK</a:t>
+            </a:r>
+          </a:p>
+        </p:txBody>
+      </p:sp>
+      <p:sp>
+        <p:nvSpPr>
+          <p:cNvPr id="25" name="Rectangle 24">
+            <a:extLst>
+              <a:ext uri="{FF2B5EF4-FFF2-40B4-BE49-F238E27FC236}">
+                <a16:creationId xmlns:a16="http://schemas.microsoft.com/office/drawing/2014/main" id="{86B084B8-3748-574B-A51A-FCCC0E78E487}"/>
+              </a:ext>
+            </a:extLst>
+          </p:cNvPr>
+          <p:cNvSpPr/>
+          <p:nvPr/>
+        </p:nvSpPr>
+        <p:spPr>
+          <a:xfrm>
+            <a:off x="4893781" y="2391959"/>
+            <a:ext cx="1791498" cy="1938992"/>
+          </a:xfrm>
+          <a:prstGeom prst="rect">
+            <a:avLst/>
+          </a:prstGeom>
+        </p:spPr>
+        <p:txBody>
+          <a:bodyPr wrap="square">
+            <a:spAutoFit/>
+          </a:bodyPr>
+          <a:lstStyle/>
+          <a:p>
+            <a:r>
+              <a:rPr lang="en-US" sz="2400" dirty="0"/>
+              <a:t>Thoughts on</a:t>
+            </a:r>
+            <a:br>
+              <a:rPr lang="en-US" sz="2400" dirty="0"/>
+            </a:br>
+            <a:r>
+              <a:rPr lang="en-US" sz="2400" dirty="0"/>
+              <a:t>Embedding the JVM in a Docker Container?</a:t>
+            </a:r>
+          </a:p>
+        </p:txBody>
+      </p:sp>
+    </p:spTree>
+    <p:extLst>
+      <p:ext uri="{BB962C8B-B14F-4D97-AF65-F5344CB8AC3E}">
+        <p14:creationId xmlns:p14="http://schemas.microsoft.com/office/powerpoint/2010/main" val="1178882487"/>
+      </p:ext>
+    </p:extLst>
+  </p:cSld>
+  <p:clrMapOvr>
+    <a:masterClrMapping/>
+  </p:clrMapOvr>
+</p:sld>
+</file>
+
+<file path=ppt/slides/slide22.xml><?xml version="1.0" encoding="utf-8"?>
+<p:sld xmlns:a="http://schemas.openxmlformats.org/drawingml/2006/main" xmlns:r="http://schemas.openxmlformats.org/officeDocument/2006/relationships" xmlns:p="http://schemas.openxmlformats.org/presentationml/2006/main">
+  <p:cSld>
+    <p:spTree>
+      <p:nvGrpSpPr>
+        <p:cNvPr id="1" name=""/>
+        <p:cNvGrpSpPr/>
+        <p:nvPr/>
+      </p:nvGrpSpPr>
+      <p:grpSpPr>
+        <a:xfrm>
+          <a:off x="0" y="0"/>
+          <a:ext cx="0" cy="0"/>
+          <a:chOff x="0" y="0"/>
+          <a:chExt cx="0" cy="0"/>
+        </a:xfrm>
+      </p:grpSpPr>
+      <p:sp>
+        <p:nvSpPr>
+          <p:cNvPr id="4" name="Slide Number Placeholder 3">
+            <a:extLst>
+              <a:ext uri="{FF2B5EF4-FFF2-40B4-BE49-F238E27FC236}">
+                <a16:creationId xmlns:a16="http://schemas.microsoft.com/office/drawing/2014/main" id="{20C5C833-51D4-4016-8613-78309C790EF8}"/>
+              </a:ext>
+            </a:extLst>
+          </p:cNvPr>
+          <p:cNvSpPr>
+            <a:spLocks noGrp="1"/>
+          </p:cNvSpPr>
+          <p:nvPr>
+            <p:ph type="sldNum" sz="quarter" idx="12"/>
+          </p:nvPr>
+        </p:nvSpPr>
+        <p:spPr/>
+        <p:txBody>
+          <a:bodyPr/>
+          <a:lstStyle/>
+          <a:p>
+            <a:fld id="{69E57DC2-970A-4B3E-BB1C-7A09969E49DF}" type="slidenum">
+              <a:rPr lang="en-US" smtClean="0"/>
+              <a:t>22</a:t>
+            </a:fld>
+            <a:endParaRPr lang="en-US" dirty="0"/>
+          </a:p>
+        </p:txBody>
+      </p:sp>
+      <p:sp>
+        <p:nvSpPr>
+          <p:cNvPr id="7" name="Rectangle 6">
+            <a:extLst>
+              <a:ext uri="{FF2B5EF4-FFF2-40B4-BE49-F238E27FC236}">
+                <a16:creationId xmlns:a16="http://schemas.microsoft.com/office/drawing/2014/main" id="{D5E50A14-1818-6B41-93A8-F92D6E0DA292}"/>
+              </a:ext>
+            </a:extLst>
+          </p:cNvPr>
+          <p:cNvSpPr/>
+          <p:nvPr/>
+        </p:nvSpPr>
+        <p:spPr>
+          <a:xfrm>
+            <a:off x="381000" y="1412392"/>
+            <a:ext cx="3363686" cy="4665662"/>
+          </a:xfrm>
+          <a:prstGeom prst="rect">
+            <a:avLst/>
+          </a:prstGeom>
+        </p:spPr>
+        <p:style>
+          <a:lnRef idx="2">
+            <a:schemeClr val="accent1">
+              <a:shade val="50000"/>
+            </a:schemeClr>
+          </a:lnRef>
+          <a:fillRef idx="1">
+            <a:schemeClr val="accent1"/>
+          </a:fillRef>
+          <a:effectRef idx="0">
+            <a:schemeClr val="accent1"/>
+          </a:effectRef>
+          <a:fontRef idx="minor">
+            <a:schemeClr val="lt1"/>
+          </a:fontRef>
+        </p:style>
+        <p:txBody>
+          <a:bodyPr rtlCol="0" anchor="t" anchorCtr="0"/>
+          <a:lstStyle/>
+          <a:p>
+            <a:pPr algn="ctr"/>
+            <a:r>
+              <a:rPr lang="en-US" dirty="0"/>
+              <a:t>Java Virtual Machine</a:t>
+            </a:r>
+          </a:p>
+        </p:txBody>
+      </p:sp>
+      <p:sp>
+        <p:nvSpPr>
+          <p:cNvPr id="8" name="Rectangle 7">
+            <a:extLst>
+              <a:ext uri="{FF2B5EF4-FFF2-40B4-BE49-F238E27FC236}">
+                <a16:creationId xmlns:a16="http://schemas.microsoft.com/office/drawing/2014/main" id="{1BF259A4-8FE6-EA43-ADB1-B4FDB1948185}"/>
+              </a:ext>
+            </a:extLst>
+          </p:cNvPr>
+          <p:cNvSpPr/>
+          <p:nvPr/>
+        </p:nvSpPr>
+        <p:spPr>
+          <a:xfrm>
+            <a:off x="571946" y="1893690"/>
+            <a:ext cx="3062794" cy="844265"/>
+          </a:xfrm>
+          <a:prstGeom prst="rect">
+            <a:avLst/>
+          </a:prstGeom>
+          <a:solidFill>
+            <a:schemeClr val="bg1"/>
+          </a:solidFill>
+        </p:spPr>
+        <p:style>
+          <a:lnRef idx="2">
+            <a:schemeClr val="accent1">
+              <a:shade val="50000"/>
+            </a:schemeClr>
+          </a:lnRef>
+          <a:fillRef idx="1">
+            <a:schemeClr val="accent1"/>
+          </a:fillRef>
+          <a:effectRef idx="0">
+            <a:schemeClr val="accent1"/>
+          </a:effectRef>
+          <a:fontRef idx="minor">
+            <a:schemeClr val="lt1"/>
+          </a:fontRef>
+        </p:style>
+        <p:txBody>
+          <a:bodyPr rtlCol="0" anchor="ctr" anchorCtr="0"/>
+          <a:lstStyle/>
+          <a:p>
+            <a:pPr algn="ctr"/>
+            <a:r>
+              <a:rPr lang="en-US" sz="2000" dirty="0">
+                <a:solidFill>
+                  <a:schemeClr val="tx1"/>
+                </a:solidFill>
+              </a:rPr>
+              <a:t>Java Based Web Server</a:t>
+            </a:r>
+            <a:br>
+              <a:rPr lang="en-US" sz="2000" dirty="0">
+                <a:solidFill>
+                  <a:schemeClr val="tx1"/>
+                </a:solidFill>
+              </a:rPr>
+            </a:br>
+            <a:r>
+              <a:rPr lang="en-US" sz="2000" dirty="0" err="1">
+                <a:solidFill>
+                  <a:schemeClr val="tx1"/>
+                </a:solidFill>
+              </a:rPr>
+              <a:t>Netty</a:t>
+            </a:r>
+            <a:r>
+              <a:rPr lang="en-US" sz="2000" dirty="0">
+                <a:solidFill>
+                  <a:schemeClr val="tx1"/>
+                </a:solidFill>
+              </a:rPr>
+              <a:t>/Tomcat</a:t>
+            </a:r>
+          </a:p>
+        </p:txBody>
+      </p:sp>
+      <p:sp>
+        <p:nvSpPr>
+          <p:cNvPr id="9" name="Rectangle 8">
+            <a:extLst>
+              <a:ext uri="{FF2B5EF4-FFF2-40B4-BE49-F238E27FC236}">
+                <a16:creationId xmlns:a16="http://schemas.microsoft.com/office/drawing/2014/main" id="{8660D2BE-3D7B-6B42-B219-92455EB9854D}"/>
+              </a:ext>
+            </a:extLst>
+          </p:cNvPr>
+          <p:cNvSpPr/>
+          <p:nvPr/>
+        </p:nvSpPr>
+        <p:spPr>
+          <a:xfrm>
+            <a:off x="571945" y="2856263"/>
+            <a:ext cx="3062795" cy="707192"/>
+          </a:xfrm>
+          <a:prstGeom prst="rect">
+            <a:avLst/>
+          </a:prstGeom>
+          <a:solidFill>
+            <a:schemeClr val="bg1"/>
+          </a:solidFill>
+        </p:spPr>
+        <p:style>
+          <a:lnRef idx="2">
+            <a:schemeClr val="accent1">
+              <a:shade val="50000"/>
+            </a:schemeClr>
+          </a:lnRef>
+          <a:fillRef idx="1">
+            <a:schemeClr val="accent1"/>
+          </a:fillRef>
+          <a:effectRef idx="0">
+            <a:schemeClr val="accent1"/>
+          </a:effectRef>
+          <a:fontRef idx="minor">
+            <a:schemeClr val="lt1"/>
+          </a:fontRef>
+        </p:style>
+        <p:txBody>
+          <a:bodyPr rtlCol="0" anchor="ctr" anchorCtr="0"/>
+          <a:lstStyle/>
+          <a:p>
+            <a:pPr algn="ctr"/>
+            <a:r>
+              <a:rPr lang="en-US" sz="2000" dirty="0">
+                <a:solidFill>
+                  <a:schemeClr val="tx1"/>
+                </a:solidFill>
+              </a:rPr>
+              <a:t>Spring Boot</a:t>
+            </a:r>
+          </a:p>
+        </p:txBody>
+      </p:sp>
+      <p:sp>
+        <p:nvSpPr>
+          <p:cNvPr id="10" name="Rectangle 9">
+            <a:extLst>
+              <a:ext uri="{FF2B5EF4-FFF2-40B4-BE49-F238E27FC236}">
+                <a16:creationId xmlns:a16="http://schemas.microsoft.com/office/drawing/2014/main" id="{715F1D5C-EB25-CF42-AEE0-19F6146A21BC}"/>
+              </a:ext>
+            </a:extLst>
+          </p:cNvPr>
+          <p:cNvSpPr/>
+          <p:nvPr/>
+        </p:nvSpPr>
+        <p:spPr>
+          <a:xfrm>
+            <a:off x="571944" y="3745223"/>
+            <a:ext cx="3062796" cy="707192"/>
+          </a:xfrm>
+          <a:prstGeom prst="rect">
+            <a:avLst/>
+          </a:prstGeom>
+          <a:solidFill>
+            <a:schemeClr val="bg1"/>
+          </a:solidFill>
+        </p:spPr>
+        <p:style>
+          <a:lnRef idx="2">
+            <a:schemeClr val="accent1">
+              <a:shade val="50000"/>
+            </a:schemeClr>
+          </a:lnRef>
+          <a:fillRef idx="1">
+            <a:schemeClr val="accent1"/>
+          </a:fillRef>
+          <a:effectRef idx="0">
+            <a:schemeClr val="accent1"/>
+          </a:effectRef>
+          <a:fontRef idx="minor">
+            <a:schemeClr val="lt1"/>
+          </a:fontRef>
+        </p:style>
+        <p:txBody>
+          <a:bodyPr rtlCol="0" anchor="ctr" anchorCtr="0"/>
+          <a:lstStyle/>
+          <a:p>
+            <a:pPr algn="ctr"/>
+            <a:r>
+              <a:rPr lang="en-US" sz="2000" dirty="0">
+                <a:solidFill>
+                  <a:schemeClr val="tx1"/>
+                </a:solidFill>
+              </a:rPr>
+              <a:t>Spring MVC</a:t>
+            </a:r>
+          </a:p>
+        </p:txBody>
+      </p:sp>
+      <p:sp>
+        <p:nvSpPr>
+          <p:cNvPr id="11" name="Rectangle 10">
+            <a:extLst>
+              <a:ext uri="{FF2B5EF4-FFF2-40B4-BE49-F238E27FC236}">
+                <a16:creationId xmlns:a16="http://schemas.microsoft.com/office/drawing/2014/main" id="{01D171B6-1718-1447-A500-F610BDC78C40}"/>
+              </a:ext>
+            </a:extLst>
+          </p:cNvPr>
+          <p:cNvSpPr/>
+          <p:nvPr/>
+        </p:nvSpPr>
+        <p:spPr>
+          <a:xfrm>
+            <a:off x="571944" y="4634182"/>
+            <a:ext cx="1271846" cy="1262103"/>
+          </a:xfrm>
+          <a:prstGeom prst="rect">
+            <a:avLst/>
+          </a:prstGeom>
+          <a:solidFill>
+            <a:schemeClr val="accent6">
+              <a:lumMod val="20000"/>
+              <a:lumOff val="80000"/>
+            </a:schemeClr>
+          </a:solidFill>
+        </p:spPr>
+        <p:style>
+          <a:lnRef idx="2">
+            <a:schemeClr val="accent1">
+              <a:shade val="50000"/>
+            </a:schemeClr>
+          </a:lnRef>
+          <a:fillRef idx="1">
+            <a:schemeClr val="accent1"/>
+          </a:fillRef>
+          <a:effectRef idx="0">
+            <a:schemeClr val="accent1"/>
+          </a:effectRef>
+          <a:fontRef idx="minor">
+            <a:schemeClr val="lt1"/>
+          </a:fontRef>
+        </p:style>
+        <p:txBody>
+          <a:bodyPr rtlCol="0" anchor="ctr" anchorCtr="0"/>
+          <a:lstStyle/>
+          <a:p>
+            <a:pPr algn="ctr"/>
+            <a:r>
+              <a:rPr lang="en-US" sz="2000" dirty="0">
+                <a:solidFill>
+                  <a:schemeClr val="tx1"/>
+                </a:solidFill>
+              </a:rPr>
+              <a:t>Your Code</a:t>
+            </a:r>
+          </a:p>
+        </p:txBody>
+      </p:sp>
+      <p:sp>
+        <p:nvSpPr>
+          <p:cNvPr id="12" name="Rectangle 11">
+            <a:extLst>
+              <a:ext uri="{FF2B5EF4-FFF2-40B4-BE49-F238E27FC236}">
+                <a16:creationId xmlns:a16="http://schemas.microsoft.com/office/drawing/2014/main" id="{6B6263D0-6C4A-784A-8263-8A9334F6ACE3}"/>
+              </a:ext>
+            </a:extLst>
+          </p:cNvPr>
+          <p:cNvSpPr/>
+          <p:nvPr/>
+        </p:nvSpPr>
+        <p:spPr>
+          <a:xfrm>
+            <a:off x="2034734" y="4634182"/>
+            <a:ext cx="1600006" cy="1262103"/>
+          </a:xfrm>
+          <a:prstGeom prst="rect">
+            <a:avLst/>
+          </a:prstGeom>
+          <a:solidFill>
+            <a:schemeClr val="accent6">
+              <a:lumMod val="20000"/>
+              <a:lumOff val="80000"/>
+            </a:schemeClr>
+          </a:solidFill>
+        </p:spPr>
+        <p:style>
+          <a:lnRef idx="2">
+            <a:schemeClr val="accent1">
+              <a:shade val="50000"/>
+            </a:schemeClr>
+          </a:lnRef>
+          <a:fillRef idx="1">
+            <a:schemeClr val="accent1"/>
+          </a:fillRef>
+          <a:effectRef idx="0">
+            <a:schemeClr val="accent1"/>
+          </a:effectRef>
+          <a:fontRef idx="minor">
+            <a:schemeClr val="lt1"/>
+          </a:fontRef>
+        </p:style>
+        <p:txBody>
+          <a:bodyPr rtlCol="0" anchor="ctr" anchorCtr="0"/>
+          <a:lstStyle/>
+          <a:p>
+            <a:pPr algn="ctr"/>
+            <a:r>
+              <a:rPr lang="en-US" sz="2000" dirty="0">
+                <a:solidFill>
+                  <a:schemeClr val="tx1"/>
+                </a:solidFill>
+              </a:rPr>
+              <a:t>Your Configuration</a:t>
+            </a:r>
+          </a:p>
+        </p:txBody>
+      </p:sp>
+      <p:pic>
+        <p:nvPicPr>
+          <p:cNvPr id="13" name="Picture 2" descr="US Department of Homeland Security advises disabling Java following fresh  zero-day vulnerability - The Verge">
+            <a:extLst>
+              <a:ext uri="{FF2B5EF4-FFF2-40B4-BE49-F238E27FC236}">
+                <a16:creationId xmlns:a16="http://schemas.microsoft.com/office/drawing/2014/main" id="{388B00C8-4A48-4B46-9DB4-B37B2EFC34B7}"/>
+              </a:ext>
+            </a:extLst>
+          </p:cNvPr>
+          <p:cNvPicPr>
+            <a:picLocks noChangeAspect="1" noChangeArrowheads="1"/>
+          </p:cNvPicPr>
+          <p:nvPr/>
+        </p:nvPicPr>
+        <p:blipFill>
+          <a:blip r:embed="rId3">
+            <a:extLst>
+              <a:ext uri="{28A0092B-C50C-407E-A947-70E740481C1C}">
+                <a14:useLocalDpi xmlns:a14="http://schemas.microsoft.com/office/drawing/2010/main" val="0"/>
+              </a:ext>
+            </a:extLst>
+          </a:blip>
+          <a:srcRect/>
+          <a:stretch>
+            <a:fillRect/>
+          </a:stretch>
+        </p:blipFill>
+        <p:spPr bwMode="auto">
+          <a:xfrm>
+            <a:off x="164892" y="311412"/>
+            <a:ext cx="1217789" cy="912166"/>
+          </a:xfrm>
+          <a:prstGeom prst="rect">
+            <a:avLst/>
+          </a:prstGeom>
+          <a:noFill/>
+          <a:extLst>
+            <a:ext uri="{909E8E84-426E-40DD-AFC4-6F175D3DCCD1}">
+              <a14:hiddenFill xmlns:a14="http://schemas.microsoft.com/office/drawing/2010/main">
+                <a:solidFill>
+                  <a:srgbClr val="FFFFFF"/>
+                </a:solidFill>
+              </a14:hiddenFill>
+            </a:ext>
+          </a:extLst>
+        </p:spPr>
+      </p:pic>
+      <p:sp>
+        <p:nvSpPr>
+          <p:cNvPr id="14" name="TextBox 13">
+            <a:extLst>
+              <a:ext uri="{FF2B5EF4-FFF2-40B4-BE49-F238E27FC236}">
+                <a16:creationId xmlns:a16="http://schemas.microsoft.com/office/drawing/2014/main" id="{64074AA7-E1AC-414C-A722-12E1EF482801}"/>
+              </a:ext>
+            </a:extLst>
+          </p:cNvPr>
+          <p:cNvSpPr txBox="1"/>
+          <p:nvPr/>
+        </p:nvSpPr>
+        <p:spPr>
+          <a:xfrm>
+            <a:off x="1598382" y="725389"/>
+            <a:ext cx="10044994" cy="461665"/>
+          </a:xfrm>
+          <a:prstGeom prst="rect">
+            <a:avLst/>
+          </a:prstGeom>
+          <a:noFill/>
+        </p:spPr>
+        <p:txBody>
+          <a:bodyPr wrap="none" rtlCol="0">
+            <a:spAutoFit/>
+          </a:bodyPr>
+          <a:lstStyle/>
+          <a:p>
+            <a:r>
+              <a:rPr lang="en-US" sz="2400" dirty="0"/>
+              <a:t>Lets look at a “Layered” Architecture that’s popular these days for web services</a:t>
+            </a:r>
+          </a:p>
+        </p:txBody>
+      </p:sp>
+      <p:sp>
+        <p:nvSpPr>
+          <p:cNvPr id="15" name="Title 1">
+            <a:extLst>
+              <a:ext uri="{FF2B5EF4-FFF2-40B4-BE49-F238E27FC236}">
+                <a16:creationId xmlns:a16="http://schemas.microsoft.com/office/drawing/2014/main" id="{E03431AE-35BF-C749-9BF3-4B51E52EEB16}"/>
+              </a:ext>
+            </a:extLst>
+          </p:cNvPr>
+          <p:cNvSpPr>
+            <a:spLocks noGrp="1"/>
+          </p:cNvSpPr>
+          <p:nvPr>
+            <p:ph type="title"/>
+          </p:nvPr>
+        </p:nvSpPr>
+        <p:spPr>
+          <a:xfrm>
+            <a:off x="1598382" y="87010"/>
+            <a:ext cx="10917326" cy="804120"/>
+          </a:xfrm>
+        </p:spPr>
+        <p:txBody>
+          <a:bodyPr>
+            <a:normAutofit/>
+          </a:bodyPr>
+          <a:lstStyle/>
+          <a:p>
+            <a:r>
+              <a:rPr lang="en-US" sz="3200" dirty="0"/>
+              <a:t>First Architecture Example:  Lets analyze the Java - II </a:t>
+            </a:r>
+          </a:p>
+        </p:txBody>
+      </p:sp>
+      <p:sp>
+        <p:nvSpPr>
+          <p:cNvPr id="6" name="Right Brace 5">
+            <a:extLst>
+              <a:ext uri="{FF2B5EF4-FFF2-40B4-BE49-F238E27FC236}">
+                <a16:creationId xmlns:a16="http://schemas.microsoft.com/office/drawing/2014/main" id="{969B0055-8463-E347-8DEC-6DE4BD9DCC7C}"/>
+              </a:ext>
+            </a:extLst>
+          </p:cNvPr>
+          <p:cNvSpPr/>
+          <p:nvPr/>
+        </p:nvSpPr>
+        <p:spPr>
+          <a:xfrm>
+            <a:off x="3913094" y="1412392"/>
+            <a:ext cx="510988" cy="4665662"/>
+          </a:xfrm>
+          <a:prstGeom prst="rightBrace">
+            <a:avLst/>
+          </a:prstGeom>
+          <a:ln w="38100">
+            <a:solidFill>
+              <a:schemeClr val="tx1"/>
+            </a:solidFill>
+          </a:ln>
+        </p:spPr>
+        <p:style>
+          <a:lnRef idx="1">
+            <a:schemeClr val="accent1"/>
+          </a:lnRef>
+          <a:fillRef idx="0">
+            <a:schemeClr val="accent1"/>
+          </a:fillRef>
+          <a:effectRef idx="0">
+            <a:schemeClr val="accent1"/>
+          </a:effectRef>
+          <a:fontRef idx="minor">
+            <a:schemeClr val="tx1"/>
+          </a:fontRef>
+        </p:style>
+        <p:txBody>
+          <a:bodyPr rtlCol="0" anchor="ctr"/>
+          <a:lstStyle/>
+          <a:p>
+            <a:pPr algn="ctr"/>
+            <a:endParaRPr lang="en-US"/>
+          </a:p>
+        </p:txBody>
+      </p:sp>
+      <p:sp>
+        <p:nvSpPr>
+          <p:cNvPr id="16" name="Rectangle 15">
+            <a:extLst>
+              <a:ext uri="{FF2B5EF4-FFF2-40B4-BE49-F238E27FC236}">
+                <a16:creationId xmlns:a16="http://schemas.microsoft.com/office/drawing/2014/main" id="{901EF624-6999-1649-9BC9-9899C0E45950}"/>
+              </a:ext>
+            </a:extLst>
+          </p:cNvPr>
+          <p:cNvSpPr/>
+          <p:nvPr/>
+        </p:nvSpPr>
+        <p:spPr>
+          <a:xfrm>
+            <a:off x="4677503" y="1745057"/>
+            <a:ext cx="1791498" cy="3785652"/>
+          </a:xfrm>
+          <a:prstGeom prst="rect">
+            <a:avLst/>
+          </a:prstGeom>
+        </p:spPr>
+        <p:txBody>
+          <a:bodyPr wrap="square">
+            <a:spAutoFit/>
+          </a:bodyPr>
+          <a:lstStyle/>
+          <a:p>
+            <a:r>
+              <a:rPr lang="en-US" sz="2400" dirty="0"/>
+              <a:t>Pretty typical memory footprint is 1G minimum, most is needed for the JVM vs your code</a:t>
+            </a:r>
+          </a:p>
+        </p:txBody>
+      </p:sp>
+      <p:sp>
+        <p:nvSpPr>
+          <p:cNvPr id="17" name="Rectangle 16">
+            <a:extLst>
+              <a:ext uri="{FF2B5EF4-FFF2-40B4-BE49-F238E27FC236}">
+                <a16:creationId xmlns:a16="http://schemas.microsoft.com/office/drawing/2014/main" id="{78381AAE-2EE5-D148-B576-2003964E13AA}"/>
+              </a:ext>
+            </a:extLst>
+          </p:cNvPr>
+          <p:cNvSpPr/>
+          <p:nvPr/>
+        </p:nvSpPr>
+        <p:spPr>
+          <a:xfrm>
+            <a:off x="6574911" y="1466761"/>
+            <a:ext cx="3363686" cy="3046988"/>
+          </a:xfrm>
+          <a:prstGeom prst="rect">
+            <a:avLst/>
+          </a:prstGeom>
+        </p:spPr>
+        <p:style>
+          <a:lnRef idx="2">
+            <a:schemeClr val="accent1">
+              <a:shade val="50000"/>
+            </a:schemeClr>
+          </a:lnRef>
+          <a:fillRef idx="1">
+            <a:schemeClr val="accent1"/>
+          </a:fillRef>
+          <a:effectRef idx="0">
+            <a:schemeClr val="accent1"/>
+          </a:effectRef>
+          <a:fontRef idx="minor">
+            <a:schemeClr val="lt1"/>
+          </a:fontRef>
+        </p:style>
+        <p:txBody>
+          <a:bodyPr rtlCol="0" anchor="t" anchorCtr="0"/>
+          <a:lstStyle/>
+          <a:p>
+            <a:pPr algn="ctr"/>
+            <a:r>
+              <a:rPr lang="en-US" dirty="0"/>
+              <a:t>Docker Engine</a:t>
+            </a:r>
+          </a:p>
+        </p:txBody>
+      </p:sp>
+      <p:sp>
+        <p:nvSpPr>
+          <p:cNvPr id="18" name="Rectangle 17">
+            <a:extLst>
+              <a:ext uri="{FF2B5EF4-FFF2-40B4-BE49-F238E27FC236}">
+                <a16:creationId xmlns:a16="http://schemas.microsoft.com/office/drawing/2014/main" id="{B898E43F-6F33-DB47-9C2B-2EABC6BAD6D5}"/>
+              </a:ext>
+            </a:extLst>
+          </p:cNvPr>
+          <p:cNvSpPr/>
+          <p:nvPr/>
+        </p:nvSpPr>
+        <p:spPr>
+          <a:xfrm>
+            <a:off x="6765856" y="1897067"/>
+            <a:ext cx="3062796" cy="2458820"/>
+          </a:xfrm>
+          <a:prstGeom prst="rect">
+            <a:avLst/>
+          </a:prstGeom>
+          <a:solidFill>
+            <a:schemeClr val="bg1"/>
+          </a:solidFill>
+        </p:spPr>
+        <p:style>
+          <a:lnRef idx="2">
+            <a:schemeClr val="accent1">
+              <a:shade val="50000"/>
+            </a:schemeClr>
+          </a:lnRef>
+          <a:fillRef idx="1">
+            <a:schemeClr val="accent1"/>
+          </a:fillRef>
+          <a:effectRef idx="0">
+            <a:schemeClr val="accent1"/>
+          </a:effectRef>
+          <a:fontRef idx="minor">
+            <a:schemeClr val="lt1"/>
+          </a:fontRef>
+        </p:style>
+        <p:txBody>
+          <a:bodyPr rtlCol="0" anchor="t" anchorCtr="0"/>
+          <a:lstStyle/>
+          <a:p>
+            <a:pPr algn="ctr"/>
+            <a:r>
+              <a:rPr lang="en-US" sz="2000" dirty="0">
+                <a:solidFill>
+                  <a:schemeClr val="tx1"/>
+                </a:solidFill>
+              </a:rPr>
+              <a:t>Docker Image</a:t>
+            </a:r>
+          </a:p>
+        </p:txBody>
+      </p:sp>
+      <p:sp>
+        <p:nvSpPr>
+          <p:cNvPr id="19" name="Rectangle 18">
+            <a:extLst>
+              <a:ext uri="{FF2B5EF4-FFF2-40B4-BE49-F238E27FC236}">
+                <a16:creationId xmlns:a16="http://schemas.microsoft.com/office/drawing/2014/main" id="{F04E8BCB-855B-F84E-9AE3-22ADB091C1C7}"/>
+              </a:ext>
+            </a:extLst>
+          </p:cNvPr>
+          <p:cNvSpPr/>
+          <p:nvPr/>
+        </p:nvSpPr>
+        <p:spPr>
+          <a:xfrm>
+            <a:off x="6991092" y="3535799"/>
+            <a:ext cx="1298143" cy="638319"/>
+          </a:xfrm>
+          <a:prstGeom prst="rect">
+            <a:avLst/>
+          </a:prstGeom>
+          <a:solidFill>
+            <a:schemeClr val="accent6">
+              <a:lumMod val="20000"/>
+              <a:lumOff val="80000"/>
+            </a:schemeClr>
+          </a:solidFill>
+        </p:spPr>
+        <p:style>
+          <a:lnRef idx="2">
+            <a:schemeClr val="accent1">
+              <a:shade val="50000"/>
+            </a:schemeClr>
+          </a:lnRef>
+          <a:fillRef idx="1">
+            <a:schemeClr val="accent1"/>
+          </a:fillRef>
+          <a:effectRef idx="0">
+            <a:schemeClr val="accent1"/>
+          </a:effectRef>
+          <a:fontRef idx="minor">
+            <a:schemeClr val="lt1"/>
+          </a:fontRef>
+        </p:style>
+        <p:txBody>
+          <a:bodyPr rtlCol="0" anchor="ctr" anchorCtr="0"/>
+          <a:lstStyle/>
+          <a:p>
+            <a:pPr algn="ctr"/>
+            <a:r>
+              <a:rPr lang="en-US" sz="2000" dirty="0">
+                <a:solidFill>
+                  <a:schemeClr val="tx1"/>
+                </a:solidFill>
+              </a:rPr>
+              <a:t>Your Code</a:t>
+            </a:r>
+          </a:p>
+        </p:txBody>
+      </p:sp>
+      <p:sp>
+        <p:nvSpPr>
+          <p:cNvPr id="20" name="Rectangle 19">
+            <a:extLst>
+              <a:ext uri="{FF2B5EF4-FFF2-40B4-BE49-F238E27FC236}">
+                <a16:creationId xmlns:a16="http://schemas.microsoft.com/office/drawing/2014/main" id="{A51E2480-4786-2147-B54C-3D870EE31C81}"/>
+              </a:ext>
+            </a:extLst>
+          </p:cNvPr>
+          <p:cNvSpPr/>
+          <p:nvPr/>
+        </p:nvSpPr>
+        <p:spPr>
+          <a:xfrm>
+            <a:off x="6991092" y="2832205"/>
+            <a:ext cx="2582514" cy="688946"/>
+          </a:xfrm>
+          <a:prstGeom prst="rect">
+            <a:avLst/>
+          </a:prstGeom>
+          <a:solidFill>
+            <a:schemeClr val="accent6">
+              <a:lumMod val="20000"/>
+              <a:lumOff val="80000"/>
+            </a:schemeClr>
+          </a:solidFill>
+        </p:spPr>
+        <p:style>
+          <a:lnRef idx="2">
+            <a:schemeClr val="accent1">
+              <a:shade val="50000"/>
+            </a:schemeClr>
+          </a:lnRef>
+          <a:fillRef idx="1">
+            <a:schemeClr val="accent1"/>
+          </a:fillRef>
+          <a:effectRef idx="0">
+            <a:schemeClr val="accent1"/>
+          </a:effectRef>
+          <a:fontRef idx="minor">
+            <a:schemeClr val="lt1"/>
+          </a:fontRef>
+        </p:style>
+        <p:txBody>
+          <a:bodyPr rtlCol="0" anchor="ctr" anchorCtr="0"/>
+          <a:lstStyle/>
+          <a:p>
+            <a:pPr algn="ctr"/>
+            <a:r>
+              <a:rPr lang="en-US" sz="2000" dirty="0">
+                <a:solidFill>
+                  <a:schemeClr val="tx1"/>
+                </a:solidFill>
+              </a:rPr>
+              <a:t>API Library</a:t>
+            </a:r>
+            <a:br>
+              <a:rPr lang="en-US" sz="2000" dirty="0">
+                <a:solidFill>
+                  <a:schemeClr val="tx1"/>
+                </a:solidFill>
+              </a:rPr>
+            </a:br>
+            <a:r>
+              <a:rPr lang="en-US" sz="2000" dirty="0">
+                <a:solidFill>
+                  <a:schemeClr val="tx1"/>
+                </a:solidFill>
+              </a:rPr>
+              <a:t>(ex, </a:t>
+            </a:r>
+            <a:r>
+              <a:rPr lang="en-US" sz="2000" dirty="0" err="1">
+                <a:solidFill>
+                  <a:schemeClr val="tx1"/>
+                </a:solidFill>
+              </a:rPr>
+              <a:t>golang</a:t>
+            </a:r>
+            <a:r>
+              <a:rPr lang="en-US" sz="2000" dirty="0">
+                <a:solidFill>
+                  <a:schemeClr val="tx1"/>
+                </a:solidFill>
+              </a:rPr>
+              <a:t>-gin)</a:t>
+            </a:r>
+          </a:p>
+        </p:txBody>
+      </p:sp>
+      <p:sp>
+        <p:nvSpPr>
+          <p:cNvPr id="21" name="Rectangle 20">
+            <a:extLst>
+              <a:ext uri="{FF2B5EF4-FFF2-40B4-BE49-F238E27FC236}">
+                <a16:creationId xmlns:a16="http://schemas.microsoft.com/office/drawing/2014/main" id="{949C476A-66A5-9F4E-A00A-2B7245E77358}"/>
+              </a:ext>
+            </a:extLst>
+          </p:cNvPr>
+          <p:cNvSpPr/>
+          <p:nvPr/>
+        </p:nvSpPr>
+        <p:spPr>
+          <a:xfrm>
+            <a:off x="6991092" y="2339639"/>
+            <a:ext cx="2582514" cy="485242"/>
+          </a:xfrm>
+          <a:prstGeom prst="rect">
+            <a:avLst/>
+          </a:prstGeom>
+          <a:solidFill>
+            <a:schemeClr val="accent6">
+              <a:lumMod val="50000"/>
+            </a:schemeClr>
+          </a:solidFill>
+        </p:spPr>
+        <p:style>
+          <a:lnRef idx="2">
+            <a:schemeClr val="accent1">
+              <a:shade val="50000"/>
+            </a:schemeClr>
+          </a:lnRef>
+          <a:fillRef idx="1">
+            <a:schemeClr val="accent1"/>
+          </a:fillRef>
+          <a:effectRef idx="0">
+            <a:schemeClr val="accent1"/>
+          </a:effectRef>
+          <a:fontRef idx="minor">
+            <a:schemeClr val="lt1"/>
+          </a:fontRef>
+        </p:style>
+        <p:txBody>
+          <a:bodyPr rtlCol="0" anchor="ctr" anchorCtr="0"/>
+          <a:lstStyle/>
+          <a:p>
+            <a:pPr algn="ctr"/>
+            <a:r>
+              <a:rPr lang="en-US" sz="2000" dirty="0">
+                <a:solidFill>
+                  <a:schemeClr val="bg1"/>
+                </a:solidFill>
+              </a:rPr>
+              <a:t>Virtual OS</a:t>
+            </a:r>
+          </a:p>
+        </p:txBody>
+      </p:sp>
+      <p:sp>
+        <p:nvSpPr>
+          <p:cNvPr id="22" name="Rectangle 21">
+            <a:extLst>
+              <a:ext uri="{FF2B5EF4-FFF2-40B4-BE49-F238E27FC236}">
+                <a16:creationId xmlns:a16="http://schemas.microsoft.com/office/drawing/2014/main" id="{7795EA6B-04F6-6344-8698-32848117DD43}"/>
+              </a:ext>
+            </a:extLst>
+          </p:cNvPr>
+          <p:cNvSpPr/>
+          <p:nvPr/>
+        </p:nvSpPr>
+        <p:spPr>
+          <a:xfrm>
+            <a:off x="8297254" y="3528475"/>
+            <a:ext cx="1298143" cy="645644"/>
+          </a:xfrm>
+          <a:prstGeom prst="rect">
+            <a:avLst/>
+          </a:prstGeom>
+          <a:solidFill>
+            <a:schemeClr val="accent6">
+              <a:lumMod val="20000"/>
+              <a:lumOff val="80000"/>
+            </a:schemeClr>
+          </a:solidFill>
+        </p:spPr>
+        <p:style>
+          <a:lnRef idx="2">
+            <a:schemeClr val="accent1">
+              <a:shade val="50000"/>
+            </a:schemeClr>
+          </a:lnRef>
+          <a:fillRef idx="1">
+            <a:schemeClr val="accent1"/>
+          </a:fillRef>
+          <a:effectRef idx="0">
+            <a:schemeClr val="accent1"/>
+          </a:effectRef>
+          <a:fontRef idx="minor">
+            <a:schemeClr val="lt1"/>
+          </a:fontRef>
+        </p:style>
+        <p:txBody>
+          <a:bodyPr rtlCol="0" anchor="ctr" anchorCtr="0"/>
+          <a:lstStyle/>
+          <a:p>
+            <a:pPr algn="ctr"/>
+            <a:r>
+              <a:rPr lang="en-US" sz="2000" dirty="0">
+                <a:solidFill>
+                  <a:schemeClr val="tx1"/>
+                </a:solidFill>
+              </a:rPr>
+              <a:t>Your config</a:t>
+            </a:r>
+          </a:p>
+        </p:txBody>
+      </p:sp>
+      <p:sp>
+        <p:nvSpPr>
+          <p:cNvPr id="23" name="Right Brace 22">
+            <a:extLst>
+              <a:ext uri="{FF2B5EF4-FFF2-40B4-BE49-F238E27FC236}">
+                <a16:creationId xmlns:a16="http://schemas.microsoft.com/office/drawing/2014/main" id="{1BA7C5BE-6CED-9D4B-BA73-652FDC212E0A}"/>
+              </a:ext>
+            </a:extLst>
+          </p:cNvPr>
+          <p:cNvSpPr/>
+          <p:nvPr/>
+        </p:nvSpPr>
+        <p:spPr>
+          <a:xfrm>
+            <a:off x="9973083" y="1492206"/>
+            <a:ext cx="510988" cy="3046989"/>
+          </a:xfrm>
+          <a:prstGeom prst="rightBrace">
+            <a:avLst/>
+          </a:prstGeom>
+          <a:ln w="38100">
+            <a:solidFill>
+              <a:schemeClr val="tx1"/>
+            </a:solidFill>
+          </a:ln>
+        </p:spPr>
+        <p:style>
+          <a:lnRef idx="1">
+            <a:schemeClr val="accent1"/>
+          </a:lnRef>
+          <a:fillRef idx="0">
+            <a:schemeClr val="accent1"/>
+          </a:fillRef>
+          <a:effectRef idx="0">
+            <a:schemeClr val="accent1"/>
+          </a:effectRef>
+          <a:fontRef idx="minor">
+            <a:schemeClr val="tx1"/>
+          </a:fontRef>
+        </p:style>
+        <p:txBody>
+          <a:bodyPr rtlCol="0" anchor="ctr"/>
+          <a:lstStyle/>
+          <a:p>
+            <a:pPr algn="ctr"/>
+            <a:endParaRPr lang="en-US"/>
+          </a:p>
+        </p:txBody>
+      </p:sp>
+      <p:sp>
+        <p:nvSpPr>
+          <p:cNvPr id="24" name="Rectangle 23">
+            <a:extLst>
+              <a:ext uri="{FF2B5EF4-FFF2-40B4-BE49-F238E27FC236}">
+                <a16:creationId xmlns:a16="http://schemas.microsoft.com/office/drawing/2014/main" id="{3F20019D-4914-E24C-8B45-E8F72091AB09}"/>
+              </a:ext>
+            </a:extLst>
+          </p:cNvPr>
+          <p:cNvSpPr/>
+          <p:nvPr/>
+        </p:nvSpPr>
+        <p:spPr>
+          <a:xfrm>
+            <a:off x="10618224" y="2100000"/>
+            <a:ext cx="1791498" cy="1938992"/>
+          </a:xfrm>
+          <a:prstGeom prst="rect">
+            <a:avLst/>
+          </a:prstGeom>
+        </p:spPr>
+        <p:txBody>
+          <a:bodyPr wrap="square">
+            <a:spAutoFit/>
+          </a:bodyPr>
+          <a:lstStyle/>
+          <a:p>
+            <a:r>
+              <a:rPr lang="en-US" sz="2400" dirty="0"/>
+              <a:t>Pretty typical memory footprint is 30-50Mb</a:t>
+            </a:r>
+          </a:p>
+        </p:txBody>
+      </p:sp>
+      <p:sp>
+        <p:nvSpPr>
+          <p:cNvPr id="25" name="Rectangle 24">
+            <a:extLst>
+              <a:ext uri="{FF2B5EF4-FFF2-40B4-BE49-F238E27FC236}">
+                <a16:creationId xmlns:a16="http://schemas.microsoft.com/office/drawing/2014/main" id="{621C8AD6-DAA6-2542-AB9E-CF5C171DB152}"/>
+              </a:ext>
+            </a:extLst>
+          </p:cNvPr>
+          <p:cNvSpPr/>
+          <p:nvPr/>
+        </p:nvSpPr>
+        <p:spPr>
+          <a:xfrm>
+            <a:off x="6369236" y="4670370"/>
+            <a:ext cx="5154177" cy="1569660"/>
+          </a:xfrm>
+          <a:prstGeom prst="rect">
+            <a:avLst/>
+          </a:prstGeom>
+        </p:spPr>
+        <p:txBody>
+          <a:bodyPr wrap="square">
+            <a:spAutoFit/>
+          </a:bodyPr>
+          <a:lstStyle/>
+          <a:p>
+            <a:r>
+              <a:rPr lang="en-US" sz="2400" b="1" dirty="0">
+                <a:solidFill>
+                  <a:srgbClr val="FF0000"/>
+                </a:solidFill>
+              </a:rPr>
+              <a:t>Not a big deal if you have relatively few services, but most organizations these days have thousands of services.  Plus </a:t>
+            </a:r>
+            <a:r>
+              <a:rPr lang="en-US" sz="2400" b="1" dirty="0" err="1">
+                <a:solidFill>
+                  <a:srgbClr val="FF0000"/>
+                </a:solidFill>
+              </a:rPr>
+              <a:t>im</a:t>
+            </a:r>
+            <a:r>
+              <a:rPr lang="en-US" sz="2400" b="1" dirty="0">
+                <a:solidFill>
+                  <a:srgbClr val="FF0000"/>
+                </a:solidFill>
+              </a:rPr>
+              <a:t> the cloud you pay for memory</a:t>
+            </a:r>
+          </a:p>
+        </p:txBody>
+      </p:sp>
+    </p:spTree>
+    <p:extLst>
+      <p:ext uri="{BB962C8B-B14F-4D97-AF65-F5344CB8AC3E}">
+        <p14:creationId xmlns:p14="http://schemas.microsoft.com/office/powerpoint/2010/main" val="1247861871"/>
+      </p:ext>
+    </p:extLst>
+  </p:cSld>
+  <p:clrMapOvr>
+    <a:masterClrMapping/>
+  </p:clrMapOvr>
+</p:sld>
+</file>
+
+<file path=ppt/slides/slide23.xml><?xml version="1.0" encoding="utf-8"?>
+<p:sld xmlns:a="http://schemas.openxmlformats.org/drawingml/2006/main" xmlns:r="http://schemas.openxmlformats.org/officeDocument/2006/relationships" xmlns:p="http://schemas.openxmlformats.org/presentationml/2006/main">
+  <p:cSld>
+    <p:spTree>
+      <p:nvGrpSpPr>
+        <p:cNvPr id="1" name=""/>
+        <p:cNvGrpSpPr/>
+        <p:nvPr/>
+      </p:nvGrpSpPr>
+      <p:grpSpPr>
+        <a:xfrm>
+          <a:off x="0" y="0"/>
+          <a:ext cx="0" cy="0"/>
+          <a:chOff x="0" y="0"/>
+          <a:chExt cx="0" cy="0"/>
+        </a:xfrm>
+      </p:grpSpPr>
+      <p:sp>
+        <p:nvSpPr>
+          <p:cNvPr id="2" name="Title 1">
+            <a:extLst>
+              <a:ext uri="{FF2B5EF4-FFF2-40B4-BE49-F238E27FC236}">
+                <a16:creationId xmlns:a16="http://schemas.microsoft.com/office/drawing/2014/main" id="{AD4D4935-D8AE-4457-8ECD-E9622C739125}"/>
+              </a:ext>
+            </a:extLst>
+          </p:cNvPr>
+          <p:cNvSpPr>
+            <a:spLocks noGrp="1"/>
+          </p:cNvSpPr>
+          <p:nvPr>
+            <p:ph type="title"/>
+          </p:nvPr>
+        </p:nvSpPr>
+        <p:spPr>
+          <a:xfrm>
+            <a:off x="291548" y="0"/>
+            <a:ext cx="11608904" cy="1325563"/>
+          </a:xfrm>
+        </p:spPr>
+        <p:txBody>
+          <a:bodyPr>
+            <a:normAutofit/>
+          </a:bodyPr>
+          <a:lstStyle/>
+          <a:p>
+            <a:r>
+              <a:rPr lang="en-US" sz="4000" dirty="0"/>
+              <a:t>Architecture Rationale, Guidance Recommendations I</a:t>
+            </a:r>
+          </a:p>
+        </p:txBody>
+      </p:sp>
+      <p:sp>
+        <p:nvSpPr>
+          <p:cNvPr id="3" name="Content Placeholder 2">
+            <a:extLst>
+              <a:ext uri="{FF2B5EF4-FFF2-40B4-BE49-F238E27FC236}">
+                <a16:creationId xmlns:a16="http://schemas.microsoft.com/office/drawing/2014/main" id="{9CCA84F8-E541-4412-99AB-BEF5FB52AB63}"/>
+              </a:ext>
+            </a:extLst>
+          </p:cNvPr>
+          <p:cNvSpPr>
+            <a:spLocks noGrp="1"/>
+          </p:cNvSpPr>
+          <p:nvPr>
+            <p:ph idx="1"/>
+          </p:nvPr>
+        </p:nvSpPr>
+        <p:spPr>
+          <a:xfrm>
+            <a:off x="659296" y="1253331"/>
+            <a:ext cx="10515600" cy="4351338"/>
+          </a:xfrm>
+        </p:spPr>
+        <p:txBody>
+          <a:bodyPr>
+            <a:normAutofit/>
+          </a:bodyPr>
+          <a:lstStyle/>
+          <a:p>
+            <a:r>
+              <a:rPr lang="en-US" dirty="0"/>
+              <a:t>Javas key strength is backwards compatibility, but its design is old and results in code-bloat that can largely be mitigated with newer JVM languages like Kotlin</a:t>
+            </a:r>
+          </a:p>
+          <a:p>
+            <a:r>
+              <a:rPr lang="en-US" dirty="0"/>
+              <a:t>Kotlin drives higher productivity and less errors (write less boilerplate), but also embraces modern language features that lend themselves to better support of modern distributed applications</a:t>
+            </a:r>
+          </a:p>
+          <a:p>
+            <a:r>
+              <a:rPr lang="en-US" dirty="0"/>
+              <a:t>Since Kotlin interoperates well with existing Java codebases, significant enhancements of existing Java codebases should consider Kotlin</a:t>
+            </a:r>
+          </a:p>
+          <a:p>
+            <a:r>
+              <a:rPr lang="en-US" dirty="0"/>
+              <a:t>New JVM development should STRONGLY consider Kotlin</a:t>
+            </a:r>
+          </a:p>
+          <a:p>
+            <a:endParaRPr lang="en-US" dirty="0"/>
+          </a:p>
+        </p:txBody>
+      </p:sp>
+      <p:sp>
+        <p:nvSpPr>
+          <p:cNvPr id="4" name="Slide Number Placeholder 3">
+            <a:extLst>
+              <a:ext uri="{FF2B5EF4-FFF2-40B4-BE49-F238E27FC236}">
+                <a16:creationId xmlns:a16="http://schemas.microsoft.com/office/drawing/2014/main" id="{20C5C833-51D4-4016-8613-78309C790EF8}"/>
+              </a:ext>
+            </a:extLst>
+          </p:cNvPr>
+          <p:cNvSpPr>
+            <a:spLocks noGrp="1"/>
+          </p:cNvSpPr>
+          <p:nvPr>
+            <p:ph type="sldNum" sz="quarter" idx="12"/>
+          </p:nvPr>
+        </p:nvSpPr>
+        <p:spPr/>
+        <p:txBody>
+          <a:bodyPr/>
+          <a:lstStyle/>
+          <a:p>
+            <a:fld id="{69E57DC2-970A-4B3E-BB1C-7A09969E49DF}" type="slidenum">
+              <a:rPr lang="en-US" smtClean="0"/>
+              <a:t>23</a:t>
+            </a:fld>
+            <a:endParaRPr lang="en-US" dirty="0"/>
+          </a:p>
+        </p:txBody>
+      </p:sp>
+    </p:spTree>
+    <p:extLst>
+      <p:ext uri="{BB962C8B-B14F-4D97-AF65-F5344CB8AC3E}">
+        <p14:creationId xmlns:p14="http://schemas.microsoft.com/office/powerpoint/2010/main" val="3325737200"/>
+      </p:ext>
+    </p:extLst>
+  </p:cSld>
+  <p:clrMapOvr>
+    <a:masterClrMapping/>
+  </p:clrMapOvr>
+</p:sld>
+</file>
+
+<file path=ppt/slides/slide24.xml><?xml version="1.0" encoding="utf-8"?>
+<p:sld xmlns:a="http://schemas.openxmlformats.org/drawingml/2006/main" xmlns:r="http://schemas.openxmlformats.org/officeDocument/2006/relationships" xmlns:p="http://schemas.openxmlformats.org/presentationml/2006/main">
+  <p:cSld>
+    <p:spTree>
+      <p:nvGrpSpPr>
+        <p:cNvPr id="1" name=""/>
+        <p:cNvGrpSpPr/>
+        <p:nvPr/>
+      </p:nvGrpSpPr>
+      <p:grpSpPr>
+        <a:xfrm>
+          <a:off x="0" y="0"/>
+          <a:ext cx="0" cy="0"/>
+          <a:chOff x="0" y="0"/>
+          <a:chExt cx="0" cy="0"/>
+        </a:xfrm>
+      </p:grpSpPr>
+      <p:sp>
+        <p:nvSpPr>
+          <p:cNvPr id="2" name="Title 1">
+            <a:extLst>
+              <a:ext uri="{FF2B5EF4-FFF2-40B4-BE49-F238E27FC236}">
+                <a16:creationId xmlns:a16="http://schemas.microsoft.com/office/drawing/2014/main" id="{AD4D4935-D8AE-4457-8ECD-E9622C739125}"/>
+              </a:ext>
+            </a:extLst>
+          </p:cNvPr>
+          <p:cNvSpPr>
+            <a:spLocks noGrp="1"/>
+          </p:cNvSpPr>
+          <p:nvPr>
+            <p:ph type="title"/>
+          </p:nvPr>
+        </p:nvSpPr>
+        <p:spPr>
+          <a:xfrm>
+            <a:off x="291548" y="0"/>
+            <a:ext cx="11608904" cy="1325563"/>
+          </a:xfrm>
+        </p:spPr>
+        <p:txBody>
+          <a:bodyPr>
+            <a:normAutofit/>
+          </a:bodyPr>
+          <a:lstStyle/>
+          <a:p>
+            <a:r>
+              <a:rPr lang="en-US" sz="4000" dirty="0"/>
+              <a:t>Architecture Rationale, Guidance Recommendations II</a:t>
+            </a:r>
+          </a:p>
+        </p:txBody>
+      </p:sp>
+      <p:sp>
+        <p:nvSpPr>
+          <p:cNvPr id="3" name="Content Placeholder 2">
+            <a:extLst>
+              <a:ext uri="{FF2B5EF4-FFF2-40B4-BE49-F238E27FC236}">
+                <a16:creationId xmlns:a16="http://schemas.microsoft.com/office/drawing/2014/main" id="{9CCA84F8-E541-4412-99AB-BEF5FB52AB63}"/>
+              </a:ext>
+            </a:extLst>
+          </p:cNvPr>
+          <p:cNvSpPr>
+            <a:spLocks noGrp="1"/>
+          </p:cNvSpPr>
+          <p:nvPr>
+            <p:ph idx="1"/>
+          </p:nvPr>
+        </p:nvSpPr>
+        <p:spPr>
+          <a:xfrm>
+            <a:off x="659296" y="1253330"/>
+            <a:ext cx="10515600" cy="5103019"/>
+          </a:xfrm>
+        </p:spPr>
+        <p:txBody>
+          <a:bodyPr>
+            <a:normAutofit/>
+          </a:bodyPr>
+          <a:lstStyle/>
+          <a:p>
+            <a:r>
+              <a:rPr lang="en-US" dirty="0"/>
+              <a:t>For more modern workloads, containerizing in docker is a better choice than running in the JVM, especially for cloud native architectures, or public cloud deployments</a:t>
+            </a:r>
+          </a:p>
+          <a:p>
+            <a:r>
+              <a:rPr lang="en-US" dirty="0"/>
+              <a:t>While containerizing JVM based architectures is possible, it should be avoided due to the heavy JVM footprint coupled by all of the JVM benefits being mitigated by docker</a:t>
+            </a:r>
+          </a:p>
+          <a:p>
+            <a:r>
+              <a:rPr lang="en-US" dirty="0"/>
+              <a:t>Additionally, the memory and compute footprint of </a:t>
+            </a:r>
+            <a:r>
+              <a:rPr lang="en-US" dirty="0" err="1"/>
+              <a:t>Dockerized</a:t>
+            </a:r>
+            <a:r>
+              <a:rPr lang="en-US" dirty="0"/>
+              <a:t> JVM solutions is large, and these resources cost money, especially in the public cloud</a:t>
+            </a:r>
+          </a:p>
+          <a:p>
+            <a:r>
+              <a:rPr lang="en-US" b="1" dirty="0"/>
+              <a:t>Recommendation for new development - Leverage a modern programming framework such as go or typescript, which deploy naturally to both </a:t>
+            </a:r>
+            <a:r>
+              <a:rPr lang="en-US" b="1" dirty="0" err="1"/>
+              <a:t>dockerized</a:t>
+            </a:r>
+            <a:r>
+              <a:rPr lang="en-US" b="1" dirty="0"/>
+              <a:t> and serverless runtimes. </a:t>
+            </a:r>
+          </a:p>
+          <a:p>
+            <a:endParaRPr lang="en-US" dirty="0"/>
+          </a:p>
+        </p:txBody>
+      </p:sp>
+      <p:sp>
+        <p:nvSpPr>
+          <p:cNvPr id="4" name="Slide Number Placeholder 3">
+            <a:extLst>
+              <a:ext uri="{FF2B5EF4-FFF2-40B4-BE49-F238E27FC236}">
+                <a16:creationId xmlns:a16="http://schemas.microsoft.com/office/drawing/2014/main" id="{20C5C833-51D4-4016-8613-78309C790EF8}"/>
+              </a:ext>
+            </a:extLst>
+          </p:cNvPr>
+          <p:cNvSpPr>
+            <a:spLocks noGrp="1"/>
+          </p:cNvSpPr>
+          <p:nvPr>
+            <p:ph type="sldNum" sz="quarter" idx="12"/>
+          </p:nvPr>
+        </p:nvSpPr>
+        <p:spPr/>
+        <p:txBody>
+          <a:bodyPr/>
+          <a:lstStyle/>
+          <a:p>
+            <a:fld id="{69E57DC2-970A-4B3E-BB1C-7A09969E49DF}" type="slidenum">
+              <a:rPr lang="en-US" smtClean="0"/>
+              <a:t>24</a:t>
+            </a:fld>
+            <a:endParaRPr lang="en-US" dirty="0"/>
+          </a:p>
+        </p:txBody>
+      </p:sp>
+    </p:spTree>
+    <p:extLst>
+      <p:ext uri="{BB962C8B-B14F-4D97-AF65-F5344CB8AC3E}">
+        <p14:creationId xmlns:p14="http://schemas.microsoft.com/office/powerpoint/2010/main" val="1803466489"/>
       </p:ext>
     </p:extLst>
   </p:cSld>

--- a/lectures/Week 1 - Course Overview.pptx
+++ b/lectures/Week 1 - Course Overview.pptx
@@ -4484,6 +4484,90 @@
           </a:extLst>
         </p:spPr>
       </p:pic>
+      <p:sp>
+        <p:nvSpPr>
+          <p:cNvPr id="3" name="Rectangle 2">
+            <a:extLst>
+              <a:ext uri="{FF2B5EF4-FFF2-40B4-BE49-F238E27FC236}">
+                <a16:creationId xmlns:a16="http://schemas.microsoft.com/office/drawing/2014/main" id="{AA01D4AB-75C4-694D-90EE-DA2F155C6BF6}"/>
+              </a:ext>
+            </a:extLst>
+          </p:cNvPr>
+          <p:cNvSpPr/>
+          <p:nvPr/>
+        </p:nvSpPr>
+        <p:spPr>
+          <a:xfrm>
+            <a:off x="1030782" y="4693495"/>
+            <a:ext cx="6096000" cy="1200329"/>
+          </a:xfrm>
+          <a:prstGeom prst="rect">
+            <a:avLst/>
+          </a:prstGeom>
+        </p:spPr>
+        <p:txBody>
+          <a:bodyPr>
+            <a:spAutoFit/>
+          </a:bodyPr>
+          <a:lstStyle/>
+          <a:p>
+            <a:r>
+              <a:rPr lang="en-US" dirty="0"/>
+              <a:t>https://</a:t>
+            </a:r>
+            <a:r>
+              <a:rPr lang="en-US" dirty="0" err="1"/>
+              <a:t>podcasts.google.com</a:t>
+            </a:r>
+            <a:r>
+              <a:rPr lang="en-US" dirty="0"/>
+              <a:t>/feed/aHR0cHM6Ly90aG91Z2h0d29ya3MubGlic3luLmNvbS9yc3M/episode/YzYzNjA2ZjYtYzVkZC00YTRmLTg2NDItNTU3YzExOWIzZWRm?hl=</a:t>
+            </a:r>
+            <a:r>
+              <a:rPr lang="en-US" dirty="0" err="1"/>
+              <a:t>en&amp;ved</a:t>
+            </a:r>
+            <a:r>
+              <a:rPr lang="en-US" dirty="0"/>
+              <a:t>=2ahUKEwisvZnZ8u72AhULZd8KHXNQDpwQjrkEegQIAhAF&amp;ep=6</a:t>
+            </a:r>
+          </a:p>
+        </p:txBody>
+      </p:sp>
+      <p:sp>
+        <p:nvSpPr>
+          <p:cNvPr id="5" name="Rectangle 4">
+            <a:extLst>
+              <a:ext uri="{FF2B5EF4-FFF2-40B4-BE49-F238E27FC236}">
+                <a16:creationId xmlns:a16="http://schemas.microsoft.com/office/drawing/2014/main" id="{243FE81B-E318-5848-A1BC-4F766A6E9A0E}"/>
+              </a:ext>
+            </a:extLst>
+          </p:cNvPr>
+          <p:cNvSpPr/>
+          <p:nvPr/>
+        </p:nvSpPr>
+        <p:spPr>
+          <a:xfrm>
+            <a:off x="838200" y="4189226"/>
+            <a:ext cx="2881686" cy="369332"/>
+          </a:xfrm>
+          <a:prstGeom prst="rect">
+            <a:avLst/>
+          </a:prstGeom>
+        </p:spPr>
+        <p:txBody>
+          <a:bodyPr wrap="none">
+            <a:spAutoFit/>
+          </a:bodyPr>
+          <a:lstStyle/>
+          <a:p>
+            <a:r>
+              <a:rPr lang="en-US" altLang="zh-CN" dirty="0"/>
+              <a:t>45 Minute Podcast Summary</a:t>
+            </a:r>
+          </a:p>
+        </p:txBody>
+      </p:sp>
     </p:spTree>
     <p:extLst>
       <p:ext uri="{BB962C8B-B14F-4D97-AF65-F5344CB8AC3E}">
@@ -5992,7 +6076,7 @@
         <p:spPr>
           <a:xfrm>
             <a:off x="2440665" y="2562287"/>
-            <a:ext cx="7305270" cy="461665"/>
+            <a:ext cx="7556941" cy="461665"/>
           </a:xfrm>
           <a:prstGeom prst="rect">
             <a:avLst/>
@@ -6007,7 +6091,7 @@
           <a:p>
             <a:r>
               <a:rPr lang="en-US" sz="2400" dirty="0"/>
-              <a:t>Implementing best of class support for object orientation</a:t>
+              <a:t>Implementing “best of class” support for object orientation</a:t>
             </a:r>
           </a:p>
         </p:txBody>
@@ -7807,13 +7891,8 @@
             <a:pPr lvl="1"/>
             <a:r>
               <a:rPr lang="en-US" dirty="0"/>
-              <a:t>Email: </a:t>
-            </a:r>
-            <a:r>
-              <a:rPr lang="en-US" dirty="0" err="1"/>
-              <a:t>bmitchell@Drexel.edu</a:t>
-            </a:r>
-            <a:endParaRPr lang="en-US" dirty="0"/>
+              <a:t>Email: bsm23@Drexel.edu</a:t>
+            </a:r>
           </a:p>
           <a:p>
             <a:pPr lvl="1"/>
@@ -10375,23 +10454,7 @@
                   <a:srgbClr val="FF0000"/>
                 </a:solidFill>
               </a:rPr>
-              <a:t>Not a big deal if you have relatively few services, but most organizations these days have thousands of services.  Plus </a:t>
-            </a:r>
-            <a:r>
-              <a:rPr lang="en-US" sz="2400" b="1" dirty="0" err="1">
-                <a:solidFill>
-                  <a:srgbClr val="FF0000"/>
-                </a:solidFill>
-              </a:rPr>
-              <a:t>im</a:t>
-            </a:r>
-            <a:r>
-              <a:rPr lang="en-US" sz="2400" b="1" dirty="0">
-                <a:solidFill>
-                  <a:srgbClr val="FF0000"/>
-                </a:solidFill>
-              </a:rPr>
-              <a:t> the cloud you pay for memory</a:t>
+              <a:t>Not a big deal if you have relatively few services, but most organizations these days have thousands of services.  Plus in the cloud you pay for memory</a:t>
             </a:r>
           </a:p>
         </p:txBody>

--- a/lectures/Week 1 - Course Overview.pptx
+++ b/lectures/Week 1 - Course Overview.pptx
@@ -220,7 +220,7 @@
           <a:p>
             <a:fld id="{FD445C60-CED6-B440-8927-4AEA12D2D7A5}" type="datetimeFigureOut">
               <a:rPr lang="en-US" smtClean="0"/>
-              <a:t>3/30/22</a:t>
+              <a:t>3/26/23</a:t>
             </a:fld>
             <a:endParaRPr lang="en-US"/>
           </a:p>
@@ -1204,7 +1204,7 @@
           <a:p>
             <a:fld id="{4E81F04F-08BC-4642-81C9-00D36C75945A}" type="datetime1">
               <a:rPr lang="en-US" smtClean="0"/>
-              <a:t>3/30/22</a:t>
+              <a:t>3/26/23</a:t>
             </a:fld>
             <a:endParaRPr lang="en-US" dirty="0"/>
           </a:p>
@@ -1373,7 +1373,7 @@
           <a:p>
             <a:fld id="{E32DCFFA-6FA3-4C6C-8A77-3356F28F7C80}" type="datetime1">
               <a:rPr lang="en-US" smtClean="0"/>
-              <a:t>3/30/22</a:t>
+              <a:t>3/26/23</a:t>
             </a:fld>
             <a:endParaRPr lang="en-US" dirty="0"/>
           </a:p>
@@ -1551,7 +1551,7 @@
           <a:p>
             <a:fld id="{D047F53D-4D03-447A-A139-EDA188F180D9}" type="datetime1">
               <a:rPr lang="en-US" smtClean="0"/>
-              <a:t>3/30/22</a:t>
+              <a:t>3/26/23</a:t>
             </a:fld>
             <a:endParaRPr lang="en-US" dirty="0"/>
           </a:p>
@@ -1719,7 +1719,7 @@
           <a:p>
             <a:fld id="{C84EFC3D-9B20-4F77-B52D-B54E10146E16}" type="datetime1">
               <a:rPr lang="en-US" smtClean="0"/>
-              <a:t>3/30/22</a:t>
+              <a:t>3/26/23</a:t>
             </a:fld>
             <a:endParaRPr lang="en-US" dirty="0"/>
           </a:p>
@@ -1964,7 +1964,7 @@
           <a:p>
             <a:fld id="{75DA1B6D-97C1-4E2F-88EA-2004A60DE029}" type="datetime1">
               <a:rPr lang="en-US" smtClean="0"/>
-              <a:t>3/30/22</a:t>
+              <a:t>3/26/23</a:t>
             </a:fld>
             <a:endParaRPr lang="en-US" dirty="0"/>
           </a:p>
@@ -2194,7 +2194,7 @@
           <a:p>
             <a:fld id="{186A922D-A106-4715-A85A-76B2A0882E12}" type="datetime1">
               <a:rPr lang="en-US" smtClean="0"/>
-              <a:t>3/30/22</a:t>
+              <a:t>3/26/23</a:t>
             </a:fld>
             <a:endParaRPr lang="en-US" dirty="0"/>
           </a:p>
@@ -2558,7 +2558,7 @@
           <a:p>
             <a:fld id="{E0C552D5-4B11-47DE-A1F6-CCF748D12FEF}" type="datetime1">
               <a:rPr lang="en-US" smtClean="0"/>
-              <a:t>3/30/22</a:t>
+              <a:t>3/26/23</a:t>
             </a:fld>
             <a:endParaRPr lang="en-US" dirty="0"/>
           </a:p>
@@ -2675,7 +2675,7 @@
           <a:p>
             <a:fld id="{2E51E434-4C74-4702-AE92-0270A5A5157D}" type="datetime1">
               <a:rPr lang="en-US" smtClean="0"/>
-              <a:t>3/30/22</a:t>
+              <a:t>3/26/23</a:t>
             </a:fld>
             <a:endParaRPr lang="en-US" dirty="0"/>
           </a:p>
@@ -2770,7 +2770,7 @@
           <a:p>
             <a:fld id="{2320976F-0323-4648-A0DE-D0A05A884501}" type="datetime1">
               <a:rPr lang="en-US" smtClean="0"/>
-              <a:t>3/30/22</a:t>
+              <a:t>3/26/23</a:t>
             </a:fld>
             <a:endParaRPr lang="en-US" dirty="0"/>
           </a:p>
@@ -3045,7 +3045,7 @@
           <a:p>
             <a:fld id="{12A58C61-2A80-424D-B21E-E31F34EF830C}" type="datetime1">
               <a:rPr lang="en-US" smtClean="0"/>
-              <a:t>3/30/22</a:t>
+              <a:t>3/26/23</a:t>
             </a:fld>
             <a:endParaRPr lang="en-US" dirty="0"/>
           </a:p>
@@ -3298,7 +3298,7 @@
           <a:p>
             <a:fld id="{531BDF06-0BA9-4386-94D6-42D80F71273B}" type="datetime1">
               <a:rPr lang="en-US" smtClean="0"/>
-              <a:t>3/30/22</a:t>
+              <a:t>3/26/23</a:t>
             </a:fld>
             <a:endParaRPr lang="en-US" dirty="0"/>
           </a:p>
@@ -3510,7 +3510,7 @@
           <a:p>
             <a:fld id="{6931C7C3-C7FC-4D2F-B0CE-10B197DF22B1}" type="datetime1">
               <a:rPr lang="en-US" smtClean="0"/>
-              <a:t>3/30/22</a:t>
+              <a:t>3/26/23</a:t>
             </a:fld>
             <a:endParaRPr lang="en-US" dirty="0"/>
           </a:p>
@@ -3987,17 +3987,21 @@
               </a:rPr>
               <a:t>Dr. Brian Mitchell</a:t>
             </a:r>
-          </a:p>
-          <a:p>
-            <a:r>
-              <a:rPr lang="en-US" sz="2800" dirty="0"/>
-              <a:t>Spring 2022</a:t>
-            </a:r>
-            <a:endParaRPr lang="en-US" sz="2800" dirty="0">
-              <a:solidFill>
-                <a:schemeClr val="tx1"/>
-              </a:solidFill>
-            </a:endParaRPr>
+            <a:br>
+              <a:rPr lang="en-US" sz="2800" dirty="0">
+                <a:solidFill>
+                  <a:schemeClr val="tx1"/>
+                </a:solidFill>
+              </a:rPr>
+            </a:br>
+            <a:r>
+              <a:rPr lang="en-US" sz="2800" dirty="0">
+                <a:solidFill>
+                  <a:schemeClr val="tx1"/>
+                </a:solidFill>
+              </a:rPr>
+              <a:t>CCI</a:t>
+            </a:r>
           </a:p>
           <a:p>
             <a:r>
@@ -4935,7 +4939,7 @@
           <a:p>
             <a:r>
               <a:rPr lang="en-US" b="1" dirty="0"/>
-              <a:t>Slack will be our PRIMARY mode of communication</a:t>
+              <a:t>Discord will be our PRIMARY mode of communication</a:t>
             </a:r>
           </a:p>
         </p:txBody>
@@ -4969,12 +4973,46 @@
           </a:p>
         </p:txBody>
       </p:sp>
+      <p:sp>
+        <p:nvSpPr>
+          <p:cNvPr id="8" name="Rectangle 7">
+            <a:extLst>
+              <a:ext uri="{FF2B5EF4-FFF2-40B4-BE49-F238E27FC236}">
+                <a16:creationId xmlns:a16="http://schemas.microsoft.com/office/drawing/2014/main" id="{DD4ACB9B-1C25-5B41-B459-1A6DC067AC89}"/>
+              </a:ext>
+            </a:extLst>
+          </p:cNvPr>
+          <p:cNvSpPr/>
+          <p:nvPr/>
+        </p:nvSpPr>
+        <p:spPr>
+          <a:xfrm>
+            <a:off x="2793536" y="6077247"/>
+            <a:ext cx="7013523" cy="461665"/>
+          </a:xfrm>
+          <a:prstGeom prst="rect">
+            <a:avLst/>
+          </a:prstGeom>
+        </p:spPr>
+        <p:txBody>
+          <a:bodyPr wrap="none">
+            <a:spAutoFit/>
+          </a:bodyPr>
+          <a:lstStyle/>
+          <a:p>
+            <a:r>
+              <a:rPr lang="en-US" sz="2400" dirty="0"/>
+              <a:t>Please make sure you have it on your computer/phone</a:t>
+            </a:r>
+          </a:p>
+        </p:txBody>
+      </p:sp>
       <p:pic>
         <p:nvPicPr>
-          <p:cNvPr id="7" name="Picture 6">
-            <a:extLst>
-              <a:ext uri="{FF2B5EF4-FFF2-40B4-BE49-F238E27FC236}">
-                <a16:creationId xmlns:a16="http://schemas.microsoft.com/office/drawing/2014/main" id="{212AD27B-F960-1845-A1E7-6E507DCC43E5}"/>
+          <p:cNvPr id="3" name="Picture 2">
+            <a:extLst>
+              <a:ext uri="{FF2B5EF4-FFF2-40B4-BE49-F238E27FC236}">
+                <a16:creationId xmlns:a16="http://schemas.microsoft.com/office/drawing/2014/main" id="{6AD7E719-3D5B-68C3-E020-53F10AF678D6}"/>
               </a:ext>
             </a:extLst>
           </p:cNvPr>
@@ -4991,48 +5029,14 @@
         </p:blipFill>
         <p:spPr>
           <a:xfrm>
-            <a:off x="2938072" y="1679508"/>
-            <a:ext cx="7283034" cy="4169050"/>
+            <a:off x="3161840" y="1454353"/>
+            <a:ext cx="6820359" cy="4590004"/>
           </a:xfrm>
           <a:prstGeom prst="rect">
             <a:avLst/>
           </a:prstGeom>
         </p:spPr>
       </p:pic>
-      <p:sp>
-        <p:nvSpPr>
-          <p:cNvPr id="8" name="Rectangle 7">
-            <a:extLst>
-              <a:ext uri="{FF2B5EF4-FFF2-40B4-BE49-F238E27FC236}">
-                <a16:creationId xmlns:a16="http://schemas.microsoft.com/office/drawing/2014/main" id="{DD4ACB9B-1C25-5B41-B459-1A6DC067AC89}"/>
-              </a:ext>
-            </a:extLst>
-          </p:cNvPr>
-          <p:cNvSpPr/>
-          <p:nvPr/>
-        </p:nvSpPr>
-        <p:spPr>
-          <a:xfrm>
-            <a:off x="4490134" y="6026566"/>
-            <a:ext cx="4755533" cy="461665"/>
-          </a:xfrm>
-          <a:prstGeom prst="rect">
-            <a:avLst/>
-          </a:prstGeom>
-        </p:spPr>
-        <p:txBody>
-          <a:bodyPr wrap="none">
-            <a:spAutoFit/>
-          </a:bodyPr>
-          <a:lstStyle/>
-          <a:p>
-            <a:r>
-              <a:rPr lang="en-US" sz="2400" dirty="0"/>
-              <a:t>https://drexel-se577-2022.slack.com</a:t>
-            </a:r>
-          </a:p>
-        </p:txBody>
-      </p:sp>
     </p:spTree>
     <p:extLst>
       <p:ext uri="{BB962C8B-B14F-4D97-AF65-F5344CB8AC3E}">
@@ -7827,7 +7831,7 @@
         </p:spPr>
         <p:txBody>
           <a:bodyPr>
-            <a:normAutofit fontScale="92500" lnSpcReduction="20000"/>
+            <a:normAutofit fontScale="92500" lnSpcReduction="10000"/>
           </a:bodyPr>
           <a:lstStyle/>
           <a:p>
@@ -7898,7 +7902,7 @@
             <a:pPr lvl="1"/>
             <a:r>
               <a:rPr lang="en-US" dirty="0"/>
-              <a:t>Office Hours: by appointment</a:t>
+              <a:t>Office Hours: by appointment, standing office hours posted on Blackboard</a:t>
             </a:r>
           </a:p>
           <a:p>
@@ -7916,14 +7920,9 @@
             <a:endParaRPr lang="en-US" dirty="0"/>
           </a:p>
           <a:p>
-            <a:pPr lvl="1"/>
-            <a:r>
-              <a:rPr lang="en-US" dirty="0"/>
-              <a:t>Course Slack Workspace:  https://drexel-se577-2022.slack.com/</a:t>
-            </a:r>
-          </a:p>
-          <a:p>
-            <a:pPr lvl="1"/>
+            <a:pPr marL="457200" lvl="1" indent="0">
+              <a:buNone/>
+            </a:pPr>
             <a:endParaRPr lang="en-US" dirty="0"/>
           </a:p>
         </p:txBody>
@@ -10853,23 +10852,12 @@
           <a:p>
             <a:r>
               <a:rPr lang="en-US" dirty="0"/>
-              <a:t>Mr. Sean Grimes (</a:t>
-            </a:r>
-            <a:r>
-              <a:rPr lang="en-US" b="0" i="0" u="none" strike="noStrike" dirty="0">
-                <a:effectLst/>
-                <a:latin typeface="Slack-Lato"/>
-                <a:hlinkClick r:id="rId2"/>
-              </a:rPr>
-              <a:t>spg63@drexel.edu</a:t>
-            </a:r>
-            <a:r>
-              <a:rPr lang="en-US" b="0" i="0" u="none" strike="noStrike" dirty="0">
-                <a:effectLst/>
-                <a:latin typeface="Slack-Lato"/>
-              </a:rPr>
-              <a:t>)</a:t>
-            </a:r>
+              <a:t>See Blackboard</a:t>
+            </a:r>
+            <a:endParaRPr lang="en-US" b="0" i="0" u="none" strike="noStrike" dirty="0">
+              <a:effectLst/>
+              <a:latin typeface="Slack-Lato"/>
+            </a:endParaRPr>
           </a:p>
           <a:p>
             <a:pPr marL="0" indent="0">

--- a/lectures/Week 1 - Course Overview.pptx
+++ b/lectures/Week 1 - Course Overview.pptx
@@ -5,7 +5,7 @@
     <p:sldMasterId id="2147483718" r:id="rId1"/>
   </p:sldMasterIdLst>
   <p:notesMasterIdLst>
-    <p:notesMasterId r:id="rId26"/>
+    <p:notesMasterId r:id="rId28"/>
   </p:notesMasterIdLst>
   <p:sldIdLst>
     <p:sldId id="256" r:id="rId2"/>
@@ -21,17 +21,19 @@
     <p:sldId id="844" r:id="rId12"/>
     <p:sldId id="845" r:id="rId13"/>
     <p:sldId id="854" r:id="rId14"/>
-    <p:sldId id="846" r:id="rId15"/>
-    <p:sldId id="858" r:id="rId16"/>
-    <p:sldId id="855" r:id="rId17"/>
-    <p:sldId id="857" r:id="rId18"/>
-    <p:sldId id="859" r:id="rId19"/>
-    <p:sldId id="860" r:id="rId20"/>
-    <p:sldId id="861" r:id="rId21"/>
-    <p:sldId id="862" r:id="rId22"/>
-    <p:sldId id="856" r:id="rId23"/>
-    <p:sldId id="863" r:id="rId24"/>
-    <p:sldId id="864" r:id="rId25"/>
+    <p:sldId id="865" r:id="rId15"/>
+    <p:sldId id="866" r:id="rId16"/>
+    <p:sldId id="846" r:id="rId17"/>
+    <p:sldId id="858" r:id="rId18"/>
+    <p:sldId id="855" r:id="rId19"/>
+    <p:sldId id="857" r:id="rId20"/>
+    <p:sldId id="859" r:id="rId21"/>
+    <p:sldId id="860" r:id="rId22"/>
+    <p:sldId id="861" r:id="rId23"/>
+    <p:sldId id="862" r:id="rId24"/>
+    <p:sldId id="856" r:id="rId25"/>
+    <p:sldId id="863" r:id="rId26"/>
+    <p:sldId id="864" r:id="rId27"/>
   </p:sldIdLst>
   <p:sldSz cx="12192000" cy="6858000"/>
   <p:notesSz cx="6858000" cy="9144000"/>
@@ -220,7 +222,7 @@
           <a:p>
             <a:fld id="{FD445C60-CED6-B440-8927-4AEA12D2D7A5}" type="datetimeFigureOut">
               <a:rPr lang="en-US" smtClean="0"/>
-              <a:t>3/26/23</a:t>
+              <a:t>4/5/23</a:t>
             </a:fld>
             <a:endParaRPr lang="en-US"/>
           </a:p>
@@ -552,7 +554,7 @@
           <a:p>
             <a:fld id="{068FE4ED-59E9-4944-A32F-9556C2E2A90E}" type="slidenum">
               <a:rPr lang="en-US" smtClean="0"/>
-              <a:t>14</a:t>
+              <a:t>16</a:t>
             </a:fld>
             <a:endParaRPr lang="en-US"/>
           </a:p>
@@ -636,7 +638,7 @@
           <a:p>
             <a:fld id="{068FE4ED-59E9-4944-A32F-9556C2E2A90E}" type="slidenum">
               <a:rPr lang="en-US" smtClean="0"/>
-              <a:t>16</a:t>
+              <a:t>18</a:t>
             </a:fld>
             <a:endParaRPr lang="en-US"/>
           </a:p>
@@ -720,7 +722,7 @@
           <a:p>
             <a:fld id="{068FE4ED-59E9-4944-A32F-9556C2E2A90E}" type="slidenum">
               <a:rPr lang="en-US" smtClean="0"/>
-              <a:t>17</a:t>
+              <a:t>19</a:t>
             </a:fld>
             <a:endParaRPr lang="en-US"/>
           </a:p>
@@ -804,7 +806,7 @@
           <a:p>
             <a:fld id="{068FE4ED-59E9-4944-A32F-9556C2E2A90E}" type="slidenum">
               <a:rPr lang="en-US" smtClean="0"/>
-              <a:t>18</a:t>
+              <a:t>20</a:t>
             </a:fld>
             <a:endParaRPr lang="en-US"/>
           </a:p>
@@ -888,7 +890,7 @@
           <a:p>
             <a:fld id="{068FE4ED-59E9-4944-A32F-9556C2E2A90E}" type="slidenum">
               <a:rPr lang="en-US" smtClean="0"/>
-              <a:t>22</a:t>
+              <a:t>24</a:t>
             </a:fld>
             <a:endParaRPr lang="en-US"/>
           </a:p>
@@ -972,7 +974,7 @@
           <a:p>
             <a:fld id="{068FE4ED-59E9-4944-A32F-9556C2E2A90E}" type="slidenum">
               <a:rPr lang="en-US" smtClean="0"/>
-              <a:t>23</a:t>
+              <a:t>25</a:t>
             </a:fld>
             <a:endParaRPr lang="en-US"/>
           </a:p>
@@ -1056,7 +1058,7 @@
           <a:p>
             <a:fld id="{068FE4ED-59E9-4944-A32F-9556C2E2A90E}" type="slidenum">
               <a:rPr lang="en-US" smtClean="0"/>
-              <a:t>24</a:t>
+              <a:t>26</a:t>
             </a:fld>
             <a:endParaRPr lang="en-US"/>
           </a:p>
@@ -1204,7 +1206,7 @@
           <a:p>
             <a:fld id="{4E81F04F-08BC-4642-81C9-00D36C75945A}" type="datetime1">
               <a:rPr lang="en-US" smtClean="0"/>
-              <a:t>3/26/23</a:t>
+              <a:t>4/5/23</a:t>
             </a:fld>
             <a:endParaRPr lang="en-US" dirty="0"/>
           </a:p>
@@ -1373,7 +1375,7 @@
           <a:p>
             <a:fld id="{E32DCFFA-6FA3-4C6C-8A77-3356F28F7C80}" type="datetime1">
               <a:rPr lang="en-US" smtClean="0"/>
-              <a:t>3/26/23</a:t>
+              <a:t>4/5/23</a:t>
             </a:fld>
             <a:endParaRPr lang="en-US" dirty="0"/>
           </a:p>
@@ -1551,7 +1553,7 @@
           <a:p>
             <a:fld id="{D047F53D-4D03-447A-A139-EDA188F180D9}" type="datetime1">
               <a:rPr lang="en-US" smtClean="0"/>
-              <a:t>3/26/23</a:t>
+              <a:t>4/5/23</a:t>
             </a:fld>
             <a:endParaRPr lang="en-US" dirty="0"/>
           </a:p>
@@ -1719,7 +1721,7 @@
           <a:p>
             <a:fld id="{C84EFC3D-9B20-4F77-B52D-B54E10146E16}" type="datetime1">
               <a:rPr lang="en-US" smtClean="0"/>
-              <a:t>3/26/23</a:t>
+              <a:t>4/5/23</a:t>
             </a:fld>
             <a:endParaRPr lang="en-US" dirty="0"/>
           </a:p>
@@ -1964,7 +1966,7 @@
           <a:p>
             <a:fld id="{75DA1B6D-97C1-4E2F-88EA-2004A60DE029}" type="datetime1">
               <a:rPr lang="en-US" smtClean="0"/>
-              <a:t>3/26/23</a:t>
+              <a:t>4/5/23</a:t>
             </a:fld>
             <a:endParaRPr lang="en-US" dirty="0"/>
           </a:p>
@@ -2194,7 +2196,7 @@
           <a:p>
             <a:fld id="{186A922D-A106-4715-A85A-76B2A0882E12}" type="datetime1">
               <a:rPr lang="en-US" smtClean="0"/>
-              <a:t>3/26/23</a:t>
+              <a:t>4/5/23</a:t>
             </a:fld>
             <a:endParaRPr lang="en-US" dirty="0"/>
           </a:p>
@@ -2558,7 +2560,7 @@
           <a:p>
             <a:fld id="{E0C552D5-4B11-47DE-A1F6-CCF748D12FEF}" type="datetime1">
               <a:rPr lang="en-US" smtClean="0"/>
-              <a:t>3/26/23</a:t>
+              <a:t>4/5/23</a:t>
             </a:fld>
             <a:endParaRPr lang="en-US" dirty="0"/>
           </a:p>
@@ -2675,7 +2677,7 @@
           <a:p>
             <a:fld id="{2E51E434-4C74-4702-AE92-0270A5A5157D}" type="datetime1">
               <a:rPr lang="en-US" smtClean="0"/>
-              <a:t>3/26/23</a:t>
+              <a:t>4/5/23</a:t>
             </a:fld>
             <a:endParaRPr lang="en-US" dirty="0"/>
           </a:p>
@@ -2770,7 +2772,7 @@
           <a:p>
             <a:fld id="{2320976F-0323-4648-A0DE-D0A05A884501}" type="datetime1">
               <a:rPr lang="en-US" smtClean="0"/>
-              <a:t>3/26/23</a:t>
+              <a:t>4/5/23</a:t>
             </a:fld>
             <a:endParaRPr lang="en-US" dirty="0"/>
           </a:p>
@@ -3045,7 +3047,7 @@
           <a:p>
             <a:fld id="{12A58C61-2A80-424D-B21E-E31F34EF830C}" type="datetime1">
               <a:rPr lang="en-US" smtClean="0"/>
-              <a:t>3/26/23</a:t>
+              <a:t>4/5/23</a:t>
             </a:fld>
             <a:endParaRPr lang="en-US" dirty="0"/>
           </a:p>
@@ -3298,7 +3300,7 @@
           <a:p>
             <a:fld id="{531BDF06-0BA9-4386-94D6-42D80F71273B}" type="datetime1">
               <a:rPr lang="en-US" smtClean="0"/>
-              <a:t>3/26/23</a:t>
+              <a:t>4/5/23</a:t>
             </a:fld>
             <a:endParaRPr lang="en-US" dirty="0"/>
           </a:p>
@@ -3510,7 +3512,7 @@
           <a:p>
             <a:fld id="{6931C7C3-C7FC-4D2F-B0CE-10B197DF22B1}" type="datetime1">
               <a:rPr lang="en-US" smtClean="0"/>
-              <a:t>3/26/23</a:t>
+              <a:t>4/5/23</a:t>
             </a:fld>
             <a:endParaRPr lang="en-US" dirty="0"/>
           </a:p>
@@ -5072,7 +5074,7 @@
           <p:cNvPr id="2" name="Title 1">
             <a:extLst>
               <a:ext uri="{FF2B5EF4-FFF2-40B4-BE49-F238E27FC236}">
-                <a16:creationId xmlns:a16="http://schemas.microsoft.com/office/drawing/2014/main" id="{AD4D4935-D8AE-4457-8ECD-E9622C739125}"/>
+                <a16:creationId xmlns:a16="http://schemas.microsoft.com/office/drawing/2014/main" id="{8F29ACB7-3B63-49E7-96D7-15DA3109CDE5}"/>
               </a:ext>
             </a:extLst>
           </p:cNvPr>
@@ -5085,8 +5087,8 @@
         </p:nvSpPr>
         <p:spPr>
           <a:xfrm>
-            <a:off x="838200" y="365125"/>
-            <a:ext cx="10917326" cy="1325563"/>
+            <a:off x="164892" y="175937"/>
+            <a:ext cx="11617377" cy="1325563"/>
           </a:xfrm>
         </p:spPr>
         <p:txBody>
@@ -5094,54 +5096,9 @@
           <a:lstStyle/>
           <a:p>
             <a:r>
-              <a:rPr lang="en-US" dirty="0"/>
-              <a:t>A word about the technologies we will be using</a:t>
-            </a:r>
-          </a:p>
-        </p:txBody>
-      </p:sp>
-      <p:sp>
-        <p:nvSpPr>
-          <p:cNvPr id="3" name="Content Placeholder 2">
-            <a:extLst>
-              <a:ext uri="{FF2B5EF4-FFF2-40B4-BE49-F238E27FC236}">
-                <a16:creationId xmlns:a16="http://schemas.microsoft.com/office/drawing/2014/main" id="{9CCA84F8-E541-4412-99AB-BEF5FB52AB63}"/>
-              </a:ext>
-            </a:extLst>
-          </p:cNvPr>
-          <p:cNvSpPr>
-            <a:spLocks noGrp="1"/>
-          </p:cNvSpPr>
-          <p:nvPr>
-            <p:ph idx="1"/>
-          </p:nvPr>
-        </p:nvSpPr>
-        <p:spPr/>
-        <p:txBody>
-          <a:bodyPr>
-            <a:normAutofit/>
-          </a:bodyPr>
-          <a:lstStyle/>
-          <a:p>
-            <a:r>
-              <a:rPr lang="en-US" dirty="0"/>
-              <a:t>We will be using modern technologies to demonstrate modern software architecture toolchains and implementation patterns</a:t>
-            </a:r>
-          </a:p>
-          <a:p>
-            <a:r>
-              <a:rPr lang="en-US" dirty="0"/>
-              <a:t>I will allow students to program in Java, but I will not be using Java in this class</a:t>
-            </a:r>
-          </a:p>
-          <a:p>
-            <a:r>
-              <a:rPr lang="en-US" dirty="0"/>
-              <a:t>My views about why its time to move away from Java for modern software engineering</a:t>
-            </a:r>
-          </a:p>
-          <a:p>
-            <a:endParaRPr lang="en-US" dirty="0"/>
+              <a:rPr lang="en-US" b="1" dirty="0"/>
+              <a:t>This course will focus on the technical and non-technical aspects of being a software architect</a:t>
+            </a:r>
           </a:p>
         </p:txBody>
       </p:sp>
@@ -5150,7 +5107,7 @@
           <p:cNvPr id="4" name="Slide Number Placeholder 3">
             <a:extLst>
               <a:ext uri="{FF2B5EF4-FFF2-40B4-BE49-F238E27FC236}">
-                <a16:creationId xmlns:a16="http://schemas.microsoft.com/office/drawing/2014/main" id="{20C5C833-51D4-4016-8613-78309C790EF8}"/>
+                <a16:creationId xmlns:a16="http://schemas.microsoft.com/office/drawing/2014/main" id="{542EAC42-38A0-4516-814B-016A18951906}"/>
               </a:ext>
             </a:extLst>
           </p:cNvPr>
@@ -5176,10 +5133,10 @@
       </p:sp>
       <p:sp>
         <p:nvSpPr>
-          <p:cNvPr id="5" name="Rectangle 4">
-            <a:extLst>
-              <a:ext uri="{FF2B5EF4-FFF2-40B4-BE49-F238E27FC236}">
-                <a16:creationId xmlns:a16="http://schemas.microsoft.com/office/drawing/2014/main" id="{71A635B9-A30A-0945-A375-A406FFD598DF}"/>
+          <p:cNvPr id="8" name="Rectangle 7">
+            <a:extLst>
+              <a:ext uri="{FF2B5EF4-FFF2-40B4-BE49-F238E27FC236}">
+                <a16:creationId xmlns:a16="http://schemas.microsoft.com/office/drawing/2014/main" id="{DD4ACB9B-1C25-5B41-B459-1A6DC067AC89}"/>
               </a:ext>
             </a:extLst>
           </p:cNvPr>
@@ -5188,26 +5145,317 @@
         </p:nvSpPr>
         <p:spPr>
           <a:xfrm>
-            <a:off x="1103372" y="5161750"/>
-            <a:ext cx="9985255" cy="830997"/>
+            <a:off x="2627710" y="5416504"/>
+            <a:ext cx="6936579" cy="1200329"/>
           </a:xfrm>
           <a:prstGeom prst="rect">
             <a:avLst/>
           </a:prstGeom>
         </p:spPr>
         <p:txBody>
+          <a:bodyPr wrap="none">
+            <a:spAutoFit/>
+          </a:bodyPr>
+          <a:lstStyle/>
+          <a:p>
+            <a:pPr algn="ctr"/>
+            <a:r>
+              <a:rPr lang="en-US" sz="2400" dirty="0"/>
+              <a:t>Most modern software engineers will have a blend of</a:t>
+            </a:r>
+            <a:br>
+              <a:rPr lang="en-US" sz="2400" dirty="0"/>
+            </a:br>
+            <a:r>
+              <a:rPr lang="en-US" sz="2400" dirty="0"/>
+              <a:t>software development and software engineering skills</a:t>
+            </a:r>
+          </a:p>
+          <a:p>
+            <a:pPr algn="ctr"/>
+            <a:r>
+              <a:rPr lang="en-US" sz="2400" dirty="0"/>
+              <a:t>Picking the right blend matters however</a:t>
+            </a:r>
+          </a:p>
+        </p:txBody>
+      </p:sp>
+      <p:sp>
+        <p:nvSpPr>
+          <p:cNvPr id="6" name="Right Triangle 5">
+            <a:extLst>
+              <a:ext uri="{FF2B5EF4-FFF2-40B4-BE49-F238E27FC236}">
+                <a16:creationId xmlns:a16="http://schemas.microsoft.com/office/drawing/2014/main" id="{3482132A-09DA-E21B-B381-76A215529867}"/>
+              </a:ext>
+            </a:extLst>
+          </p:cNvPr>
+          <p:cNvSpPr/>
+          <p:nvPr/>
+        </p:nvSpPr>
+        <p:spPr>
+          <a:xfrm>
+            <a:off x="1266939" y="2698703"/>
+            <a:ext cx="9000781" cy="2181340"/>
+          </a:xfrm>
+          <a:prstGeom prst="rtTriangle">
+            <a:avLst/>
+          </a:prstGeom>
+          <a:solidFill>
+            <a:schemeClr val="accent1">
+              <a:lumMod val="20000"/>
+              <a:lumOff val="80000"/>
+            </a:schemeClr>
+          </a:solidFill>
+        </p:spPr>
+        <p:style>
+          <a:lnRef idx="2">
+            <a:schemeClr val="accent1">
+              <a:shade val="50000"/>
+            </a:schemeClr>
+          </a:lnRef>
+          <a:fillRef idx="1">
+            <a:schemeClr val="accent1"/>
+          </a:fillRef>
+          <a:effectRef idx="0">
+            <a:schemeClr val="accent1"/>
+          </a:effectRef>
+          <a:fontRef idx="minor">
+            <a:schemeClr val="lt1"/>
+          </a:fontRef>
+        </p:style>
+        <p:txBody>
+          <a:bodyPr rtlCol="0" anchor="ctr"/>
+          <a:lstStyle/>
+          <a:p>
+            <a:pPr algn="ctr"/>
+            <a:endParaRPr lang="en-US"/>
+          </a:p>
+        </p:txBody>
+      </p:sp>
+      <p:sp>
+        <p:nvSpPr>
+          <p:cNvPr id="7" name="Right Triangle 6">
+            <a:extLst>
+              <a:ext uri="{FF2B5EF4-FFF2-40B4-BE49-F238E27FC236}">
+                <a16:creationId xmlns:a16="http://schemas.microsoft.com/office/drawing/2014/main" id="{EC9DD046-5E61-03FF-B26D-A2E643A93057}"/>
+              </a:ext>
+            </a:extLst>
+          </p:cNvPr>
+          <p:cNvSpPr/>
+          <p:nvPr/>
+        </p:nvSpPr>
+        <p:spPr>
+          <a:xfrm rot="10800000">
+            <a:off x="1266939" y="2665686"/>
+            <a:ext cx="9000781" cy="2181340"/>
+          </a:xfrm>
+          <a:prstGeom prst="rtTriangle">
+            <a:avLst/>
+          </a:prstGeom>
+          <a:solidFill>
+            <a:schemeClr val="accent4"/>
+          </a:solidFill>
+        </p:spPr>
+        <p:style>
+          <a:lnRef idx="2">
+            <a:schemeClr val="accent1">
+              <a:shade val="50000"/>
+            </a:schemeClr>
+          </a:lnRef>
+          <a:fillRef idx="1">
+            <a:schemeClr val="accent1"/>
+          </a:fillRef>
+          <a:effectRef idx="0">
+            <a:schemeClr val="accent1"/>
+          </a:effectRef>
+          <a:fontRef idx="minor">
+            <a:schemeClr val="lt1"/>
+          </a:fontRef>
+        </p:style>
+        <p:txBody>
+          <a:bodyPr rtlCol="0" anchor="ctr"/>
+          <a:lstStyle/>
+          <a:p>
+            <a:pPr algn="ctr"/>
+            <a:endParaRPr lang="en-US" dirty="0"/>
+          </a:p>
+        </p:txBody>
+      </p:sp>
+      <p:sp>
+        <p:nvSpPr>
+          <p:cNvPr id="9" name="TextBox 8">
+            <a:extLst>
+              <a:ext uri="{FF2B5EF4-FFF2-40B4-BE49-F238E27FC236}">
+                <a16:creationId xmlns:a16="http://schemas.microsoft.com/office/drawing/2014/main" id="{5C3B5012-2244-7D41-B97B-532EAD091D88}"/>
+              </a:ext>
+            </a:extLst>
+          </p:cNvPr>
+          <p:cNvSpPr txBox="1"/>
+          <p:nvPr/>
+        </p:nvSpPr>
+        <p:spPr>
+          <a:xfrm>
+            <a:off x="5098473" y="3059668"/>
+            <a:ext cx="3777252" cy="461665"/>
+          </a:xfrm>
+          <a:prstGeom prst="rect">
+            <a:avLst/>
+          </a:prstGeom>
+          <a:noFill/>
+        </p:spPr>
+        <p:txBody>
+          <a:bodyPr wrap="none" rtlCol="0">
+            <a:spAutoFit/>
+          </a:bodyPr>
+          <a:lstStyle/>
+          <a:p>
+            <a:r>
+              <a:rPr lang="en-US" sz="2400" b="1" dirty="0"/>
+              <a:t>Software Architecture Focus</a:t>
+            </a:r>
+          </a:p>
+        </p:txBody>
+      </p:sp>
+      <p:sp>
+        <p:nvSpPr>
+          <p:cNvPr id="10" name="TextBox 9">
+            <a:extLst>
+              <a:ext uri="{FF2B5EF4-FFF2-40B4-BE49-F238E27FC236}">
+                <a16:creationId xmlns:a16="http://schemas.microsoft.com/office/drawing/2014/main" id="{70C275F5-EA02-AC83-800E-C37C900CE9ED}"/>
+              </a:ext>
+            </a:extLst>
+          </p:cNvPr>
+          <p:cNvSpPr txBox="1"/>
+          <p:nvPr/>
+        </p:nvSpPr>
+        <p:spPr>
+          <a:xfrm>
+            <a:off x="2272058" y="3953347"/>
+            <a:ext cx="3924279" cy="461665"/>
+          </a:xfrm>
+          <a:prstGeom prst="rect">
+            <a:avLst/>
+          </a:prstGeom>
+          <a:noFill/>
+        </p:spPr>
+        <p:txBody>
+          <a:bodyPr wrap="none" rtlCol="0">
+            <a:spAutoFit/>
+          </a:bodyPr>
+          <a:lstStyle/>
+          <a:p>
+            <a:r>
+              <a:rPr lang="en-US" sz="2400" b="1" dirty="0"/>
+              <a:t>Software Development Focus</a:t>
+            </a:r>
+          </a:p>
+        </p:txBody>
+      </p:sp>
+      <p:sp>
+        <p:nvSpPr>
+          <p:cNvPr id="12" name="TextBox 11">
+            <a:extLst>
+              <a:ext uri="{FF2B5EF4-FFF2-40B4-BE49-F238E27FC236}">
+                <a16:creationId xmlns:a16="http://schemas.microsoft.com/office/drawing/2014/main" id="{79759D51-1E0D-8A94-8C32-E19C1A796E0B}"/>
+              </a:ext>
+            </a:extLst>
+          </p:cNvPr>
+          <p:cNvSpPr txBox="1"/>
+          <p:nvPr/>
+        </p:nvSpPr>
+        <p:spPr>
+          <a:xfrm rot="16200000">
+            <a:off x="-182388" y="3449698"/>
+            <a:ext cx="2214359" cy="646331"/>
+          </a:xfrm>
+          <a:prstGeom prst="rect">
+            <a:avLst/>
+          </a:prstGeom>
+          <a:noFill/>
+        </p:spPr>
+        <p:txBody>
           <a:bodyPr wrap="square">
             <a:spAutoFit/>
           </a:bodyPr>
           <a:lstStyle/>
           <a:p>
-            <a:r>
-              <a:rPr lang="en-US" sz="2400" b="1" dirty="0">
-                <a:solidFill>
-                  <a:srgbClr val="7030A0"/>
-                </a:solidFill>
-              </a:rPr>
-              <a:t>LETS USE THIS AS AN EXAMPLE DEMONSTRATING WHAT AN ARCHITECT DOES AND WHAT YOU SHOULD BE ABLE TO DO AFTER TAKING THIS CLASS</a:t>
+            <a:pPr algn="ctr"/>
+            <a:r>
+              <a:rPr lang="en-US" sz="1800" dirty="0"/>
+              <a:t>Pure Software Developers</a:t>
+            </a:r>
+            <a:endParaRPr lang="en-US" dirty="0"/>
+          </a:p>
+        </p:txBody>
+      </p:sp>
+      <p:sp>
+        <p:nvSpPr>
+          <p:cNvPr id="13" name="TextBox 12">
+            <a:extLst>
+              <a:ext uri="{FF2B5EF4-FFF2-40B4-BE49-F238E27FC236}">
+                <a16:creationId xmlns:a16="http://schemas.microsoft.com/office/drawing/2014/main" id="{8930AF28-188D-F5BB-E1B7-1EC5DF567E1D}"/>
+              </a:ext>
+            </a:extLst>
+          </p:cNvPr>
+          <p:cNvSpPr txBox="1"/>
+          <p:nvPr/>
+        </p:nvSpPr>
+        <p:spPr>
+          <a:xfrm rot="5400000">
+            <a:off x="9522003" y="3444391"/>
+            <a:ext cx="2214359" cy="646331"/>
+          </a:xfrm>
+          <a:prstGeom prst="rect">
+            <a:avLst/>
+          </a:prstGeom>
+          <a:noFill/>
+        </p:spPr>
+        <p:txBody>
+          <a:bodyPr wrap="square">
+            <a:spAutoFit/>
+          </a:bodyPr>
+          <a:lstStyle/>
+          <a:p>
+            <a:pPr algn="ctr"/>
+            <a:r>
+              <a:rPr lang="en-US" sz="1800" dirty="0"/>
+              <a:t>Pure Software Architects</a:t>
+            </a:r>
+            <a:endParaRPr lang="en-US" dirty="0"/>
+          </a:p>
+        </p:txBody>
+      </p:sp>
+      <p:sp>
+        <p:nvSpPr>
+          <p:cNvPr id="14" name="Rectangle 13">
+            <a:extLst>
+              <a:ext uri="{FF2B5EF4-FFF2-40B4-BE49-F238E27FC236}">
+                <a16:creationId xmlns:a16="http://schemas.microsoft.com/office/drawing/2014/main" id="{18678594-6014-ACDF-D039-884BAECFE4D2}"/>
+              </a:ext>
+            </a:extLst>
+          </p:cNvPr>
+          <p:cNvSpPr/>
+          <p:nvPr/>
+        </p:nvSpPr>
+        <p:spPr>
+          <a:xfrm>
+            <a:off x="820857" y="1737975"/>
+            <a:ext cx="10131491" cy="461665"/>
+          </a:xfrm>
+          <a:prstGeom prst="rect">
+            <a:avLst/>
+          </a:prstGeom>
+        </p:spPr>
+        <p:txBody>
+          <a:bodyPr wrap="none">
+            <a:spAutoFit/>
+          </a:bodyPr>
+          <a:lstStyle/>
+          <a:p>
+            <a:pPr algn="ctr"/>
+            <a:r>
+              <a:rPr lang="en-US" sz="2400" dirty="0"/>
+              <a:t>The titling and labeling in industry of software engineering roles is problematic…</a:t>
             </a:r>
           </a:p>
         </p:txBody>
@@ -5215,7 +5463,7 @@
     </p:spTree>
     <p:extLst>
       <p:ext uri="{BB962C8B-B14F-4D97-AF65-F5344CB8AC3E}">
-        <p14:creationId xmlns:p14="http://schemas.microsoft.com/office/powerpoint/2010/main" val="1266875325"/>
+        <p14:creationId xmlns:p14="http://schemas.microsoft.com/office/powerpoint/2010/main" val="1887594467"/>
       </p:ext>
     </p:extLst>
   </p:cSld>
@@ -5260,7 +5508,7 @@
         </p:nvSpPr>
         <p:spPr>
           <a:xfrm>
-            <a:off x="39223" y="1969"/>
+            <a:off x="164892" y="175937"/>
             <a:ext cx="11617377" cy="1325563"/>
           </a:xfrm>
         </p:spPr>
@@ -5270,7 +5518,7 @@
           <a:p>
             <a:r>
               <a:rPr lang="en-US" b="1" dirty="0"/>
-              <a:t>Our first software architecture example</a:t>
+              <a:t>This course will focus on the technical and non-technical aspects of being a software architect</a:t>
             </a:r>
           </a:p>
         </p:txBody>
@@ -5291,12 +5539,7 @@
             <p:ph type="sldNum" sz="quarter" idx="12"/>
           </p:nvPr>
         </p:nvSpPr>
-        <p:spPr>
-          <a:xfrm>
-            <a:off x="8610600" y="6114304"/>
-            <a:ext cx="2743200" cy="365125"/>
-          </a:xfrm>
-        </p:spPr>
+        <p:spPr/>
         <p:txBody>
           <a:bodyPr/>
           <a:lstStyle/>
@@ -5323,8 +5566,8 @@
         </p:nvSpPr>
         <p:spPr>
           <a:xfrm>
-            <a:off x="416859" y="5777976"/>
-            <a:ext cx="9985255" cy="830997"/>
+            <a:off x="747993" y="4563531"/>
+            <a:ext cx="1565632" cy="1569660"/>
           </a:xfrm>
           <a:prstGeom prst="rect">
             <a:avLst/>
@@ -5336,117 +5579,59 @@
           </a:bodyPr>
           <a:lstStyle/>
           <a:p>
-            <a:r>
-              <a:rPr lang="en-US" sz="2400" dirty="0"/>
-              <a:t>Lets examine this from an architects viewpoint – We will learn later that this can be articulated as an architecture decision record (ADR)</a:t>
-            </a:r>
-          </a:p>
-        </p:txBody>
-      </p:sp>
-      <p:sp>
-        <p:nvSpPr>
-          <p:cNvPr id="3" name="TextBox 2">
-            <a:extLst>
-              <a:ext uri="{FF2B5EF4-FFF2-40B4-BE49-F238E27FC236}">
-                <a16:creationId xmlns:a16="http://schemas.microsoft.com/office/drawing/2014/main" id="{A8E9695D-B400-D546-AEEE-F126D77C8632}"/>
-              </a:ext>
-            </a:extLst>
-          </p:cNvPr>
-          <p:cNvSpPr txBox="1"/>
+            <a:pPr algn="ctr"/>
+            <a:r>
+              <a:rPr lang="en-US" sz="2400" dirty="0">
+                <a:solidFill>
+                  <a:srgbClr val="FF0000"/>
+                </a:solidFill>
+              </a:rPr>
+              <a:t>“All I Care About</a:t>
+            </a:r>
+            <a:br>
+              <a:rPr lang="en-US" sz="2400" dirty="0">
+                <a:solidFill>
+                  <a:srgbClr val="FF0000"/>
+                </a:solidFill>
+              </a:rPr>
+            </a:br>
+            <a:r>
+              <a:rPr lang="en-US" sz="2400" dirty="0">
+                <a:solidFill>
+                  <a:srgbClr val="FF0000"/>
+                </a:solidFill>
+              </a:rPr>
+              <a:t>is the Tech” Zone</a:t>
+            </a:r>
+          </a:p>
+        </p:txBody>
+      </p:sp>
+      <p:sp>
+        <p:nvSpPr>
+          <p:cNvPr id="6" name="Right Triangle 5">
+            <a:extLst>
+              <a:ext uri="{FF2B5EF4-FFF2-40B4-BE49-F238E27FC236}">
+                <a16:creationId xmlns:a16="http://schemas.microsoft.com/office/drawing/2014/main" id="{3482132A-09DA-E21B-B381-76A215529867}"/>
+              </a:ext>
+            </a:extLst>
+          </p:cNvPr>
+          <p:cNvSpPr/>
           <p:nvPr/>
         </p:nvSpPr>
         <p:spPr>
           <a:xfrm>
-            <a:off x="685799" y="956791"/>
-            <a:ext cx="10377713" cy="646331"/>
-          </a:xfrm>
-          <a:prstGeom prst="rect">
+            <a:off x="1225375" y="1764093"/>
+            <a:ext cx="9000781" cy="2181340"/>
+          </a:xfrm>
+          <a:prstGeom prst="rtTriangle">
             <a:avLst/>
           </a:prstGeom>
-          <a:noFill/>
-        </p:spPr>
-        <p:txBody>
-          <a:bodyPr wrap="none" rtlCol="0">
-            <a:spAutoFit/>
-          </a:bodyPr>
-          <a:lstStyle/>
-          <a:p>
-            <a:r>
-              <a:rPr lang="en-US" dirty="0"/>
-              <a:t>Architecture Guidance:  For most new modern development the overall JVM ecosystem should be avoided, if</a:t>
-            </a:r>
-            <a:br>
-              <a:rPr lang="en-US" dirty="0"/>
-            </a:br>
-            <a:r>
-              <a:rPr lang="en-US" dirty="0"/>
-              <a:t>the criteria for acceptable use of the JVM ecosystem are met, then:  </a:t>
-            </a:r>
-          </a:p>
-        </p:txBody>
-      </p:sp>
-      <p:sp>
-        <p:nvSpPr>
-          <p:cNvPr id="9" name="TextBox 8">
-            <a:extLst>
-              <a:ext uri="{FF2B5EF4-FFF2-40B4-BE49-F238E27FC236}">
-                <a16:creationId xmlns:a16="http://schemas.microsoft.com/office/drawing/2014/main" id="{4176AAE0-05AC-1E42-ACEE-F3B485D73848}"/>
-              </a:ext>
-            </a:extLst>
-          </p:cNvPr>
-          <p:cNvSpPr txBox="1"/>
-          <p:nvPr/>
-        </p:nvSpPr>
-        <p:spPr>
-          <a:xfrm>
-            <a:off x="685799" y="1609740"/>
-            <a:ext cx="10212989" cy="646331"/>
-          </a:xfrm>
-          <a:prstGeom prst="rect">
-            <a:avLst/>
-          </a:prstGeom>
-          <a:noFill/>
-        </p:spPr>
-        <p:txBody>
-          <a:bodyPr wrap="none" rtlCol="0">
-            <a:spAutoFit/>
-          </a:bodyPr>
-          <a:lstStyle/>
-          <a:p>
-            <a:r>
-              <a:rPr lang="en-US" dirty="0"/>
-              <a:t>Existing Java code bases can continue to be developed and extended in Java – significant new development</a:t>
-            </a:r>
-            <a:br>
-              <a:rPr lang="en-US" dirty="0"/>
-            </a:br>
-            <a:r>
-              <a:rPr lang="en-US" dirty="0"/>
-              <a:t>or enhancements to these systems should consider moving over to Kotlin. </a:t>
-            </a:r>
-          </a:p>
-        </p:txBody>
-      </p:sp>
-      <p:sp>
-        <p:nvSpPr>
-          <p:cNvPr id="10" name="Rectangle 9">
-            <a:extLst>
-              <a:ext uri="{FF2B5EF4-FFF2-40B4-BE49-F238E27FC236}">
-                <a16:creationId xmlns:a16="http://schemas.microsoft.com/office/drawing/2014/main" id="{9BD9C7B9-71E4-E547-A76A-108DE13B69CB}"/>
-              </a:ext>
-            </a:extLst>
-          </p:cNvPr>
-          <p:cNvSpPr/>
-          <p:nvPr/>
-        </p:nvSpPr>
-        <p:spPr>
-          <a:xfrm>
-            <a:off x="1842246" y="2385676"/>
-            <a:ext cx="3363686" cy="3392300"/>
-          </a:xfrm>
-          <a:prstGeom prst="rect">
-            <a:avLst/>
-          </a:prstGeom>
+          <a:solidFill>
+            <a:schemeClr val="accent1">
+              <a:lumMod val="20000"/>
+              <a:lumOff val="80000"/>
+            </a:schemeClr>
+          </a:solidFill>
         </p:spPr>
         <p:style>
           <a:lnRef idx="2">
@@ -5465,23 +5650,20 @@
           </a:fontRef>
         </p:style>
         <p:txBody>
-          <a:bodyPr rtlCol="0" anchor="t" anchorCtr="0"/>
+          <a:bodyPr rtlCol="0" anchor="ctr"/>
           <a:lstStyle/>
           <a:p>
             <a:pPr algn="ctr"/>
-            <a:r>
-              <a:rPr lang="en-US" dirty="0"/>
-              <a:t>Java Virtual Machine</a:t>
-            </a:r>
-          </a:p>
-        </p:txBody>
-      </p:sp>
-      <p:sp>
-        <p:nvSpPr>
-          <p:cNvPr id="11" name="Rectangle 10">
-            <a:extLst>
-              <a:ext uri="{FF2B5EF4-FFF2-40B4-BE49-F238E27FC236}">
-                <a16:creationId xmlns:a16="http://schemas.microsoft.com/office/drawing/2014/main" id="{205B166A-0CA3-B94D-BB46-6BD69D40F672}"/>
+            <a:endParaRPr lang="en-US"/>
+          </a:p>
+        </p:txBody>
+      </p:sp>
+      <p:sp>
+        <p:nvSpPr>
+          <p:cNvPr id="7" name="Right Triangle 6">
+            <a:extLst>
+              <a:ext uri="{FF2B5EF4-FFF2-40B4-BE49-F238E27FC236}">
+                <a16:creationId xmlns:a16="http://schemas.microsoft.com/office/drawing/2014/main" id="{EC9DD046-5E61-03FF-B26D-A2E643A93057}"/>
               </a:ext>
             </a:extLst>
           </p:cNvPr>
@@ -5489,15 +5671,15 @@
           <p:nvPr/>
         </p:nvSpPr>
         <p:spPr>
-          <a:xfrm>
-            <a:off x="2033192" y="2866974"/>
-            <a:ext cx="3062794" cy="578865"/>
-          </a:xfrm>
-          <a:prstGeom prst="rect">
+          <a:xfrm rot="10800000">
+            <a:off x="1225375" y="1731076"/>
+            <a:ext cx="9000781" cy="2181340"/>
+          </a:xfrm>
+          <a:prstGeom prst="rtTriangle">
             <a:avLst/>
           </a:prstGeom>
           <a:solidFill>
-            <a:schemeClr val="bg1"/>
+            <a:schemeClr val="accent4"/>
           </a:solidFill>
         </p:spPr>
         <p:style>
@@ -5517,83 +5699,134 @@
           </a:fontRef>
         </p:style>
         <p:txBody>
-          <a:bodyPr rtlCol="0" anchor="ctr" anchorCtr="0"/>
+          <a:bodyPr rtlCol="0" anchor="ctr"/>
           <a:lstStyle/>
           <a:p>
             <a:pPr algn="ctr"/>
-            <a:r>
-              <a:rPr lang="en-US" sz="2000" dirty="0">
-                <a:solidFill>
-                  <a:schemeClr val="tx1"/>
-                </a:solidFill>
-              </a:rPr>
-              <a:t>JVM Runtime</a:t>
-            </a:r>
-          </a:p>
-        </p:txBody>
-      </p:sp>
-      <p:sp>
-        <p:nvSpPr>
-          <p:cNvPr id="13" name="Rectangle 12">
-            <a:extLst>
-              <a:ext uri="{FF2B5EF4-FFF2-40B4-BE49-F238E27FC236}">
-                <a16:creationId xmlns:a16="http://schemas.microsoft.com/office/drawing/2014/main" id="{ED060E6C-A3BF-BC43-B127-1BE057D424A1}"/>
-              </a:ext>
-            </a:extLst>
-          </p:cNvPr>
-          <p:cNvSpPr/>
+            <a:endParaRPr lang="en-US" dirty="0"/>
+          </a:p>
+        </p:txBody>
+      </p:sp>
+      <p:sp>
+        <p:nvSpPr>
+          <p:cNvPr id="9" name="TextBox 8">
+            <a:extLst>
+              <a:ext uri="{FF2B5EF4-FFF2-40B4-BE49-F238E27FC236}">
+                <a16:creationId xmlns:a16="http://schemas.microsoft.com/office/drawing/2014/main" id="{5C3B5012-2244-7D41-B97B-532EAD091D88}"/>
+              </a:ext>
+            </a:extLst>
+          </p:cNvPr>
+          <p:cNvSpPr txBox="1"/>
           <p:nvPr/>
         </p:nvSpPr>
         <p:spPr>
           <a:xfrm>
-            <a:off x="2033191" y="4258604"/>
-            <a:ext cx="3062796" cy="1262102"/>
+            <a:off x="5056909" y="2125058"/>
+            <a:ext cx="3777252" cy="461665"/>
           </a:xfrm>
           <a:prstGeom prst="rect">
             <a:avLst/>
           </a:prstGeom>
-          <a:solidFill>
-            <a:schemeClr val="bg1"/>
-          </a:solidFill>
+          <a:noFill/>
+        </p:spPr>
+        <p:txBody>
+          <a:bodyPr wrap="none" rtlCol="0">
+            <a:spAutoFit/>
+          </a:bodyPr>
+          <a:lstStyle/>
+          <a:p>
+            <a:r>
+              <a:rPr lang="en-US" sz="2400" b="1" dirty="0"/>
+              <a:t>Software Architecture Focus</a:t>
+            </a:r>
+          </a:p>
+        </p:txBody>
+      </p:sp>
+      <p:sp>
+        <p:nvSpPr>
+          <p:cNvPr id="10" name="TextBox 9">
+            <a:extLst>
+              <a:ext uri="{FF2B5EF4-FFF2-40B4-BE49-F238E27FC236}">
+                <a16:creationId xmlns:a16="http://schemas.microsoft.com/office/drawing/2014/main" id="{70C275F5-EA02-AC83-800E-C37C900CE9ED}"/>
+              </a:ext>
+            </a:extLst>
+          </p:cNvPr>
+          <p:cNvSpPr txBox="1"/>
+          <p:nvPr/>
+        </p:nvSpPr>
+        <p:spPr>
+          <a:xfrm>
+            <a:off x="2230494" y="3018737"/>
+            <a:ext cx="3924279" cy="461665"/>
+          </a:xfrm>
+          <a:prstGeom prst="rect">
+            <a:avLst/>
+          </a:prstGeom>
+          <a:noFill/>
+        </p:spPr>
+        <p:txBody>
+          <a:bodyPr wrap="none" rtlCol="0">
+            <a:spAutoFit/>
+          </a:bodyPr>
+          <a:lstStyle/>
+          <a:p>
+            <a:r>
+              <a:rPr lang="en-US" sz="2400" b="1" dirty="0"/>
+              <a:t>Software Development Focus</a:t>
+            </a:r>
+          </a:p>
+        </p:txBody>
+      </p:sp>
+      <p:sp>
+        <p:nvSpPr>
+          <p:cNvPr id="3" name="Left Brace 2">
+            <a:extLst>
+              <a:ext uri="{FF2B5EF4-FFF2-40B4-BE49-F238E27FC236}">
+                <a16:creationId xmlns:a16="http://schemas.microsoft.com/office/drawing/2014/main" id="{72AA737F-0498-F817-54AB-0681E5A57F25}"/>
+              </a:ext>
+            </a:extLst>
+          </p:cNvPr>
+          <p:cNvSpPr/>
+          <p:nvPr/>
+        </p:nvSpPr>
+        <p:spPr>
+          <a:xfrm rot="16200000">
+            <a:off x="1430062" y="4012065"/>
+            <a:ext cx="346364" cy="645077"/>
+          </a:xfrm>
+          <a:prstGeom prst="leftBrace">
+            <a:avLst/>
+          </a:prstGeom>
         </p:spPr>
         <p:style>
-          <a:lnRef idx="2">
-            <a:schemeClr val="accent1">
-              <a:shade val="50000"/>
-            </a:schemeClr>
+          <a:lnRef idx="1">
+            <a:schemeClr val="accent1"/>
           </a:lnRef>
-          <a:fillRef idx="1">
+          <a:fillRef idx="0">
             <a:schemeClr val="accent1"/>
           </a:fillRef>
           <a:effectRef idx="0">
             <a:schemeClr val="accent1"/>
           </a:effectRef>
           <a:fontRef idx="minor">
-            <a:schemeClr val="lt1"/>
+            <a:schemeClr val="tx1"/>
           </a:fontRef>
         </p:style>
         <p:txBody>
-          <a:bodyPr rtlCol="0" anchor="t" anchorCtr="0"/>
+          <a:bodyPr rtlCol="0" anchor="ctr"/>
           <a:lstStyle/>
           <a:p>
             <a:pPr algn="ctr"/>
-            <a:r>
-              <a:rPr lang="en-US" sz="2000" dirty="0">
-                <a:solidFill>
-                  <a:schemeClr val="tx1"/>
-                </a:solidFill>
-              </a:rPr>
-              <a:t>JVM Languages</a:t>
-            </a:r>
-          </a:p>
-        </p:txBody>
-      </p:sp>
-      <p:sp>
-        <p:nvSpPr>
-          <p:cNvPr id="14" name="Rectangle 13">
-            <a:extLst>
-              <a:ext uri="{FF2B5EF4-FFF2-40B4-BE49-F238E27FC236}">
-                <a16:creationId xmlns:a16="http://schemas.microsoft.com/office/drawing/2014/main" id="{7E9A82FA-FCB0-6940-983C-DDC4CEE6090A}"/>
+            <a:endParaRPr lang="en-US"/>
+          </a:p>
+        </p:txBody>
+      </p:sp>
+      <p:sp>
+        <p:nvSpPr>
+          <p:cNvPr id="5" name="Left Brace 4">
+            <a:extLst>
+              <a:ext uri="{FF2B5EF4-FFF2-40B4-BE49-F238E27FC236}">
+                <a16:creationId xmlns:a16="http://schemas.microsoft.com/office/drawing/2014/main" id="{20AC6C6A-88C8-CAE5-B3BC-5D4BE0027B5C}"/>
               </a:ext>
             </a:extLst>
           </p:cNvPr>
@@ -5601,58 +5834,43 @@
           <p:nvPr/>
         </p:nvSpPr>
         <p:spPr>
-          <a:xfrm>
-            <a:off x="2258427" y="4749150"/>
-            <a:ext cx="1156008" cy="578865"/>
-          </a:xfrm>
-          <a:prstGeom prst="rect">
+          <a:xfrm rot="16200000">
+            <a:off x="9713646" y="4012066"/>
+            <a:ext cx="346364" cy="645077"/>
+          </a:xfrm>
+          <a:prstGeom prst="leftBrace">
             <a:avLst/>
           </a:prstGeom>
-          <a:solidFill>
-            <a:schemeClr val="accent6">
-              <a:lumMod val="20000"/>
-              <a:lumOff val="80000"/>
-            </a:schemeClr>
-          </a:solidFill>
         </p:spPr>
         <p:style>
-          <a:lnRef idx="2">
-            <a:schemeClr val="accent1">
-              <a:shade val="50000"/>
-            </a:schemeClr>
+          <a:lnRef idx="1">
+            <a:schemeClr val="accent1"/>
           </a:lnRef>
-          <a:fillRef idx="1">
+          <a:fillRef idx="0">
             <a:schemeClr val="accent1"/>
           </a:fillRef>
           <a:effectRef idx="0">
             <a:schemeClr val="accent1"/>
           </a:effectRef>
           <a:fontRef idx="minor">
-            <a:schemeClr val="lt1"/>
+            <a:schemeClr val="tx1"/>
           </a:fontRef>
         </p:style>
         <p:txBody>
-          <a:bodyPr rtlCol="0" anchor="ctr" anchorCtr="0"/>
+          <a:bodyPr rtlCol="0" anchor="ctr"/>
           <a:lstStyle/>
           <a:p>
             <a:pPr algn="ctr"/>
-            <a:r>
-              <a:rPr lang="en-US" sz="2000" dirty="0">
-                <a:solidFill>
-                  <a:schemeClr val="tx1"/>
-                </a:solidFill>
-              </a:rPr>
-              <a:t>JAVA</a:t>
-            </a:r>
-          </a:p>
-        </p:txBody>
-      </p:sp>
-      <p:sp>
-        <p:nvSpPr>
-          <p:cNvPr id="16" name="Rectangle 15">
-            <a:extLst>
-              <a:ext uri="{FF2B5EF4-FFF2-40B4-BE49-F238E27FC236}">
-                <a16:creationId xmlns:a16="http://schemas.microsoft.com/office/drawing/2014/main" id="{ED117790-0FD8-6042-9467-EE77BE5944FF}"/>
+            <a:endParaRPr lang="en-US"/>
+          </a:p>
+        </p:txBody>
+      </p:sp>
+      <p:sp>
+        <p:nvSpPr>
+          <p:cNvPr id="11" name="Left Brace 10">
+            <a:extLst>
+              <a:ext uri="{FF2B5EF4-FFF2-40B4-BE49-F238E27FC236}">
+                <a16:creationId xmlns:a16="http://schemas.microsoft.com/office/drawing/2014/main" id="{3AE57AD8-5BC3-90A4-9BFA-DA1BA9594D4B}"/>
               </a:ext>
             </a:extLst>
           </p:cNvPr>
@@ -5660,55 +5878,43 @@
           <p:nvPr/>
         </p:nvSpPr>
         <p:spPr>
-          <a:xfrm>
-            <a:off x="2033192" y="3568039"/>
-            <a:ext cx="3062794" cy="578865"/>
-          </a:xfrm>
-          <a:prstGeom prst="rect">
+          <a:xfrm rot="16200000">
+            <a:off x="5568510" y="3526652"/>
+            <a:ext cx="308357" cy="1577900"/>
+          </a:xfrm>
+          <a:prstGeom prst="leftBrace">
             <a:avLst/>
           </a:prstGeom>
-          <a:solidFill>
-            <a:schemeClr val="bg1"/>
-          </a:solidFill>
         </p:spPr>
         <p:style>
-          <a:lnRef idx="2">
-            <a:schemeClr val="accent1">
-              <a:shade val="50000"/>
-            </a:schemeClr>
+          <a:lnRef idx="1">
+            <a:schemeClr val="accent1"/>
           </a:lnRef>
-          <a:fillRef idx="1">
+          <a:fillRef idx="0">
             <a:schemeClr val="accent1"/>
           </a:fillRef>
           <a:effectRef idx="0">
             <a:schemeClr val="accent1"/>
           </a:effectRef>
           <a:fontRef idx="minor">
-            <a:schemeClr val="lt1"/>
+            <a:schemeClr val="tx1"/>
           </a:fontRef>
         </p:style>
         <p:txBody>
-          <a:bodyPr rtlCol="0" anchor="ctr" anchorCtr="0"/>
+          <a:bodyPr rtlCol="0" anchor="ctr"/>
           <a:lstStyle/>
           <a:p>
             <a:pPr algn="ctr"/>
-            <a:r>
-              <a:rPr lang="en-US" sz="2000" dirty="0">
-                <a:solidFill>
-                  <a:schemeClr val="tx1"/>
-                </a:solidFill>
-              </a:rPr>
-              <a:t>JVM Ecosystem</a:t>
-            </a:r>
-          </a:p>
-        </p:txBody>
-      </p:sp>
-      <p:sp>
-        <p:nvSpPr>
-          <p:cNvPr id="17" name="Rectangle 16">
-            <a:extLst>
-              <a:ext uri="{FF2B5EF4-FFF2-40B4-BE49-F238E27FC236}">
-                <a16:creationId xmlns:a16="http://schemas.microsoft.com/office/drawing/2014/main" id="{EE9AF297-4E1C-D248-94A0-1836ECE0B863}"/>
+            <a:endParaRPr lang="en-US"/>
+          </a:p>
+        </p:txBody>
+      </p:sp>
+      <p:sp>
+        <p:nvSpPr>
+          <p:cNvPr id="12" name="Left Brace 11">
+            <a:extLst>
+              <a:ext uri="{FF2B5EF4-FFF2-40B4-BE49-F238E27FC236}">
+                <a16:creationId xmlns:a16="http://schemas.microsoft.com/office/drawing/2014/main" id="{0195652A-B491-3F77-0188-BB2B385F9024}"/>
               </a:ext>
             </a:extLst>
           </p:cNvPr>
@@ -5716,58 +5922,43 @@
           <p:nvPr/>
         </p:nvSpPr>
         <p:spPr>
-          <a:xfrm>
-            <a:off x="3639670" y="4749149"/>
-            <a:ext cx="1231082" cy="578865"/>
-          </a:xfrm>
-          <a:prstGeom prst="rect">
+          <a:xfrm rot="16200000">
+            <a:off x="3234233" y="2956962"/>
+            <a:ext cx="346364" cy="2772515"/>
+          </a:xfrm>
+          <a:prstGeom prst="leftBrace">
             <a:avLst/>
           </a:prstGeom>
-          <a:solidFill>
-            <a:schemeClr val="accent6">
-              <a:lumMod val="20000"/>
-              <a:lumOff val="80000"/>
-            </a:schemeClr>
-          </a:solidFill>
         </p:spPr>
         <p:style>
-          <a:lnRef idx="2">
-            <a:schemeClr val="accent1">
-              <a:shade val="50000"/>
-            </a:schemeClr>
+          <a:lnRef idx="1">
+            <a:schemeClr val="accent1"/>
           </a:lnRef>
-          <a:fillRef idx="1">
+          <a:fillRef idx="0">
             <a:schemeClr val="accent1"/>
           </a:fillRef>
           <a:effectRef idx="0">
             <a:schemeClr val="accent1"/>
           </a:effectRef>
           <a:fontRef idx="minor">
-            <a:schemeClr val="lt1"/>
+            <a:schemeClr val="tx1"/>
           </a:fontRef>
         </p:style>
         <p:txBody>
-          <a:bodyPr rtlCol="0" anchor="ctr" anchorCtr="0"/>
+          <a:bodyPr rtlCol="0" anchor="ctr"/>
           <a:lstStyle/>
           <a:p>
             <a:pPr algn="ctr"/>
-            <a:r>
-              <a:rPr lang="en-US" sz="2000" dirty="0">
-                <a:solidFill>
-                  <a:schemeClr val="tx1"/>
-                </a:solidFill>
-              </a:rPr>
-              <a:t>Kotlin</a:t>
-            </a:r>
-          </a:p>
-        </p:txBody>
-      </p:sp>
-      <p:sp>
-        <p:nvSpPr>
-          <p:cNvPr id="5" name="Left Arrow 4">
-            <a:extLst>
-              <a:ext uri="{FF2B5EF4-FFF2-40B4-BE49-F238E27FC236}">
-                <a16:creationId xmlns:a16="http://schemas.microsoft.com/office/drawing/2014/main" id="{4248B435-7061-924E-A126-B40DC2CA0F22}"/>
+            <a:endParaRPr lang="en-US"/>
+          </a:p>
+        </p:txBody>
+      </p:sp>
+      <p:sp>
+        <p:nvSpPr>
+          <p:cNvPr id="13" name="Left Brace 12">
+            <a:extLst>
+              <a:ext uri="{FF2B5EF4-FFF2-40B4-BE49-F238E27FC236}">
+                <a16:creationId xmlns:a16="http://schemas.microsoft.com/office/drawing/2014/main" id="{DA286309-1971-4BA2-EB6C-43308814272A}"/>
               </a:ext>
             </a:extLst>
           </p:cNvPr>
@@ -5775,31 +5966,26 @@
           <p:nvPr/>
         </p:nvSpPr>
         <p:spPr>
-          <a:xfrm>
-            <a:off x="5809129" y="2866974"/>
-            <a:ext cx="3957918" cy="2062547"/>
-          </a:xfrm>
-          <a:prstGeom prst="leftArrow">
-            <a:avLst>
-              <a:gd name="adj1" fmla="val 50000"/>
-              <a:gd name="adj2" fmla="val 39866"/>
-            </a:avLst>
+          <a:xfrm rot="16200000">
+            <a:off x="7864783" y="2956963"/>
+            <a:ext cx="346364" cy="2772515"/>
+          </a:xfrm>
+          <a:prstGeom prst="leftBrace">
+            <a:avLst/>
           </a:prstGeom>
         </p:spPr>
         <p:style>
-          <a:lnRef idx="2">
-            <a:schemeClr val="accent1">
-              <a:shade val="50000"/>
-            </a:schemeClr>
+          <a:lnRef idx="1">
+            <a:schemeClr val="accent1"/>
           </a:lnRef>
-          <a:fillRef idx="1">
+          <a:fillRef idx="0">
             <a:schemeClr val="accent1"/>
           </a:fillRef>
           <a:effectRef idx="0">
             <a:schemeClr val="accent1"/>
           </a:effectRef>
           <a:fontRef idx="minor">
-            <a:schemeClr val="lt1"/>
+            <a:schemeClr val="tx1"/>
           </a:fontRef>
         </p:style>
         <p:txBody>
@@ -5807,16 +5993,164 @@
           <a:lstStyle/>
           <a:p>
             <a:pPr algn="ctr"/>
-            <a:r>
-              <a:rPr lang="en-US" sz="2000" b="1" dirty="0"/>
-              <a:t>JVM Ecosystem</a:t>
-            </a:r>
-            <a:br>
-              <a:rPr lang="en-US" sz="2000" b="1" dirty="0"/>
-            </a:br>
-            <a:r>
-              <a:rPr lang="en-US" sz="2000" b="1" dirty="0"/>
-              <a:t>Architecture</a:t>
+            <a:endParaRPr lang="en-US"/>
+          </a:p>
+        </p:txBody>
+      </p:sp>
+      <p:sp>
+        <p:nvSpPr>
+          <p:cNvPr id="14" name="Rectangle 13">
+            <a:extLst>
+              <a:ext uri="{FF2B5EF4-FFF2-40B4-BE49-F238E27FC236}">
+                <a16:creationId xmlns:a16="http://schemas.microsoft.com/office/drawing/2014/main" id="{CEB90B6D-C051-A321-D2E2-01C7DA6C0B14}"/>
+              </a:ext>
+            </a:extLst>
+          </p:cNvPr>
+          <p:cNvSpPr/>
+          <p:nvPr/>
+        </p:nvSpPr>
+        <p:spPr>
+          <a:xfrm>
+            <a:off x="8985229" y="4563741"/>
+            <a:ext cx="1803198" cy="1938992"/>
+          </a:xfrm>
+          <a:prstGeom prst="rect">
+            <a:avLst/>
+          </a:prstGeom>
+        </p:spPr>
+        <p:txBody>
+          <a:bodyPr wrap="square">
+            <a:spAutoFit/>
+          </a:bodyPr>
+          <a:lstStyle/>
+          <a:p>
+            <a:pPr algn="ctr"/>
+            <a:r>
+              <a:rPr lang="en-US" sz="2400" dirty="0">
+                <a:solidFill>
+                  <a:srgbClr val="FF0000"/>
+                </a:solidFill>
+              </a:rPr>
+              <a:t>“Let's deploy this latest architecture I read about” zone</a:t>
+            </a:r>
+          </a:p>
+        </p:txBody>
+      </p:sp>
+      <p:sp>
+        <p:nvSpPr>
+          <p:cNvPr id="15" name="Rectangle 14">
+            <a:extLst>
+              <a:ext uri="{FF2B5EF4-FFF2-40B4-BE49-F238E27FC236}">
+                <a16:creationId xmlns:a16="http://schemas.microsoft.com/office/drawing/2014/main" id="{D8998FBB-77F4-0A0F-84C5-377B618ECB89}"/>
+              </a:ext>
+            </a:extLst>
+          </p:cNvPr>
+          <p:cNvSpPr/>
+          <p:nvPr/>
+        </p:nvSpPr>
+        <p:spPr>
+          <a:xfrm>
+            <a:off x="4779233" y="4549676"/>
+            <a:ext cx="1967927" cy="1938992"/>
+          </a:xfrm>
+          <a:prstGeom prst="rect">
+            <a:avLst/>
+          </a:prstGeom>
+        </p:spPr>
+        <p:txBody>
+          <a:bodyPr wrap="square">
+            <a:spAutoFit/>
+          </a:bodyPr>
+          <a:lstStyle/>
+          <a:p>
+            <a:pPr algn="ctr"/>
+            <a:r>
+              <a:rPr lang="en-US" sz="2400" dirty="0">
+                <a:solidFill>
+                  <a:schemeClr val="accent2">
+                    <a:lumMod val="75000"/>
+                  </a:schemeClr>
+                </a:solidFill>
+              </a:rPr>
+              <a:t>“I am the master of nothing” zone – “Wikipedia Architecture”</a:t>
+            </a:r>
+          </a:p>
+        </p:txBody>
+      </p:sp>
+      <p:sp>
+        <p:nvSpPr>
+          <p:cNvPr id="16" name="Rectangle 15">
+            <a:extLst>
+              <a:ext uri="{FF2B5EF4-FFF2-40B4-BE49-F238E27FC236}">
+                <a16:creationId xmlns:a16="http://schemas.microsoft.com/office/drawing/2014/main" id="{042306D6-8DF7-E0D3-5C67-9940A0635468}"/>
+              </a:ext>
+            </a:extLst>
+          </p:cNvPr>
+          <p:cNvSpPr/>
+          <p:nvPr/>
+        </p:nvSpPr>
+        <p:spPr>
+          <a:xfrm>
+            <a:off x="2431361" y="4620599"/>
+            <a:ext cx="1967927" cy="1938992"/>
+          </a:xfrm>
+          <a:prstGeom prst="rect">
+            <a:avLst/>
+          </a:prstGeom>
+        </p:spPr>
+        <p:txBody>
+          <a:bodyPr wrap="square">
+            <a:spAutoFit/>
+          </a:bodyPr>
+          <a:lstStyle/>
+          <a:p>
+            <a:pPr algn="ctr"/>
+            <a:r>
+              <a:rPr lang="en-US" sz="2400" dirty="0">
+                <a:solidFill>
+                  <a:srgbClr val="00B050"/>
+                </a:solidFill>
+              </a:rPr>
+              <a:t>I focus on the technical architecture decisions and tradeoffs</a:t>
+            </a:r>
+          </a:p>
+        </p:txBody>
+      </p:sp>
+      <p:sp>
+        <p:nvSpPr>
+          <p:cNvPr id="17" name="Rectangle 16">
+            <a:extLst>
+              <a:ext uri="{FF2B5EF4-FFF2-40B4-BE49-F238E27FC236}">
+                <a16:creationId xmlns:a16="http://schemas.microsoft.com/office/drawing/2014/main" id="{4793DCAA-C0A4-991B-5A7D-6909ACEFFDA6}"/>
+              </a:ext>
+            </a:extLst>
+          </p:cNvPr>
+          <p:cNvSpPr/>
+          <p:nvPr/>
+        </p:nvSpPr>
+        <p:spPr>
+          <a:xfrm>
+            <a:off x="7054001" y="4530724"/>
+            <a:ext cx="1967927" cy="2308324"/>
+          </a:xfrm>
+          <a:prstGeom prst="rect">
+            <a:avLst/>
+          </a:prstGeom>
+        </p:spPr>
+        <p:txBody>
+          <a:bodyPr wrap="square">
+            <a:spAutoFit/>
+          </a:bodyPr>
+          <a:lstStyle/>
+          <a:p>
+            <a:pPr algn="ctr"/>
+            <a:r>
+              <a:rPr lang="en-US" sz="2400" dirty="0">
+                <a:solidFill>
+                  <a:srgbClr val="00B050"/>
+                </a:solidFill>
+              </a:rPr>
+              <a:t>I focus on the strategic product architecture decisions and tradeoffs</a:t>
             </a:r>
           </a:p>
         </p:txBody>
@@ -5824,7 +6158,7 @@
     </p:spTree>
     <p:extLst>
       <p:ext uri="{BB962C8B-B14F-4D97-AF65-F5344CB8AC3E}">
-        <p14:creationId xmlns:p14="http://schemas.microsoft.com/office/powerpoint/2010/main" val="1455515498"/>
+        <p14:creationId xmlns:p14="http://schemas.microsoft.com/office/powerpoint/2010/main" val="601791721"/>
       </p:ext>
     </p:extLst>
   </p:cSld>
@@ -5869,7 +6203,7 @@
         </p:nvSpPr>
         <p:spPr>
           <a:xfrm>
-            <a:off x="901051" y="104714"/>
+            <a:off x="838200" y="365125"/>
             <a:ext cx="10917326" cy="1325563"/>
           </a:xfrm>
         </p:spPr>
@@ -5879,8 +6213,53 @@
           <a:p>
             <a:r>
               <a:rPr lang="en-US" dirty="0"/>
-              <a:t>First Architecture Example:  Lets analyze the Java </a:t>
-            </a:r>
+              <a:t>A word about the technologies we will be using</a:t>
+            </a:r>
+          </a:p>
+        </p:txBody>
+      </p:sp>
+      <p:sp>
+        <p:nvSpPr>
+          <p:cNvPr id="3" name="Content Placeholder 2">
+            <a:extLst>
+              <a:ext uri="{FF2B5EF4-FFF2-40B4-BE49-F238E27FC236}">
+                <a16:creationId xmlns:a16="http://schemas.microsoft.com/office/drawing/2014/main" id="{9CCA84F8-E541-4412-99AB-BEF5FB52AB63}"/>
+              </a:ext>
+            </a:extLst>
+          </p:cNvPr>
+          <p:cNvSpPr>
+            <a:spLocks noGrp="1"/>
+          </p:cNvSpPr>
+          <p:nvPr>
+            <p:ph idx="1"/>
+          </p:nvPr>
+        </p:nvSpPr>
+        <p:spPr/>
+        <p:txBody>
+          <a:bodyPr>
+            <a:normAutofit/>
+          </a:bodyPr>
+          <a:lstStyle/>
+          <a:p>
+            <a:r>
+              <a:rPr lang="en-US" dirty="0"/>
+              <a:t>We will be using modern technologies to demonstrate modern software architecture toolchains and implementation patterns</a:t>
+            </a:r>
+          </a:p>
+          <a:p>
+            <a:r>
+              <a:rPr lang="en-US" dirty="0"/>
+              <a:t>I will allow students to program in Java, but I will not be using Java in this class</a:t>
+            </a:r>
+          </a:p>
+          <a:p>
+            <a:r>
+              <a:rPr lang="en-US" dirty="0"/>
+              <a:t>My views about why its time to move away from Java for modern software engineering</a:t>
+            </a:r>
+          </a:p>
+          <a:p>
+            <a:endParaRPr lang="en-US" dirty="0"/>
           </a:p>
         </p:txBody>
       </p:sp>
@@ -5913,416 +6292,40 @@
           </a:p>
         </p:txBody>
       </p:sp>
-      <p:pic>
-        <p:nvPicPr>
-          <p:cNvPr id="4098" name="Picture 2" descr="US Department of Homeland Security advises disabling Java following fresh  zero-day vulnerability - The Verge">
-            <a:extLst>
-              <a:ext uri="{FF2B5EF4-FFF2-40B4-BE49-F238E27FC236}">
-                <a16:creationId xmlns:a16="http://schemas.microsoft.com/office/drawing/2014/main" id="{CFB89BE9-98D0-314A-B417-39E6DA16F0E9}"/>
-              </a:ext>
-            </a:extLst>
-          </p:cNvPr>
-          <p:cNvPicPr>
-            <a:picLocks noChangeAspect="1" noChangeArrowheads="1"/>
-          </p:cNvPicPr>
+      <p:sp>
+        <p:nvSpPr>
+          <p:cNvPr id="5" name="Rectangle 4">
+            <a:extLst>
+              <a:ext uri="{FF2B5EF4-FFF2-40B4-BE49-F238E27FC236}">
+                <a16:creationId xmlns:a16="http://schemas.microsoft.com/office/drawing/2014/main" id="{71A635B9-A30A-0945-A375-A406FFD598DF}"/>
+              </a:ext>
+            </a:extLst>
+          </p:cNvPr>
+          <p:cNvSpPr/>
           <p:nvPr/>
-        </p:nvPicPr>
-        <p:blipFill>
-          <a:blip r:embed="rId3">
-            <a:extLst>
-              <a:ext uri="{28A0092B-C50C-407E-A947-70E740481C1C}">
-                <a14:useLocalDpi xmlns:a14="http://schemas.microsoft.com/office/drawing/2010/main" val="0"/>
-              </a:ext>
-            </a:extLst>
-          </a:blip>
-          <a:srcRect/>
-          <a:stretch>
-            <a:fillRect/>
-          </a:stretch>
-        </p:blipFill>
-        <p:spPr bwMode="auto">
-          <a:xfrm>
-            <a:off x="0" y="1259272"/>
-            <a:ext cx="2413416" cy="1807732"/>
+        </p:nvSpPr>
+        <p:spPr>
+          <a:xfrm>
+            <a:off x="1103372" y="5161750"/>
+            <a:ext cx="9985255" cy="830997"/>
           </a:xfrm>
           <a:prstGeom prst="rect">
             <a:avLst/>
           </a:prstGeom>
-          <a:noFill/>
-          <a:extLst>
-            <a:ext uri="{909E8E84-426E-40DD-AFC4-6F175D3DCCD1}">
-              <a14:hiddenFill xmlns:a14="http://schemas.microsoft.com/office/drawing/2010/main">
-                <a:solidFill>
-                  <a:srgbClr val="FFFFFF"/>
-                </a:solidFill>
-              </a14:hiddenFill>
-            </a:ext>
-          </a:extLst>
-        </p:spPr>
-      </p:pic>
-      <p:sp>
-        <p:nvSpPr>
-          <p:cNvPr id="13" name="TextBox 12">
-            <a:extLst>
-              <a:ext uri="{FF2B5EF4-FFF2-40B4-BE49-F238E27FC236}">
-                <a16:creationId xmlns:a16="http://schemas.microsoft.com/office/drawing/2014/main" id="{42E8FFD1-3214-F34B-AEFC-A82AE5215178}"/>
-              </a:ext>
-            </a:extLst>
-          </p:cNvPr>
-          <p:cNvSpPr txBox="1"/>
-          <p:nvPr/>
-        </p:nvSpPr>
-        <p:spPr>
-          <a:xfrm>
-            <a:off x="2413416" y="1425814"/>
-            <a:ext cx="3515771" cy="461665"/>
-          </a:xfrm>
-          <a:prstGeom prst="rect">
-            <a:avLst/>
-          </a:prstGeom>
-          <a:noFill/>
-        </p:spPr>
-        <p:txBody>
-          <a:bodyPr wrap="none" rtlCol="0">
+        </p:spPr>
+        <p:txBody>
+          <a:bodyPr wrap="square">
             <a:spAutoFit/>
           </a:bodyPr>
           <a:lstStyle/>
           <a:p>
-            <a:r>
-              <a:rPr lang="en-US" sz="2400" dirty="0"/>
-              <a:t>Java first appeared in 1995</a:t>
-            </a:r>
-          </a:p>
-        </p:txBody>
-      </p:sp>
-      <p:sp>
-        <p:nvSpPr>
-          <p:cNvPr id="15" name="TextBox 14">
-            <a:extLst>
-              <a:ext uri="{FF2B5EF4-FFF2-40B4-BE49-F238E27FC236}">
-                <a16:creationId xmlns:a16="http://schemas.microsoft.com/office/drawing/2014/main" id="{06605702-C925-E24C-880E-E3805AA082EA}"/>
-              </a:ext>
-            </a:extLst>
-          </p:cNvPr>
-          <p:cNvSpPr txBox="1"/>
-          <p:nvPr/>
-        </p:nvSpPr>
-        <p:spPr>
-          <a:xfrm>
-            <a:off x="2422499" y="1794476"/>
-            <a:ext cx="9229065" cy="461665"/>
-          </a:xfrm>
-          <a:prstGeom prst="rect">
-            <a:avLst/>
-          </a:prstGeom>
-          <a:noFill/>
-        </p:spPr>
-        <p:txBody>
-          <a:bodyPr wrap="none" rtlCol="0">
-            <a:spAutoFit/>
-          </a:bodyPr>
-          <a:lstStyle/>
-          <a:p>
-            <a:r>
-              <a:rPr lang="en-US" sz="2400" dirty="0"/>
-              <a:t>Objective:  Improve on scale, simplicity, portability over things like C/C++</a:t>
-            </a:r>
-          </a:p>
-        </p:txBody>
-      </p:sp>
-      <p:sp>
-        <p:nvSpPr>
-          <p:cNvPr id="16" name="TextBox 15">
-            <a:extLst>
-              <a:ext uri="{FF2B5EF4-FFF2-40B4-BE49-F238E27FC236}">
-                <a16:creationId xmlns:a16="http://schemas.microsoft.com/office/drawing/2014/main" id="{D5CA3536-26C8-3C48-9597-8C992888E8A3}"/>
-              </a:ext>
-            </a:extLst>
-          </p:cNvPr>
-          <p:cNvSpPr txBox="1"/>
-          <p:nvPr/>
-        </p:nvSpPr>
-        <p:spPr>
-          <a:xfrm>
-            <a:off x="2431582" y="2163138"/>
-            <a:ext cx="5698868" cy="461665"/>
-          </a:xfrm>
-          <a:prstGeom prst="rect">
-            <a:avLst/>
-          </a:prstGeom>
-          <a:noFill/>
-        </p:spPr>
-        <p:txBody>
-          <a:bodyPr wrap="none" rtlCol="0">
-            <a:spAutoFit/>
-          </a:bodyPr>
-          <a:lstStyle/>
-          <a:p>
-            <a:r>
-              <a:rPr lang="en-US" sz="2400" dirty="0"/>
-              <a:t>Obsessive focus on Backwards Compatibility</a:t>
-            </a:r>
-          </a:p>
-        </p:txBody>
-      </p:sp>
-      <p:sp>
-        <p:nvSpPr>
-          <p:cNvPr id="17" name="TextBox 16">
-            <a:extLst>
-              <a:ext uri="{FF2B5EF4-FFF2-40B4-BE49-F238E27FC236}">
-                <a16:creationId xmlns:a16="http://schemas.microsoft.com/office/drawing/2014/main" id="{A8F87C52-7C0B-C84A-87E2-D1A2E905EFD1}"/>
-              </a:ext>
-            </a:extLst>
-          </p:cNvPr>
-          <p:cNvSpPr txBox="1"/>
-          <p:nvPr/>
-        </p:nvSpPr>
-        <p:spPr>
-          <a:xfrm>
-            <a:off x="2440665" y="2562287"/>
-            <a:ext cx="7556941" cy="461665"/>
-          </a:xfrm>
-          <a:prstGeom prst="rect">
-            <a:avLst/>
-          </a:prstGeom>
-          <a:noFill/>
-        </p:spPr>
-        <p:txBody>
-          <a:bodyPr wrap="none" rtlCol="0">
-            <a:spAutoFit/>
-          </a:bodyPr>
-          <a:lstStyle/>
-          <a:p>
-            <a:r>
-              <a:rPr lang="en-US" sz="2400" dirty="0"/>
-              <a:t>Implementing “best of class” support for object orientation</a:t>
-            </a:r>
-          </a:p>
-        </p:txBody>
-      </p:sp>
-      <p:pic>
-        <p:nvPicPr>
-          <p:cNvPr id="4100" name="Picture 4" descr="ProSyst mBS SDK 8.2: Overview">
-            <a:extLst>
-              <a:ext uri="{FF2B5EF4-FFF2-40B4-BE49-F238E27FC236}">
-                <a16:creationId xmlns:a16="http://schemas.microsoft.com/office/drawing/2014/main" id="{A1F805B8-A7E1-2C4D-B64F-EE3E36E2D5F5}"/>
-              </a:ext>
-            </a:extLst>
-          </p:cNvPr>
-          <p:cNvPicPr>
-            <a:picLocks noChangeAspect="1" noChangeArrowheads="1"/>
-          </p:cNvPicPr>
-          <p:nvPr/>
-        </p:nvPicPr>
-        <p:blipFill>
-          <a:blip r:embed="rId4">
-            <a:extLst>
-              <a:ext uri="{28A0092B-C50C-407E-A947-70E740481C1C}">
-                <a14:useLocalDpi xmlns:a14="http://schemas.microsoft.com/office/drawing/2010/main" val="0"/>
-              </a:ext>
-            </a:extLst>
-          </a:blip>
-          <a:srcRect/>
-          <a:stretch>
-            <a:fillRect/>
-          </a:stretch>
-        </p:blipFill>
-        <p:spPr bwMode="auto">
-          <a:xfrm>
-            <a:off x="439214" y="4035326"/>
-            <a:ext cx="1868613" cy="1401460"/>
-          </a:xfrm>
-          <a:prstGeom prst="rect">
-            <a:avLst/>
-          </a:prstGeom>
-          <a:noFill/>
-          <a:extLst>
-            <a:ext uri="{909E8E84-426E-40DD-AFC4-6F175D3DCCD1}">
-              <a14:hiddenFill xmlns:a14="http://schemas.microsoft.com/office/drawing/2010/main">
-                <a:solidFill>
-                  <a:srgbClr val="FFFFFF"/>
-                </a:solidFill>
-              </a14:hiddenFill>
-            </a:ext>
-          </a:extLst>
-        </p:spPr>
-      </p:pic>
-      <p:sp>
-        <p:nvSpPr>
-          <p:cNvPr id="19" name="TextBox 18">
-            <a:extLst>
-              <a:ext uri="{FF2B5EF4-FFF2-40B4-BE49-F238E27FC236}">
-                <a16:creationId xmlns:a16="http://schemas.microsoft.com/office/drawing/2014/main" id="{E5B6B1AC-F3B6-F94E-B39D-5478000642EF}"/>
-              </a:ext>
-            </a:extLst>
-          </p:cNvPr>
-          <p:cNvSpPr txBox="1"/>
-          <p:nvPr/>
-        </p:nvSpPr>
-        <p:spPr>
-          <a:xfrm>
-            <a:off x="2580228" y="3572630"/>
-            <a:ext cx="9366933" cy="830997"/>
-          </a:xfrm>
-          <a:prstGeom prst="rect">
-            <a:avLst/>
-          </a:prstGeom>
-          <a:noFill/>
-        </p:spPr>
-        <p:txBody>
-          <a:bodyPr wrap="square" rtlCol="0">
-            <a:spAutoFit/>
-          </a:bodyPr>
-          <a:lstStyle/>
-          <a:p>
-            <a:r>
-              <a:rPr lang="en-US" sz="2400" dirty="0"/>
-              <a:t>The Java Virtual Machine is one of the most impressive pieces of software ever developed</a:t>
-            </a:r>
-          </a:p>
-        </p:txBody>
-      </p:sp>
-      <p:sp>
-        <p:nvSpPr>
-          <p:cNvPr id="20" name="TextBox 19">
-            <a:extLst>
-              <a:ext uri="{FF2B5EF4-FFF2-40B4-BE49-F238E27FC236}">
-                <a16:creationId xmlns:a16="http://schemas.microsoft.com/office/drawing/2014/main" id="{4736C84F-A13F-9643-A97F-AC902FAA6596}"/>
-              </a:ext>
-            </a:extLst>
-          </p:cNvPr>
-          <p:cNvSpPr txBox="1"/>
-          <p:nvPr/>
-        </p:nvSpPr>
-        <p:spPr>
-          <a:xfrm>
-            <a:off x="2607478" y="4369109"/>
-            <a:ext cx="9366933" cy="461665"/>
-          </a:xfrm>
-          <a:prstGeom prst="rect">
-            <a:avLst/>
-          </a:prstGeom>
-          <a:noFill/>
-        </p:spPr>
-        <p:txBody>
-          <a:bodyPr wrap="square" rtlCol="0">
-            <a:spAutoFit/>
-          </a:bodyPr>
-          <a:lstStyle/>
-          <a:p>
-            <a:r>
-              <a:rPr lang="en-US" sz="2400" dirty="0"/>
-              <a:t>Provides an isolated sandbox for running applications</a:t>
-            </a:r>
-          </a:p>
-        </p:txBody>
-      </p:sp>
-      <p:sp>
-        <p:nvSpPr>
-          <p:cNvPr id="21" name="TextBox 20">
-            <a:extLst>
-              <a:ext uri="{FF2B5EF4-FFF2-40B4-BE49-F238E27FC236}">
-                <a16:creationId xmlns:a16="http://schemas.microsoft.com/office/drawing/2014/main" id="{D9F4EEAA-6B96-C246-A37B-05510B4ED406}"/>
-              </a:ext>
-            </a:extLst>
-          </p:cNvPr>
-          <p:cNvSpPr txBox="1"/>
-          <p:nvPr/>
-        </p:nvSpPr>
-        <p:spPr>
-          <a:xfrm>
-            <a:off x="2607478" y="4784552"/>
-            <a:ext cx="9366933" cy="461665"/>
-          </a:xfrm>
-          <a:prstGeom prst="rect">
-            <a:avLst/>
-          </a:prstGeom>
-          <a:noFill/>
-        </p:spPr>
-        <p:txBody>
-          <a:bodyPr wrap="square" rtlCol="0">
-            <a:spAutoFit/>
-          </a:bodyPr>
-          <a:lstStyle/>
-          <a:p>
-            <a:r>
-              <a:rPr lang="en-US" sz="2400" dirty="0"/>
-              <a:t>Provides a portable runtime for multiple architectures</a:t>
-            </a:r>
-          </a:p>
-        </p:txBody>
-      </p:sp>
-      <p:sp>
-        <p:nvSpPr>
-          <p:cNvPr id="22" name="TextBox 21">
-            <a:extLst>
-              <a:ext uri="{FF2B5EF4-FFF2-40B4-BE49-F238E27FC236}">
-                <a16:creationId xmlns:a16="http://schemas.microsoft.com/office/drawing/2014/main" id="{83FA55C5-3EC9-694F-BF9D-B85FF70695B5}"/>
-              </a:ext>
-            </a:extLst>
-          </p:cNvPr>
-          <p:cNvSpPr txBox="1"/>
-          <p:nvPr/>
-        </p:nvSpPr>
-        <p:spPr>
-          <a:xfrm>
-            <a:off x="2607478" y="5199995"/>
-            <a:ext cx="9366933" cy="461665"/>
-          </a:xfrm>
-          <a:prstGeom prst="rect">
-            <a:avLst/>
-          </a:prstGeom>
-          <a:noFill/>
-        </p:spPr>
-        <p:txBody>
-          <a:bodyPr wrap="square" rtlCol="0">
-            <a:spAutoFit/>
-          </a:bodyPr>
-          <a:lstStyle/>
-          <a:p>
-            <a:r>
-              <a:rPr lang="en-US" sz="2400" dirty="0"/>
-              <a:t>Over the years has achieved near native performance</a:t>
-            </a:r>
-          </a:p>
-        </p:txBody>
-      </p:sp>
-      <p:sp>
-        <p:nvSpPr>
-          <p:cNvPr id="23" name="TextBox 22">
-            <a:extLst>
-              <a:ext uri="{FF2B5EF4-FFF2-40B4-BE49-F238E27FC236}">
-                <a16:creationId xmlns:a16="http://schemas.microsoft.com/office/drawing/2014/main" id="{6F40C096-921B-E544-8967-35C0E2E66C3A}"/>
-              </a:ext>
-            </a:extLst>
-          </p:cNvPr>
-          <p:cNvSpPr txBox="1"/>
-          <p:nvPr/>
-        </p:nvSpPr>
-        <p:spPr>
-          <a:xfrm>
-            <a:off x="1373520" y="5943443"/>
-            <a:ext cx="9366933" cy="461665"/>
-          </a:xfrm>
-          <a:prstGeom prst="rect">
-            <a:avLst/>
-          </a:prstGeom>
-          <a:noFill/>
-        </p:spPr>
-        <p:txBody>
-          <a:bodyPr wrap="square" rtlCol="0">
-            <a:spAutoFit/>
-          </a:bodyPr>
-          <a:lstStyle/>
-          <a:p>
-            <a:pPr algn="ctr"/>
             <a:r>
               <a:rPr lang="en-US" sz="2400" b="1" dirty="0">
                 <a:solidFill>
                   <a:srgbClr val="7030A0"/>
                 </a:solidFill>
               </a:rPr>
-              <a:t>ON THE SURFACE PRETTY AWESOME – WHAT DO YOU THINK?</a:t>
+              <a:t>LETS USE THIS AS AN EXAMPLE DEMONSTRATING WHAT AN ARCHITECT DOES AND WHAT YOU SHOULD BE ABLE TO DO AFTER TAKING THIS CLASS</a:t>
             </a:r>
           </a:p>
         </p:txBody>
@@ -6330,7 +6333,7 @@
     </p:spTree>
     <p:extLst>
       <p:ext uri="{BB962C8B-B14F-4D97-AF65-F5344CB8AC3E}">
-        <p14:creationId xmlns:p14="http://schemas.microsoft.com/office/powerpoint/2010/main" val="1826167041"/>
+        <p14:creationId xmlns:p14="http://schemas.microsoft.com/office/powerpoint/2010/main" val="1266875325"/>
       </p:ext>
     </p:extLst>
   </p:cSld>
@@ -6362,6 +6365,1121 @@
           <p:cNvPr id="2" name="Title 1">
             <a:extLst>
               <a:ext uri="{FF2B5EF4-FFF2-40B4-BE49-F238E27FC236}">
+                <a16:creationId xmlns:a16="http://schemas.microsoft.com/office/drawing/2014/main" id="{8F29ACB7-3B63-49E7-96D7-15DA3109CDE5}"/>
+              </a:ext>
+            </a:extLst>
+          </p:cNvPr>
+          <p:cNvSpPr>
+            <a:spLocks noGrp="1"/>
+          </p:cNvSpPr>
+          <p:nvPr>
+            <p:ph type="title"/>
+          </p:nvPr>
+        </p:nvSpPr>
+        <p:spPr>
+          <a:xfrm>
+            <a:off x="39223" y="1969"/>
+            <a:ext cx="11617377" cy="1325563"/>
+          </a:xfrm>
+        </p:spPr>
+        <p:txBody>
+          <a:bodyPr/>
+          <a:lstStyle/>
+          <a:p>
+            <a:r>
+              <a:rPr lang="en-US" b="1" dirty="0"/>
+              <a:t>Our first software architecture example</a:t>
+            </a:r>
+          </a:p>
+        </p:txBody>
+      </p:sp>
+      <p:sp>
+        <p:nvSpPr>
+          <p:cNvPr id="4" name="Slide Number Placeholder 3">
+            <a:extLst>
+              <a:ext uri="{FF2B5EF4-FFF2-40B4-BE49-F238E27FC236}">
+                <a16:creationId xmlns:a16="http://schemas.microsoft.com/office/drawing/2014/main" id="{542EAC42-38A0-4516-814B-016A18951906}"/>
+              </a:ext>
+            </a:extLst>
+          </p:cNvPr>
+          <p:cNvSpPr>
+            <a:spLocks noGrp="1"/>
+          </p:cNvSpPr>
+          <p:nvPr>
+            <p:ph type="sldNum" sz="quarter" idx="12"/>
+          </p:nvPr>
+        </p:nvSpPr>
+        <p:spPr>
+          <a:xfrm>
+            <a:off x="8610600" y="6114304"/>
+            <a:ext cx="2743200" cy="365125"/>
+          </a:xfrm>
+        </p:spPr>
+        <p:txBody>
+          <a:bodyPr/>
+          <a:lstStyle/>
+          <a:p>
+            <a:fld id="{69E57DC2-970A-4B3E-BB1C-7A09969E49DF}" type="slidenum">
+              <a:rPr lang="en-US" smtClean="0"/>
+              <a:t>17</a:t>
+            </a:fld>
+            <a:endParaRPr lang="en-US" dirty="0"/>
+          </a:p>
+        </p:txBody>
+      </p:sp>
+      <p:sp>
+        <p:nvSpPr>
+          <p:cNvPr id="8" name="Rectangle 7">
+            <a:extLst>
+              <a:ext uri="{FF2B5EF4-FFF2-40B4-BE49-F238E27FC236}">
+                <a16:creationId xmlns:a16="http://schemas.microsoft.com/office/drawing/2014/main" id="{DD4ACB9B-1C25-5B41-B459-1A6DC067AC89}"/>
+              </a:ext>
+            </a:extLst>
+          </p:cNvPr>
+          <p:cNvSpPr/>
+          <p:nvPr/>
+        </p:nvSpPr>
+        <p:spPr>
+          <a:xfrm>
+            <a:off x="416859" y="5777976"/>
+            <a:ext cx="9985255" cy="830997"/>
+          </a:xfrm>
+          <a:prstGeom prst="rect">
+            <a:avLst/>
+          </a:prstGeom>
+        </p:spPr>
+        <p:txBody>
+          <a:bodyPr wrap="square">
+            <a:spAutoFit/>
+          </a:bodyPr>
+          <a:lstStyle/>
+          <a:p>
+            <a:r>
+              <a:rPr lang="en-US" sz="2400" dirty="0"/>
+              <a:t>Lets examine this from an architects viewpoint – We will learn later that this can be articulated as an architecture decision record (ADR)</a:t>
+            </a:r>
+          </a:p>
+        </p:txBody>
+      </p:sp>
+      <p:sp>
+        <p:nvSpPr>
+          <p:cNvPr id="3" name="TextBox 2">
+            <a:extLst>
+              <a:ext uri="{FF2B5EF4-FFF2-40B4-BE49-F238E27FC236}">
+                <a16:creationId xmlns:a16="http://schemas.microsoft.com/office/drawing/2014/main" id="{A8E9695D-B400-D546-AEEE-F126D77C8632}"/>
+              </a:ext>
+            </a:extLst>
+          </p:cNvPr>
+          <p:cNvSpPr txBox="1"/>
+          <p:nvPr/>
+        </p:nvSpPr>
+        <p:spPr>
+          <a:xfrm>
+            <a:off x="685799" y="956791"/>
+            <a:ext cx="10377713" cy="646331"/>
+          </a:xfrm>
+          <a:prstGeom prst="rect">
+            <a:avLst/>
+          </a:prstGeom>
+          <a:noFill/>
+        </p:spPr>
+        <p:txBody>
+          <a:bodyPr wrap="none" rtlCol="0">
+            <a:spAutoFit/>
+          </a:bodyPr>
+          <a:lstStyle/>
+          <a:p>
+            <a:r>
+              <a:rPr lang="en-US" dirty="0"/>
+              <a:t>Architecture Guidance:  For most new modern development the overall JVM ecosystem should be avoided, if</a:t>
+            </a:r>
+            <a:br>
+              <a:rPr lang="en-US" dirty="0"/>
+            </a:br>
+            <a:r>
+              <a:rPr lang="en-US" dirty="0"/>
+              <a:t>the criteria for acceptable use of the JVM ecosystem are met, then:  </a:t>
+            </a:r>
+          </a:p>
+        </p:txBody>
+      </p:sp>
+      <p:sp>
+        <p:nvSpPr>
+          <p:cNvPr id="9" name="TextBox 8">
+            <a:extLst>
+              <a:ext uri="{FF2B5EF4-FFF2-40B4-BE49-F238E27FC236}">
+                <a16:creationId xmlns:a16="http://schemas.microsoft.com/office/drawing/2014/main" id="{4176AAE0-05AC-1E42-ACEE-F3B485D73848}"/>
+              </a:ext>
+            </a:extLst>
+          </p:cNvPr>
+          <p:cNvSpPr txBox="1"/>
+          <p:nvPr/>
+        </p:nvSpPr>
+        <p:spPr>
+          <a:xfrm>
+            <a:off x="685799" y="1609740"/>
+            <a:ext cx="10212989" cy="646331"/>
+          </a:xfrm>
+          <a:prstGeom prst="rect">
+            <a:avLst/>
+          </a:prstGeom>
+          <a:noFill/>
+        </p:spPr>
+        <p:txBody>
+          <a:bodyPr wrap="none" rtlCol="0">
+            <a:spAutoFit/>
+          </a:bodyPr>
+          <a:lstStyle/>
+          <a:p>
+            <a:r>
+              <a:rPr lang="en-US" dirty="0"/>
+              <a:t>Existing Java code bases can continue to be developed and extended in Java – significant new development</a:t>
+            </a:r>
+            <a:br>
+              <a:rPr lang="en-US" dirty="0"/>
+            </a:br>
+            <a:r>
+              <a:rPr lang="en-US" dirty="0"/>
+              <a:t>or enhancements to these systems should consider moving over to Kotlin. </a:t>
+            </a:r>
+          </a:p>
+        </p:txBody>
+      </p:sp>
+      <p:sp>
+        <p:nvSpPr>
+          <p:cNvPr id="10" name="Rectangle 9">
+            <a:extLst>
+              <a:ext uri="{FF2B5EF4-FFF2-40B4-BE49-F238E27FC236}">
+                <a16:creationId xmlns:a16="http://schemas.microsoft.com/office/drawing/2014/main" id="{9BD9C7B9-71E4-E547-A76A-108DE13B69CB}"/>
+              </a:ext>
+            </a:extLst>
+          </p:cNvPr>
+          <p:cNvSpPr/>
+          <p:nvPr/>
+        </p:nvSpPr>
+        <p:spPr>
+          <a:xfrm>
+            <a:off x="1842246" y="2385676"/>
+            <a:ext cx="3363686" cy="3392300"/>
+          </a:xfrm>
+          <a:prstGeom prst="rect">
+            <a:avLst/>
+          </a:prstGeom>
+        </p:spPr>
+        <p:style>
+          <a:lnRef idx="2">
+            <a:schemeClr val="accent1">
+              <a:shade val="50000"/>
+            </a:schemeClr>
+          </a:lnRef>
+          <a:fillRef idx="1">
+            <a:schemeClr val="accent1"/>
+          </a:fillRef>
+          <a:effectRef idx="0">
+            <a:schemeClr val="accent1"/>
+          </a:effectRef>
+          <a:fontRef idx="minor">
+            <a:schemeClr val="lt1"/>
+          </a:fontRef>
+        </p:style>
+        <p:txBody>
+          <a:bodyPr rtlCol="0" anchor="t" anchorCtr="0"/>
+          <a:lstStyle/>
+          <a:p>
+            <a:pPr algn="ctr"/>
+            <a:r>
+              <a:rPr lang="en-US" dirty="0"/>
+              <a:t>Java Virtual Machine</a:t>
+            </a:r>
+          </a:p>
+        </p:txBody>
+      </p:sp>
+      <p:sp>
+        <p:nvSpPr>
+          <p:cNvPr id="11" name="Rectangle 10">
+            <a:extLst>
+              <a:ext uri="{FF2B5EF4-FFF2-40B4-BE49-F238E27FC236}">
+                <a16:creationId xmlns:a16="http://schemas.microsoft.com/office/drawing/2014/main" id="{205B166A-0CA3-B94D-BB46-6BD69D40F672}"/>
+              </a:ext>
+            </a:extLst>
+          </p:cNvPr>
+          <p:cNvSpPr/>
+          <p:nvPr/>
+        </p:nvSpPr>
+        <p:spPr>
+          <a:xfrm>
+            <a:off x="2033192" y="2866974"/>
+            <a:ext cx="3062794" cy="578865"/>
+          </a:xfrm>
+          <a:prstGeom prst="rect">
+            <a:avLst/>
+          </a:prstGeom>
+          <a:solidFill>
+            <a:schemeClr val="bg1"/>
+          </a:solidFill>
+        </p:spPr>
+        <p:style>
+          <a:lnRef idx="2">
+            <a:schemeClr val="accent1">
+              <a:shade val="50000"/>
+            </a:schemeClr>
+          </a:lnRef>
+          <a:fillRef idx="1">
+            <a:schemeClr val="accent1"/>
+          </a:fillRef>
+          <a:effectRef idx="0">
+            <a:schemeClr val="accent1"/>
+          </a:effectRef>
+          <a:fontRef idx="minor">
+            <a:schemeClr val="lt1"/>
+          </a:fontRef>
+        </p:style>
+        <p:txBody>
+          <a:bodyPr rtlCol="0" anchor="ctr" anchorCtr="0"/>
+          <a:lstStyle/>
+          <a:p>
+            <a:pPr algn="ctr"/>
+            <a:r>
+              <a:rPr lang="en-US" sz="2000" dirty="0">
+                <a:solidFill>
+                  <a:schemeClr val="tx1"/>
+                </a:solidFill>
+              </a:rPr>
+              <a:t>JVM Runtime</a:t>
+            </a:r>
+          </a:p>
+        </p:txBody>
+      </p:sp>
+      <p:sp>
+        <p:nvSpPr>
+          <p:cNvPr id="13" name="Rectangle 12">
+            <a:extLst>
+              <a:ext uri="{FF2B5EF4-FFF2-40B4-BE49-F238E27FC236}">
+                <a16:creationId xmlns:a16="http://schemas.microsoft.com/office/drawing/2014/main" id="{ED060E6C-A3BF-BC43-B127-1BE057D424A1}"/>
+              </a:ext>
+            </a:extLst>
+          </p:cNvPr>
+          <p:cNvSpPr/>
+          <p:nvPr/>
+        </p:nvSpPr>
+        <p:spPr>
+          <a:xfrm>
+            <a:off x="2033191" y="4258604"/>
+            <a:ext cx="3062796" cy="1262102"/>
+          </a:xfrm>
+          <a:prstGeom prst="rect">
+            <a:avLst/>
+          </a:prstGeom>
+          <a:solidFill>
+            <a:schemeClr val="bg1"/>
+          </a:solidFill>
+        </p:spPr>
+        <p:style>
+          <a:lnRef idx="2">
+            <a:schemeClr val="accent1">
+              <a:shade val="50000"/>
+            </a:schemeClr>
+          </a:lnRef>
+          <a:fillRef idx="1">
+            <a:schemeClr val="accent1"/>
+          </a:fillRef>
+          <a:effectRef idx="0">
+            <a:schemeClr val="accent1"/>
+          </a:effectRef>
+          <a:fontRef idx="minor">
+            <a:schemeClr val="lt1"/>
+          </a:fontRef>
+        </p:style>
+        <p:txBody>
+          <a:bodyPr rtlCol="0" anchor="t" anchorCtr="0"/>
+          <a:lstStyle/>
+          <a:p>
+            <a:pPr algn="ctr"/>
+            <a:r>
+              <a:rPr lang="en-US" sz="2000" dirty="0">
+                <a:solidFill>
+                  <a:schemeClr val="tx1"/>
+                </a:solidFill>
+              </a:rPr>
+              <a:t>JVM Languages</a:t>
+            </a:r>
+          </a:p>
+        </p:txBody>
+      </p:sp>
+      <p:sp>
+        <p:nvSpPr>
+          <p:cNvPr id="14" name="Rectangle 13">
+            <a:extLst>
+              <a:ext uri="{FF2B5EF4-FFF2-40B4-BE49-F238E27FC236}">
+                <a16:creationId xmlns:a16="http://schemas.microsoft.com/office/drawing/2014/main" id="{7E9A82FA-FCB0-6940-983C-DDC4CEE6090A}"/>
+              </a:ext>
+            </a:extLst>
+          </p:cNvPr>
+          <p:cNvSpPr/>
+          <p:nvPr/>
+        </p:nvSpPr>
+        <p:spPr>
+          <a:xfrm>
+            <a:off x="2258427" y="4749150"/>
+            <a:ext cx="1156008" cy="578865"/>
+          </a:xfrm>
+          <a:prstGeom prst="rect">
+            <a:avLst/>
+          </a:prstGeom>
+          <a:solidFill>
+            <a:schemeClr val="accent6">
+              <a:lumMod val="20000"/>
+              <a:lumOff val="80000"/>
+            </a:schemeClr>
+          </a:solidFill>
+        </p:spPr>
+        <p:style>
+          <a:lnRef idx="2">
+            <a:schemeClr val="accent1">
+              <a:shade val="50000"/>
+            </a:schemeClr>
+          </a:lnRef>
+          <a:fillRef idx="1">
+            <a:schemeClr val="accent1"/>
+          </a:fillRef>
+          <a:effectRef idx="0">
+            <a:schemeClr val="accent1"/>
+          </a:effectRef>
+          <a:fontRef idx="minor">
+            <a:schemeClr val="lt1"/>
+          </a:fontRef>
+        </p:style>
+        <p:txBody>
+          <a:bodyPr rtlCol="0" anchor="ctr" anchorCtr="0"/>
+          <a:lstStyle/>
+          <a:p>
+            <a:pPr algn="ctr"/>
+            <a:r>
+              <a:rPr lang="en-US" sz="2000" dirty="0">
+                <a:solidFill>
+                  <a:schemeClr val="tx1"/>
+                </a:solidFill>
+              </a:rPr>
+              <a:t>JAVA</a:t>
+            </a:r>
+          </a:p>
+        </p:txBody>
+      </p:sp>
+      <p:sp>
+        <p:nvSpPr>
+          <p:cNvPr id="16" name="Rectangle 15">
+            <a:extLst>
+              <a:ext uri="{FF2B5EF4-FFF2-40B4-BE49-F238E27FC236}">
+                <a16:creationId xmlns:a16="http://schemas.microsoft.com/office/drawing/2014/main" id="{ED117790-0FD8-6042-9467-EE77BE5944FF}"/>
+              </a:ext>
+            </a:extLst>
+          </p:cNvPr>
+          <p:cNvSpPr/>
+          <p:nvPr/>
+        </p:nvSpPr>
+        <p:spPr>
+          <a:xfrm>
+            <a:off x="2033192" y="3568039"/>
+            <a:ext cx="3062794" cy="578865"/>
+          </a:xfrm>
+          <a:prstGeom prst="rect">
+            <a:avLst/>
+          </a:prstGeom>
+          <a:solidFill>
+            <a:schemeClr val="bg1"/>
+          </a:solidFill>
+        </p:spPr>
+        <p:style>
+          <a:lnRef idx="2">
+            <a:schemeClr val="accent1">
+              <a:shade val="50000"/>
+            </a:schemeClr>
+          </a:lnRef>
+          <a:fillRef idx="1">
+            <a:schemeClr val="accent1"/>
+          </a:fillRef>
+          <a:effectRef idx="0">
+            <a:schemeClr val="accent1"/>
+          </a:effectRef>
+          <a:fontRef idx="minor">
+            <a:schemeClr val="lt1"/>
+          </a:fontRef>
+        </p:style>
+        <p:txBody>
+          <a:bodyPr rtlCol="0" anchor="ctr" anchorCtr="0"/>
+          <a:lstStyle/>
+          <a:p>
+            <a:pPr algn="ctr"/>
+            <a:r>
+              <a:rPr lang="en-US" sz="2000" dirty="0">
+                <a:solidFill>
+                  <a:schemeClr val="tx1"/>
+                </a:solidFill>
+              </a:rPr>
+              <a:t>JVM Ecosystem</a:t>
+            </a:r>
+          </a:p>
+        </p:txBody>
+      </p:sp>
+      <p:sp>
+        <p:nvSpPr>
+          <p:cNvPr id="17" name="Rectangle 16">
+            <a:extLst>
+              <a:ext uri="{FF2B5EF4-FFF2-40B4-BE49-F238E27FC236}">
+                <a16:creationId xmlns:a16="http://schemas.microsoft.com/office/drawing/2014/main" id="{EE9AF297-4E1C-D248-94A0-1836ECE0B863}"/>
+              </a:ext>
+            </a:extLst>
+          </p:cNvPr>
+          <p:cNvSpPr/>
+          <p:nvPr/>
+        </p:nvSpPr>
+        <p:spPr>
+          <a:xfrm>
+            <a:off x="3639670" y="4749149"/>
+            <a:ext cx="1231082" cy="578865"/>
+          </a:xfrm>
+          <a:prstGeom prst="rect">
+            <a:avLst/>
+          </a:prstGeom>
+          <a:solidFill>
+            <a:schemeClr val="accent6">
+              <a:lumMod val="20000"/>
+              <a:lumOff val="80000"/>
+            </a:schemeClr>
+          </a:solidFill>
+        </p:spPr>
+        <p:style>
+          <a:lnRef idx="2">
+            <a:schemeClr val="accent1">
+              <a:shade val="50000"/>
+            </a:schemeClr>
+          </a:lnRef>
+          <a:fillRef idx="1">
+            <a:schemeClr val="accent1"/>
+          </a:fillRef>
+          <a:effectRef idx="0">
+            <a:schemeClr val="accent1"/>
+          </a:effectRef>
+          <a:fontRef idx="minor">
+            <a:schemeClr val="lt1"/>
+          </a:fontRef>
+        </p:style>
+        <p:txBody>
+          <a:bodyPr rtlCol="0" anchor="ctr" anchorCtr="0"/>
+          <a:lstStyle/>
+          <a:p>
+            <a:pPr algn="ctr"/>
+            <a:r>
+              <a:rPr lang="en-US" sz="2000" dirty="0">
+                <a:solidFill>
+                  <a:schemeClr val="tx1"/>
+                </a:solidFill>
+              </a:rPr>
+              <a:t>Kotlin</a:t>
+            </a:r>
+          </a:p>
+        </p:txBody>
+      </p:sp>
+      <p:sp>
+        <p:nvSpPr>
+          <p:cNvPr id="5" name="Left Arrow 4">
+            <a:extLst>
+              <a:ext uri="{FF2B5EF4-FFF2-40B4-BE49-F238E27FC236}">
+                <a16:creationId xmlns:a16="http://schemas.microsoft.com/office/drawing/2014/main" id="{4248B435-7061-924E-A126-B40DC2CA0F22}"/>
+              </a:ext>
+            </a:extLst>
+          </p:cNvPr>
+          <p:cNvSpPr/>
+          <p:nvPr/>
+        </p:nvSpPr>
+        <p:spPr>
+          <a:xfrm>
+            <a:off x="5809129" y="2866974"/>
+            <a:ext cx="3957918" cy="2062547"/>
+          </a:xfrm>
+          <a:prstGeom prst="leftArrow">
+            <a:avLst>
+              <a:gd name="adj1" fmla="val 50000"/>
+              <a:gd name="adj2" fmla="val 39866"/>
+            </a:avLst>
+          </a:prstGeom>
+        </p:spPr>
+        <p:style>
+          <a:lnRef idx="2">
+            <a:schemeClr val="accent1">
+              <a:shade val="50000"/>
+            </a:schemeClr>
+          </a:lnRef>
+          <a:fillRef idx="1">
+            <a:schemeClr val="accent1"/>
+          </a:fillRef>
+          <a:effectRef idx="0">
+            <a:schemeClr val="accent1"/>
+          </a:effectRef>
+          <a:fontRef idx="minor">
+            <a:schemeClr val="lt1"/>
+          </a:fontRef>
+        </p:style>
+        <p:txBody>
+          <a:bodyPr rtlCol="0" anchor="ctr"/>
+          <a:lstStyle/>
+          <a:p>
+            <a:pPr algn="ctr"/>
+            <a:r>
+              <a:rPr lang="en-US" sz="2000" b="1" dirty="0"/>
+              <a:t>JVM Ecosystem</a:t>
+            </a:r>
+            <a:br>
+              <a:rPr lang="en-US" sz="2000" b="1" dirty="0"/>
+            </a:br>
+            <a:r>
+              <a:rPr lang="en-US" sz="2000" b="1" dirty="0"/>
+              <a:t>Architecture</a:t>
+            </a:r>
+          </a:p>
+        </p:txBody>
+      </p:sp>
+    </p:spTree>
+    <p:extLst>
+      <p:ext uri="{BB962C8B-B14F-4D97-AF65-F5344CB8AC3E}">
+        <p14:creationId xmlns:p14="http://schemas.microsoft.com/office/powerpoint/2010/main" val="1455515498"/>
+      </p:ext>
+    </p:extLst>
+  </p:cSld>
+  <p:clrMapOvr>
+    <a:masterClrMapping/>
+  </p:clrMapOvr>
+</p:sld>
+</file>
+
+<file path=ppt/slides/slide18.xml><?xml version="1.0" encoding="utf-8"?>
+<p:sld xmlns:a="http://schemas.openxmlformats.org/drawingml/2006/main" xmlns:r="http://schemas.openxmlformats.org/officeDocument/2006/relationships" xmlns:p="http://schemas.openxmlformats.org/presentationml/2006/main">
+  <p:cSld>
+    <p:spTree>
+      <p:nvGrpSpPr>
+        <p:cNvPr id="1" name=""/>
+        <p:cNvGrpSpPr/>
+        <p:nvPr/>
+      </p:nvGrpSpPr>
+      <p:grpSpPr>
+        <a:xfrm>
+          <a:off x="0" y="0"/>
+          <a:ext cx="0" cy="0"/>
+          <a:chOff x="0" y="0"/>
+          <a:chExt cx="0" cy="0"/>
+        </a:xfrm>
+      </p:grpSpPr>
+      <p:sp>
+        <p:nvSpPr>
+          <p:cNvPr id="2" name="Title 1">
+            <a:extLst>
+              <a:ext uri="{FF2B5EF4-FFF2-40B4-BE49-F238E27FC236}">
+                <a16:creationId xmlns:a16="http://schemas.microsoft.com/office/drawing/2014/main" id="{AD4D4935-D8AE-4457-8ECD-E9622C739125}"/>
+              </a:ext>
+            </a:extLst>
+          </p:cNvPr>
+          <p:cNvSpPr>
+            <a:spLocks noGrp="1"/>
+          </p:cNvSpPr>
+          <p:nvPr>
+            <p:ph type="title"/>
+          </p:nvPr>
+        </p:nvSpPr>
+        <p:spPr>
+          <a:xfrm>
+            <a:off x="901051" y="104714"/>
+            <a:ext cx="10917326" cy="1325563"/>
+          </a:xfrm>
+        </p:spPr>
+        <p:txBody>
+          <a:bodyPr/>
+          <a:lstStyle/>
+          <a:p>
+            <a:r>
+              <a:rPr lang="en-US" dirty="0"/>
+              <a:t>First Architecture Example:  Lets analyze the Java </a:t>
+            </a:r>
+          </a:p>
+        </p:txBody>
+      </p:sp>
+      <p:sp>
+        <p:nvSpPr>
+          <p:cNvPr id="4" name="Slide Number Placeholder 3">
+            <a:extLst>
+              <a:ext uri="{FF2B5EF4-FFF2-40B4-BE49-F238E27FC236}">
+                <a16:creationId xmlns:a16="http://schemas.microsoft.com/office/drawing/2014/main" id="{20C5C833-51D4-4016-8613-78309C790EF8}"/>
+              </a:ext>
+            </a:extLst>
+          </p:cNvPr>
+          <p:cNvSpPr>
+            <a:spLocks noGrp="1"/>
+          </p:cNvSpPr>
+          <p:nvPr>
+            <p:ph type="sldNum" sz="quarter" idx="12"/>
+          </p:nvPr>
+        </p:nvSpPr>
+        <p:spPr/>
+        <p:txBody>
+          <a:bodyPr/>
+          <a:lstStyle/>
+          <a:p>
+            <a:fld id="{69E57DC2-970A-4B3E-BB1C-7A09969E49DF}" type="slidenum">
+              <a:rPr lang="en-US" smtClean="0"/>
+              <a:t>18</a:t>
+            </a:fld>
+            <a:endParaRPr lang="en-US" dirty="0"/>
+          </a:p>
+        </p:txBody>
+      </p:sp>
+      <p:pic>
+        <p:nvPicPr>
+          <p:cNvPr id="4098" name="Picture 2" descr="US Department of Homeland Security advises disabling Java following fresh  zero-day vulnerability - The Verge">
+            <a:extLst>
+              <a:ext uri="{FF2B5EF4-FFF2-40B4-BE49-F238E27FC236}">
+                <a16:creationId xmlns:a16="http://schemas.microsoft.com/office/drawing/2014/main" id="{CFB89BE9-98D0-314A-B417-39E6DA16F0E9}"/>
+              </a:ext>
+            </a:extLst>
+          </p:cNvPr>
+          <p:cNvPicPr>
+            <a:picLocks noChangeAspect="1" noChangeArrowheads="1"/>
+          </p:cNvPicPr>
+          <p:nvPr/>
+        </p:nvPicPr>
+        <p:blipFill>
+          <a:blip r:embed="rId3">
+            <a:extLst>
+              <a:ext uri="{28A0092B-C50C-407E-A947-70E740481C1C}">
+                <a14:useLocalDpi xmlns:a14="http://schemas.microsoft.com/office/drawing/2010/main" val="0"/>
+              </a:ext>
+            </a:extLst>
+          </a:blip>
+          <a:srcRect/>
+          <a:stretch>
+            <a:fillRect/>
+          </a:stretch>
+        </p:blipFill>
+        <p:spPr bwMode="auto">
+          <a:xfrm>
+            <a:off x="0" y="1259272"/>
+            <a:ext cx="2413416" cy="1807732"/>
+          </a:xfrm>
+          <a:prstGeom prst="rect">
+            <a:avLst/>
+          </a:prstGeom>
+          <a:noFill/>
+          <a:extLst>
+            <a:ext uri="{909E8E84-426E-40DD-AFC4-6F175D3DCCD1}">
+              <a14:hiddenFill xmlns:a14="http://schemas.microsoft.com/office/drawing/2010/main">
+                <a:solidFill>
+                  <a:srgbClr val="FFFFFF"/>
+                </a:solidFill>
+              </a14:hiddenFill>
+            </a:ext>
+          </a:extLst>
+        </p:spPr>
+      </p:pic>
+      <p:sp>
+        <p:nvSpPr>
+          <p:cNvPr id="13" name="TextBox 12">
+            <a:extLst>
+              <a:ext uri="{FF2B5EF4-FFF2-40B4-BE49-F238E27FC236}">
+                <a16:creationId xmlns:a16="http://schemas.microsoft.com/office/drawing/2014/main" id="{42E8FFD1-3214-F34B-AEFC-A82AE5215178}"/>
+              </a:ext>
+            </a:extLst>
+          </p:cNvPr>
+          <p:cNvSpPr txBox="1"/>
+          <p:nvPr/>
+        </p:nvSpPr>
+        <p:spPr>
+          <a:xfrm>
+            <a:off x="2413416" y="1425814"/>
+            <a:ext cx="3515771" cy="461665"/>
+          </a:xfrm>
+          <a:prstGeom prst="rect">
+            <a:avLst/>
+          </a:prstGeom>
+          <a:noFill/>
+        </p:spPr>
+        <p:txBody>
+          <a:bodyPr wrap="none" rtlCol="0">
+            <a:spAutoFit/>
+          </a:bodyPr>
+          <a:lstStyle/>
+          <a:p>
+            <a:r>
+              <a:rPr lang="en-US" sz="2400" dirty="0"/>
+              <a:t>Java first appeared in 1995</a:t>
+            </a:r>
+          </a:p>
+        </p:txBody>
+      </p:sp>
+      <p:sp>
+        <p:nvSpPr>
+          <p:cNvPr id="15" name="TextBox 14">
+            <a:extLst>
+              <a:ext uri="{FF2B5EF4-FFF2-40B4-BE49-F238E27FC236}">
+                <a16:creationId xmlns:a16="http://schemas.microsoft.com/office/drawing/2014/main" id="{06605702-C925-E24C-880E-E3805AA082EA}"/>
+              </a:ext>
+            </a:extLst>
+          </p:cNvPr>
+          <p:cNvSpPr txBox="1"/>
+          <p:nvPr/>
+        </p:nvSpPr>
+        <p:spPr>
+          <a:xfrm>
+            <a:off x="2422499" y="1794476"/>
+            <a:ext cx="9229065" cy="461665"/>
+          </a:xfrm>
+          <a:prstGeom prst="rect">
+            <a:avLst/>
+          </a:prstGeom>
+          <a:noFill/>
+        </p:spPr>
+        <p:txBody>
+          <a:bodyPr wrap="none" rtlCol="0">
+            <a:spAutoFit/>
+          </a:bodyPr>
+          <a:lstStyle/>
+          <a:p>
+            <a:r>
+              <a:rPr lang="en-US" sz="2400" dirty="0"/>
+              <a:t>Objective:  Improve on scale, simplicity, portability over things like C/C++</a:t>
+            </a:r>
+          </a:p>
+        </p:txBody>
+      </p:sp>
+      <p:sp>
+        <p:nvSpPr>
+          <p:cNvPr id="16" name="TextBox 15">
+            <a:extLst>
+              <a:ext uri="{FF2B5EF4-FFF2-40B4-BE49-F238E27FC236}">
+                <a16:creationId xmlns:a16="http://schemas.microsoft.com/office/drawing/2014/main" id="{D5CA3536-26C8-3C48-9597-8C992888E8A3}"/>
+              </a:ext>
+            </a:extLst>
+          </p:cNvPr>
+          <p:cNvSpPr txBox="1"/>
+          <p:nvPr/>
+        </p:nvSpPr>
+        <p:spPr>
+          <a:xfrm>
+            <a:off x="2431582" y="2163138"/>
+            <a:ext cx="5698868" cy="461665"/>
+          </a:xfrm>
+          <a:prstGeom prst="rect">
+            <a:avLst/>
+          </a:prstGeom>
+          <a:noFill/>
+        </p:spPr>
+        <p:txBody>
+          <a:bodyPr wrap="none" rtlCol="0">
+            <a:spAutoFit/>
+          </a:bodyPr>
+          <a:lstStyle/>
+          <a:p>
+            <a:r>
+              <a:rPr lang="en-US" sz="2400" dirty="0"/>
+              <a:t>Obsessive focus on Backwards Compatibility</a:t>
+            </a:r>
+          </a:p>
+        </p:txBody>
+      </p:sp>
+      <p:sp>
+        <p:nvSpPr>
+          <p:cNvPr id="17" name="TextBox 16">
+            <a:extLst>
+              <a:ext uri="{FF2B5EF4-FFF2-40B4-BE49-F238E27FC236}">
+                <a16:creationId xmlns:a16="http://schemas.microsoft.com/office/drawing/2014/main" id="{A8F87C52-7C0B-C84A-87E2-D1A2E905EFD1}"/>
+              </a:ext>
+            </a:extLst>
+          </p:cNvPr>
+          <p:cNvSpPr txBox="1"/>
+          <p:nvPr/>
+        </p:nvSpPr>
+        <p:spPr>
+          <a:xfrm>
+            <a:off x="2440665" y="2562287"/>
+            <a:ext cx="7556941" cy="461665"/>
+          </a:xfrm>
+          <a:prstGeom prst="rect">
+            <a:avLst/>
+          </a:prstGeom>
+          <a:noFill/>
+        </p:spPr>
+        <p:txBody>
+          <a:bodyPr wrap="none" rtlCol="0">
+            <a:spAutoFit/>
+          </a:bodyPr>
+          <a:lstStyle/>
+          <a:p>
+            <a:r>
+              <a:rPr lang="en-US" sz="2400" dirty="0"/>
+              <a:t>Implementing “best of class” support for object orientation</a:t>
+            </a:r>
+          </a:p>
+        </p:txBody>
+      </p:sp>
+      <p:pic>
+        <p:nvPicPr>
+          <p:cNvPr id="4100" name="Picture 4" descr="ProSyst mBS SDK 8.2: Overview">
+            <a:extLst>
+              <a:ext uri="{FF2B5EF4-FFF2-40B4-BE49-F238E27FC236}">
+                <a16:creationId xmlns:a16="http://schemas.microsoft.com/office/drawing/2014/main" id="{A1F805B8-A7E1-2C4D-B64F-EE3E36E2D5F5}"/>
+              </a:ext>
+            </a:extLst>
+          </p:cNvPr>
+          <p:cNvPicPr>
+            <a:picLocks noChangeAspect="1" noChangeArrowheads="1"/>
+          </p:cNvPicPr>
+          <p:nvPr/>
+        </p:nvPicPr>
+        <p:blipFill>
+          <a:blip r:embed="rId4">
+            <a:extLst>
+              <a:ext uri="{28A0092B-C50C-407E-A947-70E740481C1C}">
+                <a14:useLocalDpi xmlns:a14="http://schemas.microsoft.com/office/drawing/2010/main" val="0"/>
+              </a:ext>
+            </a:extLst>
+          </a:blip>
+          <a:srcRect/>
+          <a:stretch>
+            <a:fillRect/>
+          </a:stretch>
+        </p:blipFill>
+        <p:spPr bwMode="auto">
+          <a:xfrm>
+            <a:off x="439214" y="4035326"/>
+            <a:ext cx="1868613" cy="1401460"/>
+          </a:xfrm>
+          <a:prstGeom prst="rect">
+            <a:avLst/>
+          </a:prstGeom>
+          <a:noFill/>
+          <a:extLst>
+            <a:ext uri="{909E8E84-426E-40DD-AFC4-6F175D3DCCD1}">
+              <a14:hiddenFill xmlns:a14="http://schemas.microsoft.com/office/drawing/2010/main">
+                <a:solidFill>
+                  <a:srgbClr val="FFFFFF"/>
+                </a:solidFill>
+              </a14:hiddenFill>
+            </a:ext>
+          </a:extLst>
+        </p:spPr>
+      </p:pic>
+      <p:sp>
+        <p:nvSpPr>
+          <p:cNvPr id="19" name="TextBox 18">
+            <a:extLst>
+              <a:ext uri="{FF2B5EF4-FFF2-40B4-BE49-F238E27FC236}">
+                <a16:creationId xmlns:a16="http://schemas.microsoft.com/office/drawing/2014/main" id="{E5B6B1AC-F3B6-F94E-B39D-5478000642EF}"/>
+              </a:ext>
+            </a:extLst>
+          </p:cNvPr>
+          <p:cNvSpPr txBox="1"/>
+          <p:nvPr/>
+        </p:nvSpPr>
+        <p:spPr>
+          <a:xfrm>
+            <a:off x="2580228" y="3572630"/>
+            <a:ext cx="9366933" cy="830997"/>
+          </a:xfrm>
+          <a:prstGeom prst="rect">
+            <a:avLst/>
+          </a:prstGeom>
+          <a:noFill/>
+        </p:spPr>
+        <p:txBody>
+          <a:bodyPr wrap="square" rtlCol="0">
+            <a:spAutoFit/>
+          </a:bodyPr>
+          <a:lstStyle/>
+          <a:p>
+            <a:r>
+              <a:rPr lang="en-US" sz="2400" dirty="0"/>
+              <a:t>The Java Virtual Machine is one of the most impressive pieces of software ever developed</a:t>
+            </a:r>
+          </a:p>
+        </p:txBody>
+      </p:sp>
+      <p:sp>
+        <p:nvSpPr>
+          <p:cNvPr id="20" name="TextBox 19">
+            <a:extLst>
+              <a:ext uri="{FF2B5EF4-FFF2-40B4-BE49-F238E27FC236}">
+                <a16:creationId xmlns:a16="http://schemas.microsoft.com/office/drawing/2014/main" id="{4736C84F-A13F-9643-A97F-AC902FAA6596}"/>
+              </a:ext>
+            </a:extLst>
+          </p:cNvPr>
+          <p:cNvSpPr txBox="1"/>
+          <p:nvPr/>
+        </p:nvSpPr>
+        <p:spPr>
+          <a:xfrm>
+            <a:off x="2607478" y="4369109"/>
+            <a:ext cx="9366933" cy="461665"/>
+          </a:xfrm>
+          <a:prstGeom prst="rect">
+            <a:avLst/>
+          </a:prstGeom>
+          <a:noFill/>
+        </p:spPr>
+        <p:txBody>
+          <a:bodyPr wrap="square" rtlCol="0">
+            <a:spAutoFit/>
+          </a:bodyPr>
+          <a:lstStyle/>
+          <a:p>
+            <a:r>
+              <a:rPr lang="en-US" sz="2400" dirty="0"/>
+              <a:t>Provides an isolated sandbox for running applications</a:t>
+            </a:r>
+          </a:p>
+        </p:txBody>
+      </p:sp>
+      <p:sp>
+        <p:nvSpPr>
+          <p:cNvPr id="21" name="TextBox 20">
+            <a:extLst>
+              <a:ext uri="{FF2B5EF4-FFF2-40B4-BE49-F238E27FC236}">
+                <a16:creationId xmlns:a16="http://schemas.microsoft.com/office/drawing/2014/main" id="{D9F4EEAA-6B96-C246-A37B-05510B4ED406}"/>
+              </a:ext>
+            </a:extLst>
+          </p:cNvPr>
+          <p:cNvSpPr txBox="1"/>
+          <p:nvPr/>
+        </p:nvSpPr>
+        <p:spPr>
+          <a:xfrm>
+            <a:off x="2607478" y="4784552"/>
+            <a:ext cx="9366933" cy="461665"/>
+          </a:xfrm>
+          <a:prstGeom prst="rect">
+            <a:avLst/>
+          </a:prstGeom>
+          <a:noFill/>
+        </p:spPr>
+        <p:txBody>
+          <a:bodyPr wrap="square" rtlCol="0">
+            <a:spAutoFit/>
+          </a:bodyPr>
+          <a:lstStyle/>
+          <a:p>
+            <a:r>
+              <a:rPr lang="en-US" sz="2400" dirty="0"/>
+              <a:t>Provides a portable runtime for multiple architectures</a:t>
+            </a:r>
+          </a:p>
+        </p:txBody>
+      </p:sp>
+      <p:sp>
+        <p:nvSpPr>
+          <p:cNvPr id="22" name="TextBox 21">
+            <a:extLst>
+              <a:ext uri="{FF2B5EF4-FFF2-40B4-BE49-F238E27FC236}">
+                <a16:creationId xmlns:a16="http://schemas.microsoft.com/office/drawing/2014/main" id="{83FA55C5-3EC9-694F-BF9D-B85FF70695B5}"/>
+              </a:ext>
+            </a:extLst>
+          </p:cNvPr>
+          <p:cNvSpPr txBox="1"/>
+          <p:nvPr/>
+        </p:nvSpPr>
+        <p:spPr>
+          <a:xfrm>
+            <a:off x="2607478" y="5199995"/>
+            <a:ext cx="9366933" cy="461665"/>
+          </a:xfrm>
+          <a:prstGeom prst="rect">
+            <a:avLst/>
+          </a:prstGeom>
+          <a:noFill/>
+        </p:spPr>
+        <p:txBody>
+          <a:bodyPr wrap="square" rtlCol="0">
+            <a:spAutoFit/>
+          </a:bodyPr>
+          <a:lstStyle/>
+          <a:p>
+            <a:r>
+              <a:rPr lang="en-US" sz="2400" dirty="0"/>
+              <a:t>Over the years has achieved near native performance</a:t>
+            </a:r>
+          </a:p>
+        </p:txBody>
+      </p:sp>
+      <p:sp>
+        <p:nvSpPr>
+          <p:cNvPr id="23" name="TextBox 22">
+            <a:extLst>
+              <a:ext uri="{FF2B5EF4-FFF2-40B4-BE49-F238E27FC236}">
+                <a16:creationId xmlns:a16="http://schemas.microsoft.com/office/drawing/2014/main" id="{6F40C096-921B-E544-8967-35C0E2E66C3A}"/>
+              </a:ext>
+            </a:extLst>
+          </p:cNvPr>
+          <p:cNvSpPr txBox="1"/>
+          <p:nvPr/>
+        </p:nvSpPr>
+        <p:spPr>
+          <a:xfrm>
+            <a:off x="1373520" y="5943443"/>
+            <a:ext cx="9366933" cy="461665"/>
+          </a:xfrm>
+          <a:prstGeom prst="rect">
+            <a:avLst/>
+          </a:prstGeom>
+          <a:noFill/>
+        </p:spPr>
+        <p:txBody>
+          <a:bodyPr wrap="square" rtlCol="0">
+            <a:spAutoFit/>
+          </a:bodyPr>
+          <a:lstStyle/>
+          <a:p>
+            <a:pPr algn="ctr"/>
+            <a:r>
+              <a:rPr lang="en-US" sz="2400" b="1" dirty="0">
+                <a:solidFill>
+                  <a:srgbClr val="7030A0"/>
+                </a:solidFill>
+              </a:rPr>
+              <a:t>ON THE SURFACE PRETTY AWESOME – WHAT DO YOU THINK?</a:t>
+            </a:r>
+          </a:p>
+        </p:txBody>
+      </p:sp>
+    </p:spTree>
+    <p:extLst>
+      <p:ext uri="{BB962C8B-B14F-4D97-AF65-F5344CB8AC3E}">
+        <p14:creationId xmlns:p14="http://schemas.microsoft.com/office/powerpoint/2010/main" val="1826167041"/>
+      </p:ext>
+    </p:extLst>
+  </p:cSld>
+  <p:clrMapOvr>
+    <a:masterClrMapping/>
+  </p:clrMapOvr>
+</p:sld>
+</file>
+
+<file path=ppt/slides/slide19.xml><?xml version="1.0" encoding="utf-8"?>
+<p:sld xmlns:a="http://schemas.openxmlformats.org/drawingml/2006/main" xmlns:r="http://schemas.openxmlformats.org/officeDocument/2006/relationships" xmlns:p="http://schemas.openxmlformats.org/presentationml/2006/main">
+  <p:cSld>
+    <p:spTree>
+      <p:nvGrpSpPr>
+        <p:cNvPr id="1" name=""/>
+        <p:cNvGrpSpPr/>
+        <p:nvPr/>
+      </p:nvGrpSpPr>
+      <p:grpSpPr>
+        <a:xfrm>
+          <a:off x="0" y="0"/>
+          <a:ext cx="0" cy="0"/>
+          <a:chOff x="0" y="0"/>
+          <a:chExt cx="0" cy="0"/>
+        </a:xfrm>
+      </p:grpSpPr>
+      <p:sp>
+        <p:nvSpPr>
+          <p:cNvPr id="2" name="Title 1">
+            <a:extLst>
+              <a:ext uri="{FF2B5EF4-FFF2-40B4-BE49-F238E27FC236}">
                 <a16:creationId xmlns:a16="http://schemas.microsoft.com/office/drawing/2014/main" id="{AD4D4935-D8AE-4457-8ECD-E9622C739125}"/>
               </a:ext>
             </a:extLst>
@@ -6415,7 +7533,7 @@
           <a:p>
             <a:fld id="{69E57DC2-970A-4B3E-BB1C-7A09969E49DF}" type="slidenum">
               <a:rPr lang="en-US" smtClean="0"/>
-              <a:t>17</a:t>
+              <a:t>19</a:t>
             </a:fld>
             <a:endParaRPr lang="en-US" dirty="0"/>
           </a:p>
@@ -6757,1021 +7875,6 @@
 </p:sld>
 </file>
 
-<file path=ppt/slides/slide18.xml><?xml version="1.0" encoding="utf-8"?>
-<p:sld xmlns:a="http://schemas.openxmlformats.org/drawingml/2006/main" xmlns:r="http://schemas.openxmlformats.org/officeDocument/2006/relationships" xmlns:p="http://schemas.openxmlformats.org/presentationml/2006/main">
-  <p:cSld>
-    <p:spTree>
-      <p:nvGrpSpPr>
-        <p:cNvPr id="1" name=""/>
-        <p:cNvGrpSpPr/>
-        <p:nvPr/>
-      </p:nvGrpSpPr>
-      <p:grpSpPr>
-        <a:xfrm>
-          <a:off x="0" y="0"/>
-          <a:ext cx="0" cy="0"/>
-          <a:chOff x="0" y="0"/>
-          <a:chExt cx="0" cy="0"/>
-        </a:xfrm>
-      </p:grpSpPr>
-      <p:pic>
-        <p:nvPicPr>
-          <p:cNvPr id="1026" name="Picture 2" descr="Kotlin Logo PNG Transparent &amp; SVG Vector - Freebie Supply">
-            <a:extLst>
-              <a:ext uri="{FF2B5EF4-FFF2-40B4-BE49-F238E27FC236}">
-                <a16:creationId xmlns:a16="http://schemas.microsoft.com/office/drawing/2014/main" id="{F867091F-09C8-AA4B-8208-5D6DD7936C96}"/>
-              </a:ext>
-            </a:extLst>
-          </p:cNvPr>
-          <p:cNvPicPr>
-            <a:picLocks noChangeAspect="1" noChangeArrowheads="1"/>
-          </p:cNvPicPr>
-          <p:nvPr/>
-        </p:nvPicPr>
-        <p:blipFill>
-          <a:blip r:embed="rId3">
-            <a:extLst>
-              <a:ext uri="{28A0092B-C50C-407E-A947-70E740481C1C}">
-                <a14:useLocalDpi xmlns:a14="http://schemas.microsoft.com/office/drawing/2010/main" val="0"/>
-              </a:ext>
-            </a:extLst>
-          </a:blip>
-          <a:srcRect/>
-          <a:stretch>
-            <a:fillRect/>
-          </a:stretch>
-        </p:blipFill>
-        <p:spPr bwMode="auto">
-          <a:xfrm>
-            <a:off x="102196" y="3667906"/>
-            <a:ext cx="2801757" cy="2098613"/>
-          </a:xfrm>
-          <a:prstGeom prst="rect">
-            <a:avLst/>
-          </a:prstGeom>
-          <a:noFill/>
-          <a:extLst>
-            <a:ext uri="{909E8E84-426E-40DD-AFC4-6F175D3DCCD1}">
-              <a14:hiddenFill xmlns:a14="http://schemas.microsoft.com/office/drawing/2010/main">
-                <a:solidFill>
-                  <a:srgbClr val="FFFFFF"/>
-                </a:solidFill>
-              </a14:hiddenFill>
-            </a:ext>
-          </a:extLst>
-        </p:spPr>
-      </p:pic>
-      <p:sp>
-        <p:nvSpPr>
-          <p:cNvPr id="2" name="Title 1">
-            <a:extLst>
-              <a:ext uri="{FF2B5EF4-FFF2-40B4-BE49-F238E27FC236}">
-                <a16:creationId xmlns:a16="http://schemas.microsoft.com/office/drawing/2014/main" id="{AD4D4935-D8AE-4457-8ECD-E9622C739125}"/>
-              </a:ext>
-            </a:extLst>
-          </p:cNvPr>
-          <p:cNvSpPr>
-            <a:spLocks noGrp="1"/>
-          </p:cNvSpPr>
-          <p:nvPr>
-            <p:ph type="title"/>
-          </p:nvPr>
-        </p:nvSpPr>
-        <p:spPr>
-          <a:xfrm>
-            <a:off x="637337" y="104656"/>
-            <a:ext cx="10917326" cy="1325563"/>
-          </a:xfrm>
-        </p:spPr>
-        <p:txBody>
-          <a:bodyPr>
-            <a:normAutofit fontScale="90000"/>
-          </a:bodyPr>
-          <a:lstStyle/>
-          <a:p>
-            <a:r>
-              <a:rPr lang="en-US" dirty="0"/>
-              <a:t>Arguing Recommendation 1:  </a:t>
-            </a:r>
-            <a:br>
-              <a:rPr lang="en-US" dirty="0"/>
-            </a:br>
-            <a:r>
-              <a:rPr lang="en-US" dirty="0"/>
-              <a:t>Major refactoring of Java apps should move to Kotlin</a:t>
-            </a:r>
-          </a:p>
-        </p:txBody>
-      </p:sp>
-      <p:sp>
-        <p:nvSpPr>
-          <p:cNvPr id="4" name="Slide Number Placeholder 3">
-            <a:extLst>
-              <a:ext uri="{FF2B5EF4-FFF2-40B4-BE49-F238E27FC236}">
-                <a16:creationId xmlns:a16="http://schemas.microsoft.com/office/drawing/2014/main" id="{20C5C833-51D4-4016-8613-78309C790EF8}"/>
-              </a:ext>
-            </a:extLst>
-          </p:cNvPr>
-          <p:cNvSpPr>
-            <a:spLocks noGrp="1"/>
-          </p:cNvSpPr>
-          <p:nvPr>
-            <p:ph type="sldNum" sz="quarter" idx="12"/>
-          </p:nvPr>
-        </p:nvSpPr>
-        <p:spPr/>
-        <p:txBody>
-          <a:bodyPr/>
-          <a:lstStyle/>
-          <a:p>
-            <a:fld id="{69E57DC2-970A-4B3E-BB1C-7A09969E49DF}" type="slidenum">
-              <a:rPr lang="en-US" smtClean="0"/>
-              <a:t>18</a:t>
-            </a:fld>
-            <a:endParaRPr lang="en-US" dirty="0"/>
-          </a:p>
-        </p:txBody>
-      </p:sp>
-      <p:pic>
-        <p:nvPicPr>
-          <p:cNvPr id="4098" name="Picture 2" descr="US Department of Homeland Security advises disabling Java following fresh  zero-day vulnerability - The Verge">
-            <a:extLst>
-              <a:ext uri="{FF2B5EF4-FFF2-40B4-BE49-F238E27FC236}">
-                <a16:creationId xmlns:a16="http://schemas.microsoft.com/office/drawing/2014/main" id="{CFB89BE9-98D0-314A-B417-39E6DA16F0E9}"/>
-              </a:ext>
-            </a:extLst>
-          </p:cNvPr>
-          <p:cNvPicPr>
-            <a:picLocks noChangeAspect="1" noChangeArrowheads="1"/>
-          </p:cNvPicPr>
-          <p:nvPr/>
-        </p:nvPicPr>
-        <p:blipFill>
-          <a:blip r:embed="rId4">
-            <a:extLst>
-              <a:ext uri="{28A0092B-C50C-407E-A947-70E740481C1C}">
-                <a14:useLocalDpi xmlns:a14="http://schemas.microsoft.com/office/drawing/2010/main" val="0"/>
-              </a:ext>
-            </a:extLst>
-          </a:blip>
-          <a:srcRect/>
-          <a:stretch>
-            <a:fillRect/>
-          </a:stretch>
-        </p:blipFill>
-        <p:spPr bwMode="auto">
-          <a:xfrm>
-            <a:off x="0" y="2066092"/>
-            <a:ext cx="2413416" cy="1807732"/>
-          </a:xfrm>
-          <a:prstGeom prst="rect">
-            <a:avLst/>
-          </a:prstGeom>
-          <a:noFill/>
-          <a:extLst>
-            <a:ext uri="{909E8E84-426E-40DD-AFC4-6F175D3DCCD1}">
-              <a14:hiddenFill xmlns:a14="http://schemas.microsoft.com/office/drawing/2010/main">
-                <a:solidFill>
-                  <a:srgbClr val="FFFFFF"/>
-                </a:solidFill>
-              </a14:hiddenFill>
-            </a:ext>
-          </a:extLst>
-        </p:spPr>
-      </p:pic>
-      <p:sp>
-        <p:nvSpPr>
-          <p:cNvPr id="3" name="TextBox 2">
-            <a:extLst>
-              <a:ext uri="{FF2B5EF4-FFF2-40B4-BE49-F238E27FC236}">
-                <a16:creationId xmlns:a16="http://schemas.microsoft.com/office/drawing/2014/main" id="{611335A4-2F23-1F42-9F13-74178FD5DB77}"/>
-              </a:ext>
-            </a:extLst>
-          </p:cNvPr>
-          <p:cNvSpPr txBox="1"/>
-          <p:nvPr/>
-        </p:nvSpPr>
-        <p:spPr>
-          <a:xfrm>
-            <a:off x="3321424" y="1430219"/>
-            <a:ext cx="7853082" cy="1508105"/>
-          </a:xfrm>
-          <a:prstGeom prst="rect">
-            <a:avLst/>
-          </a:prstGeom>
-          <a:noFill/>
-        </p:spPr>
-        <p:txBody>
-          <a:bodyPr wrap="square" rtlCol="0">
-            <a:spAutoFit/>
-          </a:bodyPr>
-          <a:lstStyle/>
-          <a:p>
-            <a:pPr marL="285750" indent="-285750">
-              <a:buFont typeface="Arial" panose="020B0604020202020204" pitchFamily="34" charset="0"/>
-              <a:buChar char="•"/>
-            </a:pPr>
-            <a:r>
-              <a:rPr lang="en-US" sz="3200" dirty="0"/>
-              <a:t>Kotlin is significantly less verbose than java</a:t>
-            </a:r>
-          </a:p>
-          <a:p>
-            <a:pPr marL="742950" lvl="1" indent="-285750">
-              <a:buFont typeface="Arial" panose="020B0604020202020204" pitchFamily="34" charset="0"/>
-              <a:buChar char="•"/>
-            </a:pPr>
-            <a:r>
-              <a:rPr lang="en-US" sz="2000" dirty="0"/>
-              <a:t>Less code = less bugs</a:t>
-            </a:r>
-          </a:p>
-          <a:p>
-            <a:pPr marL="742950" lvl="1" indent="-285750">
-              <a:buFont typeface="Arial" panose="020B0604020202020204" pitchFamily="34" charset="0"/>
-              <a:buChar char="•"/>
-            </a:pPr>
-            <a:r>
-              <a:rPr lang="en-US" sz="2000" dirty="0"/>
-              <a:t>Less code = more productivity </a:t>
-            </a:r>
-          </a:p>
-          <a:p>
-            <a:pPr marL="285750" indent="-285750">
-              <a:buFont typeface="Arial" panose="020B0604020202020204" pitchFamily="34" charset="0"/>
-              <a:buChar char="•"/>
-            </a:pPr>
-            <a:endParaRPr lang="en-US" sz="2000" dirty="0"/>
-          </a:p>
-        </p:txBody>
-      </p:sp>
-      <p:sp>
-        <p:nvSpPr>
-          <p:cNvPr id="18" name="TextBox 17">
-            <a:extLst>
-              <a:ext uri="{FF2B5EF4-FFF2-40B4-BE49-F238E27FC236}">
-                <a16:creationId xmlns:a16="http://schemas.microsoft.com/office/drawing/2014/main" id="{CBEDC29D-72C0-A845-B23E-86D888EFFBA1}"/>
-              </a:ext>
-            </a:extLst>
-          </p:cNvPr>
-          <p:cNvSpPr txBox="1"/>
-          <p:nvPr/>
-        </p:nvSpPr>
-        <p:spPr>
-          <a:xfrm>
-            <a:off x="3321424" y="2596299"/>
-            <a:ext cx="7853082" cy="1508105"/>
-          </a:xfrm>
-          <a:prstGeom prst="rect">
-            <a:avLst/>
-          </a:prstGeom>
-          <a:noFill/>
-        </p:spPr>
-        <p:txBody>
-          <a:bodyPr wrap="square" rtlCol="0">
-            <a:spAutoFit/>
-          </a:bodyPr>
-          <a:lstStyle/>
-          <a:p>
-            <a:pPr marL="285750" indent="-285750">
-              <a:buFont typeface="Arial" panose="020B0604020202020204" pitchFamily="34" charset="0"/>
-              <a:buChar char="•"/>
-            </a:pPr>
-            <a:r>
-              <a:rPr lang="en-US" sz="3200" dirty="0"/>
-              <a:t>Kotlin embraces modern language features</a:t>
-            </a:r>
-          </a:p>
-          <a:p>
-            <a:pPr marL="742950" lvl="1" indent="-285750">
-              <a:buFont typeface="Arial" panose="020B0604020202020204" pitchFamily="34" charset="0"/>
-              <a:buChar char="•"/>
-            </a:pPr>
-            <a:r>
-              <a:rPr lang="en-US" sz="2000" dirty="0"/>
-              <a:t>Better support for distributed systems, which are most systems these days</a:t>
-            </a:r>
-          </a:p>
-          <a:p>
-            <a:pPr marL="285750" indent="-285750">
-              <a:buFont typeface="Arial" panose="020B0604020202020204" pitchFamily="34" charset="0"/>
-              <a:buChar char="•"/>
-            </a:pPr>
-            <a:endParaRPr lang="en-US" sz="2000" dirty="0"/>
-          </a:p>
-        </p:txBody>
-      </p:sp>
-      <p:sp>
-        <p:nvSpPr>
-          <p:cNvPr id="24" name="TextBox 23">
-            <a:extLst>
-              <a:ext uri="{FF2B5EF4-FFF2-40B4-BE49-F238E27FC236}">
-                <a16:creationId xmlns:a16="http://schemas.microsoft.com/office/drawing/2014/main" id="{193C8BF2-260B-8745-8DBF-53555BEAEDCA}"/>
-              </a:ext>
-            </a:extLst>
-          </p:cNvPr>
-          <p:cNvSpPr txBox="1"/>
-          <p:nvPr/>
-        </p:nvSpPr>
-        <p:spPr>
-          <a:xfrm>
-            <a:off x="3321424" y="3762379"/>
-            <a:ext cx="7853082" cy="1508105"/>
-          </a:xfrm>
-          <a:prstGeom prst="rect">
-            <a:avLst/>
-          </a:prstGeom>
-          <a:noFill/>
-        </p:spPr>
-        <p:txBody>
-          <a:bodyPr wrap="square" rtlCol="0">
-            <a:spAutoFit/>
-          </a:bodyPr>
-          <a:lstStyle/>
-          <a:p>
-            <a:pPr marL="285750" indent="-285750">
-              <a:buFont typeface="Arial" panose="020B0604020202020204" pitchFamily="34" charset="0"/>
-              <a:buChar char="•"/>
-            </a:pPr>
-            <a:r>
-              <a:rPr lang="en-US" sz="3200" dirty="0"/>
-              <a:t>Kotlin is interoperable and easy to learn</a:t>
-            </a:r>
-          </a:p>
-          <a:p>
-            <a:pPr marL="742950" lvl="1" indent="-285750">
-              <a:buFont typeface="Arial" panose="020B0604020202020204" pitchFamily="34" charset="0"/>
-              <a:buChar char="•"/>
-            </a:pPr>
-            <a:r>
-              <a:rPr lang="en-US" sz="2000" dirty="0"/>
-              <a:t>Simple to start integrating </a:t>
-            </a:r>
-            <a:r>
-              <a:rPr lang="en-US" sz="2000" dirty="0" err="1"/>
-              <a:t>kotlin</a:t>
-            </a:r>
-            <a:r>
-              <a:rPr lang="en-US" sz="2000" dirty="0"/>
-              <a:t> into existing projects as well as starting new projects with </a:t>
-            </a:r>
-            <a:r>
-              <a:rPr lang="en-US" sz="2000" dirty="0" err="1"/>
-              <a:t>kotlin</a:t>
-            </a:r>
-            <a:endParaRPr lang="en-US" sz="2000" dirty="0"/>
-          </a:p>
-          <a:p>
-            <a:pPr marL="285750" indent="-285750">
-              <a:buFont typeface="Arial" panose="020B0604020202020204" pitchFamily="34" charset="0"/>
-              <a:buChar char="•"/>
-            </a:pPr>
-            <a:endParaRPr lang="en-US" sz="2000" dirty="0"/>
-          </a:p>
-        </p:txBody>
-      </p:sp>
-      <p:sp>
-        <p:nvSpPr>
-          <p:cNvPr id="25" name="TextBox 24">
-            <a:extLst>
-              <a:ext uri="{FF2B5EF4-FFF2-40B4-BE49-F238E27FC236}">
-                <a16:creationId xmlns:a16="http://schemas.microsoft.com/office/drawing/2014/main" id="{7B58FD2D-C943-C547-B3BB-3B61E2925792}"/>
-              </a:ext>
-            </a:extLst>
-          </p:cNvPr>
-          <p:cNvSpPr txBox="1"/>
-          <p:nvPr/>
-        </p:nvSpPr>
-        <p:spPr>
-          <a:xfrm>
-            <a:off x="3321424" y="4928459"/>
-            <a:ext cx="7853082" cy="1508105"/>
-          </a:xfrm>
-          <a:prstGeom prst="rect">
-            <a:avLst/>
-          </a:prstGeom>
-          <a:noFill/>
-        </p:spPr>
-        <p:txBody>
-          <a:bodyPr wrap="square" rtlCol="0">
-            <a:spAutoFit/>
-          </a:bodyPr>
-          <a:lstStyle/>
-          <a:p>
-            <a:pPr marL="285750" indent="-285750">
-              <a:buFont typeface="Arial" panose="020B0604020202020204" pitchFamily="34" charset="0"/>
-              <a:buChar char="•"/>
-            </a:pPr>
-            <a:r>
-              <a:rPr lang="en-US" sz="3200" dirty="0"/>
-              <a:t>Kotlin is popular</a:t>
-            </a:r>
-          </a:p>
-          <a:p>
-            <a:pPr marL="742950" lvl="1" indent="-285750">
-              <a:buFont typeface="Arial" panose="020B0604020202020204" pitchFamily="34" charset="0"/>
-              <a:buChar char="•"/>
-            </a:pPr>
-            <a:r>
-              <a:rPr lang="en-US" sz="2000" dirty="0"/>
-              <a:t>Kotlin’s killer use case was Android development, but has now expanded as a popular choice with traditional Java developers</a:t>
-            </a:r>
-          </a:p>
-          <a:p>
-            <a:pPr marL="285750" indent="-285750">
-              <a:buFont typeface="Arial" panose="020B0604020202020204" pitchFamily="34" charset="0"/>
-              <a:buChar char="•"/>
-            </a:pPr>
-            <a:endParaRPr lang="en-US" sz="2000" dirty="0"/>
-          </a:p>
-        </p:txBody>
-      </p:sp>
-    </p:spTree>
-    <p:extLst>
-      <p:ext uri="{BB962C8B-B14F-4D97-AF65-F5344CB8AC3E}">
-        <p14:creationId xmlns:p14="http://schemas.microsoft.com/office/powerpoint/2010/main" val="115277274"/>
-      </p:ext>
-    </p:extLst>
-  </p:cSld>
-  <p:clrMapOvr>
-    <a:masterClrMapping/>
-  </p:clrMapOvr>
-</p:sld>
-</file>
-
-<file path=ppt/slides/slide19.xml><?xml version="1.0" encoding="utf-8"?>
-<p:sld xmlns:a="http://schemas.openxmlformats.org/drawingml/2006/main" xmlns:r="http://schemas.openxmlformats.org/officeDocument/2006/relationships" xmlns:p="http://schemas.openxmlformats.org/presentationml/2006/main">
-  <p:cSld>
-    <p:spTree>
-      <p:nvGrpSpPr>
-        <p:cNvPr id="1" name=""/>
-        <p:cNvGrpSpPr/>
-        <p:nvPr/>
-      </p:nvGrpSpPr>
-      <p:grpSpPr>
-        <a:xfrm>
-          <a:off x="0" y="0"/>
-          <a:ext cx="0" cy="0"/>
-          <a:chOff x="0" y="0"/>
-          <a:chExt cx="0" cy="0"/>
-        </a:xfrm>
-      </p:grpSpPr>
-      <p:sp>
-        <p:nvSpPr>
-          <p:cNvPr id="2" name="Title 1">
-            <a:extLst>
-              <a:ext uri="{FF2B5EF4-FFF2-40B4-BE49-F238E27FC236}">
-                <a16:creationId xmlns:a16="http://schemas.microsoft.com/office/drawing/2014/main" id="{8F29ACB7-3B63-49E7-96D7-15DA3109CDE5}"/>
-              </a:ext>
-            </a:extLst>
-          </p:cNvPr>
-          <p:cNvSpPr>
-            <a:spLocks noGrp="1"/>
-          </p:cNvSpPr>
-          <p:nvPr>
-            <p:ph type="title"/>
-          </p:nvPr>
-        </p:nvSpPr>
-        <p:spPr>
-          <a:xfrm>
-            <a:off x="39223" y="1969"/>
-            <a:ext cx="11617377" cy="1325563"/>
-          </a:xfrm>
-        </p:spPr>
-        <p:txBody>
-          <a:bodyPr>
-            <a:normAutofit/>
-          </a:bodyPr>
-          <a:lstStyle/>
-          <a:p>
-            <a:r>
-              <a:rPr lang="en-US" sz="4000" b="1" dirty="0"/>
-              <a:t>Arguing Recommendation 2</a:t>
-            </a:r>
-            <a:br>
-              <a:rPr lang="en-US" sz="4000" b="1" dirty="0"/>
-            </a:br>
-            <a:r>
-              <a:rPr lang="en-US" sz="4000" b="1" dirty="0"/>
-              <a:t>Avoid the JVM for largely Net New efforts, Part 1</a:t>
-            </a:r>
-          </a:p>
-        </p:txBody>
-      </p:sp>
-      <p:sp>
-        <p:nvSpPr>
-          <p:cNvPr id="4" name="Slide Number Placeholder 3">
-            <a:extLst>
-              <a:ext uri="{FF2B5EF4-FFF2-40B4-BE49-F238E27FC236}">
-                <a16:creationId xmlns:a16="http://schemas.microsoft.com/office/drawing/2014/main" id="{542EAC42-38A0-4516-814B-016A18951906}"/>
-              </a:ext>
-            </a:extLst>
-          </p:cNvPr>
-          <p:cNvSpPr>
-            <a:spLocks noGrp="1"/>
-          </p:cNvSpPr>
-          <p:nvPr>
-            <p:ph type="sldNum" sz="quarter" idx="12"/>
-          </p:nvPr>
-        </p:nvSpPr>
-        <p:spPr>
-          <a:xfrm>
-            <a:off x="8610600" y="6114304"/>
-            <a:ext cx="2743200" cy="365125"/>
-          </a:xfrm>
-        </p:spPr>
-        <p:txBody>
-          <a:bodyPr/>
-          <a:lstStyle/>
-          <a:p>
-            <a:fld id="{69E57DC2-970A-4B3E-BB1C-7A09969E49DF}" type="slidenum">
-              <a:rPr lang="en-US" smtClean="0"/>
-              <a:t>19</a:t>
-            </a:fld>
-            <a:endParaRPr lang="en-US" dirty="0"/>
-          </a:p>
-        </p:txBody>
-      </p:sp>
-      <p:sp>
-        <p:nvSpPr>
-          <p:cNvPr id="8" name="Rectangle 7">
-            <a:extLst>
-              <a:ext uri="{FF2B5EF4-FFF2-40B4-BE49-F238E27FC236}">
-                <a16:creationId xmlns:a16="http://schemas.microsoft.com/office/drawing/2014/main" id="{DD4ACB9B-1C25-5B41-B459-1A6DC067AC89}"/>
-              </a:ext>
-            </a:extLst>
-          </p:cNvPr>
-          <p:cNvSpPr/>
-          <p:nvPr/>
-        </p:nvSpPr>
-        <p:spPr>
-          <a:xfrm>
-            <a:off x="416860" y="5126155"/>
-            <a:ext cx="3363686" cy="461665"/>
-          </a:xfrm>
-          <a:prstGeom prst="rect">
-            <a:avLst/>
-          </a:prstGeom>
-        </p:spPr>
-        <p:txBody>
-          <a:bodyPr wrap="square">
-            <a:spAutoFit/>
-          </a:bodyPr>
-          <a:lstStyle/>
-          <a:p>
-            <a:r>
-              <a:rPr lang="en-US" sz="2400" dirty="0"/>
-              <a:t>Overall JVM Architecture</a:t>
-            </a:r>
-          </a:p>
-        </p:txBody>
-      </p:sp>
-      <p:sp>
-        <p:nvSpPr>
-          <p:cNvPr id="10" name="Rectangle 9">
-            <a:extLst>
-              <a:ext uri="{FF2B5EF4-FFF2-40B4-BE49-F238E27FC236}">
-                <a16:creationId xmlns:a16="http://schemas.microsoft.com/office/drawing/2014/main" id="{9BD9C7B9-71E4-E547-A76A-108DE13B69CB}"/>
-              </a:ext>
-            </a:extLst>
-          </p:cNvPr>
-          <p:cNvSpPr/>
-          <p:nvPr/>
-        </p:nvSpPr>
-        <p:spPr>
-          <a:xfrm>
-            <a:off x="416859" y="1537221"/>
-            <a:ext cx="3363686" cy="3392300"/>
-          </a:xfrm>
-          <a:prstGeom prst="rect">
-            <a:avLst/>
-          </a:prstGeom>
-        </p:spPr>
-        <p:style>
-          <a:lnRef idx="2">
-            <a:schemeClr val="accent1">
-              <a:shade val="50000"/>
-            </a:schemeClr>
-          </a:lnRef>
-          <a:fillRef idx="1">
-            <a:schemeClr val="accent1"/>
-          </a:fillRef>
-          <a:effectRef idx="0">
-            <a:schemeClr val="accent1"/>
-          </a:effectRef>
-          <a:fontRef idx="minor">
-            <a:schemeClr val="lt1"/>
-          </a:fontRef>
-        </p:style>
-        <p:txBody>
-          <a:bodyPr rtlCol="0" anchor="t" anchorCtr="0"/>
-          <a:lstStyle/>
-          <a:p>
-            <a:pPr algn="ctr"/>
-            <a:r>
-              <a:rPr lang="en-US" dirty="0"/>
-              <a:t>Java Virtual Machine</a:t>
-            </a:r>
-          </a:p>
-        </p:txBody>
-      </p:sp>
-      <p:sp>
-        <p:nvSpPr>
-          <p:cNvPr id="11" name="Rectangle 10">
-            <a:extLst>
-              <a:ext uri="{FF2B5EF4-FFF2-40B4-BE49-F238E27FC236}">
-                <a16:creationId xmlns:a16="http://schemas.microsoft.com/office/drawing/2014/main" id="{205B166A-0CA3-B94D-BB46-6BD69D40F672}"/>
-              </a:ext>
-            </a:extLst>
-          </p:cNvPr>
-          <p:cNvSpPr/>
-          <p:nvPr/>
-        </p:nvSpPr>
-        <p:spPr>
-          <a:xfrm>
-            <a:off x="607805" y="2018519"/>
-            <a:ext cx="3062794" cy="578865"/>
-          </a:xfrm>
-          <a:prstGeom prst="rect">
-            <a:avLst/>
-          </a:prstGeom>
-          <a:solidFill>
-            <a:schemeClr val="bg1"/>
-          </a:solidFill>
-        </p:spPr>
-        <p:style>
-          <a:lnRef idx="2">
-            <a:schemeClr val="accent1">
-              <a:shade val="50000"/>
-            </a:schemeClr>
-          </a:lnRef>
-          <a:fillRef idx="1">
-            <a:schemeClr val="accent1"/>
-          </a:fillRef>
-          <a:effectRef idx="0">
-            <a:schemeClr val="accent1"/>
-          </a:effectRef>
-          <a:fontRef idx="minor">
-            <a:schemeClr val="lt1"/>
-          </a:fontRef>
-        </p:style>
-        <p:txBody>
-          <a:bodyPr rtlCol="0" anchor="ctr" anchorCtr="0"/>
-          <a:lstStyle/>
-          <a:p>
-            <a:pPr algn="ctr"/>
-            <a:r>
-              <a:rPr lang="en-US" sz="2000" dirty="0">
-                <a:solidFill>
-                  <a:schemeClr val="tx1"/>
-                </a:solidFill>
-              </a:rPr>
-              <a:t>JVM Runtime</a:t>
-            </a:r>
-          </a:p>
-        </p:txBody>
-      </p:sp>
-      <p:sp>
-        <p:nvSpPr>
-          <p:cNvPr id="13" name="Rectangle 12">
-            <a:extLst>
-              <a:ext uri="{FF2B5EF4-FFF2-40B4-BE49-F238E27FC236}">
-                <a16:creationId xmlns:a16="http://schemas.microsoft.com/office/drawing/2014/main" id="{ED060E6C-A3BF-BC43-B127-1BE057D424A1}"/>
-              </a:ext>
-            </a:extLst>
-          </p:cNvPr>
-          <p:cNvSpPr/>
-          <p:nvPr/>
-        </p:nvSpPr>
-        <p:spPr>
-          <a:xfrm>
-            <a:off x="607804" y="3410149"/>
-            <a:ext cx="3062796" cy="1262102"/>
-          </a:xfrm>
-          <a:prstGeom prst="rect">
-            <a:avLst/>
-          </a:prstGeom>
-          <a:solidFill>
-            <a:schemeClr val="bg1"/>
-          </a:solidFill>
-        </p:spPr>
-        <p:style>
-          <a:lnRef idx="2">
-            <a:schemeClr val="accent1">
-              <a:shade val="50000"/>
-            </a:schemeClr>
-          </a:lnRef>
-          <a:fillRef idx="1">
-            <a:schemeClr val="accent1"/>
-          </a:fillRef>
-          <a:effectRef idx="0">
-            <a:schemeClr val="accent1"/>
-          </a:effectRef>
-          <a:fontRef idx="minor">
-            <a:schemeClr val="lt1"/>
-          </a:fontRef>
-        </p:style>
-        <p:txBody>
-          <a:bodyPr rtlCol="0" anchor="t" anchorCtr="0"/>
-          <a:lstStyle/>
-          <a:p>
-            <a:pPr algn="ctr"/>
-            <a:r>
-              <a:rPr lang="en-US" sz="2000" dirty="0">
-                <a:solidFill>
-                  <a:schemeClr val="tx1"/>
-                </a:solidFill>
-              </a:rPr>
-              <a:t>JVM Workloads</a:t>
-            </a:r>
-          </a:p>
-        </p:txBody>
-      </p:sp>
-      <p:sp>
-        <p:nvSpPr>
-          <p:cNvPr id="14" name="Rectangle 13">
-            <a:extLst>
-              <a:ext uri="{FF2B5EF4-FFF2-40B4-BE49-F238E27FC236}">
-                <a16:creationId xmlns:a16="http://schemas.microsoft.com/office/drawing/2014/main" id="{7E9A82FA-FCB0-6940-983C-DDC4CEE6090A}"/>
-              </a:ext>
-            </a:extLst>
-          </p:cNvPr>
-          <p:cNvSpPr/>
-          <p:nvPr/>
-        </p:nvSpPr>
-        <p:spPr>
-          <a:xfrm>
-            <a:off x="833040" y="3900695"/>
-            <a:ext cx="2582514" cy="578865"/>
-          </a:xfrm>
-          <a:prstGeom prst="rect">
-            <a:avLst/>
-          </a:prstGeom>
-          <a:solidFill>
-            <a:schemeClr val="accent6">
-              <a:lumMod val="20000"/>
-              <a:lumOff val="80000"/>
-            </a:schemeClr>
-          </a:solidFill>
-        </p:spPr>
-        <p:style>
-          <a:lnRef idx="2">
-            <a:schemeClr val="accent1">
-              <a:shade val="50000"/>
-            </a:schemeClr>
-          </a:lnRef>
-          <a:fillRef idx="1">
-            <a:schemeClr val="accent1"/>
-          </a:fillRef>
-          <a:effectRef idx="0">
-            <a:schemeClr val="accent1"/>
-          </a:effectRef>
-          <a:fontRef idx="minor">
-            <a:schemeClr val="lt1"/>
-          </a:fontRef>
-        </p:style>
-        <p:txBody>
-          <a:bodyPr rtlCol="0" anchor="ctr" anchorCtr="0"/>
-          <a:lstStyle/>
-          <a:p>
-            <a:pPr algn="ctr"/>
-            <a:r>
-              <a:rPr lang="en-US" sz="2000" dirty="0">
-                <a:solidFill>
-                  <a:schemeClr val="tx1"/>
-                </a:solidFill>
-              </a:rPr>
-              <a:t>Your Code is Here</a:t>
-            </a:r>
-          </a:p>
-        </p:txBody>
-      </p:sp>
-      <p:sp>
-        <p:nvSpPr>
-          <p:cNvPr id="16" name="Rectangle 15">
-            <a:extLst>
-              <a:ext uri="{FF2B5EF4-FFF2-40B4-BE49-F238E27FC236}">
-                <a16:creationId xmlns:a16="http://schemas.microsoft.com/office/drawing/2014/main" id="{ED117790-0FD8-6042-9467-EE77BE5944FF}"/>
-              </a:ext>
-            </a:extLst>
-          </p:cNvPr>
-          <p:cNvSpPr/>
-          <p:nvPr/>
-        </p:nvSpPr>
-        <p:spPr>
-          <a:xfrm>
-            <a:off x="607805" y="2719584"/>
-            <a:ext cx="3062794" cy="578865"/>
-          </a:xfrm>
-          <a:prstGeom prst="rect">
-            <a:avLst/>
-          </a:prstGeom>
-          <a:solidFill>
-            <a:schemeClr val="bg1"/>
-          </a:solidFill>
-        </p:spPr>
-        <p:style>
-          <a:lnRef idx="2">
-            <a:schemeClr val="accent1">
-              <a:shade val="50000"/>
-            </a:schemeClr>
-          </a:lnRef>
-          <a:fillRef idx="1">
-            <a:schemeClr val="accent1"/>
-          </a:fillRef>
-          <a:effectRef idx="0">
-            <a:schemeClr val="accent1"/>
-          </a:effectRef>
-          <a:fontRef idx="minor">
-            <a:schemeClr val="lt1"/>
-          </a:fontRef>
-        </p:style>
-        <p:txBody>
-          <a:bodyPr rtlCol="0" anchor="ctr" anchorCtr="0"/>
-          <a:lstStyle/>
-          <a:p>
-            <a:pPr algn="ctr"/>
-            <a:r>
-              <a:rPr lang="en-US" sz="2000" dirty="0">
-                <a:solidFill>
-                  <a:schemeClr val="tx1"/>
-                </a:solidFill>
-              </a:rPr>
-              <a:t>JVM Ecosystem</a:t>
-            </a:r>
-          </a:p>
-        </p:txBody>
-      </p:sp>
-      <p:sp>
-        <p:nvSpPr>
-          <p:cNvPr id="15" name="TextBox 14">
-            <a:extLst>
-              <a:ext uri="{FF2B5EF4-FFF2-40B4-BE49-F238E27FC236}">
-                <a16:creationId xmlns:a16="http://schemas.microsoft.com/office/drawing/2014/main" id="{8C3189C0-4BE0-5E42-9C50-C9B9099BFCC6}"/>
-              </a:ext>
-            </a:extLst>
-          </p:cNvPr>
-          <p:cNvSpPr txBox="1"/>
-          <p:nvPr/>
-        </p:nvSpPr>
-        <p:spPr>
-          <a:xfrm>
-            <a:off x="3971491" y="1593230"/>
-            <a:ext cx="7853082" cy="2431435"/>
-          </a:xfrm>
-          <a:prstGeom prst="rect">
-            <a:avLst/>
-          </a:prstGeom>
-          <a:noFill/>
-        </p:spPr>
-        <p:txBody>
-          <a:bodyPr wrap="square" rtlCol="0">
-            <a:spAutoFit/>
-          </a:bodyPr>
-          <a:lstStyle/>
-          <a:p>
-            <a:pPr marL="285750" indent="-285750">
-              <a:buFont typeface="Arial" panose="020B0604020202020204" pitchFamily="34" charset="0"/>
-              <a:buChar char="•"/>
-            </a:pPr>
-            <a:r>
-              <a:rPr lang="en-US" sz="3200" dirty="0"/>
-              <a:t>JVM Benefits </a:t>
-            </a:r>
-          </a:p>
-          <a:p>
-            <a:pPr marL="742950" lvl="1" indent="-285750">
-              <a:buFont typeface="Arial" panose="020B0604020202020204" pitchFamily="34" charset="0"/>
-              <a:buChar char="•"/>
-            </a:pPr>
-            <a:r>
-              <a:rPr lang="en-US" sz="2000" dirty="0"/>
-              <a:t>Provides isolated environment for executing your code</a:t>
-            </a:r>
-          </a:p>
-          <a:p>
-            <a:pPr marL="742950" lvl="1" indent="-285750">
-              <a:buFont typeface="Arial" panose="020B0604020202020204" pitchFamily="34" charset="0"/>
-              <a:buChar char="•"/>
-            </a:pPr>
-            <a:r>
-              <a:rPr lang="en-US" sz="2000" dirty="0"/>
-              <a:t>Provides runtime management for your executing code</a:t>
-            </a:r>
-          </a:p>
-          <a:p>
-            <a:pPr marL="742950" lvl="1" indent="-285750">
-              <a:buFont typeface="Arial" panose="020B0604020202020204" pitchFamily="34" charset="0"/>
-              <a:buChar char="•"/>
-            </a:pPr>
-            <a:r>
-              <a:rPr lang="en-US" sz="2000" dirty="0"/>
-              <a:t>Provides multi-threaded, and multi-process abstractions on top of OS</a:t>
-            </a:r>
-          </a:p>
-          <a:p>
-            <a:pPr marL="742950" lvl="1" indent="-285750">
-              <a:buFont typeface="Arial" panose="020B0604020202020204" pitchFamily="34" charset="0"/>
-              <a:buChar char="•"/>
-            </a:pPr>
-            <a:r>
-              <a:rPr lang="en-US" sz="2000" dirty="0"/>
-              <a:t>Portable across Operating systems</a:t>
-            </a:r>
-          </a:p>
-          <a:p>
-            <a:pPr marL="285750" indent="-285750">
-              <a:buFont typeface="Arial" panose="020B0604020202020204" pitchFamily="34" charset="0"/>
-              <a:buChar char="•"/>
-            </a:pPr>
-            <a:endParaRPr lang="en-US" sz="2000" dirty="0"/>
-          </a:p>
-        </p:txBody>
-      </p:sp>
-      <p:sp>
-        <p:nvSpPr>
-          <p:cNvPr id="18" name="TextBox 17">
-            <a:extLst>
-              <a:ext uri="{FF2B5EF4-FFF2-40B4-BE49-F238E27FC236}">
-                <a16:creationId xmlns:a16="http://schemas.microsoft.com/office/drawing/2014/main" id="{78608F57-9DD2-CD40-851D-4CB74B94C477}"/>
-              </a:ext>
-            </a:extLst>
-          </p:cNvPr>
-          <p:cNvSpPr txBox="1"/>
-          <p:nvPr/>
-        </p:nvSpPr>
-        <p:spPr>
-          <a:xfrm>
-            <a:off x="4005781" y="3959467"/>
-            <a:ext cx="7853082" cy="1508105"/>
-          </a:xfrm>
-          <a:prstGeom prst="rect">
-            <a:avLst/>
-          </a:prstGeom>
-          <a:noFill/>
-        </p:spPr>
-        <p:txBody>
-          <a:bodyPr wrap="square" rtlCol="0">
-            <a:spAutoFit/>
-          </a:bodyPr>
-          <a:lstStyle/>
-          <a:p>
-            <a:pPr marL="285750" indent="-285750">
-              <a:buFont typeface="Arial" panose="020B0604020202020204" pitchFamily="34" charset="0"/>
-              <a:buChar char="•"/>
-            </a:pPr>
-            <a:r>
-              <a:rPr lang="en-US" sz="3200" dirty="0"/>
-              <a:t>JVM Limitations </a:t>
-            </a:r>
-          </a:p>
-          <a:p>
-            <a:pPr marL="742950" lvl="1" indent="-285750">
-              <a:buFont typeface="Arial" panose="020B0604020202020204" pitchFamily="34" charset="0"/>
-              <a:buChar char="•"/>
-            </a:pPr>
-            <a:r>
-              <a:rPr lang="en-US" sz="2000" dirty="0"/>
-              <a:t>Cold start times because the JVM adaptively optimizes</a:t>
-            </a:r>
-          </a:p>
-          <a:p>
-            <a:pPr marL="742950" lvl="1" indent="-285750">
-              <a:buFont typeface="Arial" panose="020B0604020202020204" pitchFamily="34" charset="0"/>
-              <a:buChar char="•"/>
-            </a:pPr>
-            <a:r>
-              <a:rPr lang="en-US" sz="2000" dirty="0"/>
-              <a:t>Only supports JVM-based languages – Java, Kotlin, </a:t>
-            </a:r>
-            <a:r>
-              <a:rPr lang="en-US" sz="2000" dirty="0" err="1"/>
-              <a:t>etc</a:t>
-            </a:r>
-            <a:endParaRPr lang="en-US" sz="2000" dirty="0"/>
-          </a:p>
-          <a:p>
-            <a:pPr marL="285750" indent="-285750">
-              <a:buFont typeface="Arial" panose="020B0604020202020204" pitchFamily="34" charset="0"/>
-              <a:buChar char="•"/>
-            </a:pPr>
-            <a:endParaRPr lang="en-US" sz="2000" dirty="0"/>
-          </a:p>
-        </p:txBody>
-      </p:sp>
-    </p:spTree>
-    <p:extLst>
-      <p:ext uri="{BB962C8B-B14F-4D97-AF65-F5344CB8AC3E}">
-        <p14:creationId xmlns:p14="http://schemas.microsoft.com/office/powerpoint/2010/main" val="1532919205"/>
-      </p:ext>
-    </p:extLst>
-  </p:cSld>
-  <p:clrMapOvr>
-    <a:masterClrMapping/>
-  </p:clrMapOvr>
-</p:sld>
-</file>
-
 <file path=ppt/slides/slide2.xml><?xml version="1.0" encoding="utf-8"?>
 <p:sld xmlns:a="http://schemas.openxmlformats.org/drawingml/2006/main" xmlns:r="http://schemas.openxmlformats.org/officeDocument/2006/relationships" xmlns:p="http://schemas.openxmlformats.org/presentationml/2006/main">
   <p:cSld>
@@ -7980,256 +8083,12 @@
           <a:chExt cx="0" cy="0"/>
         </a:xfrm>
       </p:grpSpPr>
-      <p:sp>
-        <p:nvSpPr>
-          <p:cNvPr id="2" name="Title 1">
-            <a:extLst>
-              <a:ext uri="{FF2B5EF4-FFF2-40B4-BE49-F238E27FC236}">
-                <a16:creationId xmlns:a16="http://schemas.microsoft.com/office/drawing/2014/main" id="{8F29ACB7-3B63-49E7-96D7-15DA3109CDE5}"/>
-              </a:ext>
-            </a:extLst>
-          </p:cNvPr>
-          <p:cNvSpPr>
-            <a:spLocks noGrp="1"/>
-          </p:cNvSpPr>
-          <p:nvPr>
-            <p:ph type="title"/>
-          </p:nvPr>
-        </p:nvSpPr>
-        <p:spPr>
-          <a:xfrm>
-            <a:off x="39223" y="1969"/>
-            <a:ext cx="11617377" cy="1325563"/>
-          </a:xfrm>
-        </p:spPr>
-        <p:txBody>
-          <a:bodyPr>
-            <a:normAutofit/>
-          </a:bodyPr>
-          <a:lstStyle/>
-          <a:p>
-            <a:r>
-              <a:rPr lang="en-US" sz="4000" b="1" dirty="0"/>
-              <a:t>Arguing Recommendation 2</a:t>
-            </a:r>
-            <a:br>
-              <a:rPr lang="en-US" sz="4000" b="1" dirty="0"/>
-            </a:br>
-            <a:r>
-              <a:rPr lang="en-US" sz="4000" b="1" dirty="0"/>
-              <a:t>Avoid the JVM for largely Net New efforts, Part 2</a:t>
-            </a:r>
-          </a:p>
-        </p:txBody>
-      </p:sp>
-      <p:sp>
-        <p:nvSpPr>
-          <p:cNvPr id="4" name="Slide Number Placeholder 3">
-            <a:extLst>
-              <a:ext uri="{FF2B5EF4-FFF2-40B4-BE49-F238E27FC236}">
-                <a16:creationId xmlns:a16="http://schemas.microsoft.com/office/drawing/2014/main" id="{542EAC42-38A0-4516-814B-016A18951906}"/>
-              </a:ext>
-            </a:extLst>
-          </p:cNvPr>
-          <p:cNvSpPr>
-            <a:spLocks noGrp="1"/>
-          </p:cNvSpPr>
-          <p:nvPr>
-            <p:ph type="sldNum" sz="quarter" idx="12"/>
-          </p:nvPr>
-        </p:nvSpPr>
-        <p:spPr>
-          <a:xfrm>
-            <a:off x="8610600" y="6114304"/>
-            <a:ext cx="2743200" cy="365125"/>
-          </a:xfrm>
-        </p:spPr>
-        <p:txBody>
-          <a:bodyPr/>
-          <a:lstStyle/>
-          <a:p>
-            <a:fld id="{69E57DC2-970A-4B3E-BB1C-7A09969E49DF}" type="slidenum">
-              <a:rPr lang="en-US" smtClean="0"/>
-              <a:t>20</a:t>
-            </a:fld>
-            <a:endParaRPr lang="en-US" dirty="0"/>
-          </a:p>
-        </p:txBody>
-      </p:sp>
-      <p:sp>
-        <p:nvSpPr>
-          <p:cNvPr id="8" name="Rectangle 7">
-            <a:extLst>
-              <a:ext uri="{FF2B5EF4-FFF2-40B4-BE49-F238E27FC236}">
-                <a16:creationId xmlns:a16="http://schemas.microsoft.com/office/drawing/2014/main" id="{DD4ACB9B-1C25-5B41-B459-1A6DC067AC89}"/>
-              </a:ext>
-            </a:extLst>
-          </p:cNvPr>
-          <p:cNvSpPr/>
-          <p:nvPr/>
-        </p:nvSpPr>
-        <p:spPr>
-          <a:xfrm>
-            <a:off x="185220" y="6212899"/>
-            <a:ext cx="4117203" cy="461665"/>
-          </a:xfrm>
-          <a:prstGeom prst="rect">
-            <a:avLst/>
-          </a:prstGeom>
-        </p:spPr>
-        <p:txBody>
-          <a:bodyPr wrap="square">
-            <a:spAutoFit/>
-          </a:bodyPr>
-          <a:lstStyle/>
-          <a:p>
-            <a:r>
-              <a:rPr lang="en-US" sz="2400" dirty="0"/>
-              <a:t>Overall Docker Architecture</a:t>
-            </a:r>
-          </a:p>
-        </p:txBody>
-      </p:sp>
-      <p:sp>
-        <p:nvSpPr>
-          <p:cNvPr id="15" name="TextBox 14">
-            <a:extLst>
-              <a:ext uri="{FF2B5EF4-FFF2-40B4-BE49-F238E27FC236}">
-                <a16:creationId xmlns:a16="http://schemas.microsoft.com/office/drawing/2014/main" id="{8C3189C0-4BE0-5E42-9C50-C9B9099BFCC6}"/>
-              </a:ext>
-            </a:extLst>
-          </p:cNvPr>
-          <p:cNvSpPr txBox="1"/>
-          <p:nvPr/>
-        </p:nvSpPr>
-        <p:spPr>
-          <a:xfrm>
-            <a:off x="4005781" y="1450424"/>
-            <a:ext cx="7853082" cy="3662541"/>
-          </a:xfrm>
-          <a:prstGeom prst="rect">
-            <a:avLst/>
-          </a:prstGeom>
-          <a:noFill/>
-        </p:spPr>
-        <p:txBody>
-          <a:bodyPr wrap="square" rtlCol="0">
-            <a:spAutoFit/>
-          </a:bodyPr>
-          <a:lstStyle/>
-          <a:p>
-            <a:pPr marL="285750" indent="-285750">
-              <a:buFont typeface="Arial" panose="020B0604020202020204" pitchFamily="34" charset="0"/>
-              <a:buChar char="•"/>
-            </a:pPr>
-            <a:r>
-              <a:rPr lang="en-US" sz="3200" dirty="0"/>
-              <a:t>Docker Benefits </a:t>
-            </a:r>
-          </a:p>
-          <a:p>
-            <a:pPr marL="742950" lvl="1" indent="-285750">
-              <a:buFont typeface="Arial" panose="020B0604020202020204" pitchFamily="34" charset="0"/>
-              <a:buChar char="•"/>
-            </a:pPr>
-            <a:r>
-              <a:rPr lang="en-US" sz="2000" dirty="0"/>
-              <a:t>Provides isolated environment for executing your code</a:t>
-            </a:r>
-          </a:p>
-          <a:p>
-            <a:pPr marL="742950" lvl="1" indent="-285750">
-              <a:buFont typeface="Arial" panose="020B0604020202020204" pitchFamily="34" charset="0"/>
-              <a:buChar char="•"/>
-            </a:pPr>
-            <a:r>
-              <a:rPr lang="en-US" sz="2000" dirty="0"/>
-              <a:t>Provides runtime management for your executing code</a:t>
-            </a:r>
-          </a:p>
-          <a:p>
-            <a:pPr marL="742950" lvl="1" indent="-285750">
-              <a:buFont typeface="Arial" panose="020B0604020202020204" pitchFamily="34" charset="0"/>
-              <a:buChar char="•"/>
-            </a:pPr>
-            <a:r>
-              <a:rPr lang="en-US" sz="2000" dirty="0"/>
-              <a:t>Provides multi-threaded, and multi-process abstractions on top of OS</a:t>
-            </a:r>
-          </a:p>
-          <a:p>
-            <a:pPr marL="742950" lvl="1" indent="-285750">
-              <a:buFont typeface="Arial" panose="020B0604020202020204" pitchFamily="34" charset="0"/>
-              <a:buChar char="•"/>
-            </a:pPr>
-            <a:r>
-              <a:rPr lang="en-US" sz="2000" dirty="0"/>
-              <a:t>Portable across Operating systems</a:t>
-            </a:r>
-          </a:p>
-          <a:p>
-            <a:pPr marL="742950" lvl="1" indent="-285750">
-              <a:buFont typeface="Arial" panose="020B0604020202020204" pitchFamily="34" charset="0"/>
-              <a:buChar char="•"/>
-            </a:pPr>
-            <a:r>
-              <a:rPr lang="en-US" sz="2000" dirty="0"/>
-              <a:t>Language, framework agnostic</a:t>
-            </a:r>
-          </a:p>
-          <a:p>
-            <a:pPr marL="742950" lvl="1" indent="-285750">
-              <a:buFont typeface="Arial" panose="020B0604020202020204" pitchFamily="34" charset="0"/>
-              <a:buChar char="•"/>
-            </a:pPr>
-            <a:r>
-              <a:rPr lang="en-US" sz="2000" dirty="0"/>
-              <a:t>Can be composed with other containers</a:t>
-            </a:r>
-          </a:p>
-          <a:p>
-            <a:pPr marL="742950" lvl="1" indent="-285750">
-              <a:buFont typeface="Arial" panose="020B0604020202020204" pitchFamily="34" charset="0"/>
-              <a:buChar char="•"/>
-            </a:pPr>
-            <a:r>
-              <a:rPr lang="en-US" sz="2000" dirty="0"/>
-              <a:t>Light footprint – </a:t>
-            </a:r>
-            <a:r>
-              <a:rPr lang="en-US" sz="2000" dirty="0" err="1"/>
-              <a:t>e.g</a:t>
-            </a:r>
-            <a:r>
-              <a:rPr lang="en-US" sz="2000" dirty="0"/>
-              <a:t>, Alpine Linux base image is 5Mb.</a:t>
-            </a:r>
-          </a:p>
-          <a:p>
-            <a:pPr marL="742950" lvl="1" indent="-285750">
-              <a:buFont typeface="Arial" panose="020B0604020202020204" pitchFamily="34" charset="0"/>
-              <a:buChar char="•"/>
-            </a:pPr>
-            <a:r>
-              <a:rPr lang="en-US" sz="2000" dirty="0"/>
-              <a:t>Has all of the benefits of the JVM and then some</a:t>
-            </a:r>
-          </a:p>
-          <a:p>
-            <a:pPr marL="285750" indent="-285750">
-              <a:buFont typeface="Arial" panose="020B0604020202020204" pitchFamily="34" charset="0"/>
-              <a:buChar char="•"/>
-            </a:pPr>
-            <a:endParaRPr lang="en-US" sz="2000" dirty="0"/>
-          </a:p>
-        </p:txBody>
-      </p:sp>
       <p:pic>
         <p:nvPicPr>
-          <p:cNvPr id="4098" name="Picture 2" descr="Docker Logos - Docker">
-            <a:extLst>
-              <a:ext uri="{FF2B5EF4-FFF2-40B4-BE49-F238E27FC236}">
-                <a16:creationId xmlns:a16="http://schemas.microsoft.com/office/drawing/2014/main" id="{DDED687B-57C9-5A48-A2B5-67895D7C82CF}"/>
+          <p:cNvPr id="1026" name="Picture 2" descr="Kotlin Logo PNG Transparent &amp; SVG Vector - Freebie Supply">
+            <a:extLst>
+              <a:ext uri="{FF2B5EF4-FFF2-40B4-BE49-F238E27FC236}">
+                <a16:creationId xmlns:a16="http://schemas.microsoft.com/office/drawing/2014/main" id="{F867091F-09C8-AA4B-8208-5D6DD7936C96}"/>
               </a:ext>
             </a:extLst>
           </p:cNvPr>
@@ -8239,7 +8098,7 @@
           <p:nvPr/>
         </p:nvPicPr>
         <p:blipFill>
-          <a:blip r:embed="rId2">
+          <a:blip r:embed="rId3">
             <a:extLst>
               <a:ext uri="{28A0092B-C50C-407E-A947-70E740481C1C}">
                 <a14:useLocalDpi xmlns:a14="http://schemas.microsoft.com/office/drawing/2010/main" val="0"/>
@@ -8253,8 +8112,8 @@
         </p:blipFill>
         <p:spPr bwMode="auto">
           <a:xfrm>
-            <a:off x="853987" y="1408552"/>
-            <a:ext cx="2321985" cy="1664819"/>
+            <a:off x="102196" y="3667906"/>
+            <a:ext cx="2801757" cy="2098613"/>
           </a:xfrm>
           <a:prstGeom prst="rect">
             <a:avLst/>
@@ -8273,331 +8132,373 @@
       </p:pic>
       <p:sp>
         <p:nvSpPr>
-          <p:cNvPr id="17" name="Rectangle 16">
-            <a:extLst>
-              <a:ext uri="{FF2B5EF4-FFF2-40B4-BE49-F238E27FC236}">
-                <a16:creationId xmlns:a16="http://schemas.microsoft.com/office/drawing/2014/main" id="{B7134BE2-BF0C-D743-899C-B6167648BF1E}"/>
-              </a:ext>
-            </a:extLst>
-          </p:cNvPr>
-          <p:cNvSpPr/>
+          <p:cNvPr id="2" name="Title 1">
+            <a:extLst>
+              <a:ext uri="{FF2B5EF4-FFF2-40B4-BE49-F238E27FC236}">
+                <a16:creationId xmlns:a16="http://schemas.microsoft.com/office/drawing/2014/main" id="{AD4D4935-D8AE-4457-8ECD-E9622C739125}"/>
+              </a:ext>
+            </a:extLst>
+          </p:cNvPr>
+          <p:cNvSpPr>
+            <a:spLocks noGrp="1"/>
+          </p:cNvSpPr>
+          <p:nvPr>
+            <p:ph type="title"/>
+          </p:nvPr>
+        </p:nvSpPr>
+        <p:spPr>
+          <a:xfrm>
+            <a:off x="637337" y="104656"/>
+            <a:ext cx="10917326" cy="1325563"/>
+          </a:xfrm>
+        </p:spPr>
+        <p:txBody>
+          <a:bodyPr>
+            <a:normAutofit fontScale="90000"/>
+          </a:bodyPr>
+          <a:lstStyle/>
+          <a:p>
+            <a:r>
+              <a:rPr lang="en-US" dirty="0"/>
+              <a:t>Arguing Recommendation 1:  </a:t>
+            </a:r>
+            <a:br>
+              <a:rPr lang="en-US" dirty="0"/>
+            </a:br>
+            <a:r>
+              <a:rPr lang="en-US" dirty="0"/>
+              <a:t>Major refactoring of Java apps should move to Kotlin</a:t>
+            </a:r>
+          </a:p>
+        </p:txBody>
+      </p:sp>
+      <p:sp>
+        <p:nvSpPr>
+          <p:cNvPr id="4" name="Slide Number Placeholder 3">
+            <a:extLst>
+              <a:ext uri="{FF2B5EF4-FFF2-40B4-BE49-F238E27FC236}">
+                <a16:creationId xmlns:a16="http://schemas.microsoft.com/office/drawing/2014/main" id="{20C5C833-51D4-4016-8613-78309C790EF8}"/>
+              </a:ext>
+            </a:extLst>
+          </p:cNvPr>
+          <p:cNvSpPr>
+            <a:spLocks noGrp="1"/>
+          </p:cNvSpPr>
+          <p:nvPr>
+            <p:ph type="sldNum" sz="quarter" idx="12"/>
+          </p:nvPr>
+        </p:nvSpPr>
+        <p:spPr/>
+        <p:txBody>
+          <a:bodyPr/>
+          <a:lstStyle/>
+          <a:p>
+            <a:fld id="{69E57DC2-970A-4B3E-BB1C-7A09969E49DF}" type="slidenum">
+              <a:rPr lang="en-US" smtClean="0"/>
+              <a:t>20</a:t>
+            </a:fld>
+            <a:endParaRPr lang="en-US" dirty="0"/>
+          </a:p>
+        </p:txBody>
+      </p:sp>
+      <p:pic>
+        <p:nvPicPr>
+          <p:cNvPr id="4098" name="Picture 2" descr="US Department of Homeland Security advises disabling Java following fresh  zero-day vulnerability - The Verge">
+            <a:extLst>
+              <a:ext uri="{FF2B5EF4-FFF2-40B4-BE49-F238E27FC236}">
+                <a16:creationId xmlns:a16="http://schemas.microsoft.com/office/drawing/2014/main" id="{CFB89BE9-98D0-314A-B417-39E6DA16F0E9}"/>
+              </a:ext>
+            </a:extLst>
+          </p:cNvPr>
+          <p:cNvPicPr>
+            <a:picLocks noChangeAspect="1" noChangeArrowheads="1"/>
+          </p:cNvPicPr>
           <p:nvPr/>
-        </p:nvSpPr>
-        <p:spPr>
-          <a:xfrm>
-            <a:off x="333137" y="3254188"/>
-            <a:ext cx="3363686" cy="3004242"/>
+        </p:nvPicPr>
+        <p:blipFill>
+          <a:blip r:embed="rId4">
+            <a:extLst>
+              <a:ext uri="{28A0092B-C50C-407E-A947-70E740481C1C}">
+                <a14:useLocalDpi xmlns:a14="http://schemas.microsoft.com/office/drawing/2010/main" val="0"/>
+              </a:ext>
+            </a:extLst>
+          </a:blip>
+          <a:srcRect/>
+          <a:stretch>
+            <a:fillRect/>
+          </a:stretch>
+        </p:blipFill>
+        <p:spPr bwMode="auto">
+          <a:xfrm>
+            <a:off x="0" y="2066092"/>
+            <a:ext cx="2413416" cy="1807732"/>
           </a:xfrm>
           <a:prstGeom prst="rect">
             <a:avLst/>
           </a:prstGeom>
-        </p:spPr>
-        <p:style>
-          <a:lnRef idx="2">
-            <a:schemeClr val="accent1">
-              <a:shade val="50000"/>
-            </a:schemeClr>
-          </a:lnRef>
-          <a:fillRef idx="1">
-            <a:schemeClr val="accent1"/>
-          </a:fillRef>
-          <a:effectRef idx="0">
-            <a:schemeClr val="accent1"/>
-          </a:effectRef>
-          <a:fontRef idx="minor">
-            <a:schemeClr val="lt1"/>
-          </a:fontRef>
-        </p:style>
-        <p:txBody>
-          <a:bodyPr rtlCol="0" anchor="t" anchorCtr="0"/>
-          <a:lstStyle/>
-          <a:p>
-            <a:pPr algn="ctr"/>
-            <a:r>
-              <a:rPr lang="en-US" dirty="0"/>
-              <a:t>Docker Engine</a:t>
-            </a:r>
-          </a:p>
-        </p:txBody>
-      </p:sp>
-      <p:sp>
-        <p:nvSpPr>
-          <p:cNvPr id="20" name="Rectangle 19">
-            <a:extLst>
-              <a:ext uri="{FF2B5EF4-FFF2-40B4-BE49-F238E27FC236}">
-                <a16:creationId xmlns:a16="http://schemas.microsoft.com/office/drawing/2014/main" id="{61227CCC-7F63-3E4F-A1EA-799C164C494B}"/>
-              </a:ext>
-            </a:extLst>
-          </p:cNvPr>
-          <p:cNvSpPr/>
+          <a:noFill/>
+          <a:extLst>
+            <a:ext uri="{909E8E84-426E-40DD-AFC4-6F175D3DCCD1}">
+              <a14:hiddenFill xmlns:a14="http://schemas.microsoft.com/office/drawing/2010/main">
+                <a:solidFill>
+                  <a:srgbClr val="FFFFFF"/>
+                </a:solidFill>
+              </a14:hiddenFill>
+            </a:ext>
+          </a:extLst>
+        </p:spPr>
+      </p:pic>
+      <p:sp>
+        <p:nvSpPr>
+          <p:cNvPr id="3" name="TextBox 2">
+            <a:extLst>
+              <a:ext uri="{FF2B5EF4-FFF2-40B4-BE49-F238E27FC236}">
+                <a16:creationId xmlns:a16="http://schemas.microsoft.com/office/drawing/2014/main" id="{611335A4-2F23-1F42-9F13-74178FD5DB77}"/>
+              </a:ext>
+            </a:extLst>
+          </p:cNvPr>
+          <p:cNvSpPr txBox="1"/>
           <p:nvPr/>
         </p:nvSpPr>
         <p:spPr>
           <a:xfrm>
-            <a:off x="524082" y="3684494"/>
-            <a:ext cx="3062796" cy="2316666"/>
+            <a:off x="3321424" y="1430219"/>
+            <a:ext cx="7853082" cy="1508105"/>
           </a:xfrm>
           <a:prstGeom prst="rect">
             <a:avLst/>
           </a:prstGeom>
-          <a:solidFill>
-            <a:schemeClr val="bg1"/>
-          </a:solidFill>
-        </p:spPr>
-        <p:style>
-          <a:lnRef idx="2">
-            <a:schemeClr val="accent1">
-              <a:shade val="50000"/>
-            </a:schemeClr>
-          </a:lnRef>
-          <a:fillRef idx="1">
-            <a:schemeClr val="accent1"/>
-          </a:fillRef>
-          <a:effectRef idx="0">
-            <a:schemeClr val="accent1"/>
-          </a:effectRef>
-          <a:fontRef idx="minor">
-            <a:schemeClr val="lt1"/>
-          </a:fontRef>
-        </p:style>
-        <p:txBody>
-          <a:bodyPr rtlCol="0" anchor="t" anchorCtr="0"/>
-          <a:lstStyle/>
-          <a:p>
-            <a:pPr algn="ctr"/>
-            <a:r>
-              <a:rPr lang="en-US" sz="2000" dirty="0">
-                <a:solidFill>
-                  <a:schemeClr val="tx1"/>
-                </a:solidFill>
-              </a:rPr>
-              <a:t>Docker Image</a:t>
-            </a:r>
-          </a:p>
-        </p:txBody>
-      </p:sp>
-      <p:sp>
-        <p:nvSpPr>
-          <p:cNvPr id="21" name="Rectangle 20">
-            <a:extLst>
-              <a:ext uri="{FF2B5EF4-FFF2-40B4-BE49-F238E27FC236}">
-                <a16:creationId xmlns:a16="http://schemas.microsoft.com/office/drawing/2014/main" id="{798252B3-01D4-BD40-9928-E0F76073C7EC}"/>
-              </a:ext>
-            </a:extLst>
-          </p:cNvPr>
-          <p:cNvSpPr/>
+          <a:noFill/>
+        </p:spPr>
+        <p:txBody>
+          <a:bodyPr wrap="square" rtlCol="0">
+            <a:spAutoFit/>
+          </a:bodyPr>
+          <a:lstStyle/>
+          <a:p>
+            <a:pPr marL="285750" indent="-285750">
+              <a:buFont typeface="Arial" panose="020B0604020202020204" pitchFamily="34" charset="0"/>
+              <a:buChar char="•"/>
+            </a:pPr>
+            <a:r>
+              <a:rPr lang="en-US" sz="3200" dirty="0"/>
+              <a:t>Kotlin is significantly less verbose than java</a:t>
+            </a:r>
+          </a:p>
+          <a:p>
+            <a:pPr marL="742950" lvl="1" indent="-285750">
+              <a:buFont typeface="Arial" panose="020B0604020202020204" pitchFamily="34" charset="0"/>
+              <a:buChar char="•"/>
+            </a:pPr>
+            <a:r>
+              <a:rPr lang="en-US" sz="2000" dirty="0"/>
+              <a:t>Less code = less bugs</a:t>
+            </a:r>
+          </a:p>
+          <a:p>
+            <a:pPr marL="742950" lvl="1" indent="-285750">
+              <a:buFont typeface="Arial" panose="020B0604020202020204" pitchFamily="34" charset="0"/>
+              <a:buChar char="•"/>
+            </a:pPr>
+            <a:r>
+              <a:rPr lang="en-US" sz="2000" dirty="0"/>
+              <a:t>Less code = more productivity </a:t>
+            </a:r>
+          </a:p>
+          <a:p>
+            <a:pPr marL="285750" indent="-285750">
+              <a:buFont typeface="Arial" panose="020B0604020202020204" pitchFamily="34" charset="0"/>
+              <a:buChar char="•"/>
+            </a:pPr>
+            <a:endParaRPr lang="en-US" sz="2000" dirty="0"/>
+          </a:p>
+        </p:txBody>
+      </p:sp>
+      <p:sp>
+        <p:nvSpPr>
+          <p:cNvPr id="18" name="TextBox 17">
+            <a:extLst>
+              <a:ext uri="{FF2B5EF4-FFF2-40B4-BE49-F238E27FC236}">
+                <a16:creationId xmlns:a16="http://schemas.microsoft.com/office/drawing/2014/main" id="{CBEDC29D-72C0-A845-B23E-86D888EFFBA1}"/>
+              </a:ext>
+            </a:extLst>
+          </p:cNvPr>
+          <p:cNvSpPr txBox="1"/>
           <p:nvPr/>
         </p:nvSpPr>
         <p:spPr>
           <a:xfrm>
-            <a:off x="749318" y="5323227"/>
-            <a:ext cx="2582514" cy="485242"/>
+            <a:off x="3321424" y="2596299"/>
+            <a:ext cx="7853082" cy="1508105"/>
           </a:xfrm>
           <a:prstGeom prst="rect">
             <a:avLst/>
           </a:prstGeom>
-          <a:solidFill>
-            <a:schemeClr val="accent6">
-              <a:lumMod val="20000"/>
-              <a:lumOff val="80000"/>
-            </a:schemeClr>
-          </a:solidFill>
-        </p:spPr>
-        <p:style>
-          <a:lnRef idx="2">
-            <a:schemeClr val="accent1">
-              <a:shade val="50000"/>
-            </a:schemeClr>
-          </a:lnRef>
-          <a:fillRef idx="1">
-            <a:schemeClr val="accent1"/>
-          </a:fillRef>
-          <a:effectRef idx="0">
-            <a:schemeClr val="accent1"/>
-          </a:effectRef>
-          <a:fontRef idx="minor">
-            <a:schemeClr val="lt1"/>
-          </a:fontRef>
-        </p:style>
-        <p:txBody>
-          <a:bodyPr rtlCol="0" anchor="ctr" anchorCtr="0"/>
-          <a:lstStyle/>
-          <a:p>
-            <a:pPr algn="ctr"/>
-            <a:r>
-              <a:rPr lang="en-US" sz="2000" dirty="0">
-                <a:solidFill>
-                  <a:schemeClr val="tx1"/>
-                </a:solidFill>
-              </a:rPr>
-              <a:t>Your Code is Here</a:t>
-            </a:r>
-          </a:p>
-        </p:txBody>
-      </p:sp>
-      <p:sp>
-        <p:nvSpPr>
-          <p:cNvPr id="23" name="Rectangle 22">
-            <a:extLst>
-              <a:ext uri="{FF2B5EF4-FFF2-40B4-BE49-F238E27FC236}">
-                <a16:creationId xmlns:a16="http://schemas.microsoft.com/office/drawing/2014/main" id="{BCAD2441-431E-D640-81B6-06C850A388D9}"/>
-              </a:ext>
-            </a:extLst>
-          </p:cNvPr>
-          <p:cNvSpPr/>
+          <a:noFill/>
+        </p:spPr>
+        <p:txBody>
+          <a:bodyPr wrap="square" rtlCol="0">
+            <a:spAutoFit/>
+          </a:bodyPr>
+          <a:lstStyle/>
+          <a:p>
+            <a:pPr marL="285750" indent="-285750">
+              <a:buFont typeface="Arial" panose="020B0604020202020204" pitchFamily="34" charset="0"/>
+              <a:buChar char="•"/>
+            </a:pPr>
+            <a:r>
+              <a:rPr lang="en-US" sz="3200" dirty="0"/>
+              <a:t>Kotlin embraces modern language features</a:t>
+            </a:r>
+          </a:p>
+          <a:p>
+            <a:pPr marL="742950" lvl="1" indent="-285750">
+              <a:buFont typeface="Arial" panose="020B0604020202020204" pitchFamily="34" charset="0"/>
+              <a:buChar char="•"/>
+            </a:pPr>
+            <a:r>
+              <a:rPr lang="en-US" sz="2000" dirty="0"/>
+              <a:t>Better support for distributed systems, which are most systems these days</a:t>
+            </a:r>
+          </a:p>
+          <a:p>
+            <a:pPr marL="285750" indent="-285750">
+              <a:buFont typeface="Arial" panose="020B0604020202020204" pitchFamily="34" charset="0"/>
+              <a:buChar char="•"/>
+            </a:pPr>
+            <a:endParaRPr lang="en-US" sz="2000" dirty="0"/>
+          </a:p>
+        </p:txBody>
+      </p:sp>
+      <p:sp>
+        <p:nvSpPr>
+          <p:cNvPr id="24" name="TextBox 23">
+            <a:extLst>
+              <a:ext uri="{FF2B5EF4-FFF2-40B4-BE49-F238E27FC236}">
+                <a16:creationId xmlns:a16="http://schemas.microsoft.com/office/drawing/2014/main" id="{193C8BF2-260B-8745-8DBF-53555BEAEDCA}"/>
+              </a:ext>
+            </a:extLst>
+          </p:cNvPr>
+          <p:cNvSpPr txBox="1"/>
           <p:nvPr/>
         </p:nvSpPr>
         <p:spPr>
           <a:xfrm>
-            <a:off x="749318" y="4619632"/>
-            <a:ext cx="2582514" cy="688946"/>
+            <a:off x="3321424" y="3762379"/>
+            <a:ext cx="7853082" cy="1508105"/>
           </a:xfrm>
           <a:prstGeom prst="rect">
             <a:avLst/>
           </a:prstGeom>
-          <a:solidFill>
-            <a:schemeClr val="accent6">
-              <a:lumMod val="20000"/>
-              <a:lumOff val="80000"/>
-            </a:schemeClr>
-          </a:solidFill>
-        </p:spPr>
-        <p:style>
-          <a:lnRef idx="2">
-            <a:schemeClr val="accent1">
-              <a:shade val="50000"/>
-            </a:schemeClr>
-          </a:lnRef>
-          <a:fillRef idx="1">
-            <a:schemeClr val="accent1"/>
-          </a:fillRef>
-          <a:effectRef idx="0">
-            <a:schemeClr val="accent1"/>
-          </a:effectRef>
-          <a:fontRef idx="minor">
-            <a:schemeClr val="lt1"/>
-          </a:fontRef>
-        </p:style>
-        <p:txBody>
-          <a:bodyPr rtlCol="0" anchor="ctr" anchorCtr="0"/>
-          <a:lstStyle/>
-          <a:p>
-            <a:pPr algn="ctr"/>
-            <a:r>
-              <a:rPr lang="en-US" sz="2000" dirty="0">
-                <a:solidFill>
-                  <a:schemeClr val="tx1"/>
-                </a:solidFill>
-              </a:rPr>
-              <a:t>Your Code Dependencies</a:t>
-            </a:r>
-          </a:p>
-        </p:txBody>
-      </p:sp>
-      <p:sp>
-        <p:nvSpPr>
-          <p:cNvPr id="24" name="Rectangle 23">
-            <a:extLst>
-              <a:ext uri="{FF2B5EF4-FFF2-40B4-BE49-F238E27FC236}">
-                <a16:creationId xmlns:a16="http://schemas.microsoft.com/office/drawing/2014/main" id="{1D0C6255-24FB-514A-BC3A-8B9DA5F14A35}"/>
-              </a:ext>
-            </a:extLst>
-          </p:cNvPr>
-          <p:cNvSpPr/>
+          <a:noFill/>
+        </p:spPr>
+        <p:txBody>
+          <a:bodyPr wrap="square" rtlCol="0">
+            <a:spAutoFit/>
+          </a:bodyPr>
+          <a:lstStyle/>
+          <a:p>
+            <a:pPr marL="285750" indent="-285750">
+              <a:buFont typeface="Arial" panose="020B0604020202020204" pitchFamily="34" charset="0"/>
+              <a:buChar char="•"/>
+            </a:pPr>
+            <a:r>
+              <a:rPr lang="en-US" sz="3200" dirty="0"/>
+              <a:t>Kotlin is interoperable and easy to learn</a:t>
+            </a:r>
+          </a:p>
+          <a:p>
+            <a:pPr marL="742950" lvl="1" indent="-285750">
+              <a:buFont typeface="Arial" panose="020B0604020202020204" pitchFamily="34" charset="0"/>
+              <a:buChar char="•"/>
+            </a:pPr>
+            <a:r>
+              <a:rPr lang="en-US" sz="2000" dirty="0"/>
+              <a:t>Simple to start integrating </a:t>
+            </a:r>
+            <a:r>
+              <a:rPr lang="en-US" sz="2000" dirty="0" err="1"/>
+              <a:t>kotlin</a:t>
+            </a:r>
+            <a:r>
+              <a:rPr lang="en-US" sz="2000" dirty="0"/>
+              <a:t> into existing projects as well as starting new projects with </a:t>
+            </a:r>
+            <a:r>
+              <a:rPr lang="en-US" sz="2000" dirty="0" err="1"/>
+              <a:t>kotlin</a:t>
+            </a:r>
+            <a:endParaRPr lang="en-US" sz="2000" dirty="0"/>
+          </a:p>
+          <a:p>
+            <a:pPr marL="285750" indent="-285750">
+              <a:buFont typeface="Arial" panose="020B0604020202020204" pitchFamily="34" charset="0"/>
+              <a:buChar char="•"/>
+            </a:pPr>
+            <a:endParaRPr lang="en-US" sz="2000" dirty="0"/>
+          </a:p>
+        </p:txBody>
+      </p:sp>
+      <p:sp>
+        <p:nvSpPr>
+          <p:cNvPr id="25" name="TextBox 24">
+            <a:extLst>
+              <a:ext uri="{FF2B5EF4-FFF2-40B4-BE49-F238E27FC236}">
+                <a16:creationId xmlns:a16="http://schemas.microsoft.com/office/drawing/2014/main" id="{7B58FD2D-C943-C547-B3BB-3B61E2925792}"/>
+              </a:ext>
+            </a:extLst>
+          </p:cNvPr>
+          <p:cNvSpPr txBox="1"/>
           <p:nvPr/>
         </p:nvSpPr>
         <p:spPr>
           <a:xfrm>
-            <a:off x="749318" y="4127066"/>
-            <a:ext cx="2582514" cy="485242"/>
+            <a:off x="3321424" y="4928459"/>
+            <a:ext cx="7853082" cy="1508105"/>
           </a:xfrm>
           <a:prstGeom prst="rect">
             <a:avLst/>
           </a:prstGeom>
-          <a:solidFill>
-            <a:schemeClr val="accent6">
-              <a:lumMod val="50000"/>
-            </a:schemeClr>
-          </a:solidFill>
-        </p:spPr>
-        <p:style>
-          <a:lnRef idx="2">
-            <a:schemeClr val="accent1">
-              <a:shade val="50000"/>
-            </a:schemeClr>
-          </a:lnRef>
-          <a:fillRef idx="1">
-            <a:schemeClr val="accent1"/>
-          </a:fillRef>
-          <a:effectRef idx="0">
-            <a:schemeClr val="accent1"/>
-          </a:effectRef>
-          <a:fontRef idx="minor">
-            <a:schemeClr val="lt1"/>
-          </a:fontRef>
-        </p:style>
-        <p:txBody>
-          <a:bodyPr rtlCol="0" anchor="ctr" anchorCtr="0"/>
-          <a:lstStyle/>
-          <a:p>
-            <a:pPr algn="ctr"/>
-            <a:r>
-              <a:rPr lang="en-US" sz="2000" dirty="0">
-                <a:solidFill>
-                  <a:schemeClr val="bg1"/>
-                </a:solidFill>
-              </a:rPr>
-              <a:t>Virtual OS</a:t>
-            </a:r>
-          </a:p>
-        </p:txBody>
-      </p:sp>
-      <p:sp>
-        <p:nvSpPr>
-          <p:cNvPr id="25" name="Rectangle 24">
-            <a:extLst>
-              <a:ext uri="{FF2B5EF4-FFF2-40B4-BE49-F238E27FC236}">
-                <a16:creationId xmlns:a16="http://schemas.microsoft.com/office/drawing/2014/main" id="{F1D1E77B-9242-0944-B414-E7FC9E82818C}"/>
-              </a:ext>
-            </a:extLst>
-          </p:cNvPr>
-          <p:cNvSpPr/>
-          <p:nvPr/>
-        </p:nvSpPr>
-        <p:spPr>
-          <a:xfrm>
-            <a:off x="4232755" y="5479610"/>
-            <a:ext cx="7121045" cy="1200329"/>
-          </a:xfrm>
-          <a:prstGeom prst="rect">
-            <a:avLst/>
-          </a:prstGeom>
-        </p:spPr>
-        <p:txBody>
-          <a:bodyPr wrap="square">
+          <a:noFill/>
+        </p:spPr>
+        <p:txBody>
+          <a:bodyPr wrap="square" rtlCol="0">
             <a:spAutoFit/>
           </a:bodyPr>
           <a:lstStyle/>
           <a:p>
-            <a:r>
-              <a:rPr lang="en-US" sz="2400" i="1" dirty="0"/>
-              <a:t>Unrelated – some are speculating that server-side </a:t>
-            </a:r>
-            <a:r>
-              <a:rPr lang="en-US" sz="2400" i="1" dirty="0" err="1"/>
-              <a:t>webassembly</a:t>
-            </a:r>
-            <a:r>
-              <a:rPr lang="en-US" sz="2400" i="1" dirty="0"/>
-              <a:t> will be the “next thing” to take over from docker</a:t>
-            </a:r>
+            <a:pPr marL="285750" indent="-285750">
+              <a:buFont typeface="Arial" panose="020B0604020202020204" pitchFamily="34" charset="0"/>
+              <a:buChar char="•"/>
+            </a:pPr>
+            <a:r>
+              <a:rPr lang="en-US" sz="3200" dirty="0"/>
+              <a:t>Kotlin is popular</a:t>
+            </a:r>
+          </a:p>
+          <a:p>
+            <a:pPr marL="742950" lvl="1" indent="-285750">
+              <a:buFont typeface="Arial" panose="020B0604020202020204" pitchFamily="34" charset="0"/>
+              <a:buChar char="•"/>
+            </a:pPr>
+            <a:r>
+              <a:rPr lang="en-US" sz="2000" dirty="0"/>
+              <a:t>Kotlin’s killer use case was Android development, but has now expanded as a popular choice with traditional Java developers</a:t>
+            </a:r>
+          </a:p>
+          <a:p>
+            <a:pPr marL="285750" indent="-285750">
+              <a:buFont typeface="Arial" panose="020B0604020202020204" pitchFamily="34" charset="0"/>
+              <a:buChar char="•"/>
+            </a:pPr>
+            <a:endParaRPr lang="en-US" sz="2000" dirty="0"/>
           </a:p>
         </p:txBody>
       </p:sp>
     </p:spTree>
     <p:extLst>
       <p:ext uri="{BB962C8B-B14F-4D97-AF65-F5344CB8AC3E}">
-        <p14:creationId xmlns:p14="http://schemas.microsoft.com/office/powerpoint/2010/main" val="2309402726"/>
+        <p14:creationId xmlns:p14="http://schemas.microsoft.com/office/powerpoint/2010/main" val="115277274"/>
       </p:ext>
     </p:extLst>
   </p:cSld>
@@ -8661,7 +8562,7 @@
             </a:br>
             <a:r>
               <a:rPr lang="en-US" sz="4000" b="1" dirty="0"/>
-              <a:t>Avoid the JVM for largely Net New efforts, Part 3</a:t>
+              <a:t>Avoid the JVM for largely Net New efforts, Part 1</a:t>
             </a:r>
           </a:p>
         </p:txBody>
@@ -8714,8 +8615,8 @@
         </p:nvSpPr>
         <p:spPr>
           <a:xfrm>
-            <a:off x="1013086" y="3216699"/>
-            <a:ext cx="1791498" cy="461665"/>
+            <a:off x="416860" y="5126155"/>
+            <a:ext cx="3363686" cy="461665"/>
           </a:xfrm>
           <a:prstGeom prst="rect">
             <a:avLst/>
@@ -8729,64 +8630,17 @@
           <a:p>
             <a:r>
               <a:rPr lang="en-US" sz="2400" dirty="0"/>
-              <a:t>Docker OK</a:t>
-            </a:r>
-          </a:p>
-        </p:txBody>
-      </p:sp>
-      <p:pic>
-        <p:nvPicPr>
-          <p:cNvPr id="4098" name="Picture 2" descr="Docker Logos - Docker">
-            <a:extLst>
-              <a:ext uri="{FF2B5EF4-FFF2-40B4-BE49-F238E27FC236}">
-                <a16:creationId xmlns:a16="http://schemas.microsoft.com/office/drawing/2014/main" id="{DDED687B-57C9-5A48-A2B5-67895D7C82CF}"/>
-              </a:ext>
-            </a:extLst>
-          </p:cNvPr>
-          <p:cNvPicPr>
-            <a:picLocks noChangeAspect="1" noChangeArrowheads="1"/>
-          </p:cNvPicPr>
-          <p:nvPr/>
-        </p:nvPicPr>
-        <p:blipFill>
-          <a:blip r:embed="rId2">
-            <a:extLst>
-              <a:ext uri="{28A0092B-C50C-407E-A947-70E740481C1C}">
-                <a14:useLocalDpi xmlns:a14="http://schemas.microsoft.com/office/drawing/2010/main" val="0"/>
-              </a:ext>
-            </a:extLst>
-          </a:blip>
-          <a:srcRect/>
-          <a:stretch>
-            <a:fillRect/>
-          </a:stretch>
-        </p:blipFill>
-        <p:spPr bwMode="auto">
-          <a:xfrm>
-            <a:off x="853987" y="1408552"/>
-            <a:ext cx="2321985" cy="1664819"/>
-          </a:xfrm>
-          <a:prstGeom prst="rect">
-            <a:avLst/>
-          </a:prstGeom>
-          <a:noFill/>
-          <a:extLst>
-            <a:ext uri="{909E8E84-426E-40DD-AFC4-6F175D3DCCD1}">
-              <a14:hiddenFill xmlns:a14="http://schemas.microsoft.com/office/drawing/2010/main">
-                <a:solidFill>
-                  <a:srgbClr val="FFFFFF"/>
-                </a:solidFill>
-              </a14:hiddenFill>
-            </a:ext>
-          </a:extLst>
-        </p:spPr>
-      </p:pic>
-      <p:sp>
-        <p:nvSpPr>
-          <p:cNvPr id="17" name="Rectangle 16">
-            <a:extLst>
-              <a:ext uri="{FF2B5EF4-FFF2-40B4-BE49-F238E27FC236}">
-                <a16:creationId xmlns:a16="http://schemas.microsoft.com/office/drawing/2014/main" id="{B7134BE2-BF0C-D743-899C-B6167648BF1E}"/>
+              <a:t>Overall JVM Architecture</a:t>
+            </a:r>
+          </a:p>
+        </p:txBody>
+      </p:sp>
+      <p:sp>
+        <p:nvSpPr>
+          <p:cNvPr id="10" name="Rectangle 9">
+            <a:extLst>
+              <a:ext uri="{FF2B5EF4-FFF2-40B4-BE49-F238E27FC236}">
+                <a16:creationId xmlns:a16="http://schemas.microsoft.com/office/drawing/2014/main" id="{9BD9C7B9-71E4-E547-A76A-108DE13B69CB}"/>
               </a:ext>
             </a:extLst>
           </p:cNvPr>
@@ -8795,8 +8649,8 @@
         </p:nvSpPr>
         <p:spPr>
           <a:xfrm>
-            <a:off x="7056667" y="1327531"/>
-            <a:ext cx="3363686" cy="5006034"/>
+            <a:off x="416859" y="1537221"/>
+            <a:ext cx="3363686" cy="3392300"/>
           </a:xfrm>
           <a:prstGeom prst="rect">
             <a:avLst/>
@@ -8825,17 +8679,17 @@
             <a:pPr algn="ctr"/>
             <a:r>
               <a:rPr lang="en-US" dirty="0"/>
-              <a:t>Docker Engine</a:t>
-            </a:r>
-          </a:p>
-        </p:txBody>
-      </p:sp>
-      <p:sp>
-        <p:nvSpPr>
-          <p:cNvPr id="20" name="Rectangle 19">
-            <a:extLst>
-              <a:ext uri="{FF2B5EF4-FFF2-40B4-BE49-F238E27FC236}">
-                <a16:creationId xmlns:a16="http://schemas.microsoft.com/office/drawing/2014/main" id="{61227CCC-7F63-3E4F-A1EA-799C164C494B}"/>
+              <a:t>Java Virtual Machine</a:t>
+            </a:r>
+          </a:p>
+        </p:txBody>
+      </p:sp>
+      <p:sp>
+        <p:nvSpPr>
+          <p:cNvPr id="11" name="Rectangle 10">
+            <a:extLst>
+              <a:ext uri="{FF2B5EF4-FFF2-40B4-BE49-F238E27FC236}">
+                <a16:creationId xmlns:a16="http://schemas.microsoft.com/office/drawing/2014/main" id="{205B166A-0CA3-B94D-BB46-6BD69D40F672}"/>
               </a:ext>
             </a:extLst>
           </p:cNvPr>
@@ -8844,8 +8698,8 @@
         </p:nvSpPr>
         <p:spPr>
           <a:xfrm>
-            <a:off x="7247612" y="1761565"/>
-            <a:ext cx="3062796" cy="4352739"/>
+            <a:off x="607805" y="2018519"/>
+            <a:ext cx="3062794" cy="578865"/>
           </a:xfrm>
           <a:prstGeom prst="rect">
             <a:avLst/>
@@ -8871,7 +8725,7 @@
           </a:fontRef>
         </p:style>
         <p:txBody>
-          <a:bodyPr rtlCol="0" anchor="t" anchorCtr="0"/>
+          <a:bodyPr rtlCol="0" anchor="ctr" anchorCtr="0"/>
           <a:lstStyle/>
           <a:p>
             <a:pPr algn="ctr"/>
@@ -8881,17 +8735,17 @@
                   <a:schemeClr val="tx1"/>
                 </a:solidFill>
               </a:rPr>
-              <a:t>Docker Image</a:t>
-            </a:r>
-          </a:p>
-        </p:txBody>
-      </p:sp>
-      <p:sp>
-        <p:nvSpPr>
-          <p:cNvPr id="24" name="Rectangle 23">
-            <a:extLst>
-              <a:ext uri="{FF2B5EF4-FFF2-40B4-BE49-F238E27FC236}">
-                <a16:creationId xmlns:a16="http://schemas.microsoft.com/office/drawing/2014/main" id="{1D0C6255-24FB-514A-BC3A-8B9DA5F14A35}"/>
+              <a:t>JVM Runtime</a:t>
+            </a:r>
+          </a:p>
+        </p:txBody>
+      </p:sp>
+      <p:sp>
+        <p:nvSpPr>
+          <p:cNvPr id="13" name="Rectangle 12">
+            <a:extLst>
+              <a:ext uri="{FF2B5EF4-FFF2-40B4-BE49-F238E27FC236}">
+                <a16:creationId xmlns:a16="http://schemas.microsoft.com/office/drawing/2014/main" id="{ED060E6C-A3BF-BC43-B127-1BE057D424A1}"/>
               </a:ext>
             </a:extLst>
           </p:cNvPr>
@@ -8900,16 +8754,14 @@
         </p:nvSpPr>
         <p:spPr>
           <a:xfrm>
-            <a:off x="7487753" y="2240961"/>
-            <a:ext cx="2582514" cy="485242"/>
+            <a:off x="607804" y="3410149"/>
+            <a:ext cx="3062796" cy="1262102"/>
           </a:xfrm>
           <a:prstGeom prst="rect">
             <a:avLst/>
           </a:prstGeom>
           <a:solidFill>
-            <a:schemeClr val="accent6">
-              <a:lumMod val="50000"/>
-            </a:schemeClr>
+            <a:schemeClr val="bg1"/>
           </a:solidFill>
         </p:spPr>
         <p:style>
@@ -8929,27 +8781,27 @@
           </a:fontRef>
         </p:style>
         <p:txBody>
-          <a:bodyPr rtlCol="0" anchor="ctr" anchorCtr="0"/>
+          <a:bodyPr rtlCol="0" anchor="t" anchorCtr="0"/>
           <a:lstStyle/>
           <a:p>
             <a:pPr algn="ctr"/>
             <a:r>
               <a:rPr lang="en-US" sz="2000" dirty="0">
                 <a:solidFill>
-                  <a:schemeClr val="bg1"/>
+                  <a:schemeClr val="tx1"/>
                 </a:solidFill>
               </a:rPr>
-              <a:t>Virtual OS</a:t>
-            </a:r>
-          </a:p>
-        </p:txBody>
-      </p:sp>
-      <p:sp>
-        <p:nvSpPr>
-          <p:cNvPr id="12" name="Rectangle 11">
-            <a:extLst>
-              <a:ext uri="{FF2B5EF4-FFF2-40B4-BE49-F238E27FC236}">
-                <a16:creationId xmlns:a16="http://schemas.microsoft.com/office/drawing/2014/main" id="{A6DE1719-5E3E-8F48-BE7A-E9925964A24B}"/>
+              <a:t>JVM Workloads</a:t>
+            </a:r>
+          </a:p>
+        </p:txBody>
+      </p:sp>
+      <p:sp>
+        <p:nvSpPr>
+          <p:cNvPr id="14" name="Rectangle 13">
+            <a:extLst>
+              <a:ext uri="{FF2B5EF4-FFF2-40B4-BE49-F238E27FC236}">
+                <a16:creationId xmlns:a16="http://schemas.microsoft.com/office/drawing/2014/main" id="{7E9A82FA-FCB0-6940-983C-DDC4CEE6090A}"/>
               </a:ext>
             </a:extLst>
           </p:cNvPr>
@@ -8958,14 +8810,17 @@
         </p:nvSpPr>
         <p:spPr>
           <a:xfrm>
-            <a:off x="7499196" y="2726204"/>
-            <a:ext cx="2571071" cy="3182602"/>
+            <a:off x="833040" y="3900695"/>
+            <a:ext cx="2582514" cy="578865"/>
           </a:xfrm>
           <a:prstGeom prst="rect">
             <a:avLst/>
           </a:prstGeom>
           <a:solidFill>
-            <a:schemeClr val="accent2"/>
+            <a:schemeClr val="accent6">
+              <a:lumMod val="20000"/>
+              <a:lumOff val="80000"/>
+            </a:schemeClr>
           </a:solidFill>
         </p:spPr>
         <p:style>
@@ -8985,27 +8840,27 @@
           </a:fontRef>
         </p:style>
         <p:txBody>
-          <a:bodyPr rtlCol="0" anchor="t" anchorCtr="0"/>
+          <a:bodyPr rtlCol="0" anchor="ctr" anchorCtr="0"/>
           <a:lstStyle/>
           <a:p>
             <a:pPr algn="ctr"/>
             <a:r>
               <a:rPr lang="en-US" sz="2000" dirty="0">
                 <a:solidFill>
-                  <a:schemeClr val="bg1"/>
+                  <a:schemeClr val="tx1"/>
                 </a:solidFill>
               </a:rPr>
-              <a:t>JVM</a:t>
-            </a:r>
-          </a:p>
-        </p:txBody>
-      </p:sp>
-      <p:sp>
-        <p:nvSpPr>
-          <p:cNvPr id="13" name="Rectangle 12">
-            <a:extLst>
-              <a:ext uri="{FF2B5EF4-FFF2-40B4-BE49-F238E27FC236}">
-                <a16:creationId xmlns:a16="http://schemas.microsoft.com/office/drawing/2014/main" id="{40D60C4E-BD61-9C4C-8E5A-253CBBEEC5A8}"/>
+              <a:t>Your Code is Here</a:t>
+            </a:r>
+          </a:p>
+        </p:txBody>
+      </p:sp>
+      <p:sp>
+        <p:nvSpPr>
+          <p:cNvPr id="16" name="Rectangle 15">
+            <a:extLst>
+              <a:ext uri="{FF2B5EF4-FFF2-40B4-BE49-F238E27FC236}">
+                <a16:creationId xmlns:a16="http://schemas.microsoft.com/office/drawing/2014/main" id="{ED117790-0FD8-6042-9467-EE77BE5944FF}"/>
               </a:ext>
             </a:extLst>
           </p:cNvPr>
@@ -9014,8 +8869,8 @@
         </p:nvSpPr>
         <p:spPr>
           <a:xfrm>
-            <a:off x="7609142" y="3139567"/>
-            <a:ext cx="2341682" cy="578865"/>
+            <a:off x="607805" y="2719584"/>
+            <a:ext cx="3062794" cy="578865"/>
           </a:xfrm>
           <a:prstGeom prst="rect">
             <a:avLst/>
@@ -9051,308 +8906,172 @@
                   <a:schemeClr val="tx1"/>
                 </a:solidFill>
               </a:rPr>
-              <a:t>JVM Runtime</a:t>
-            </a:r>
-          </a:p>
-        </p:txBody>
-      </p:sp>
-      <p:sp>
-        <p:nvSpPr>
-          <p:cNvPr id="14" name="Rectangle 13">
-            <a:extLst>
-              <a:ext uri="{FF2B5EF4-FFF2-40B4-BE49-F238E27FC236}">
-                <a16:creationId xmlns:a16="http://schemas.microsoft.com/office/drawing/2014/main" id="{634380C2-3442-FF4E-894A-7A65DAC255C4}"/>
-              </a:ext>
-            </a:extLst>
-          </p:cNvPr>
-          <p:cNvSpPr/>
+              <a:t>JVM Ecosystem</a:t>
+            </a:r>
+          </a:p>
+        </p:txBody>
+      </p:sp>
+      <p:sp>
+        <p:nvSpPr>
+          <p:cNvPr id="15" name="TextBox 14">
+            <a:extLst>
+              <a:ext uri="{FF2B5EF4-FFF2-40B4-BE49-F238E27FC236}">
+                <a16:creationId xmlns:a16="http://schemas.microsoft.com/office/drawing/2014/main" id="{8C3189C0-4BE0-5E42-9C50-C9B9099BFCC6}"/>
+              </a:ext>
+            </a:extLst>
+          </p:cNvPr>
+          <p:cNvSpPr txBox="1"/>
           <p:nvPr/>
         </p:nvSpPr>
         <p:spPr>
           <a:xfrm>
-            <a:off x="7609141" y="4531197"/>
-            <a:ext cx="2341682" cy="1262102"/>
-          </a:xfrm>
-          <a:prstGeom prst="rect">
-            <a:avLst/>
-          </a:prstGeom>
-          <a:solidFill>
-            <a:schemeClr val="bg1"/>
-          </a:solidFill>
-        </p:spPr>
-        <p:style>
-          <a:lnRef idx="2">
-            <a:schemeClr val="accent1">
-              <a:shade val="50000"/>
-            </a:schemeClr>
-          </a:lnRef>
-          <a:fillRef idx="1">
-            <a:schemeClr val="accent1"/>
-          </a:fillRef>
-          <a:effectRef idx="0">
-            <a:schemeClr val="accent1"/>
-          </a:effectRef>
-          <a:fontRef idx="minor">
-            <a:schemeClr val="lt1"/>
-          </a:fontRef>
-        </p:style>
-        <p:txBody>
-          <a:bodyPr rtlCol="0" anchor="t" anchorCtr="0"/>
-          <a:lstStyle/>
-          <a:p>
-            <a:pPr algn="ctr"/>
-            <a:r>
-              <a:rPr lang="en-US" sz="2000" dirty="0">
-                <a:solidFill>
-                  <a:schemeClr val="tx1"/>
-                </a:solidFill>
-              </a:rPr>
-              <a:t>JVM Workloads</a:t>
-            </a:r>
-          </a:p>
-        </p:txBody>
-      </p:sp>
-      <p:sp>
-        <p:nvSpPr>
-          <p:cNvPr id="16" name="Rectangle 15">
-            <a:extLst>
-              <a:ext uri="{FF2B5EF4-FFF2-40B4-BE49-F238E27FC236}">
-                <a16:creationId xmlns:a16="http://schemas.microsoft.com/office/drawing/2014/main" id="{2BF129E9-EE32-5244-8B4E-DEAC01D17EA0}"/>
-              </a:ext>
-            </a:extLst>
-          </p:cNvPr>
-          <p:cNvSpPr/>
-          <p:nvPr/>
-        </p:nvSpPr>
-        <p:spPr>
-          <a:xfrm>
-            <a:off x="7834377" y="5021743"/>
-            <a:ext cx="1955082" cy="578865"/>
-          </a:xfrm>
-          <a:prstGeom prst="rect">
-            <a:avLst/>
-          </a:prstGeom>
-          <a:solidFill>
-            <a:schemeClr val="accent6">
-              <a:lumMod val="20000"/>
-              <a:lumOff val="80000"/>
-            </a:schemeClr>
-          </a:solidFill>
-        </p:spPr>
-        <p:style>
-          <a:lnRef idx="2">
-            <a:schemeClr val="accent1">
-              <a:shade val="50000"/>
-            </a:schemeClr>
-          </a:lnRef>
-          <a:fillRef idx="1">
-            <a:schemeClr val="accent1"/>
-          </a:fillRef>
-          <a:effectRef idx="0">
-            <a:schemeClr val="accent1"/>
-          </a:effectRef>
-          <a:fontRef idx="minor">
-            <a:schemeClr val="lt1"/>
-          </a:fontRef>
-        </p:style>
-        <p:txBody>
-          <a:bodyPr rtlCol="0" anchor="ctr" anchorCtr="0"/>
-          <a:lstStyle/>
-          <a:p>
-            <a:pPr algn="ctr"/>
-            <a:r>
-              <a:rPr lang="en-US" sz="2000" dirty="0">
-                <a:solidFill>
-                  <a:schemeClr val="tx1"/>
-                </a:solidFill>
-              </a:rPr>
-              <a:t>Your Code is Here</a:t>
-            </a:r>
-          </a:p>
-        </p:txBody>
-      </p:sp>
-      <p:sp>
-        <p:nvSpPr>
-          <p:cNvPr id="18" name="Rectangle 17">
-            <a:extLst>
-              <a:ext uri="{FF2B5EF4-FFF2-40B4-BE49-F238E27FC236}">
-                <a16:creationId xmlns:a16="http://schemas.microsoft.com/office/drawing/2014/main" id="{14109FC5-795B-574A-BAEA-8023DA3D7C14}"/>
-              </a:ext>
-            </a:extLst>
-          </p:cNvPr>
-          <p:cNvSpPr/>
-          <p:nvPr/>
-        </p:nvSpPr>
-        <p:spPr>
-          <a:xfrm>
-            <a:off x="7609142" y="3840632"/>
-            <a:ext cx="2341682" cy="578865"/>
-          </a:xfrm>
-          <a:prstGeom prst="rect">
-            <a:avLst/>
-          </a:prstGeom>
-          <a:solidFill>
-            <a:schemeClr val="bg1"/>
-          </a:solidFill>
-        </p:spPr>
-        <p:style>
-          <a:lnRef idx="2">
-            <a:schemeClr val="accent1">
-              <a:shade val="50000"/>
-            </a:schemeClr>
-          </a:lnRef>
-          <a:fillRef idx="1">
-            <a:schemeClr val="accent1"/>
-          </a:fillRef>
-          <a:effectRef idx="0">
-            <a:schemeClr val="accent1"/>
-          </a:effectRef>
-          <a:fontRef idx="minor">
-            <a:schemeClr val="lt1"/>
-          </a:fontRef>
-        </p:style>
-        <p:txBody>
-          <a:bodyPr rtlCol="0" anchor="ctr" anchorCtr="0"/>
-          <a:lstStyle/>
-          <a:p>
-            <a:pPr algn="ctr"/>
-            <a:r>
-              <a:rPr lang="en-US" sz="2000" dirty="0">
-                <a:solidFill>
-                  <a:schemeClr val="tx1"/>
-                </a:solidFill>
-              </a:rPr>
-              <a:t>JVM Ecosystem</a:t>
-            </a:r>
-          </a:p>
-        </p:txBody>
-      </p:sp>
-      <p:pic>
-        <p:nvPicPr>
-          <p:cNvPr id="19" name="Picture 4" descr="ProSyst mBS SDK 8.2: Overview">
-            <a:extLst>
-              <a:ext uri="{FF2B5EF4-FFF2-40B4-BE49-F238E27FC236}">
-                <a16:creationId xmlns:a16="http://schemas.microsoft.com/office/drawing/2014/main" id="{7F959B0F-7B97-D54D-B575-75B45A78FF46}"/>
-              </a:ext>
-            </a:extLst>
-          </p:cNvPr>
-          <p:cNvPicPr>
-            <a:picLocks noChangeAspect="1" noChangeArrowheads="1"/>
-          </p:cNvPicPr>
-          <p:nvPr/>
-        </p:nvPicPr>
-        <p:blipFill>
-          <a:blip r:embed="rId3">
-            <a:extLst>
-              <a:ext uri="{28A0092B-C50C-407E-A947-70E740481C1C}">
-                <a14:useLocalDpi xmlns:a14="http://schemas.microsoft.com/office/drawing/2010/main" val="0"/>
-              </a:ext>
-            </a:extLst>
-          </a:blip>
-          <a:srcRect/>
-          <a:stretch>
-            <a:fillRect/>
-          </a:stretch>
-        </p:blipFill>
-        <p:spPr bwMode="auto">
-          <a:xfrm>
-            <a:off x="768555" y="3965827"/>
-            <a:ext cx="1868613" cy="1401460"/>
+            <a:off x="3971491" y="1593230"/>
+            <a:ext cx="7853082" cy="2431435"/>
           </a:xfrm>
           <a:prstGeom prst="rect">
             <a:avLst/>
           </a:prstGeom>
           <a:noFill/>
-          <a:extLst>
-            <a:ext uri="{909E8E84-426E-40DD-AFC4-6F175D3DCCD1}">
-              <a14:hiddenFill xmlns:a14="http://schemas.microsoft.com/office/drawing/2010/main">
-                <a:solidFill>
-                  <a:srgbClr val="FFFFFF"/>
-                </a:solidFill>
-              </a14:hiddenFill>
-            </a:ext>
-          </a:extLst>
-        </p:spPr>
-      </p:pic>
-      <p:sp>
-        <p:nvSpPr>
-          <p:cNvPr id="22" name="Rectangle 21">
-            <a:extLst>
-              <a:ext uri="{FF2B5EF4-FFF2-40B4-BE49-F238E27FC236}">
-                <a16:creationId xmlns:a16="http://schemas.microsoft.com/office/drawing/2014/main" id="{673F27D6-137B-3147-BA99-7BED23AE8FAC}"/>
-              </a:ext>
-            </a:extLst>
-          </p:cNvPr>
-          <p:cNvSpPr/>
+        </p:spPr>
+        <p:txBody>
+          <a:bodyPr wrap="square" rtlCol="0">
+            <a:spAutoFit/>
+          </a:bodyPr>
+          <a:lstStyle/>
+          <a:p>
+            <a:pPr marL="285750" indent="-285750">
+              <a:buFont typeface="Arial" panose="020B0604020202020204" pitchFamily="34" charset="0"/>
+              <a:buChar char="•"/>
+            </a:pPr>
+            <a:r>
+              <a:rPr lang="en-US" sz="3200" dirty="0"/>
+              <a:t>JVM Benefits </a:t>
+            </a:r>
+          </a:p>
+          <a:p>
+            <a:pPr marL="742950" lvl="1" indent="-285750">
+              <a:buFont typeface="Arial" panose="020B0604020202020204" pitchFamily="34" charset="0"/>
+              <a:buChar char="•"/>
+            </a:pPr>
+            <a:r>
+              <a:rPr lang="en-US" sz="2000" dirty="0"/>
+              <a:t>Provides isolated environment for executing your code</a:t>
+            </a:r>
+          </a:p>
+          <a:p>
+            <a:pPr marL="742950" lvl="1" indent="-285750">
+              <a:buFont typeface="Arial" panose="020B0604020202020204" pitchFamily="34" charset="0"/>
+              <a:buChar char="•"/>
+            </a:pPr>
+            <a:r>
+              <a:rPr lang="en-US" sz="2000" dirty="0"/>
+              <a:t>Provides runtime management for your executing code</a:t>
+            </a:r>
+          </a:p>
+          <a:p>
+            <a:pPr marL="742950" lvl="1" indent="-285750">
+              <a:buFont typeface="Arial" panose="020B0604020202020204" pitchFamily="34" charset="0"/>
+              <a:buChar char="•"/>
+            </a:pPr>
+            <a:r>
+              <a:rPr lang="en-US" sz="2000" dirty="0"/>
+              <a:t>Provides multi-threaded, and multi-process abstractions on top of OS</a:t>
+            </a:r>
+          </a:p>
+          <a:p>
+            <a:pPr marL="742950" lvl="1" indent="-285750">
+              <a:buFont typeface="Arial" panose="020B0604020202020204" pitchFamily="34" charset="0"/>
+              <a:buChar char="•"/>
+            </a:pPr>
+            <a:r>
+              <a:rPr lang="en-US" sz="2000" dirty="0"/>
+              <a:t>Portable across Operating systems</a:t>
+            </a:r>
+          </a:p>
+          <a:p>
+            <a:pPr marL="285750" indent="-285750">
+              <a:buFont typeface="Arial" panose="020B0604020202020204" pitchFamily="34" charset="0"/>
+              <a:buChar char="•"/>
+            </a:pPr>
+            <a:endParaRPr lang="en-US" sz="2000" dirty="0"/>
+          </a:p>
+        </p:txBody>
+      </p:sp>
+      <p:sp>
+        <p:nvSpPr>
+          <p:cNvPr id="18" name="TextBox 17">
+            <a:extLst>
+              <a:ext uri="{FF2B5EF4-FFF2-40B4-BE49-F238E27FC236}">
+                <a16:creationId xmlns:a16="http://schemas.microsoft.com/office/drawing/2014/main" id="{78608F57-9DD2-CD40-851D-4CB74B94C477}"/>
+              </a:ext>
+            </a:extLst>
+          </p:cNvPr>
+          <p:cNvSpPr txBox="1"/>
           <p:nvPr/>
         </p:nvSpPr>
         <p:spPr>
           <a:xfrm>
-            <a:off x="1119230" y="5413175"/>
-            <a:ext cx="1791498" cy="461665"/>
+            <a:off x="4005781" y="3959467"/>
+            <a:ext cx="7853082" cy="1508105"/>
           </a:xfrm>
           <a:prstGeom prst="rect">
             <a:avLst/>
           </a:prstGeom>
-        </p:spPr>
-        <p:txBody>
-          <a:bodyPr wrap="square">
+          <a:noFill/>
+        </p:spPr>
+        <p:txBody>
+          <a:bodyPr wrap="square" rtlCol="0">
             <a:spAutoFit/>
           </a:bodyPr>
           <a:lstStyle/>
           <a:p>
-            <a:r>
-              <a:rPr lang="en-US" sz="2400" dirty="0"/>
-              <a:t>JVM OK</a:t>
-            </a:r>
-          </a:p>
-        </p:txBody>
-      </p:sp>
-      <p:sp>
-        <p:nvSpPr>
-          <p:cNvPr id="25" name="Rectangle 24">
-            <a:extLst>
-              <a:ext uri="{FF2B5EF4-FFF2-40B4-BE49-F238E27FC236}">
-                <a16:creationId xmlns:a16="http://schemas.microsoft.com/office/drawing/2014/main" id="{86B084B8-3748-574B-A51A-FCCC0E78E487}"/>
-              </a:ext>
-            </a:extLst>
-          </p:cNvPr>
-          <p:cNvSpPr/>
-          <p:nvPr/>
-        </p:nvSpPr>
-        <p:spPr>
-          <a:xfrm>
-            <a:off x="4893781" y="2391959"/>
-            <a:ext cx="1791498" cy="1938992"/>
-          </a:xfrm>
-          <a:prstGeom prst="rect">
-            <a:avLst/>
-          </a:prstGeom>
-        </p:spPr>
-        <p:txBody>
-          <a:bodyPr wrap="square">
-            <a:spAutoFit/>
-          </a:bodyPr>
-          <a:lstStyle/>
-          <a:p>
-            <a:r>
-              <a:rPr lang="en-US" sz="2400" dirty="0"/>
-              <a:t>Thoughts on</a:t>
-            </a:r>
-            <a:br>
-              <a:rPr lang="en-US" sz="2400" dirty="0"/>
-            </a:br>
-            <a:r>
-              <a:rPr lang="en-US" sz="2400" dirty="0"/>
-              <a:t>Embedding the JVM in a Docker Container?</a:t>
-            </a:r>
+            <a:pPr marL="285750" indent="-285750">
+              <a:buFont typeface="Arial" panose="020B0604020202020204" pitchFamily="34" charset="0"/>
+              <a:buChar char="•"/>
+            </a:pPr>
+            <a:r>
+              <a:rPr lang="en-US" sz="3200" dirty="0"/>
+              <a:t>JVM Limitations </a:t>
+            </a:r>
+          </a:p>
+          <a:p>
+            <a:pPr marL="742950" lvl="1" indent="-285750">
+              <a:buFont typeface="Arial" panose="020B0604020202020204" pitchFamily="34" charset="0"/>
+              <a:buChar char="•"/>
+            </a:pPr>
+            <a:r>
+              <a:rPr lang="en-US" sz="2000" dirty="0"/>
+              <a:t>Cold start times because the JVM adaptively optimizes</a:t>
+            </a:r>
+          </a:p>
+          <a:p>
+            <a:pPr marL="742950" lvl="1" indent="-285750">
+              <a:buFont typeface="Arial" panose="020B0604020202020204" pitchFamily="34" charset="0"/>
+              <a:buChar char="•"/>
+            </a:pPr>
+            <a:r>
+              <a:rPr lang="en-US" sz="2000" dirty="0"/>
+              <a:t>Only supports JVM-based languages – Java, Kotlin, </a:t>
+            </a:r>
+            <a:r>
+              <a:rPr lang="en-US" sz="2000" dirty="0" err="1"/>
+              <a:t>etc</a:t>
+            </a:r>
+            <a:endParaRPr lang="en-US" sz="2000" dirty="0"/>
+          </a:p>
+          <a:p>
+            <a:pPr marL="285750" indent="-285750">
+              <a:buFont typeface="Arial" panose="020B0604020202020204" pitchFamily="34" charset="0"/>
+              <a:buChar char="•"/>
+            </a:pPr>
+            <a:endParaRPr lang="en-US" sz="2000" dirty="0"/>
           </a:p>
         </p:txBody>
       </p:sp>
     </p:spTree>
     <p:extLst>
       <p:ext uri="{BB962C8B-B14F-4D97-AF65-F5344CB8AC3E}">
-        <p14:creationId xmlns:p14="http://schemas.microsoft.com/office/powerpoint/2010/main" val="1178882487"/>
+        <p14:creationId xmlns:p14="http://schemas.microsoft.com/office/powerpoint/2010/main" val="1532919205"/>
       </p:ext>
     </p:extLst>
   </p:cSld>
@@ -9381,10 +9100,52 @@
       </p:grpSpPr>
       <p:sp>
         <p:nvSpPr>
+          <p:cNvPr id="2" name="Title 1">
+            <a:extLst>
+              <a:ext uri="{FF2B5EF4-FFF2-40B4-BE49-F238E27FC236}">
+                <a16:creationId xmlns:a16="http://schemas.microsoft.com/office/drawing/2014/main" id="{8F29ACB7-3B63-49E7-96D7-15DA3109CDE5}"/>
+              </a:ext>
+            </a:extLst>
+          </p:cNvPr>
+          <p:cNvSpPr>
+            <a:spLocks noGrp="1"/>
+          </p:cNvSpPr>
+          <p:nvPr>
+            <p:ph type="title"/>
+          </p:nvPr>
+        </p:nvSpPr>
+        <p:spPr>
+          <a:xfrm>
+            <a:off x="39223" y="1969"/>
+            <a:ext cx="11617377" cy="1325563"/>
+          </a:xfrm>
+        </p:spPr>
+        <p:txBody>
+          <a:bodyPr>
+            <a:normAutofit/>
+          </a:bodyPr>
+          <a:lstStyle/>
+          <a:p>
+            <a:r>
+              <a:rPr lang="en-US" sz="4000" b="1" dirty="0"/>
+              <a:t>Arguing Recommendation 2</a:t>
+            </a:r>
+            <a:br>
+              <a:rPr lang="en-US" sz="4000" b="1" dirty="0"/>
+            </a:br>
+            <a:r>
+              <a:rPr lang="en-US" sz="4000" b="1" dirty="0"/>
+              <a:t>Avoid the JVM for largely Net New efforts, Part 2</a:t>
+            </a:r>
+          </a:p>
+        </p:txBody>
+      </p:sp>
+      <p:sp>
+        <p:nvSpPr>
           <p:cNvPr id="4" name="Slide Number Placeholder 3">
             <a:extLst>
               <a:ext uri="{FF2B5EF4-FFF2-40B4-BE49-F238E27FC236}">
-                <a16:creationId xmlns:a16="http://schemas.microsoft.com/office/drawing/2014/main" id="{20C5C833-51D4-4016-8613-78309C790EF8}"/>
+                <a16:creationId xmlns:a16="http://schemas.microsoft.com/office/drawing/2014/main" id="{542EAC42-38A0-4516-814B-016A18951906}"/>
               </a:ext>
             </a:extLst>
           </p:cNvPr>
@@ -9395,7 +9156,12 @@
             <p:ph type="sldNum" sz="quarter" idx="12"/>
           </p:nvPr>
         </p:nvSpPr>
-        <p:spPr/>
+        <p:spPr>
+          <a:xfrm>
+            <a:off x="8610600" y="6114304"/>
+            <a:ext cx="2743200" cy="365125"/>
+          </a:xfrm>
+        </p:spPr>
         <p:txBody>
           <a:bodyPr/>
           <a:lstStyle/>
@@ -9410,10 +9176,10 @@
       </p:sp>
       <p:sp>
         <p:nvSpPr>
-          <p:cNvPr id="7" name="Rectangle 6">
-            <a:extLst>
-              <a:ext uri="{FF2B5EF4-FFF2-40B4-BE49-F238E27FC236}">
-                <a16:creationId xmlns:a16="http://schemas.microsoft.com/office/drawing/2014/main" id="{D5E50A14-1818-6B41-93A8-F92D6E0DA292}"/>
+          <p:cNvPr id="8" name="Rectangle 7">
+            <a:extLst>
+              <a:ext uri="{FF2B5EF4-FFF2-40B4-BE49-F238E27FC236}">
+                <a16:creationId xmlns:a16="http://schemas.microsoft.com/office/drawing/2014/main" id="{DD4ACB9B-1C25-5B41-B459-1A6DC067AC89}"/>
               </a:ext>
             </a:extLst>
           </p:cNvPr>
@@ -9422,8 +9188,223 @@
         </p:nvSpPr>
         <p:spPr>
           <a:xfrm>
-            <a:off x="381000" y="1412392"/>
-            <a:ext cx="3363686" cy="4665662"/>
+            <a:off x="185220" y="6212899"/>
+            <a:ext cx="4117203" cy="461665"/>
+          </a:xfrm>
+          <a:prstGeom prst="rect">
+            <a:avLst/>
+          </a:prstGeom>
+        </p:spPr>
+        <p:txBody>
+          <a:bodyPr wrap="square">
+            <a:spAutoFit/>
+          </a:bodyPr>
+          <a:lstStyle/>
+          <a:p>
+            <a:r>
+              <a:rPr lang="en-US" sz="2400" dirty="0"/>
+              <a:t>Overall Docker Architecture</a:t>
+            </a:r>
+          </a:p>
+        </p:txBody>
+      </p:sp>
+      <p:sp>
+        <p:nvSpPr>
+          <p:cNvPr id="15" name="TextBox 14">
+            <a:extLst>
+              <a:ext uri="{FF2B5EF4-FFF2-40B4-BE49-F238E27FC236}">
+                <a16:creationId xmlns:a16="http://schemas.microsoft.com/office/drawing/2014/main" id="{8C3189C0-4BE0-5E42-9C50-C9B9099BFCC6}"/>
+              </a:ext>
+            </a:extLst>
+          </p:cNvPr>
+          <p:cNvSpPr txBox="1"/>
+          <p:nvPr/>
+        </p:nvSpPr>
+        <p:spPr>
+          <a:xfrm>
+            <a:off x="4005781" y="1450424"/>
+            <a:ext cx="7853082" cy="3662541"/>
+          </a:xfrm>
+          <a:prstGeom prst="rect">
+            <a:avLst/>
+          </a:prstGeom>
+          <a:noFill/>
+        </p:spPr>
+        <p:txBody>
+          <a:bodyPr wrap="square" rtlCol="0">
+            <a:spAutoFit/>
+          </a:bodyPr>
+          <a:lstStyle/>
+          <a:p>
+            <a:pPr marL="285750" indent="-285750">
+              <a:buFont typeface="Arial" panose="020B0604020202020204" pitchFamily="34" charset="0"/>
+              <a:buChar char="•"/>
+            </a:pPr>
+            <a:r>
+              <a:rPr lang="en-US" sz="3200" dirty="0"/>
+              <a:t>Docker Benefits </a:t>
+            </a:r>
+          </a:p>
+          <a:p>
+            <a:pPr marL="742950" lvl="1" indent="-285750">
+              <a:buFont typeface="Arial" panose="020B0604020202020204" pitchFamily="34" charset="0"/>
+              <a:buChar char="•"/>
+            </a:pPr>
+            <a:r>
+              <a:rPr lang="en-US" sz="2000" dirty="0"/>
+              <a:t>Provides isolated environment for executing your code</a:t>
+            </a:r>
+          </a:p>
+          <a:p>
+            <a:pPr marL="742950" lvl="1" indent="-285750">
+              <a:buFont typeface="Arial" panose="020B0604020202020204" pitchFamily="34" charset="0"/>
+              <a:buChar char="•"/>
+            </a:pPr>
+            <a:r>
+              <a:rPr lang="en-US" sz="2000" dirty="0"/>
+              <a:t>Provides runtime management for your executing code</a:t>
+            </a:r>
+          </a:p>
+          <a:p>
+            <a:pPr marL="742950" lvl="1" indent="-285750">
+              <a:buFont typeface="Arial" panose="020B0604020202020204" pitchFamily="34" charset="0"/>
+              <a:buChar char="•"/>
+            </a:pPr>
+            <a:r>
+              <a:rPr lang="en-US" sz="2000" dirty="0"/>
+              <a:t>Provides multi-threaded, and multi-process abstractions on top of OS</a:t>
+            </a:r>
+          </a:p>
+          <a:p>
+            <a:pPr marL="742950" lvl="1" indent="-285750">
+              <a:buFont typeface="Arial" panose="020B0604020202020204" pitchFamily="34" charset="0"/>
+              <a:buChar char="•"/>
+            </a:pPr>
+            <a:r>
+              <a:rPr lang="en-US" sz="2000" dirty="0"/>
+              <a:t>Portable across Operating systems</a:t>
+            </a:r>
+          </a:p>
+          <a:p>
+            <a:pPr marL="742950" lvl="1" indent="-285750">
+              <a:buFont typeface="Arial" panose="020B0604020202020204" pitchFamily="34" charset="0"/>
+              <a:buChar char="•"/>
+            </a:pPr>
+            <a:r>
+              <a:rPr lang="en-US" sz="2000" dirty="0"/>
+              <a:t>Language, framework agnostic</a:t>
+            </a:r>
+          </a:p>
+          <a:p>
+            <a:pPr marL="742950" lvl="1" indent="-285750">
+              <a:buFont typeface="Arial" panose="020B0604020202020204" pitchFamily="34" charset="0"/>
+              <a:buChar char="•"/>
+            </a:pPr>
+            <a:r>
+              <a:rPr lang="en-US" sz="2000" dirty="0"/>
+              <a:t>Can be composed with other containers</a:t>
+            </a:r>
+          </a:p>
+          <a:p>
+            <a:pPr marL="742950" lvl="1" indent="-285750">
+              <a:buFont typeface="Arial" panose="020B0604020202020204" pitchFamily="34" charset="0"/>
+              <a:buChar char="•"/>
+            </a:pPr>
+            <a:r>
+              <a:rPr lang="en-US" sz="2000" dirty="0"/>
+              <a:t>Light footprint – </a:t>
+            </a:r>
+            <a:r>
+              <a:rPr lang="en-US" sz="2000" dirty="0" err="1"/>
+              <a:t>e.g</a:t>
+            </a:r>
+            <a:r>
+              <a:rPr lang="en-US" sz="2000" dirty="0"/>
+              <a:t>, Alpine Linux base image is 5Mb.</a:t>
+            </a:r>
+          </a:p>
+          <a:p>
+            <a:pPr marL="742950" lvl="1" indent="-285750">
+              <a:buFont typeface="Arial" panose="020B0604020202020204" pitchFamily="34" charset="0"/>
+              <a:buChar char="•"/>
+            </a:pPr>
+            <a:r>
+              <a:rPr lang="en-US" sz="2000" dirty="0"/>
+              <a:t>Has all of the benefits of the JVM and then some</a:t>
+            </a:r>
+          </a:p>
+          <a:p>
+            <a:pPr marL="285750" indent="-285750">
+              <a:buFont typeface="Arial" panose="020B0604020202020204" pitchFamily="34" charset="0"/>
+              <a:buChar char="•"/>
+            </a:pPr>
+            <a:endParaRPr lang="en-US" sz="2000" dirty="0"/>
+          </a:p>
+        </p:txBody>
+      </p:sp>
+      <p:pic>
+        <p:nvPicPr>
+          <p:cNvPr id="4098" name="Picture 2" descr="Docker Logos - Docker">
+            <a:extLst>
+              <a:ext uri="{FF2B5EF4-FFF2-40B4-BE49-F238E27FC236}">
+                <a16:creationId xmlns:a16="http://schemas.microsoft.com/office/drawing/2014/main" id="{DDED687B-57C9-5A48-A2B5-67895D7C82CF}"/>
+              </a:ext>
+            </a:extLst>
+          </p:cNvPr>
+          <p:cNvPicPr>
+            <a:picLocks noChangeAspect="1" noChangeArrowheads="1"/>
+          </p:cNvPicPr>
+          <p:nvPr/>
+        </p:nvPicPr>
+        <p:blipFill>
+          <a:blip r:embed="rId2">
+            <a:extLst>
+              <a:ext uri="{28A0092B-C50C-407E-A947-70E740481C1C}">
+                <a14:useLocalDpi xmlns:a14="http://schemas.microsoft.com/office/drawing/2010/main" val="0"/>
+              </a:ext>
+            </a:extLst>
+          </a:blip>
+          <a:srcRect/>
+          <a:stretch>
+            <a:fillRect/>
+          </a:stretch>
+        </p:blipFill>
+        <p:spPr bwMode="auto">
+          <a:xfrm>
+            <a:off x="853987" y="1408552"/>
+            <a:ext cx="2321985" cy="1664819"/>
+          </a:xfrm>
+          <a:prstGeom prst="rect">
+            <a:avLst/>
+          </a:prstGeom>
+          <a:noFill/>
+          <a:extLst>
+            <a:ext uri="{909E8E84-426E-40DD-AFC4-6F175D3DCCD1}">
+              <a14:hiddenFill xmlns:a14="http://schemas.microsoft.com/office/drawing/2010/main">
+                <a:solidFill>
+                  <a:srgbClr val="FFFFFF"/>
+                </a:solidFill>
+              </a14:hiddenFill>
+            </a:ext>
+          </a:extLst>
+        </p:spPr>
+      </p:pic>
+      <p:sp>
+        <p:nvSpPr>
+          <p:cNvPr id="17" name="Rectangle 16">
+            <a:extLst>
+              <a:ext uri="{FF2B5EF4-FFF2-40B4-BE49-F238E27FC236}">
+                <a16:creationId xmlns:a16="http://schemas.microsoft.com/office/drawing/2014/main" id="{B7134BE2-BF0C-D743-899C-B6167648BF1E}"/>
+              </a:ext>
+            </a:extLst>
+          </p:cNvPr>
+          <p:cNvSpPr/>
+          <p:nvPr/>
+        </p:nvSpPr>
+        <p:spPr>
+          <a:xfrm>
+            <a:off x="333137" y="3254188"/>
+            <a:ext cx="3363686" cy="3004242"/>
           </a:xfrm>
           <a:prstGeom prst="rect">
             <a:avLst/>
@@ -9452,17 +9433,17 @@
             <a:pPr algn="ctr"/>
             <a:r>
               <a:rPr lang="en-US" dirty="0"/>
-              <a:t>Java Virtual Machine</a:t>
-            </a:r>
-          </a:p>
-        </p:txBody>
-      </p:sp>
-      <p:sp>
-        <p:nvSpPr>
-          <p:cNvPr id="8" name="Rectangle 7">
-            <a:extLst>
-              <a:ext uri="{FF2B5EF4-FFF2-40B4-BE49-F238E27FC236}">
-                <a16:creationId xmlns:a16="http://schemas.microsoft.com/office/drawing/2014/main" id="{1BF259A4-8FE6-EA43-ADB1-B4FDB1948185}"/>
+              <a:t>Docker Engine</a:t>
+            </a:r>
+          </a:p>
+        </p:txBody>
+      </p:sp>
+      <p:sp>
+        <p:nvSpPr>
+          <p:cNvPr id="20" name="Rectangle 19">
+            <a:extLst>
+              <a:ext uri="{FF2B5EF4-FFF2-40B4-BE49-F238E27FC236}">
+                <a16:creationId xmlns:a16="http://schemas.microsoft.com/office/drawing/2014/main" id="{61227CCC-7F63-3E4F-A1EA-799C164C494B}"/>
               </a:ext>
             </a:extLst>
           </p:cNvPr>
@@ -9471,8 +9452,8 @@
         </p:nvSpPr>
         <p:spPr>
           <a:xfrm>
-            <a:off x="571946" y="1893690"/>
-            <a:ext cx="3062794" cy="844265"/>
+            <a:off x="524082" y="3684494"/>
+            <a:ext cx="3062796" cy="2316666"/>
           </a:xfrm>
           <a:prstGeom prst="rect">
             <a:avLst/>
@@ -9498,7 +9479,7 @@
           </a:fontRef>
         </p:style>
         <p:txBody>
-          <a:bodyPr rtlCol="0" anchor="ctr" anchorCtr="0"/>
+          <a:bodyPr rtlCol="0" anchor="t" anchorCtr="0"/>
           <a:lstStyle/>
           <a:p>
             <a:pPr algn="ctr"/>
@@ -9508,40 +9489,17 @@
                   <a:schemeClr val="tx1"/>
                 </a:solidFill>
               </a:rPr>
-              <a:t>Java Based Web Server</a:t>
-            </a:r>
-            <a:br>
-              <a:rPr lang="en-US" sz="2000" dirty="0">
-                <a:solidFill>
-                  <a:schemeClr val="tx1"/>
-                </a:solidFill>
-              </a:rPr>
-            </a:br>
-            <a:r>
-              <a:rPr lang="en-US" sz="2000" dirty="0" err="1">
-                <a:solidFill>
-                  <a:schemeClr val="tx1"/>
-                </a:solidFill>
-              </a:rPr>
-              <a:t>Netty</a:t>
-            </a:r>
-            <a:r>
-              <a:rPr lang="en-US" sz="2000" dirty="0">
-                <a:solidFill>
-                  <a:schemeClr val="tx1"/>
-                </a:solidFill>
-              </a:rPr>
-              <a:t>/Tomcat</a:t>
-            </a:r>
-          </a:p>
-        </p:txBody>
-      </p:sp>
-      <p:sp>
-        <p:nvSpPr>
-          <p:cNvPr id="9" name="Rectangle 8">
-            <a:extLst>
-              <a:ext uri="{FF2B5EF4-FFF2-40B4-BE49-F238E27FC236}">
-                <a16:creationId xmlns:a16="http://schemas.microsoft.com/office/drawing/2014/main" id="{8660D2BE-3D7B-6B42-B219-92455EB9854D}"/>
+              <a:t>Docker Image</a:t>
+            </a:r>
+          </a:p>
+        </p:txBody>
+      </p:sp>
+      <p:sp>
+        <p:nvSpPr>
+          <p:cNvPr id="21" name="Rectangle 20">
+            <a:extLst>
+              <a:ext uri="{FF2B5EF4-FFF2-40B4-BE49-F238E27FC236}">
+                <a16:creationId xmlns:a16="http://schemas.microsoft.com/office/drawing/2014/main" id="{798252B3-01D4-BD40-9928-E0F76073C7EC}"/>
               </a:ext>
             </a:extLst>
           </p:cNvPr>
@@ -9550,14 +9508,17 @@
         </p:nvSpPr>
         <p:spPr>
           <a:xfrm>
-            <a:off x="571945" y="2856263"/>
-            <a:ext cx="3062795" cy="707192"/>
+            <a:off x="749318" y="5323227"/>
+            <a:ext cx="2582514" cy="485242"/>
           </a:xfrm>
           <a:prstGeom prst="rect">
             <a:avLst/>
           </a:prstGeom>
           <a:solidFill>
-            <a:schemeClr val="bg1"/>
+            <a:schemeClr val="accent6">
+              <a:lumMod val="20000"/>
+              <a:lumOff val="80000"/>
+            </a:schemeClr>
           </a:solidFill>
         </p:spPr>
         <p:style>
@@ -9587,17 +9548,17 @@
                   <a:schemeClr val="tx1"/>
                 </a:solidFill>
               </a:rPr>
-              <a:t>Spring Boot</a:t>
-            </a:r>
-          </a:p>
-        </p:txBody>
-      </p:sp>
-      <p:sp>
-        <p:nvSpPr>
-          <p:cNvPr id="10" name="Rectangle 9">
-            <a:extLst>
-              <a:ext uri="{FF2B5EF4-FFF2-40B4-BE49-F238E27FC236}">
-                <a16:creationId xmlns:a16="http://schemas.microsoft.com/office/drawing/2014/main" id="{715F1D5C-EB25-CF42-AEE0-19F6146A21BC}"/>
+              <a:t>Your Code is Here</a:t>
+            </a:r>
+          </a:p>
+        </p:txBody>
+      </p:sp>
+      <p:sp>
+        <p:nvSpPr>
+          <p:cNvPr id="23" name="Rectangle 22">
+            <a:extLst>
+              <a:ext uri="{FF2B5EF4-FFF2-40B4-BE49-F238E27FC236}">
+                <a16:creationId xmlns:a16="http://schemas.microsoft.com/office/drawing/2014/main" id="{BCAD2441-431E-D640-81B6-06C850A388D9}"/>
               </a:ext>
             </a:extLst>
           </p:cNvPr>
@@ -9606,14 +9567,17 @@
         </p:nvSpPr>
         <p:spPr>
           <a:xfrm>
-            <a:off x="571944" y="3745223"/>
-            <a:ext cx="3062796" cy="707192"/>
+            <a:off x="749318" y="4619632"/>
+            <a:ext cx="2582514" cy="688946"/>
           </a:xfrm>
           <a:prstGeom prst="rect">
             <a:avLst/>
           </a:prstGeom>
           <a:solidFill>
-            <a:schemeClr val="bg1"/>
+            <a:schemeClr val="accent6">
+              <a:lumMod val="20000"/>
+              <a:lumOff val="80000"/>
+            </a:schemeClr>
           </a:solidFill>
         </p:spPr>
         <p:style>
@@ -9643,17 +9607,17 @@
                   <a:schemeClr val="tx1"/>
                 </a:solidFill>
               </a:rPr>
-              <a:t>Spring MVC</a:t>
-            </a:r>
-          </a:p>
-        </p:txBody>
-      </p:sp>
-      <p:sp>
-        <p:nvSpPr>
-          <p:cNvPr id="11" name="Rectangle 10">
-            <a:extLst>
-              <a:ext uri="{FF2B5EF4-FFF2-40B4-BE49-F238E27FC236}">
-                <a16:creationId xmlns:a16="http://schemas.microsoft.com/office/drawing/2014/main" id="{01D171B6-1718-1447-A500-F610BDC78C40}"/>
+              <a:t>Your Code Dependencies</a:t>
+            </a:r>
+          </a:p>
+        </p:txBody>
+      </p:sp>
+      <p:sp>
+        <p:nvSpPr>
+          <p:cNvPr id="24" name="Rectangle 23">
+            <a:extLst>
+              <a:ext uri="{FF2B5EF4-FFF2-40B4-BE49-F238E27FC236}">
+                <a16:creationId xmlns:a16="http://schemas.microsoft.com/office/drawing/2014/main" id="{1D0C6255-24FB-514A-BC3A-8B9DA5F14A35}"/>
               </a:ext>
             </a:extLst>
           </p:cNvPr>
@@ -9662,16 +9626,15 @@
         </p:nvSpPr>
         <p:spPr>
           <a:xfrm>
-            <a:off x="571944" y="4634182"/>
-            <a:ext cx="1271846" cy="1262103"/>
+            <a:off x="749318" y="4127066"/>
+            <a:ext cx="2582514" cy="485242"/>
           </a:xfrm>
           <a:prstGeom prst="rect">
             <a:avLst/>
           </a:prstGeom>
           <a:solidFill>
             <a:schemeClr val="accent6">
-              <a:lumMod val="20000"/>
-              <a:lumOff val="80000"/>
+              <a:lumMod val="50000"/>
             </a:schemeClr>
           </a:solidFill>
         </p:spPr>
@@ -9699,577 +9662,6 @@
             <a:r>
               <a:rPr lang="en-US" sz="2000" dirty="0">
                 <a:solidFill>
-                  <a:schemeClr val="tx1"/>
-                </a:solidFill>
-              </a:rPr>
-              <a:t>Your Code</a:t>
-            </a:r>
-          </a:p>
-        </p:txBody>
-      </p:sp>
-      <p:sp>
-        <p:nvSpPr>
-          <p:cNvPr id="12" name="Rectangle 11">
-            <a:extLst>
-              <a:ext uri="{FF2B5EF4-FFF2-40B4-BE49-F238E27FC236}">
-                <a16:creationId xmlns:a16="http://schemas.microsoft.com/office/drawing/2014/main" id="{6B6263D0-6C4A-784A-8263-8A9334F6ACE3}"/>
-              </a:ext>
-            </a:extLst>
-          </p:cNvPr>
-          <p:cNvSpPr/>
-          <p:nvPr/>
-        </p:nvSpPr>
-        <p:spPr>
-          <a:xfrm>
-            <a:off x="2034734" y="4634182"/>
-            <a:ext cx="1600006" cy="1262103"/>
-          </a:xfrm>
-          <a:prstGeom prst="rect">
-            <a:avLst/>
-          </a:prstGeom>
-          <a:solidFill>
-            <a:schemeClr val="accent6">
-              <a:lumMod val="20000"/>
-              <a:lumOff val="80000"/>
-            </a:schemeClr>
-          </a:solidFill>
-        </p:spPr>
-        <p:style>
-          <a:lnRef idx="2">
-            <a:schemeClr val="accent1">
-              <a:shade val="50000"/>
-            </a:schemeClr>
-          </a:lnRef>
-          <a:fillRef idx="1">
-            <a:schemeClr val="accent1"/>
-          </a:fillRef>
-          <a:effectRef idx="0">
-            <a:schemeClr val="accent1"/>
-          </a:effectRef>
-          <a:fontRef idx="minor">
-            <a:schemeClr val="lt1"/>
-          </a:fontRef>
-        </p:style>
-        <p:txBody>
-          <a:bodyPr rtlCol="0" anchor="ctr" anchorCtr="0"/>
-          <a:lstStyle/>
-          <a:p>
-            <a:pPr algn="ctr"/>
-            <a:r>
-              <a:rPr lang="en-US" sz="2000" dirty="0">
-                <a:solidFill>
-                  <a:schemeClr val="tx1"/>
-                </a:solidFill>
-              </a:rPr>
-              <a:t>Your Configuration</a:t>
-            </a:r>
-          </a:p>
-        </p:txBody>
-      </p:sp>
-      <p:pic>
-        <p:nvPicPr>
-          <p:cNvPr id="13" name="Picture 2" descr="US Department of Homeland Security advises disabling Java following fresh  zero-day vulnerability - The Verge">
-            <a:extLst>
-              <a:ext uri="{FF2B5EF4-FFF2-40B4-BE49-F238E27FC236}">
-                <a16:creationId xmlns:a16="http://schemas.microsoft.com/office/drawing/2014/main" id="{388B00C8-4A48-4B46-9DB4-B37B2EFC34B7}"/>
-              </a:ext>
-            </a:extLst>
-          </p:cNvPr>
-          <p:cNvPicPr>
-            <a:picLocks noChangeAspect="1" noChangeArrowheads="1"/>
-          </p:cNvPicPr>
-          <p:nvPr/>
-        </p:nvPicPr>
-        <p:blipFill>
-          <a:blip r:embed="rId3">
-            <a:extLst>
-              <a:ext uri="{28A0092B-C50C-407E-A947-70E740481C1C}">
-                <a14:useLocalDpi xmlns:a14="http://schemas.microsoft.com/office/drawing/2010/main" val="0"/>
-              </a:ext>
-            </a:extLst>
-          </a:blip>
-          <a:srcRect/>
-          <a:stretch>
-            <a:fillRect/>
-          </a:stretch>
-        </p:blipFill>
-        <p:spPr bwMode="auto">
-          <a:xfrm>
-            <a:off x="164892" y="311412"/>
-            <a:ext cx="1217789" cy="912166"/>
-          </a:xfrm>
-          <a:prstGeom prst="rect">
-            <a:avLst/>
-          </a:prstGeom>
-          <a:noFill/>
-          <a:extLst>
-            <a:ext uri="{909E8E84-426E-40DD-AFC4-6F175D3DCCD1}">
-              <a14:hiddenFill xmlns:a14="http://schemas.microsoft.com/office/drawing/2010/main">
-                <a:solidFill>
-                  <a:srgbClr val="FFFFFF"/>
-                </a:solidFill>
-              </a14:hiddenFill>
-            </a:ext>
-          </a:extLst>
-        </p:spPr>
-      </p:pic>
-      <p:sp>
-        <p:nvSpPr>
-          <p:cNvPr id="14" name="TextBox 13">
-            <a:extLst>
-              <a:ext uri="{FF2B5EF4-FFF2-40B4-BE49-F238E27FC236}">
-                <a16:creationId xmlns:a16="http://schemas.microsoft.com/office/drawing/2014/main" id="{64074AA7-E1AC-414C-A722-12E1EF482801}"/>
-              </a:ext>
-            </a:extLst>
-          </p:cNvPr>
-          <p:cNvSpPr txBox="1"/>
-          <p:nvPr/>
-        </p:nvSpPr>
-        <p:spPr>
-          <a:xfrm>
-            <a:off x="1598382" y="725389"/>
-            <a:ext cx="10044994" cy="461665"/>
-          </a:xfrm>
-          <a:prstGeom prst="rect">
-            <a:avLst/>
-          </a:prstGeom>
-          <a:noFill/>
-        </p:spPr>
-        <p:txBody>
-          <a:bodyPr wrap="none" rtlCol="0">
-            <a:spAutoFit/>
-          </a:bodyPr>
-          <a:lstStyle/>
-          <a:p>
-            <a:r>
-              <a:rPr lang="en-US" sz="2400" dirty="0"/>
-              <a:t>Lets look at a “Layered” Architecture that’s popular these days for web services</a:t>
-            </a:r>
-          </a:p>
-        </p:txBody>
-      </p:sp>
-      <p:sp>
-        <p:nvSpPr>
-          <p:cNvPr id="15" name="Title 1">
-            <a:extLst>
-              <a:ext uri="{FF2B5EF4-FFF2-40B4-BE49-F238E27FC236}">
-                <a16:creationId xmlns:a16="http://schemas.microsoft.com/office/drawing/2014/main" id="{E03431AE-35BF-C749-9BF3-4B51E52EEB16}"/>
-              </a:ext>
-            </a:extLst>
-          </p:cNvPr>
-          <p:cNvSpPr>
-            <a:spLocks noGrp="1"/>
-          </p:cNvSpPr>
-          <p:nvPr>
-            <p:ph type="title"/>
-          </p:nvPr>
-        </p:nvSpPr>
-        <p:spPr>
-          <a:xfrm>
-            <a:off x="1598382" y="87010"/>
-            <a:ext cx="10917326" cy="804120"/>
-          </a:xfrm>
-        </p:spPr>
-        <p:txBody>
-          <a:bodyPr>
-            <a:normAutofit/>
-          </a:bodyPr>
-          <a:lstStyle/>
-          <a:p>
-            <a:r>
-              <a:rPr lang="en-US" sz="3200" dirty="0"/>
-              <a:t>First Architecture Example:  Lets analyze the Java - II </a:t>
-            </a:r>
-          </a:p>
-        </p:txBody>
-      </p:sp>
-      <p:sp>
-        <p:nvSpPr>
-          <p:cNvPr id="6" name="Right Brace 5">
-            <a:extLst>
-              <a:ext uri="{FF2B5EF4-FFF2-40B4-BE49-F238E27FC236}">
-                <a16:creationId xmlns:a16="http://schemas.microsoft.com/office/drawing/2014/main" id="{969B0055-8463-E347-8DEC-6DE4BD9DCC7C}"/>
-              </a:ext>
-            </a:extLst>
-          </p:cNvPr>
-          <p:cNvSpPr/>
-          <p:nvPr/>
-        </p:nvSpPr>
-        <p:spPr>
-          <a:xfrm>
-            <a:off x="3913094" y="1412392"/>
-            <a:ext cx="510988" cy="4665662"/>
-          </a:xfrm>
-          <a:prstGeom prst="rightBrace">
-            <a:avLst/>
-          </a:prstGeom>
-          <a:ln w="38100">
-            <a:solidFill>
-              <a:schemeClr val="tx1"/>
-            </a:solidFill>
-          </a:ln>
-        </p:spPr>
-        <p:style>
-          <a:lnRef idx="1">
-            <a:schemeClr val="accent1"/>
-          </a:lnRef>
-          <a:fillRef idx="0">
-            <a:schemeClr val="accent1"/>
-          </a:fillRef>
-          <a:effectRef idx="0">
-            <a:schemeClr val="accent1"/>
-          </a:effectRef>
-          <a:fontRef idx="minor">
-            <a:schemeClr val="tx1"/>
-          </a:fontRef>
-        </p:style>
-        <p:txBody>
-          <a:bodyPr rtlCol="0" anchor="ctr"/>
-          <a:lstStyle/>
-          <a:p>
-            <a:pPr algn="ctr"/>
-            <a:endParaRPr lang="en-US"/>
-          </a:p>
-        </p:txBody>
-      </p:sp>
-      <p:sp>
-        <p:nvSpPr>
-          <p:cNvPr id="16" name="Rectangle 15">
-            <a:extLst>
-              <a:ext uri="{FF2B5EF4-FFF2-40B4-BE49-F238E27FC236}">
-                <a16:creationId xmlns:a16="http://schemas.microsoft.com/office/drawing/2014/main" id="{901EF624-6999-1649-9BC9-9899C0E45950}"/>
-              </a:ext>
-            </a:extLst>
-          </p:cNvPr>
-          <p:cNvSpPr/>
-          <p:nvPr/>
-        </p:nvSpPr>
-        <p:spPr>
-          <a:xfrm>
-            <a:off x="4677503" y="1745057"/>
-            <a:ext cx="1791498" cy="3785652"/>
-          </a:xfrm>
-          <a:prstGeom prst="rect">
-            <a:avLst/>
-          </a:prstGeom>
-        </p:spPr>
-        <p:txBody>
-          <a:bodyPr wrap="square">
-            <a:spAutoFit/>
-          </a:bodyPr>
-          <a:lstStyle/>
-          <a:p>
-            <a:r>
-              <a:rPr lang="en-US" sz="2400" dirty="0"/>
-              <a:t>Pretty typical memory footprint is 1G minimum, most is needed for the JVM vs your code</a:t>
-            </a:r>
-          </a:p>
-        </p:txBody>
-      </p:sp>
-      <p:sp>
-        <p:nvSpPr>
-          <p:cNvPr id="17" name="Rectangle 16">
-            <a:extLst>
-              <a:ext uri="{FF2B5EF4-FFF2-40B4-BE49-F238E27FC236}">
-                <a16:creationId xmlns:a16="http://schemas.microsoft.com/office/drawing/2014/main" id="{78381AAE-2EE5-D148-B576-2003964E13AA}"/>
-              </a:ext>
-            </a:extLst>
-          </p:cNvPr>
-          <p:cNvSpPr/>
-          <p:nvPr/>
-        </p:nvSpPr>
-        <p:spPr>
-          <a:xfrm>
-            <a:off x="6574911" y="1466761"/>
-            <a:ext cx="3363686" cy="3046988"/>
-          </a:xfrm>
-          <a:prstGeom prst="rect">
-            <a:avLst/>
-          </a:prstGeom>
-        </p:spPr>
-        <p:style>
-          <a:lnRef idx="2">
-            <a:schemeClr val="accent1">
-              <a:shade val="50000"/>
-            </a:schemeClr>
-          </a:lnRef>
-          <a:fillRef idx="1">
-            <a:schemeClr val="accent1"/>
-          </a:fillRef>
-          <a:effectRef idx="0">
-            <a:schemeClr val="accent1"/>
-          </a:effectRef>
-          <a:fontRef idx="minor">
-            <a:schemeClr val="lt1"/>
-          </a:fontRef>
-        </p:style>
-        <p:txBody>
-          <a:bodyPr rtlCol="0" anchor="t" anchorCtr="0"/>
-          <a:lstStyle/>
-          <a:p>
-            <a:pPr algn="ctr"/>
-            <a:r>
-              <a:rPr lang="en-US" dirty="0"/>
-              <a:t>Docker Engine</a:t>
-            </a:r>
-          </a:p>
-        </p:txBody>
-      </p:sp>
-      <p:sp>
-        <p:nvSpPr>
-          <p:cNvPr id="18" name="Rectangle 17">
-            <a:extLst>
-              <a:ext uri="{FF2B5EF4-FFF2-40B4-BE49-F238E27FC236}">
-                <a16:creationId xmlns:a16="http://schemas.microsoft.com/office/drawing/2014/main" id="{B898E43F-6F33-DB47-9C2B-2EABC6BAD6D5}"/>
-              </a:ext>
-            </a:extLst>
-          </p:cNvPr>
-          <p:cNvSpPr/>
-          <p:nvPr/>
-        </p:nvSpPr>
-        <p:spPr>
-          <a:xfrm>
-            <a:off x="6765856" y="1897067"/>
-            <a:ext cx="3062796" cy="2458820"/>
-          </a:xfrm>
-          <a:prstGeom prst="rect">
-            <a:avLst/>
-          </a:prstGeom>
-          <a:solidFill>
-            <a:schemeClr val="bg1"/>
-          </a:solidFill>
-        </p:spPr>
-        <p:style>
-          <a:lnRef idx="2">
-            <a:schemeClr val="accent1">
-              <a:shade val="50000"/>
-            </a:schemeClr>
-          </a:lnRef>
-          <a:fillRef idx="1">
-            <a:schemeClr val="accent1"/>
-          </a:fillRef>
-          <a:effectRef idx="0">
-            <a:schemeClr val="accent1"/>
-          </a:effectRef>
-          <a:fontRef idx="minor">
-            <a:schemeClr val="lt1"/>
-          </a:fontRef>
-        </p:style>
-        <p:txBody>
-          <a:bodyPr rtlCol="0" anchor="t" anchorCtr="0"/>
-          <a:lstStyle/>
-          <a:p>
-            <a:pPr algn="ctr"/>
-            <a:r>
-              <a:rPr lang="en-US" sz="2000" dirty="0">
-                <a:solidFill>
-                  <a:schemeClr val="tx1"/>
-                </a:solidFill>
-              </a:rPr>
-              <a:t>Docker Image</a:t>
-            </a:r>
-          </a:p>
-        </p:txBody>
-      </p:sp>
-      <p:sp>
-        <p:nvSpPr>
-          <p:cNvPr id="19" name="Rectangle 18">
-            <a:extLst>
-              <a:ext uri="{FF2B5EF4-FFF2-40B4-BE49-F238E27FC236}">
-                <a16:creationId xmlns:a16="http://schemas.microsoft.com/office/drawing/2014/main" id="{F04E8BCB-855B-F84E-9AE3-22ADB091C1C7}"/>
-              </a:ext>
-            </a:extLst>
-          </p:cNvPr>
-          <p:cNvSpPr/>
-          <p:nvPr/>
-        </p:nvSpPr>
-        <p:spPr>
-          <a:xfrm>
-            <a:off x="6991092" y="3535799"/>
-            <a:ext cx="1298143" cy="638319"/>
-          </a:xfrm>
-          <a:prstGeom prst="rect">
-            <a:avLst/>
-          </a:prstGeom>
-          <a:solidFill>
-            <a:schemeClr val="accent6">
-              <a:lumMod val="20000"/>
-              <a:lumOff val="80000"/>
-            </a:schemeClr>
-          </a:solidFill>
-        </p:spPr>
-        <p:style>
-          <a:lnRef idx="2">
-            <a:schemeClr val="accent1">
-              <a:shade val="50000"/>
-            </a:schemeClr>
-          </a:lnRef>
-          <a:fillRef idx="1">
-            <a:schemeClr val="accent1"/>
-          </a:fillRef>
-          <a:effectRef idx="0">
-            <a:schemeClr val="accent1"/>
-          </a:effectRef>
-          <a:fontRef idx="minor">
-            <a:schemeClr val="lt1"/>
-          </a:fontRef>
-        </p:style>
-        <p:txBody>
-          <a:bodyPr rtlCol="0" anchor="ctr" anchorCtr="0"/>
-          <a:lstStyle/>
-          <a:p>
-            <a:pPr algn="ctr"/>
-            <a:r>
-              <a:rPr lang="en-US" sz="2000" dirty="0">
-                <a:solidFill>
-                  <a:schemeClr val="tx1"/>
-                </a:solidFill>
-              </a:rPr>
-              <a:t>Your Code</a:t>
-            </a:r>
-          </a:p>
-        </p:txBody>
-      </p:sp>
-      <p:sp>
-        <p:nvSpPr>
-          <p:cNvPr id="20" name="Rectangle 19">
-            <a:extLst>
-              <a:ext uri="{FF2B5EF4-FFF2-40B4-BE49-F238E27FC236}">
-                <a16:creationId xmlns:a16="http://schemas.microsoft.com/office/drawing/2014/main" id="{A51E2480-4786-2147-B54C-3D870EE31C81}"/>
-              </a:ext>
-            </a:extLst>
-          </p:cNvPr>
-          <p:cNvSpPr/>
-          <p:nvPr/>
-        </p:nvSpPr>
-        <p:spPr>
-          <a:xfrm>
-            <a:off x="6991092" y="2832205"/>
-            <a:ext cx="2582514" cy="688946"/>
-          </a:xfrm>
-          <a:prstGeom prst="rect">
-            <a:avLst/>
-          </a:prstGeom>
-          <a:solidFill>
-            <a:schemeClr val="accent6">
-              <a:lumMod val="20000"/>
-              <a:lumOff val="80000"/>
-            </a:schemeClr>
-          </a:solidFill>
-        </p:spPr>
-        <p:style>
-          <a:lnRef idx="2">
-            <a:schemeClr val="accent1">
-              <a:shade val="50000"/>
-            </a:schemeClr>
-          </a:lnRef>
-          <a:fillRef idx="1">
-            <a:schemeClr val="accent1"/>
-          </a:fillRef>
-          <a:effectRef idx="0">
-            <a:schemeClr val="accent1"/>
-          </a:effectRef>
-          <a:fontRef idx="minor">
-            <a:schemeClr val="lt1"/>
-          </a:fontRef>
-        </p:style>
-        <p:txBody>
-          <a:bodyPr rtlCol="0" anchor="ctr" anchorCtr="0"/>
-          <a:lstStyle/>
-          <a:p>
-            <a:pPr algn="ctr"/>
-            <a:r>
-              <a:rPr lang="en-US" sz="2000" dirty="0">
-                <a:solidFill>
-                  <a:schemeClr val="tx1"/>
-                </a:solidFill>
-              </a:rPr>
-              <a:t>API Library</a:t>
-            </a:r>
-            <a:br>
-              <a:rPr lang="en-US" sz="2000" dirty="0">
-                <a:solidFill>
-                  <a:schemeClr val="tx1"/>
-                </a:solidFill>
-              </a:rPr>
-            </a:br>
-            <a:r>
-              <a:rPr lang="en-US" sz="2000" dirty="0">
-                <a:solidFill>
-                  <a:schemeClr val="tx1"/>
-                </a:solidFill>
-              </a:rPr>
-              <a:t>(ex, </a:t>
-            </a:r>
-            <a:r>
-              <a:rPr lang="en-US" sz="2000" dirty="0" err="1">
-                <a:solidFill>
-                  <a:schemeClr val="tx1"/>
-                </a:solidFill>
-              </a:rPr>
-              <a:t>golang</a:t>
-            </a:r>
-            <a:r>
-              <a:rPr lang="en-US" sz="2000" dirty="0">
-                <a:solidFill>
-                  <a:schemeClr val="tx1"/>
-                </a:solidFill>
-              </a:rPr>
-              <a:t>-gin)</a:t>
-            </a:r>
-          </a:p>
-        </p:txBody>
-      </p:sp>
-      <p:sp>
-        <p:nvSpPr>
-          <p:cNvPr id="21" name="Rectangle 20">
-            <a:extLst>
-              <a:ext uri="{FF2B5EF4-FFF2-40B4-BE49-F238E27FC236}">
-                <a16:creationId xmlns:a16="http://schemas.microsoft.com/office/drawing/2014/main" id="{949C476A-66A5-9F4E-A00A-2B7245E77358}"/>
-              </a:ext>
-            </a:extLst>
-          </p:cNvPr>
-          <p:cNvSpPr/>
-          <p:nvPr/>
-        </p:nvSpPr>
-        <p:spPr>
-          <a:xfrm>
-            <a:off x="6991092" y="2339639"/>
-            <a:ext cx="2582514" cy="485242"/>
-          </a:xfrm>
-          <a:prstGeom prst="rect">
-            <a:avLst/>
-          </a:prstGeom>
-          <a:solidFill>
-            <a:schemeClr val="accent6">
-              <a:lumMod val="50000"/>
-            </a:schemeClr>
-          </a:solidFill>
-        </p:spPr>
-        <p:style>
-          <a:lnRef idx="2">
-            <a:schemeClr val="accent1">
-              <a:shade val="50000"/>
-            </a:schemeClr>
-          </a:lnRef>
-          <a:fillRef idx="1">
-            <a:schemeClr val="accent1"/>
-          </a:fillRef>
-          <a:effectRef idx="0">
-            <a:schemeClr val="accent1"/>
-          </a:effectRef>
-          <a:fontRef idx="minor">
-            <a:schemeClr val="lt1"/>
-          </a:fontRef>
-        </p:style>
-        <p:txBody>
-          <a:bodyPr rtlCol="0" anchor="ctr" anchorCtr="0"/>
-          <a:lstStyle/>
-          <a:p>
-            <a:pPr algn="ctr"/>
-            <a:r>
-              <a:rPr lang="en-US" sz="2000" dirty="0">
-                <a:solidFill>
                   <a:schemeClr val="bg1"/>
                 </a:solidFill>
               </a:rPr>
@@ -10280,10 +9672,10 @@
       </p:sp>
       <p:sp>
         <p:nvSpPr>
-          <p:cNvPr id="22" name="Rectangle 21">
-            <a:extLst>
-              <a:ext uri="{FF2B5EF4-FFF2-40B4-BE49-F238E27FC236}">
-                <a16:creationId xmlns:a16="http://schemas.microsoft.com/office/drawing/2014/main" id="{7795EA6B-04F6-6344-8698-32848117DD43}"/>
+          <p:cNvPr id="25" name="Rectangle 24">
+            <a:extLst>
+              <a:ext uri="{FF2B5EF4-FFF2-40B4-BE49-F238E27FC236}">
+                <a16:creationId xmlns:a16="http://schemas.microsoft.com/office/drawing/2014/main" id="{F1D1E77B-9242-0944-B414-E7FC9E82818C}"/>
               </a:ext>
             </a:extLst>
           </p:cNvPr>
@@ -10292,120 +9684,12 @@
         </p:nvSpPr>
         <p:spPr>
           <a:xfrm>
-            <a:off x="8297254" y="3528475"/>
-            <a:ext cx="1298143" cy="645644"/>
+            <a:off x="4232755" y="5479610"/>
+            <a:ext cx="7121045" cy="1200329"/>
           </a:xfrm>
           <a:prstGeom prst="rect">
             <a:avLst/>
           </a:prstGeom>
-          <a:solidFill>
-            <a:schemeClr val="accent6">
-              <a:lumMod val="20000"/>
-              <a:lumOff val="80000"/>
-            </a:schemeClr>
-          </a:solidFill>
-        </p:spPr>
-        <p:style>
-          <a:lnRef idx="2">
-            <a:schemeClr val="accent1">
-              <a:shade val="50000"/>
-            </a:schemeClr>
-          </a:lnRef>
-          <a:fillRef idx="1">
-            <a:schemeClr val="accent1"/>
-          </a:fillRef>
-          <a:effectRef idx="0">
-            <a:schemeClr val="accent1"/>
-          </a:effectRef>
-          <a:fontRef idx="minor">
-            <a:schemeClr val="lt1"/>
-          </a:fontRef>
-        </p:style>
-        <p:txBody>
-          <a:bodyPr rtlCol="0" anchor="ctr" anchorCtr="0"/>
-          <a:lstStyle/>
-          <a:p>
-            <a:pPr algn="ctr"/>
-            <a:r>
-              <a:rPr lang="en-US" sz="2000" dirty="0">
-                <a:solidFill>
-                  <a:schemeClr val="tx1"/>
-                </a:solidFill>
-              </a:rPr>
-              <a:t>Your config</a:t>
-            </a:r>
-          </a:p>
-        </p:txBody>
-      </p:sp>
-      <p:sp>
-        <p:nvSpPr>
-          <p:cNvPr id="23" name="Right Brace 22">
-            <a:extLst>
-              <a:ext uri="{FF2B5EF4-FFF2-40B4-BE49-F238E27FC236}">
-                <a16:creationId xmlns:a16="http://schemas.microsoft.com/office/drawing/2014/main" id="{1BA7C5BE-6CED-9D4B-BA73-652FDC212E0A}"/>
-              </a:ext>
-            </a:extLst>
-          </p:cNvPr>
-          <p:cNvSpPr/>
-          <p:nvPr/>
-        </p:nvSpPr>
-        <p:spPr>
-          <a:xfrm>
-            <a:off x="9973083" y="1492206"/>
-            <a:ext cx="510988" cy="3046989"/>
-          </a:xfrm>
-          <a:prstGeom prst="rightBrace">
-            <a:avLst/>
-          </a:prstGeom>
-          <a:ln w="38100">
-            <a:solidFill>
-              <a:schemeClr val="tx1"/>
-            </a:solidFill>
-          </a:ln>
-        </p:spPr>
-        <p:style>
-          <a:lnRef idx="1">
-            <a:schemeClr val="accent1"/>
-          </a:lnRef>
-          <a:fillRef idx="0">
-            <a:schemeClr val="accent1"/>
-          </a:fillRef>
-          <a:effectRef idx="0">
-            <a:schemeClr val="accent1"/>
-          </a:effectRef>
-          <a:fontRef idx="minor">
-            <a:schemeClr val="tx1"/>
-          </a:fontRef>
-        </p:style>
-        <p:txBody>
-          <a:bodyPr rtlCol="0" anchor="ctr"/>
-          <a:lstStyle/>
-          <a:p>
-            <a:pPr algn="ctr"/>
-            <a:endParaRPr lang="en-US"/>
-          </a:p>
-        </p:txBody>
-      </p:sp>
-      <p:sp>
-        <p:nvSpPr>
-          <p:cNvPr id="24" name="Rectangle 23">
-            <a:extLst>
-              <a:ext uri="{FF2B5EF4-FFF2-40B4-BE49-F238E27FC236}">
-                <a16:creationId xmlns:a16="http://schemas.microsoft.com/office/drawing/2014/main" id="{3F20019D-4914-E24C-8B45-E8F72091AB09}"/>
-              </a:ext>
-            </a:extLst>
-          </p:cNvPr>
-          <p:cNvSpPr/>
-          <p:nvPr/>
-        </p:nvSpPr>
-        <p:spPr>
-          <a:xfrm>
-            <a:off x="10618224" y="2100000"/>
-            <a:ext cx="1791498" cy="1938992"/>
-          </a:xfrm>
-          <a:prstGeom prst="rect">
-            <a:avLst/>
-          </a:prstGeom>
         </p:spPr>
         <p:txBody>
           <a:bodyPr wrap="square">
@@ -10414,46 +9698,16 @@
           <a:lstStyle/>
           <a:p>
             <a:r>
-              <a:rPr lang="en-US" sz="2400" dirty="0"/>
-              <a:t>Pretty typical memory footprint is 30-50Mb</a:t>
-            </a:r>
-          </a:p>
-        </p:txBody>
-      </p:sp>
-      <p:sp>
-        <p:nvSpPr>
-          <p:cNvPr id="25" name="Rectangle 24">
-            <a:extLst>
-              <a:ext uri="{FF2B5EF4-FFF2-40B4-BE49-F238E27FC236}">
-                <a16:creationId xmlns:a16="http://schemas.microsoft.com/office/drawing/2014/main" id="{621C8AD6-DAA6-2542-AB9E-CF5C171DB152}"/>
-              </a:ext>
-            </a:extLst>
-          </p:cNvPr>
-          <p:cNvSpPr/>
-          <p:nvPr/>
-        </p:nvSpPr>
-        <p:spPr>
-          <a:xfrm>
-            <a:off x="6369236" y="4670370"/>
-            <a:ext cx="5154177" cy="1569660"/>
-          </a:xfrm>
-          <a:prstGeom prst="rect">
-            <a:avLst/>
-          </a:prstGeom>
-        </p:spPr>
-        <p:txBody>
-          <a:bodyPr wrap="square">
-            <a:spAutoFit/>
-          </a:bodyPr>
-          <a:lstStyle/>
-          <a:p>
-            <a:r>
-              <a:rPr lang="en-US" sz="2400" b="1" dirty="0">
-                <a:solidFill>
-                  <a:srgbClr val="FF0000"/>
-                </a:solidFill>
-              </a:rPr>
-              <a:t>Not a big deal if you have relatively few services, but most organizations these days have thousands of services.  Plus in the cloud you pay for memory</a:t>
+              <a:rPr lang="en-US" sz="2400" i="1" dirty="0"/>
+              <a:t>Unrelated – some are speculating that server-side </a:t>
+            </a:r>
+            <a:r>
+              <a:rPr lang="en-US" sz="2400" i="1" dirty="0" err="1"/>
+              <a:t>webassembly</a:t>
+            </a:r>
+            <a:r>
+              <a:rPr lang="en-US" sz="2400" i="1" dirty="0"/>
+              <a:t> will be the “next thing” to take over from docker</a:t>
             </a:r>
           </a:p>
         </p:txBody>
@@ -10461,7 +9715,7 @@
     </p:spTree>
     <p:extLst>
       <p:ext uri="{BB962C8B-B14F-4D97-AF65-F5344CB8AC3E}">
-        <p14:creationId xmlns:p14="http://schemas.microsoft.com/office/powerpoint/2010/main" val="1247861871"/>
+        <p14:creationId xmlns:p14="http://schemas.microsoft.com/office/powerpoint/2010/main" val="2309402726"/>
       </p:ext>
     </p:extLst>
   </p:cSld>
@@ -10493,7 +9747,7 @@
           <p:cNvPr id="2" name="Title 1">
             <a:extLst>
               <a:ext uri="{FF2B5EF4-FFF2-40B4-BE49-F238E27FC236}">
-                <a16:creationId xmlns:a16="http://schemas.microsoft.com/office/drawing/2014/main" id="{AD4D4935-D8AE-4457-8ECD-E9622C739125}"/>
+                <a16:creationId xmlns:a16="http://schemas.microsoft.com/office/drawing/2014/main" id="{8F29ACB7-3B63-49E7-96D7-15DA3109CDE5}"/>
               </a:ext>
             </a:extLst>
           </p:cNvPr>
@@ -10506,8 +9760,8 @@
         </p:nvSpPr>
         <p:spPr>
           <a:xfrm>
-            <a:off x="291548" y="0"/>
-            <a:ext cx="11608904" cy="1325563"/>
+            <a:off x="39223" y="1969"/>
+            <a:ext cx="11617377" cy="1325563"/>
           </a:xfrm>
         </p:spPr>
         <p:txBody>
@@ -10517,65 +9771,16 @@
           <a:lstStyle/>
           <a:p>
             <a:r>
-              <a:rPr lang="en-US" sz="4000" dirty="0"/>
-              <a:t>Architecture Rationale, Guidance Recommendations I</a:t>
-            </a:r>
-          </a:p>
-        </p:txBody>
-      </p:sp>
-      <p:sp>
-        <p:nvSpPr>
-          <p:cNvPr id="3" name="Content Placeholder 2">
-            <a:extLst>
-              <a:ext uri="{FF2B5EF4-FFF2-40B4-BE49-F238E27FC236}">
-                <a16:creationId xmlns:a16="http://schemas.microsoft.com/office/drawing/2014/main" id="{9CCA84F8-E541-4412-99AB-BEF5FB52AB63}"/>
-              </a:ext>
-            </a:extLst>
-          </p:cNvPr>
-          <p:cNvSpPr>
-            <a:spLocks noGrp="1"/>
-          </p:cNvSpPr>
-          <p:nvPr>
-            <p:ph idx="1"/>
-          </p:nvPr>
-        </p:nvSpPr>
-        <p:spPr>
-          <a:xfrm>
-            <a:off x="659296" y="1253331"/>
-            <a:ext cx="10515600" cy="4351338"/>
-          </a:xfrm>
-        </p:spPr>
-        <p:txBody>
-          <a:bodyPr>
-            <a:normAutofit/>
-          </a:bodyPr>
-          <a:lstStyle/>
-          <a:p>
-            <a:r>
-              <a:rPr lang="en-US" dirty="0"/>
-              <a:t>Javas key strength is backwards compatibility, but its design is old and results in code-bloat that can largely be mitigated with newer JVM languages like Kotlin</a:t>
-            </a:r>
-          </a:p>
-          <a:p>
-            <a:r>
-              <a:rPr lang="en-US" dirty="0"/>
-              <a:t>Kotlin drives higher productivity and less errors (write less boilerplate), but also embraces modern language features that lend themselves to better support of modern distributed applications</a:t>
-            </a:r>
-          </a:p>
-          <a:p>
-            <a:r>
-              <a:rPr lang="en-US" dirty="0"/>
-              <a:t>Since Kotlin interoperates well with existing Java codebases, significant enhancements of existing Java codebases should consider Kotlin</a:t>
-            </a:r>
-          </a:p>
-          <a:p>
-            <a:r>
-              <a:rPr lang="en-US" dirty="0"/>
-              <a:t>New JVM development should STRONGLY consider Kotlin</a:t>
-            </a:r>
-          </a:p>
-          <a:p>
-            <a:endParaRPr lang="en-US" dirty="0"/>
+              <a:rPr lang="en-US" sz="4000" b="1" dirty="0"/>
+              <a:t>Arguing Recommendation 2</a:t>
+            </a:r>
+            <a:br>
+              <a:rPr lang="en-US" sz="4000" b="1" dirty="0"/>
+            </a:br>
+            <a:r>
+              <a:rPr lang="en-US" sz="4000" b="1" dirty="0"/>
+              <a:t>Avoid the JVM for largely Net New efforts, Part 3</a:t>
+            </a:r>
           </a:p>
         </p:txBody>
       </p:sp>
@@ -10584,7 +9789,7 @@
           <p:cNvPr id="4" name="Slide Number Placeholder 3">
             <a:extLst>
               <a:ext uri="{FF2B5EF4-FFF2-40B4-BE49-F238E27FC236}">
-                <a16:creationId xmlns:a16="http://schemas.microsoft.com/office/drawing/2014/main" id="{20C5C833-51D4-4016-8613-78309C790EF8}"/>
+                <a16:creationId xmlns:a16="http://schemas.microsoft.com/office/drawing/2014/main" id="{542EAC42-38A0-4516-814B-016A18951906}"/>
               </a:ext>
             </a:extLst>
           </p:cNvPr>
@@ -10595,7 +9800,12 @@
             <p:ph type="sldNum" sz="quarter" idx="12"/>
           </p:nvPr>
         </p:nvSpPr>
-        <p:spPr/>
+        <p:spPr>
+          <a:xfrm>
+            <a:off x="8610600" y="6114304"/>
+            <a:ext cx="2743200" cy="365125"/>
+          </a:xfrm>
+        </p:spPr>
         <p:txBody>
           <a:bodyPr/>
           <a:lstStyle/>
@@ -10608,10 +9818,659 @@
           </a:p>
         </p:txBody>
       </p:sp>
+      <p:sp>
+        <p:nvSpPr>
+          <p:cNvPr id="8" name="Rectangle 7">
+            <a:extLst>
+              <a:ext uri="{FF2B5EF4-FFF2-40B4-BE49-F238E27FC236}">
+                <a16:creationId xmlns:a16="http://schemas.microsoft.com/office/drawing/2014/main" id="{DD4ACB9B-1C25-5B41-B459-1A6DC067AC89}"/>
+              </a:ext>
+            </a:extLst>
+          </p:cNvPr>
+          <p:cNvSpPr/>
+          <p:nvPr/>
+        </p:nvSpPr>
+        <p:spPr>
+          <a:xfrm>
+            <a:off x="1013086" y="3216699"/>
+            <a:ext cx="1791498" cy="461665"/>
+          </a:xfrm>
+          <a:prstGeom prst="rect">
+            <a:avLst/>
+          </a:prstGeom>
+        </p:spPr>
+        <p:txBody>
+          <a:bodyPr wrap="square">
+            <a:spAutoFit/>
+          </a:bodyPr>
+          <a:lstStyle/>
+          <a:p>
+            <a:r>
+              <a:rPr lang="en-US" sz="2400" dirty="0"/>
+              <a:t>Docker OK</a:t>
+            </a:r>
+          </a:p>
+        </p:txBody>
+      </p:sp>
+      <p:pic>
+        <p:nvPicPr>
+          <p:cNvPr id="4098" name="Picture 2" descr="Docker Logos - Docker">
+            <a:extLst>
+              <a:ext uri="{FF2B5EF4-FFF2-40B4-BE49-F238E27FC236}">
+                <a16:creationId xmlns:a16="http://schemas.microsoft.com/office/drawing/2014/main" id="{DDED687B-57C9-5A48-A2B5-67895D7C82CF}"/>
+              </a:ext>
+            </a:extLst>
+          </p:cNvPr>
+          <p:cNvPicPr>
+            <a:picLocks noChangeAspect="1" noChangeArrowheads="1"/>
+          </p:cNvPicPr>
+          <p:nvPr/>
+        </p:nvPicPr>
+        <p:blipFill>
+          <a:blip r:embed="rId2">
+            <a:extLst>
+              <a:ext uri="{28A0092B-C50C-407E-A947-70E740481C1C}">
+                <a14:useLocalDpi xmlns:a14="http://schemas.microsoft.com/office/drawing/2010/main" val="0"/>
+              </a:ext>
+            </a:extLst>
+          </a:blip>
+          <a:srcRect/>
+          <a:stretch>
+            <a:fillRect/>
+          </a:stretch>
+        </p:blipFill>
+        <p:spPr bwMode="auto">
+          <a:xfrm>
+            <a:off x="853987" y="1408552"/>
+            <a:ext cx="2321985" cy="1664819"/>
+          </a:xfrm>
+          <a:prstGeom prst="rect">
+            <a:avLst/>
+          </a:prstGeom>
+          <a:noFill/>
+          <a:extLst>
+            <a:ext uri="{909E8E84-426E-40DD-AFC4-6F175D3DCCD1}">
+              <a14:hiddenFill xmlns:a14="http://schemas.microsoft.com/office/drawing/2010/main">
+                <a:solidFill>
+                  <a:srgbClr val="FFFFFF"/>
+                </a:solidFill>
+              </a14:hiddenFill>
+            </a:ext>
+          </a:extLst>
+        </p:spPr>
+      </p:pic>
+      <p:sp>
+        <p:nvSpPr>
+          <p:cNvPr id="17" name="Rectangle 16">
+            <a:extLst>
+              <a:ext uri="{FF2B5EF4-FFF2-40B4-BE49-F238E27FC236}">
+                <a16:creationId xmlns:a16="http://schemas.microsoft.com/office/drawing/2014/main" id="{B7134BE2-BF0C-D743-899C-B6167648BF1E}"/>
+              </a:ext>
+            </a:extLst>
+          </p:cNvPr>
+          <p:cNvSpPr/>
+          <p:nvPr/>
+        </p:nvSpPr>
+        <p:spPr>
+          <a:xfrm>
+            <a:off x="7056667" y="1327531"/>
+            <a:ext cx="3363686" cy="5006034"/>
+          </a:xfrm>
+          <a:prstGeom prst="rect">
+            <a:avLst/>
+          </a:prstGeom>
+        </p:spPr>
+        <p:style>
+          <a:lnRef idx="2">
+            <a:schemeClr val="accent1">
+              <a:shade val="50000"/>
+            </a:schemeClr>
+          </a:lnRef>
+          <a:fillRef idx="1">
+            <a:schemeClr val="accent1"/>
+          </a:fillRef>
+          <a:effectRef idx="0">
+            <a:schemeClr val="accent1"/>
+          </a:effectRef>
+          <a:fontRef idx="minor">
+            <a:schemeClr val="lt1"/>
+          </a:fontRef>
+        </p:style>
+        <p:txBody>
+          <a:bodyPr rtlCol="0" anchor="t" anchorCtr="0"/>
+          <a:lstStyle/>
+          <a:p>
+            <a:pPr algn="ctr"/>
+            <a:r>
+              <a:rPr lang="en-US" dirty="0"/>
+              <a:t>Docker Engine</a:t>
+            </a:r>
+          </a:p>
+        </p:txBody>
+      </p:sp>
+      <p:sp>
+        <p:nvSpPr>
+          <p:cNvPr id="20" name="Rectangle 19">
+            <a:extLst>
+              <a:ext uri="{FF2B5EF4-FFF2-40B4-BE49-F238E27FC236}">
+                <a16:creationId xmlns:a16="http://schemas.microsoft.com/office/drawing/2014/main" id="{61227CCC-7F63-3E4F-A1EA-799C164C494B}"/>
+              </a:ext>
+            </a:extLst>
+          </p:cNvPr>
+          <p:cNvSpPr/>
+          <p:nvPr/>
+        </p:nvSpPr>
+        <p:spPr>
+          <a:xfrm>
+            <a:off x="7247612" y="1761565"/>
+            <a:ext cx="3062796" cy="4352739"/>
+          </a:xfrm>
+          <a:prstGeom prst="rect">
+            <a:avLst/>
+          </a:prstGeom>
+          <a:solidFill>
+            <a:schemeClr val="bg1"/>
+          </a:solidFill>
+        </p:spPr>
+        <p:style>
+          <a:lnRef idx="2">
+            <a:schemeClr val="accent1">
+              <a:shade val="50000"/>
+            </a:schemeClr>
+          </a:lnRef>
+          <a:fillRef idx="1">
+            <a:schemeClr val="accent1"/>
+          </a:fillRef>
+          <a:effectRef idx="0">
+            <a:schemeClr val="accent1"/>
+          </a:effectRef>
+          <a:fontRef idx="minor">
+            <a:schemeClr val="lt1"/>
+          </a:fontRef>
+        </p:style>
+        <p:txBody>
+          <a:bodyPr rtlCol="0" anchor="t" anchorCtr="0"/>
+          <a:lstStyle/>
+          <a:p>
+            <a:pPr algn="ctr"/>
+            <a:r>
+              <a:rPr lang="en-US" sz="2000" dirty="0">
+                <a:solidFill>
+                  <a:schemeClr val="tx1"/>
+                </a:solidFill>
+              </a:rPr>
+              <a:t>Docker Image</a:t>
+            </a:r>
+          </a:p>
+        </p:txBody>
+      </p:sp>
+      <p:sp>
+        <p:nvSpPr>
+          <p:cNvPr id="24" name="Rectangle 23">
+            <a:extLst>
+              <a:ext uri="{FF2B5EF4-FFF2-40B4-BE49-F238E27FC236}">
+                <a16:creationId xmlns:a16="http://schemas.microsoft.com/office/drawing/2014/main" id="{1D0C6255-24FB-514A-BC3A-8B9DA5F14A35}"/>
+              </a:ext>
+            </a:extLst>
+          </p:cNvPr>
+          <p:cNvSpPr/>
+          <p:nvPr/>
+        </p:nvSpPr>
+        <p:spPr>
+          <a:xfrm>
+            <a:off x="7487753" y="2240961"/>
+            <a:ext cx="2582514" cy="485242"/>
+          </a:xfrm>
+          <a:prstGeom prst="rect">
+            <a:avLst/>
+          </a:prstGeom>
+          <a:solidFill>
+            <a:schemeClr val="accent6">
+              <a:lumMod val="50000"/>
+            </a:schemeClr>
+          </a:solidFill>
+        </p:spPr>
+        <p:style>
+          <a:lnRef idx="2">
+            <a:schemeClr val="accent1">
+              <a:shade val="50000"/>
+            </a:schemeClr>
+          </a:lnRef>
+          <a:fillRef idx="1">
+            <a:schemeClr val="accent1"/>
+          </a:fillRef>
+          <a:effectRef idx="0">
+            <a:schemeClr val="accent1"/>
+          </a:effectRef>
+          <a:fontRef idx="minor">
+            <a:schemeClr val="lt1"/>
+          </a:fontRef>
+        </p:style>
+        <p:txBody>
+          <a:bodyPr rtlCol="0" anchor="ctr" anchorCtr="0"/>
+          <a:lstStyle/>
+          <a:p>
+            <a:pPr algn="ctr"/>
+            <a:r>
+              <a:rPr lang="en-US" sz="2000" dirty="0">
+                <a:solidFill>
+                  <a:schemeClr val="bg1"/>
+                </a:solidFill>
+              </a:rPr>
+              <a:t>Virtual OS</a:t>
+            </a:r>
+          </a:p>
+        </p:txBody>
+      </p:sp>
+      <p:sp>
+        <p:nvSpPr>
+          <p:cNvPr id="12" name="Rectangle 11">
+            <a:extLst>
+              <a:ext uri="{FF2B5EF4-FFF2-40B4-BE49-F238E27FC236}">
+                <a16:creationId xmlns:a16="http://schemas.microsoft.com/office/drawing/2014/main" id="{A6DE1719-5E3E-8F48-BE7A-E9925964A24B}"/>
+              </a:ext>
+            </a:extLst>
+          </p:cNvPr>
+          <p:cNvSpPr/>
+          <p:nvPr/>
+        </p:nvSpPr>
+        <p:spPr>
+          <a:xfrm>
+            <a:off x="7499196" y="2726204"/>
+            <a:ext cx="2571071" cy="3182602"/>
+          </a:xfrm>
+          <a:prstGeom prst="rect">
+            <a:avLst/>
+          </a:prstGeom>
+          <a:solidFill>
+            <a:schemeClr val="accent2"/>
+          </a:solidFill>
+        </p:spPr>
+        <p:style>
+          <a:lnRef idx="2">
+            <a:schemeClr val="accent1">
+              <a:shade val="50000"/>
+            </a:schemeClr>
+          </a:lnRef>
+          <a:fillRef idx="1">
+            <a:schemeClr val="accent1"/>
+          </a:fillRef>
+          <a:effectRef idx="0">
+            <a:schemeClr val="accent1"/>
+          </a:effectRef>
+          <a:fontRef idx="minor">
+            <a:schemeClr val="lt1"/>
+          </a:fontRef>
+        </p:style>
+        <p:txBody>
+          <a:bodyPr rtlCol="0" anchor="t" anchorCtr="0"/>
+          <a:lstStyle/>
+          <a:p>
+            <a:pPr algn="ctr"/>
+            <a:r>
+              <a:rPr lang="en-US" sz="2000" dirty="0">
+                <a:solidFill>
+                  <a:schemeClr val="bg1"/>
+                </a:solidFill>
+              </a:rPr>
+              <a:t>JVM</a:t>
+            </a:r>
+          </a:p>
+        </p:txBody>
+      </p:sp>
+      <p:sp>
+        <p:nvSpPr>
+          <p:cNvPr id="13" name="Rectangle 12">
+            <a:extLst>
+              <a:ext uri="{FF2B5EF4-FFF2-40B4-BE49-F238E27FC236}">
+                <a16:creationId xmlns:a16="http://schemas.microsoft.com/office/drawing/2014/main" id="{40D60C4E-BD61-9C4C-8E5A-253CBBEEC5A8}"/>
+              </a:ext>
+            </a:extLst>
+          </p:cNvPr>
+          <p:cNvSpPr/>
+          <p:nvPr/>
+        </p:nvSpPr>
+        <p:spPr>
+          <a:xfrm>
+            <a:off x="7609142" y="3139567"/>
+            <a:ext cx="2341682" cy="578865"/>
+          </a:xfrm>
+          <a:prstGeom prst="rect">
+            <a:avLst/>
+          </a:prstGeom>
+          <a:solidFill>
+            <a:schemeClr val="bg1"/>
+          </a:solidFill>
+        </p:spPr>
+        <p:style>
+          <a:lnRef idx="2">
+            <a:schemeClr val="accent1">
+              <a:shade val="50000"/>
+            </a:schemeClr>
+          </a:lnRef>
+          <a:fillRef idx="1">
+            <a:schemeClr val="accent1"/>
+          </a:fillRef>
+          <a:effectRef idx="0">
+            <a:schemeClr val="accent1"/>
+          </a:effectRef>
+          <a:fontRef idx="minor">
+            <a:schemeClr val="lt1"/>
+          </a:fontRef>
+        </p:style>
+        <p:txBody>
+          <a:bodyPr rtlCol="0" anchor="ctr" anchorCtr="0"/>
+          <a:lstStyle/>
+          <a:p>
+            <a:pPr algn="ctr"/>
+            <a:r>
+              <a:rPr lang="en-US" sz="2000" dirty="0">
+                <a:solidFill>
+                  <a:schemeClr val="tx1"/>
+                </a:solidFill>
+              </a:rPr>
+              <a:t>JVM Runtime</a:t>
+            </a:r>
+          </a:p>
+        </p:txBody>
+      </p:sp>
+      <p:sp>
+        <p:nvSpPr>
+          <p:cNvPr id="14" name="Rectangle 13">
+            <a:extLst>
+              <a:ext uri="{FF2B5EF4-FFF2-40B4-BE49-F238E27FC236}">
+                <a16:creationId xmlns:a16="http://schemas.microsoft.com/office/drawing/2014/main" id="{634380C2-3442-FF4E-894A-7A65DAC255C4}"/>
+              </a:ext>
+            </a:extLst>
+          </p:cNvPr>
+          <p:cNvSpPr/>
+          <p:nvPr/>
+        </p:nvSpPr>
+        <p:spPr>
+          <a:xfrm>
+            <a:off x="7609141" y="4531197"/>
+            <a:ext cx="2341682" cy="1262102"/>
+          </a:xfrm>
+          <a:prstGeom prst="rect">
+            <a:avLst/>
+          </a:prstGeom>
+          <a:solidFill>
+            <a:schemeClr val="bg1"/>
+          </a:solidFill>
+        </p:spPr>
+        <p:style>
+          <a:lnRef idx="2">
+            <a:schemeClr val="accent1">
+              <a:shade val="50000"/>
+            </a:schemeClr>
+          </a:lnRef>
+          <a:fillRef idx="1">
+            <a:schemeClr val="accent1"/>
+          </a:fillRef>
+          <a:effectRef idx="0">
+            <a:schemeClr val="accent1"/>
+          </a:effectRef>
+          <a:fontRef idx="minor">
+            <a:schemeClr val="lt1"/>
+          </a:fontRef>
+        </p:style>
+        <p:txBody>
+          <a:bodyPr rtlCol="0" anchor="t" anchorCtr="0"/>
+          <a:lstStyle/>
+          <a:p>
+            <a:pPr algn="ctr"/>
+            <a:r>
+              <a:rPr lang="en-US" sz="2000" dirty="0">
+                <a:solidFill>
+                  <a:schemeClr val="tx1"/>
+                </a:solidFill>
+              </a:rPr>
+              <a:t>JVM Workloads</a:t>
+            </a:r>
+          </a:p>
+        </p:txBody>
+      </p:sp>
+      <p:sp>
+        <p:nvSpPr>
+          <p:cNvPr id="16" name="Rectangle 15">
+            <a:extLst>
+              <a:ext uri="{FF2B5EF4-FFF2-40B4-BE49-F238E27FC236}">
+                <a16:creationId xmlns:a16="http://schemas.microsoft.com/office/drawing/2014/main" id="{2BF129E9-EE32-5244-8B4E-DEAC01D17EA0}"/>
+              </a:ext>
+            </a:extLst>
+          </p:cNvPr>
+          <p:cNvSpPr/>
+          <p:nvPr/>
+        </p:nvSpPr>
+        <p:spPr>
+          <a:xfrm>
+            <a:off x="7834377" y="5021743"/>
+            <a:ext cx="1955082" cy="578865"/>
+          </a:xfrm>
+          <a:prstGeom prst="rect">
+            <a:avLst/>
+          </a:prstGeom>
+          <a:solidFill>
+            <a:schemeClr val="accent6">
+              <a:lumMod val="20000"/>
+              <a:lumOff val="80000"/>
+            </a:schemeClr>
+          </a:solidFill>
+        </p:spPr>
+        <p:style>
+          <a:lnRef idx="2">
+            <a:schemeClr val="accent1">
+              <a:shade val="50000"/>
+            </a:schemeClr>
+          </a:lnRef>
+          <a:fillRef idx="1">
+            <a:schemeClr val="accent1"/>
+          </a:fillRef>
+          <a:effectRef idx="0">
+            <a:schemeClr val="accent1"/>
+          </a:effectRef>
+          <a:fontRef idx="minor">
+            <a:schemeClr val="lt1"/>
+          </a:fontRef>
+        </p:style>
+        <p:txBody>
+          <a:bodyPr rtlCol="0" anchor="ctr" anchorCtr="0"/>
+          <a:lstStyle/>
+          <a:p>
+            <a:pPr algn="ctr"/>
+            <a:r>
+              <a:rPr lang="en-US" sz="2000" dirty="0">
+                <a:solidFill>
+                  <a:schemeClr val="tx1"/>
+                </a:solidFill>
+              </a:rPr>
+              <a:t>Your Code is Here</a:t>
+            </a:r>
+          </a:p>
+        </p:txBody>
+      </p:sp>
+      <p:sp>
+        <p:nvSpPr>
+          <p:cNvPr id="18" name="Rectangle 17">
+            <a:extLst>
+              <a:ext uri="{FF2B5EF4-FFF2-40B4-BE49-F238E27FC236}">
+                <a16:creationId xmlns:a16="http://schemas.microsoft.com/office/drawing/2014/main" id="{14109FC5-795B-574A-BAEA-8023DA3D7C14}"/>
+              </a:ext>
+            </a:extLst>
+          </p:cNvPr>
+          <p:cNvSpPr/>
+          <p:nvPr/>
+        </p:nvSpPr>
+        <p:spPr>
+          <a:xfrm>
+            <a:off x="7609142" y="3840632"/>
+            <a:ext cx="2341682" cy="578865"/>
+          </a:xfrm>
+          <a:prstGeom prst="rect">
+            <a:avLst/>
+          </a:prstGeom>
+          <a:solidFill>
+            <a:schemeClr val="bg1"/>
+          </a:solidFill>
+        </p:spPr>
+        <p:style>
+          <a:lnRef idx="2">
+            <a:schemeClr val="accent1">
+              <a:shade val="50000"/>
+            </a:schemeClr>
+          </a:lnRef>
+          <a:fillRef idx="1">
+            <a:schemeClr val="accent1"/>
+          </a:fillRef>
+          <a:effectRef idx="0">
+            <a:schemeClr val="accent1"/>
+          </a:effectRef>
+          <a:fontRef idx="minor">
+            <a:schemeClr val="lt1"/>
+          </a:fontRef>
+        </p:style>
+        <p:txBody>
+          <a:bodyPr rtlCol="0" anchor="ctr" anchorCtr="0"/>
+          <a:lstStyle/>
+          <a:p>
+            <a:pPr algn="ctr"/>
+            <a:r>
+              <a:rPr lang="en-US" sz="2000" dirty="0">
+                <a:solidFill>
+                  <a:schemeClr val="tx1"/>
+                </a:solidFill>
+              </a:rPr>
+              <a:t>JVM Ecosystem</a:t>
+            </a:r>
+          </a:p>
+        </p:txBody>
+      </p:sp>
+      <p:pic>
+        <p:nvPicPr>
+          <p:cNvPr id="19" name="Picture 4" descr="ProSyst mBS SDK 8.2: Overview">
+            <a:extLst>
+              <a:ext uri="{FF2B5EF4-FFF2-40B4-BE49-F238E27FC236}">
+                <a16:creationId xmlns:a16="http://schemas.microsoft.com/office/drawing/2014/main" id="{7F959B0F-7B97-D54D-B575-75B45A78FF46}"/>
+              </a:ext>
+            </a:extLst>
+          </p:cNvPr>
+          <p:cNvPicPr>
+            <a:picLocks noChangeAspect="1" noChangeArrowheads="1"/>
+          </p:cNvPicPr>
+          <p:nvPr/>
+        </p:nvPicPr>
+        <p:blipFill>
+          <a:blip r:embed="rId3">
+            <a:extLst>
+              <a:ext uri="{28A0092B-C50C-407E-A947-70E740481C1C}">
+                <a14:useLocalDpi xmlns:a14="http://schemas.microsoft.com/office/drawing/2010/main" val="0"/>
+              </a:ext>
+            </a:extLst>
+          </a:blip>
+          <a:srcRect/>
+          <a:stretch>
+            <a:fillRect/>
+          </a:stretch>
+        </p:blipFill>
+        <p:spPr bwMode="auto">
+          <a:xfrm>
+            <a:off x="768555" y="3965827"/>
+            <a:ext cx="1868613" cy="1401460"/>
+          </a:xfrm>
+          <a:prstGeom prst="rect">
+            <a:avLst/>
+          </a:prstGeom>
+          <a:noFill/>
+          <a:extLst>
+            <a:ext uri="{909E8E84-426E-40DD-AFC4-6F175D3DCCD1}">
+              <a14:hiddenFill xmlns:a14="http://schemas.microsoft.com/office/drawing/2010/main">
+                <a:solidFill>
+                  <a:srgbClr val="FFFFFF"/>
+                </a:solidFill>
+              </a14:hiddenFill>
+            </a:ext>
+          </a:extLst>
+        </p:spPr>
+      </p:pic>
+      <p:sp>
+        <p:nvSpPr>
+          <p:cNvPr id="22" name="Rectangle 21">
+            <a:extLst>
+              <a:ext uri="{FF2B5EF4-FFF2-40B4-BE49-F238E27FC236}">
+                <a16:creationId xmlns:a16="http://schemas.microsoft.com/office/drawing/2014/main" id="{673F27D6-137B-3147-BA99-7BED23AE8FAC}"/>
+              </a:ext>
+            </a:extLst>
+          </p:cNvPr>
+          <p:cNvSpPr/>
+          <p:nvPr/>
+        </p:nvSpPr>
+        <p:spPr>
+          <a:xfrm>
+            <a:off x="1119230" y="5413175"/>
+            <a:ext cx="1791498" cy="461665"/>
+          </a:xfrm>
+          <a:prstGeom prst="rect">
+            <a:avLst/>
+          </a:prstGeom>
+        </p:spPr>
+        <p:txBody>
+          <a:bodyPr wrap="square">
+            <a:spAutoFit/>
+          </a:bodyPr>
+          <a:lstStyle/>
+          <a:p>
+            <a:r>
+              <a:rPr lang="en-US" sz="2400" dirty="0"/>
+              <a:t>JVM OK</a:t>
+            </a:r>
+          </a:p>
+        </p:txBody>
+      </p:sp>
+      <p:sp>
+        <p:nvSpPr>
+          <p:cNvPr id="25" name="Rectangle 24">
+            <a:extLst>
+              <a:ext uri="{FF2B5EF4-FFF2-40B4-BE49-F238E27FC236}">
+                <a16:creationId xmlns:a16="http://schemas.microsoft.com/office/drawing/2014/main" id="{86B084B8-3748-574B-A51A-FCCC0E78E487}"/>
+              </a:ext>
+            </a:extLst>
+          </p:cNvPr>
+          <p:cNvSpPr/>
+          <p:nvPr/>
+        </p:nvSpPr>
+        <p:spPr>
+          <a:xfrm>
+            <a:off x="4893781" y="2391959"/>
+            <a:ext cx="1791498" cy="1938992"/>
+          </a:xfrm>
+          <a:prstGeom prst="rect">
+            <a:avLst/>
+          </a:prstGeom>
+        </p:spPr>
+        <p:txBody>
+          <a:bodyPr wrap="square">
+            <a:spAutoFit/>
+          </a:bodyPr>
+          <a:lstStyle/>
+          <a:p>
+            <a:r>
+              <a:rPr lang="en-US" sz="2400" dirty="0"/>
+              <a:t>Thoughts on</a:t>
+            </a:r>
+            <a:br>
+              <a:rPr lang="en-US" sz="2400" dirty="0"/>
+            </a:br>
+            <a:r>
+              <a:rPr lang="en-US" sz="2400" dirty="0"/>
+              <a:t>Embedding the JVM in a Docker Container?</a:t>
+            </a:r>
+          </a:p>
+        </p:txBody>
+      </p:sp>
     </p:spTree>
     <p:extLst>
       <p:ext uri="{BB962C8B-B14F-4D97-AF65-F5344CB8AC3E}">
-        <p14:creationId xmlns:p14="http://schemas.microsoft.com/office/powerpoint/2010/main" val="3325737200"/>
+        <p14:creationId xmlns:p14="http://schemas.microsoft.com/office/powerpoint/2010/main" val="1178882487"/>
       </p:ext>
     </p:extLst>
   </p:cSld>
@@ -10640,10 +10499,479 @@
       </p:grpSpPr>
       <p:sp>
         <p:nvSpPr>
-          <p:cNvPr id="2" name="Title 1">
-            <a:extLst>
-              <a:ext uri="{FF2B5EF4-FFF2-40B4-BE49-F238E27FC236}">
-                <a16:creationId xmlns:a16="http://schemas.microsoft.com/office/drawing/2014/main" id="{AD4D4935-D8AE-4457-8ECD-E9622C739125}"/>
+          <p:cNvPr id="4" name="Slide Number Placeholder 3">
+            <a:extLst>
+              <a:ext uri="{FF2B5EF4-FFF2-40B4-BE49-F238E27FC236}">
+                <a16:creationId xmlns:a16="http://schemas.microsoft.com/office/drawing/2014/main" id="{20C5C833-51D4-4016-8613-78309C790EF8}"/>
+              </a:ext>
+            </a:extLst>
+          </p:cNvPr>
+          <p:cNvSpPr>
+            <a:spLocks noGrp="1"/>
+          </p:cNvSpPr>
+          <p:nvPr>
+            <p:ph type="sldNum" sz="quarter" idx="12"/>
+          </p:nvPr>
+        </p:nvSpPr>
+        <p:spPr/>
+        <p:txBody>
+          <a:bodyPr/>
+          <a:lstStyle/>
+          <a:p>
+            <a:fld id="{69E57DC2-970A-4B3E-BB1C-7A09969E49DF}" type="slidenum">
+              <a:rPr lang="en-US" smtClean="0"/>
+              <a:t>24</a:t>
+            </a:fld>
+            <a:endParaRPr lang="en-US" dirty="0"/>
+          </a:p>
+        </p:txBody>
+      </p:sp>
+      <p:sp>
+        <p:nvSpPr>
+          <p:cNvPr id="7" name="Rectangle 6">
+            <a:extLst>
+              <a:ext uri="{FF2B5EF4-FFF2-40B4-BE49-F238E27FC236}">
+                <a16:creationId xmlns:a16="http://schemas.microsoft.com/office/drawing/2014/main" id="{D5E50A14-1818-6B41-93A8-F92D6E0DA292}"/>
+              </a:ext>
+            </a:extLst>
+          </p:cNvPr>
+          <p:cNvSpPr/>
+          <p:nvPr/>
+        </p:nvSpPr>
+        <p:spPr>
+          <a:xfrm>
+            <a:off x="381000" y="1412392"/>
+            <a:ext cx="3363686" cy="4665662"/>
+          </a:xfrm>
+          <a:prstGeom prst="rect">
+            <a:avLst/>
+          </a:prstGeom>
+        </p:spPr>
+        <p:style>
+          <a:lnRef idx="2">
+            <a:schemeClr val="accent1">
+              <a:shade val="50000"/>
+            </a:schemeClr>
+          </a:lnRef>
+          <a:fillRef idx="1">
+            <a:schemeClr val="accent1"/>
+          </a:fillRef>
+          <a:effectRef idx="0">
+            <a:schemeClr val="accent1"/>
+          </a:effectRef>
+          <a:fontRef idx="minor">
+            <a:schemeClr val="lt1"/>
+          </a:fontRef>
+        </p:style>
+        <p:txBody>
+          <a:bodyPr rtlCol="0" anchor="t" anchorCtr="0"/>
+          <a:lstStyle/>
+          <a:p>
+            <a:pPr algn="ctr"/>
+            <a:r>
+              <a:rPr lang="en-US" dirty="0"/>
+              <a:t>Java Virtual Machine</a:t>
+            </a:r>
+          </a:p>
+        </p:txBody>
+      </p:sp>
+      <p:sp>
+        <p:nvSpPr>
+          <p:cNvPr id="8" name="Rectangle 7">
+            <a:extLst>
+              <a:ext uri="{FF2B5EF4-FFF2-40B4-BE49-F238E27FC236}">
+                <a16:creationId xmlns:a16="http://schemas.microsoft.com/office/drawing/2014/main" id="{1BF259A4-8FE6-EA43-ADB1-B4FDB1948185}"/>
+              </a:ext>
+            </a:extLst>
+          </p:cNvPr>
+          <p:cNvSpPr/>
+          <p:nvPr/>
+        </p:nvSpPr>
+        <p:spPr>
+          <a:xfrm>
+            <a:off x="571946" y="1893690"/>
+            <a:ext cx="3062794" cy="844265"/>
+          </a:xfrm>
+          <a:prstGeom prst="rect">
+            <a:avLst/>
+          </a:prstGeom>
+          <a:solidFill>
+            <a:schemeClr val="bg1"/>
+          </a:solidFill>
+        </p:spPr>
+        <p:style>
+          <a:lnRef idx="2">
+            <a:schemeClr val="accent1">
+              <a:shade val="50000"/>
+            </a:schemeClr>
+          </a:lnRef>
+          <a:fillRef idx="1">
+            <a:schemeClr val="accent1"/>
+          </a:fillRef>
+          <a:effectRef idx="0">
+            <a:schemeClr val="accent1"/>
+          </a:effectRef>
+          <a:fontRef idx="minor">
+            <a:schemeClr val="lt1"/>
+          </a:fontRef>
+        </p:style>
+        <p:txBody>
+          <a:bodyPr rtlCol="0" anchor="ctr" anchorCtr="0"/>
+          <a:lstStyle/>
+          <a:p>
+            <a:pPr algn="ctr"/>
+            <a:r>
+              <a:rPr lang="en-US" sz="2000" dirty="0">
+                <a:solidFill>
+                  <a:schemeClr val="tx1"/>
+                </a:solidFill>
+              </a:rPr>
+              <a:t>Java Based Web Server</a:t>
+            </a:r>
+            <a:br>
+              <a:rPr lang="en-US" sz="2000" dirty="0">
+                <a:solidFill>
+                  <a:schemeClr val="tx1"/>
+                </a:solidFill>
+              </a:rPr>
+            </a:br>
+            <a:r>
+              <a:rPr lang="en-US" sz="2000" dirty="0" err="1">
+                <a:solidFill>
+                  <a:schemeClr val="tx1"/>
+                </a:solidFill>
+              </a:rPr>
+              <a:t>Netty</a:t>
+            </a:r>
+            <a:r>
+              <a:rPr lang="en-US" sz="2000" dirty="0">
+                <a:solidFill>
+                  <a:schemeClr val="tx1"/>
+                </a:solidFill>
+              </a:rPr>
+              <a:t>/Tomcat</a:t>
+            </a:r>
+          </a:p>
+        </p:txBody>
+      </p:sp>
+      <p:sp>
+        <p:nvSpPr>
+          <p:cNvPr id="9" name="Rectangle 8">
+            <a:extLst>
+              <a:ext uri="{FF2B5EF4-FFF2-40B4-BE49-F238E27FC236}">
+                <a16:creationId xmlns:a16="http://schemas.microsoft.com/office/drawing/2014/main" id="{8660D2BE-3D7B-6B42-B219-92455EB9854D}"/>
+              </a:ext>
+            </a:extLst>
+          </p:cNvPr>
+          <p:cNvSpPr/>
+          <p:nvPr/>
+        </p:nvSpPr>
+        <p:spPr>
+          <a:xfrm>
+            <a:off x="571945" y="2856263"/>
+            <a:ext cx="3062795" cy="707192"/>
+          </a:xfrm>
+          <a:prstGeom prst="rect">
+            <a:avLst/>
+          </a:prstGeom>
+          <a:solidFill>
+            <a:schemeClr val="bg1"/>
+          </a:solidFill>
+        </p:spPr>
+        <p:style>
+          <a:lnRef idx="2">
+            <a:schemeClr val="accent1">
+              <a:shade val="50000"/>
+            </a:schemeClr>
+          </a:lnRef>
+          <a:fillRef idx="1">
+            <a:schemeClr val="accent1"/>
+          </a:fillRef>
+          <a:effectRef idx="0">
+            <a:schemeClr val="accent1"/>
+          </a:effectRef>
+          <a:fontRef idx="minor">
+            <a:schemeClr val="lt1"/>
+          </a:fontRef>
+        </p:style>
+        <p:txBody>
+          <a:bodyPr rtlCol="0" anchor="ctr" anchorCtr="0"/>
+          <a:lstStyle/>
+          <a:p>
+            <a:pPr algn="ctr"/>
+            <a:r>
+              <a:rPr lang="en-US" sz="2000" dirty="0">
+                <a:solidFill>
+                  <a:schemeClr val="tx1"/>
+                </a:solidFill>
+              </a:rPr>
+              <a:t>Spring Boot</a:t>
+            </a:r>
+          </a:p>
+        </p:txBody>
+      </p:sp>
+      <p:sp>
+        <p:nvSpPr>
+          <p:cNvPr id="10" name="Rectangle 9">
+            <a:extLst>
+              <a:ext uri="{FF2B5EF4-FFF2-40B4-BE49-F238E27FC236}">
+                <a16:creationId xmlns:a16="http://schemas.microsoft.com/office/drawing/2014/main" id="{715F1D5C-EB25-CF42-AEE0-19F6146A21BC}"/>
+              </a:ext>
+            </a:extLst>
+          </p:cNvPr>
+          <p:cNvSpPr/>
+          <p:nvPr/>
+        </p:nvSpPr>
+        <p:spPr>
+          <a:xfrm>
+            <a:off x="571944" y="3745223"/>
+            <a:ext cx="3062796" cy="707192"/>
+          </a:xfrm>
+          <a:prstGeom prst="rect">
+            <a:avLst/>
+          </a:prstGeom>
+          <a:solidFill>
+            <a:schemeClr val="bg1"/>
+          </a:solidFill>
+        </p:spPr>
+        <p:style>
+          <a:lnRef idx="2">
+            <a:schemeClr val="accent1">
+              <a:shade val="50000"/>
+            </a:schemeClr>
+          </a:lnRef>
+          <a:fillRef idx="1">
+            <a:schemeClr val="accent1"/>
+          </a:fillRef>
+          <a:effectRef idx="0">
+            <a:schemeClr val="accent1"/>
+          </a:effectRef>
+          <a:fontRef idx="minor">
+            <a:schemeClr val="lt1"/>
+          </a:fontRef>
+        </p:style>
+        <p:txBody>
+          <a:bodyPr rtlCol="0" anchor="ctr" anchorCtr="0"/>
+          <a:lstStyle/>
+          <a:p>
+            <a:pPr algn="ctr"/>
+            <a:r>
+              <a:rPr lang="en-US" sz="2000" dirty="0">
+                <a:solidFill>
+                  <a:schemeClr val="tx1"/>
+                </a:solidFill>
+              </a:rPr>
+              <a:t>Spring MVC</a:t>
+            </a:r>
+          </a:p>
+        </p:txBody>
+      </p:sp>
+      <p:sp>
+        <p:nvSpPr>
+          <p:cNvPr id="11" name="Rectangle 10">
+            <a:extLst>
+              <a:ext uri="{FF2B5EF4-FFF2-40B4-BE49-F238E27FC236}">
+                <a16:creationId xmlns:a16="http://schemas.microsoft.com/office/drawing/2014/main" id="{01D171B6-1718-1447-A500-F610BDC78C40}"/>
+              </a:ext>
+            </a:extLst>
+          </p:cNvPr>
+          <p:cNvSpPr/>
+          <p:nvPr/>
+        </p:nvSpPr>
+        <p:spPr>
+          <a:xfrm>
+            <a:off x="571944" y="4634182"/>
+            <a:ext cx="1271846" cy="1262103"/>
+          </a:xfrm>
+          <a:prstGeom prst="rect">
+            <a:avLst/>
+          </a:prstGeom>
+          <a:solidFill>
+            <a:schemeClr val="accent6">
+              <a:lumMod val="20000"/>
+              <a:lumOff val="80000"/>
+            </a:schemeClr>
+          </a:solidFill>
+        </p:spPr>
+        <p:style>
+          <a:lnRef idx="2">
+            <a:schemeClr val="accent1">
+              <a:shade val="50000"/>
+            </a:schemeClr>
+          </a:lnRef>
+          <a:fillRef idx="1">
+            <a:schemeClr val="accent1"/>
+          </a:fillRef>
+          <a:effectRef idx="0">
+            <a:schemeClr val="accent1"/>
+          </a:effectRef>
+          <a:fontRef idx="minor">
+            <a:schemeClr val="lt1"/>
+          </a:fontRef>
+        </p:style>
+        <p:txBody>
+          <a:bodyPr rtlCol="0" anchor="ctr" anchorCtr="0"/>
+          <a:lstStyle/>
+          <a:p>
+            <a:pPr algn="ctr"/>
+            <a:r>
+              <a:rPr lang="en-US" sz="2000" dirty="0">
+                <a:solidFill>
+                  <a:schemeClr val="tx1"/>
+                </a:solidFill>
+              </a:rPr>
+              <a:t>Your Code</a:t>
+            </a:r>
+          </a:p>
+        </p:txBody>
+      </p:sp>
+      <p:sp>
+        <p:nvSpPr>
+          <p:cNvPr id="12" name="Rectangle 11">
+            <a:extLst>
+              <a:ext uri="{FF2B5EF4-FFF2-40B4-BE49-F238E27FC236}">
+                <a16:creationId xmlns:a16="http://schemas.microsoft.com/office/drawing/2014/main" id="{6B6263D0-6C4A-784A-8263-8A9334F6ACE3}"/>
+              </a:ext>
+            </a:extLst>
+          </p:cNvPr>
+          <p:cNvSpPr/>
+          <p:nvPr/>
+        </p:nvSpPr>
+        <p:spPr>
+          <a:xfrm>
+            <a:off x="2034734" y="4634182"/>
+            <a:ext cx="1600006" cy="1262103"/>
+          </a:xfrm>
+          <a:prstGeom prst="rect">
+            <a:avLst/>
+          </a:prstGeom>
+          <a:solidFill>
+            <a:schemeClr val="accent6">
+              <a:lumMod val="20000"/>
+              <a:lumOff val="80000"/>
+            </a:schemeClr>
+          </a:solidFill>
+        </p:spPr>
+        <p:style>
+          <a:lnRef idx="2">
+            <a:schemeClr val="accent1">
+              <a:shade val="50000"/>
+            </a:schemeClr>
+          </a:lnRef>
+          <a:fillRef idx="1">
+            <a:schemeClr val="accent1"/>
+          </a:fillRef>
+          <a:effectRef idx="0">
+            <a:schemeClr val="accent1"/>
+          </a:effectRef>
+          <a:fontRef idx="minor">
+            <a:schemeClr val="lt1"/>
+          </a:fontRef>
+        </p:style>
+        <p:txBody>
+          <a:bodyPr rtlCol="0" anchor="ctr" anchorCtr="0"/>
+          <a:lstStyle/>
+          <a:p>
+            <a:pPr algn="ctr"/>
+            <a:r>
+              <a:rPr lang="en-US" sz="2000" dirty="0">
+                <a:solidFill>
+                  <a:schemeClr val="tx1"/>
+                </a:solidFill>
+              </a:rPr>
+              <a:t>Your Configuration</a:t>
+            </a:r>
+          </a:p>
+        </p:txBody>
+      </p:sp>
+      <p:pic>
+        <p:nvPicPr>
+          <p:cNvPr id="13" name="Picture 2" descr="US Department of Homeland Security advises disabling Java following fresh  zero-day vulnerability - The Verge">
+            <a:extLst>
+              <a:ext uri="{FF2B5EF4-FFF2-40B4-BE49-F238E27FC236}">
+                <a16:creationId xmlns:a16="http://schemas.microsoft.com/office/drawing/2014/main" id="{388B00C8-4A48-4B46-9DB4-B37B2EFC34B7}"/>
+              </a:ext>
+            </a:extLst>
+          </p:cNvPr>
+          <p:cNvPicPr>
+            <a:picLocks noChangeAspect="1" noChangeArrowheads="1"/>
+          </p:cNvPicPr>
+          <p:nvPr/>
+        </p:nvPicPr>
+        <p:blipFill>
+          <a:blip r:embed="rId3">
+            <a:extLst>
+              <a:ext uri="{28A0092B-C50C-407E-A947-70E740481C1C}">
+                <a14:useLocalDpi xmlns:a14="http://schemas.microsoft.com/office/drawing/2010/main" val="0"/>
+              </a:ext>
+            </a:extLst>
+          </a:blip>
+          <a:srcRect/>
+          <a:stretch>
+            <a:fillRect/>
+          </a:stretch>
+        </p:blipFill>
+        <p:spPr bwMode="auto">
+          <a:xfrm>
+            <a:off x="164892" y="311412"/>
+            <a:ext cx="1217789" cy="912166"/>
+          </a:xfrm>
+          <a:prstGeom prst="rect">
+            <a:avLst/>
+          </a:prstGeom>
+          <a:noFill/>
+          <a:extLst>
+            <a:ext uri="{909E8E84-426E-40DD-AFC4-6F175D3DCCD1}">
+              <a14:hiddenFill xmlns:a14="http://schemas.microsoft.com/office/drawing/2010/main">
+                <a:solidFill>
+                  <a:srgbClr val="FFFFFF"/>
+                </a:solidFill>
+              </a14:hiddenFill>
+            </a:ext>
+          </a:extLst>
+        </p:spPr>
+      </p:pic>
+      <p:sp>
+        <p:nvSpPr>
+          <p:cNvPr id="14" name="TextBox 13">
+            <a:extLst>
+              <a:ext uri="{FF2B5EF4-FFF2-40B4-BE49-F238E27FC236}">
+                <a16:creationId xmlns:a16="http://schemas.microsoft.com/office/drawing/2014/main" id="{64074AA7-E1AC-414C-A722-12E1EF482801}"/>
+              </a:ext>
+            </a:extLst>
+          </p:cNvPr>
+          <p:cNvSpPr txBox="1"/>
+          <p:nvPr/>
+        </p:nvSpPr>
+        <p:spPr>
+          <a:xfrm>
+            <a:off x="1598382" y="725389"/>
+            <a:ext cx="10044994" cy="461665"/>
+          </a:xfrm>
+          <a:prstGeom prst="rect">
+            <a:avLst/>
+          </a:prstGeom>
+          <a:noFill/>
+        </p:spPr>
+        <p:txBody>
+          <a:bodyPr wrap="none" rtlCol="0">
+            <a:spAutoFit/>
+          </a:bodyPr>
+          <a:lstStyle/>
+          <a:p>
+            <a:r>
+              <a:rPr lang="en-US" sz="2400" dirty="0"/>
+              <a:t>Lets look at a “Layered” Architecture that’s popular these days for web services</a:t>
+            </a:r>
+          </a:p>
+        </p:txBody>
+      </p:sp>
+      <p:sp>
+        <p:nvSpPr>
+          <p:cNvPr id="15" name="Title 1">
+            <a:extLst>
+              <a:ext uri="{FF2B5EF4-FFF2-40B4-BE49-F238E27FC236}">
+                <a16:creationId xmlns:a16="http://schemas.microsoft.com/office/drawing/2014/main" id="{E03431AE-35BF-C749-9BF3-4B51E52EEB16}"/>
               </a:ext>
             </a:extLst>
           </p:cNvPr>
@@ -10656,8 +10984,8 @@
         </p:nvSpPr>
         <p:spPr>
           <a:xfrm>
-            <a:off x="291548" y="0"/>
-            <a:ext cx="11608904" cy="1325563"/>
+            <a:off x="1598382" y="87010"/>
+            <a:ext cx="10917326" cy="804120"/>
           </a:xfrm>
         </p:spPr>
         <p:txBody>
@@ -10667,32 +10995,637 @@
           <a:lstStyle/>
           <a:p>
             <a:r>
-              <a:rPr lang="en-US" sz="4000" dirty="0"/>
-              <a:t>Architecture Rationale, Guidance Recommendations II</a:t>
-            </a:r>
-          </a:p>
-        </p:txBody>
-      </p:sp>
-      <p:sp>
-        <p:nvSpPr>
-          <p:cNvPr id="3" name="Content Placeholder 2">
-            <a:extLst>
-              <a:ext uri="{FF2B5EF4-FFF2-40B4-BE49-F238E27FC236}">
-                <a16:creationId xmlns:a16="http://schemas.microsoft.com/office/drawing/2014/main" id="{9CCA84F8-E541-4412-99AB-BEF5FB52AB63}"/>
-              </a:ext>
-            </a:extLst>
-          </p:cNvPr>
-          <p:cNvSpPr>
-            <a:spLocks noGrp="1"/>
-          </p:cNvSpPr>
-          <p:nvPr>
-            <p:ph idx="1"/>
-          </p:nvPr>
-        </p:nvSpPr>
-        <p:spPr>
-          <a:xfrm>
-            <a:off x="659296" y="1253330"/>
-            <a:ext cx="10515600" cy="5103019"/>
+              <a:rPr lang="en-US" sz="3200" dirty="0"/>
+              <a:t>First Architecture Example:  Lets analyze the Java - II </a:t>
+            </a:r>
+          </a:p>
+        </p:txBody>
+      </p:sp>
+      <p:sp>
+        <p:nvSpPr>
+          <p:cNvPr id="6" name="Right Brace 5">
+            <a:extLst>
+              <a:ext uri="{FF2B5EF4-FFF2-40B4-BE49-F238E27FC236}">
+                <a16:creationId xmlns:a16="http://schemas.microsoft.com/office/drawing/2014/main" id="{969B0055-8463-E347-8DEC-6DE4BD9DCC7C}"/>
+              </a:ext>
+            </a:extLst>
+          </p:cNvPr>
+          <p:cNvSpPr/>
+          <p:nvPr/>
+        </p:nvSpPr>
+        <p:spPr>
+          <a:xfrm>
+            <a:off x="3913094" y="1412392"/>
+            <a:ext cx="510988" cy="4665662"/>
+          </a:xfrm>
+          <a:prstGeom prst="rightBrace">
+            <a:avLst/>
+          </a:prstGeom>
+          <a:ln w="38100">
+            <a:solidFill>
+              <a:schemeClr val="tx1"/>
+            </a:solidFill>
+          </a:ln>
+        </p:spPr>
+        <p:style>
+          <a:lnRef idx="1">
+            <a:schemeClr val="accent1"/>
+          </a:lnRef>
+          <a:fillRef idx="0">
+            <a:schemeClr val="accent1"/>
+          </a:fillRef>
+          <a:effectRef idx="0">
+            <a:schemeClr val="accent1"/>
+          </a:effectRef>
+          <a:fontRef idx="minor">
+            <a:schemeClr val="tx1"/>
+          </a:fontRef>
+        </p:style>
+        <p:txBody>
+          <a:bodyPr rtlCol="0" anchor="ctr"/>
+          <a:lstStyle/>
+          <a:p>
+            <a:pPr algn="ctr"/>
+            <a:endParaRPr lang="en-US"/>
+          </a:p>
+        </p:txBody>
+      </p:sp>
+      <p:sp>
+        <p:nvSpPr>
+          <p:cNvPr id="16" name="Rectangle 15">
+            <a:extLst>
+              <a:ext uri="{FF2B5EF4-FFF2-40B4-BE49-F238E27FC236}">
+                <a16:creationId xmlns:a16="http://schemas.microsoft.com/office/drawing/2014/main" id="{901EF624-6999-1649-9BC9-9899C0E45950}"/>
+              </a:ext>
+            </a:extLst>
+          </p:cNvPr>
+          <p:cNvSpPr/>
+          <p:nvPr/>
+        </p:nvSpPr>
+        <p:spPr>
+          <a:xfrm>
+            <a:off x="4677503" y="1745057"/>
+            <a:ext cx="1791498" cy="3785652"/>
+          </a:xfrm>
+          <a:prstGeom prst="rect">
+            <a:avLst/>
+          </a:prstGeom>
+        </p:spPr>
+        <p:txBody>
+          <a:bodyPr wrap="square">
+            <a:spAutoFit/>
+          </a:bodyPr>
+          <a:lstStyle/>
+          <a:p>
+            <a:r>
+              <a:rPr lang="en-US" sz="2400" dirty="0"/>
+              <a:t>Pretty typical memory footprint is 1G minimum, most is needed for the JVM vs your code</a:t>
+            </a:r>
+          </a:p>
+        </p:txBody>
+      </p:sp>
+      <p:sp>
+        <p:nvSpPr>
+          <p:cNvPr id="17" name="Rectangle 16">
+            <a:extLst>
+              <a:ext uri="{FF2B5EF4-FFF2-40B4-BE49-F238E27FC236}">
+                <a16:creationId xmlns:a16="http://schemas.microsoft.com/office/drawing/2014/main" id="{78381AAE-2EE5-D148-B576-2003964E13AA}"/>
+              </a:ext>
+            </a:extLst>
+          </p:cNvPr>
+          <p:cNvSpPr/>
+          <p:nvPr/>
+        </p:nvSpPr>
+        <p:spPr>
+          <a:xfrm>
+            <a:off x="6574911" y="1466761"/>
+            <a:ext cx="3363686" cy="3046988"/>
+          </a:xfrm>
+          <a:prstGeom prst="rect">
+            <a:avLst/>
+          </a:prstGeom>
+        </p:spPr>
+        <p:style>
+          <a:lnRef idx="2">
+            <a:schemeClr val="accent1">
+              <a:shade val="50000"/>
+            </a:schemeClr>
+          </a:lnRef>
+          <a:fillRef idx="1">
+            <a:schemeClr val="accent1"/>
+          </a:fillRef>
+          <a:effectRef idx="0">
+            <a:schemeClr val="accent1"/>
+          </a:effectRef>
+          <a:fontRef idx="minor">
+            <a:schemeClr val="lt1"/>
+          </a:fontRef>
+        </p:style>
+        <p:txBody>
+          <a:bodyPr rtlCol="0" anchor="t" anchorCtr="0"/>
+          <a:lstStyle/>
+          <a:p>
+            <a:pPr algn="ctr"/>
+            <a:r>
+              <a:rPr lang="en-US" dirty="0"/>
+              <a:t>Docker Engine</a:t>
+            </a:r>
+          </a:p>
+        </p:txBody>
+      </p:sp>
+      <p:sp>
+        <p:nvSpPr>
+          <p:cNvPr id="18" name="Rectangle 17">
+            <a:extLst>
+              <a:ext uri="{FF2B5EF4-FFF2-40B4-BE49-F238E27FC236}">
+                <a16:creationId xmlns:a16="http://schemas.microsoft.com/office/drawing/2014/main" id="{B898E43F-6F33-DB47-9C2B-2EABC6BAD6D5}"/>
+              </a:ext>
+            </a:extLst>
+          </p:cNvPr>
+          <p:cNvSpPr/>
+          <p:nvPr/>
+        </p:nvSpPr>
+        <p:spPr>
+          <a:xfrm>
+            <a:off x="6765856" y="1897067"/>
+            <a:ext cx="3062796" cy="2458820"/>
+          </a:xfrm>
+          <a:prstGeom prst="rect">
+            <a:avLst/>
+          </a:prstGeom>
+          <a:solidFill>
+            <a:schemeClr val="bg1"/>
+          </a:solidFill>
+        </p:spPr>
+        <p:style>
+          <a:lnRef idx="2">
+            <a:schemeClr val="accent1">
+              <a:shade val="50000"/>
+            </a:schemeClr>
+          </a:lnRef>
+          <a:fillRef idx="1">
+            <a:schemeClr val="accent1"/>
+          </a:fillRef>
+          <a:effectRef idx="0">
+            <a:schemeClr val="accent1"/>
+          </a:effectRef>
+          <a:fontRef idx="minor">
+            <a:schemeClr val="lt1"/>
+          </a:fontRef>
+        </p:style>
+        <p:txBody>
+          <a:bodyPr rtlCol="0" anchor="t" anchorCtr="0"/>
+          <a:lstStyle/>
+          <a:p>
+            <a:pPr algn="ctr"/>
+            <a:r>
+              <a:rPr lang="en-US" sz="2000" dirty="0">
+                <a:solidFill>
+                  <a:schemeClr val="tx1"/>
+                </a:solidFill>
+              </a:rPr>
+              <a:t>Docker Image</a:t>
+            </a:r>
+          </a:p>
+        </p:txBody>
+      </p:sp>
+      <p:sp>
+        <p:nvSpPr>
+          <p:cNvPr id="19" name="Rectangle 18">
+            <a:extLst>
+              <a:ext uri="{FF2B5EF4-FFF2-40B4-BE49-F238E27FC236}">
+                <a16:creationId xmlns:a16="http://schemas.microsoft.com/office/drawing/2014/main" id="{F04E8BCB-855B-F84E-9AE3-22ADB091C1C7}"/>
+              </a:ext>
+            </a:extLst>
+          </p:cNvPr>
+          <p:cNvSpPr/>
+          <p:nvPr/>
+        </p:nvSpPr>
+        <p:spPr>
+          <a:xfrm>
+            <a:off x="6991092" y="3535799"/>
+            <a:ext cx="1298143" cy="638319"/>
+          </a:xfrm>
+          <a:prstGeom prst="rect">
+            <a:avLst/>
+          </a:prstGeom>
+          <a:solidFill>
+            <a:schemeClr val="accent6">
+              <a:lumMod val="20000"/>
+              <a:lumOff val="80000"/>
+            </a:schemeClr>
+          </a:solidFill>
+        </p:spPr>
+        <p:style>
+          <a:lnRef idx="2">
+            <a:schemeClr val="accent1">
+              <a:shade val="50000"/>
+            </a:schemeClr>
+          </a:lnRef>
+          <a:fillRef idx="1">
+            <a:schemeClr val="accent1"/>
+          </a:fillRef>
+          <a:effectRef idx="0">
+            <a:schemeClr val="accent1"/>
+          </a:effectRef>
+          <a:fontRef idx="minor">
+            <a:schemeClr val="lt1"/>
+          </a:fontRef>
+        </p:style>
+        <p:txBody>
+          <a:bodyPr rtlCol="0" anchor="ctr" anchorCtr="0"/>
+          <a:lstStyle/>
+          <a:p>
+            <a:pPr algn="ctr"/>
+            <a:r>
+              <a:rPr lang="en-US" sz="2000" dirty="0">
+                <a:solidFill>
+                  <a:schemeClr val="tx1"/>
+                </a:solidFill>
+              </a:rPr>
+              <a:t>Your Code</a:t>
+            </a:r>
+          </a:p>
+        </p:txBody>
+      </p:sp>
+      <p:sp>
+        <p:nvSpPr>
+          <p:cNvPr id="20" name="Rectangle 19">
+            <a:extLst>
+              <a:ext uri="{FF2B5EF4-FFF2-40B4-BE49-F238E27FC236}">
+                <a16:creationId xmlns:a16="http://schemas.microsoft.com/office/drawing/2014/main" id="{A51E2480-4786-2147-B54C-3D870EE31C81}"/>
+              </a:ext>
+            </a:extLst>
+          </p:cNvPr>
+          <p:cNvSpPr/>
+          <p:nvPr/>
+        </p:nvSpPr>
+        <p:spPr>
+          <a:xfrm>
+            <a:off x="6991092" y="2832205"/>
+            <a:ext cx="2582514" cy="688946"/>
+          </a:xfrm>
+          <a:prstGeom prst="rect">
+            <a:avLst/>
+          </a:prstGeom>
+          <a:solidFill>
+            <a:schemeClr val="accent6">
+              <a:lumMod val="20000"/>
+              <a:lumOff val="80000"/>
+            </a:schemeClr>
+          </a:solidFill>
+        </p:spPr>
+        <p:style>
+          <a:lnRef idx="2">
+            <a:schemeClr val="accent1">
+              <a:shade val="50000"/>
+            </a:schemeClr>
+          </a:lnRef>
+          <a:fillRef idx="1">
+            <a:schemeClr val="accent1"/>
+          </a:fillRef>
+          <a:effectRef idx="0">
+            <a:schemeClr val="accent1"/>
+          </a:effectRef>
+          <a:fontRef idx="minor">
+            <a:schemeClr val="lt1"/>
+          </a:fontRef>
+        </p:style>
+        <p:txBody>
+          <a:bodyPr rtlCol="0" anchor="ctr" anchorCtr="0"/>
+          <a:lstStyle/>
+          <a:p>
+            <a:pPr algn="ctr"/>
+            <a:r>
+              <a:rPr lang="en-US" sz="2000" dirty="0">
+                <a:solidFill>
+                  <a:schemeClr val="tx1"/>
+                </a:solidFill>
+              </a:rPr>
+              <a:t>API Library</a:t>
+            </a:r>
+            <a:br>
+              <a:rPr lang="en-US" sz="2000" dirty="0">
+                <a:solidFill>
+                  <a:schemeClr val="tx1"/>
+                </a:solidFill>
+              </a:rPr>
+            </a:br>
+            <a:r>
+              <a:rPr lang="en-US" sz="2000" dirty="0">
+                <a:solidFill>
+                  <a:schemeClr val="tx1"/>
+                </a:solidFill>
+              </a:rPr>
+              <a:t>(ex, </a:t>
+            </a:r>
+            <a:r>
+              <a:rPr lang="en-US" sz="2000" dirty="0" err="1">
+                <a:solidFill>
+                  <a:schemeClr val="tx1"/>
+                </a:solidFill>
+              </a:rPr>
+              <a:t>golang</a:t>
+            </a:r>
+            <a:r>
+              <a:rPr lang="en-US" sz="2000" dirty="0">
+                <a:solidFill>
+                  <a:schemeClr val="tx1"/>
+                </a:solidFill>
+              </a:rPr>
+              <a:t>-gin)</a:t>
+            </a:r>
+          </a:p>
+        </p:txBody>
+      </p:sp>
+      <p:sp>
+        <p:nvSpPr>
+          <p:cNvPr id="21" name="Rectangle 20">
+            <a:extLst>
+              <a:ext uri="{FF2B5EF4-FFF2-40B4-BE49-F238E27FC236}">
+                <a16:creationId xmlns:a16="http://schemas.microsoft.com/office/drawing/2014/main" id="{949C476A-66A5-9F4E-A00A-2B7245E77358}"/>
+              </a:ext>
+            </a:extLst>
+          </p:cNvPr>
+          <p:cNvSpPr/>
+          <p:nvPr/>
+        </p:nvSpPr>
+        <p:spPr>
+          <a:xfrm>
+            <a:off x="6991092" y="2339639"/>
+            <a:ext cx="2582514" cy="485242"/>
+          </a:xfrm>
+          <a:prstGeom prst="rect">
+            <a:avLst/>
+          </a:prstGeom>
+          <a:solidFill>
+            <a:schemeClr val="accent6">
+              <a:lumMod val="50000"/>
+            </a:schemeClr>
+          </a:solidFill>
+        </p:spPr>
+        <p:style>
+          <a:lnRef idx="2">
+            <a:schemeClr val="accent1">
+              <a:shade val="50000"/>
+            </a:schemeClr>
+          </a:lnRef>
+          <a:fillRef idx="1">
+            <a:schemeClr val="accent1"/>
+          </a:fillRef>
+          <a:effectRef idx="0">
+            <a:schemeClr val="accent1"/>
+          </a:effectRef>
+          <a:fontRef idx="minor">
+            <a:schemeClr val="lt1"/>
+          </a:fontRef>
+        </p:style>
+        <p:txBody>
+          <a:bodyPr rtlCol="0" anchor="ctr" anchorCtr="0"/>
+          <a:lstStyle/>
+          <a:p>
+            <a:pPr algn="ctr"/>
+            <a:r>
+              <a:rPr lang="en-US" sz="2000" dirty="0">
+                <a:solidFill>
+                  <a:schemeClr val="bg1"/>
+                </a:solidFill>
+              </a:rPr>
+              <a:t>Virtual OS</a:t>
+            </a:r>
+          </a:p>
+        </p:txBody>
+      </p:sp>
+      <p:sp>
+        <p:nvSpPr>
+          <p:cNvPr id="22" name="Rectangle 21">
+            <a:extLst>
+              <a:ext uri="{FF2B5EF4-FFF2-40B4-BE49-F238E27FC236}">
+                <a16:creationId xmlns:a16="http://schemas.microsoft.com/office/drawing/2014/main" id="{7795EA6B-04F6-6344-8698-32848117DD43}"/>
+              </a:ext>
+            </a:extLst>
+          </p:cNvPr>
+          <p:cNvSpPr/>
+          <p:nvPr/>
+        </p:nvSpPr>
+        <p:spPr>
+          <a:xfrm>
+            <a:off x="8297254" y="3528475"/>
+            <a:ext cx="1298143" cy="645644"/>
+          </a:xfrm>
+          <a:prstGeom prst="rect">
+            <a:avLst/>
+          </a:prstGeom>
+          <a:solidFill>
+            <a:schemeClr val="accent6">
+              <a:lumMod val="20000"/>
+              <a:lumOff val="80000"/>
+            </a:schemeClr>
+          </a:solidFill>
+        </p:spPr>
+        <p:style>
+          <a:lnRef idx="2">
+            <a:schemeClr val="accent1">
+              <a:shade val="50000"/>
+            </a:schemeClr>
+          </a:lnRef>
+          <a:fillRef idx="1">
+            <a:schemeClr val="accent1"/>
+          </a:fillRef>
+          <a:effectRef idx="0">
+            <a:schemeClr val="accent1"/>
+          </a:effectRef>
+          <a:fontRef idx="minor">
+            <a:schemeClr val="lt1"/>
+          </a:fontRef>
+        </p:style>
+        <p:txBody>
+          <a:bodyPr rtlCol="0" anchor="ctr" anchorCtr="0"/>
+          <a:lstStyle/>
+          <a:p>
+            <a:pPr algn="ctr"/>
+            <a:r>
+              <a:rPr lang="en-US" sz="2000" dirty="0">
+                <a:solidFill>
+                  <a:schemeClr val="tx1"/>
+                </a:solidFill>
+              </a:rPr>
+              <a:t>Your config</a:t>
+            </a:r>
+          </a:p>
+        </p:txBody>
+      </p:sp>
+      <p:sp>
+        <p:nvSpPr>
+          <p:cNvPr id="23" name="Right Brace 22">
+            <a:extLst>
+              <a:ext uri="{FF2B5EF4-FFF2-40B4-BE49-F238E27FC236}">
+                <a16:creationId xmlns:a16="http://schemas.microsoft.com/office/drawing/2014/main" id="{1BA7C5BE-6CED-9D4B-BA73-652FDC212E0A}"/>
+              </a:ext>
+            </a:extLst>
+          </p:cNvPr>
+          <p:cNvSpPr/>
+          <p:nvPr/>
+        </p:nvSpPr>
+        <p:spPr>
+          <a:xfrm>
+            <a:off x="9973083" y="1492206"/>
+            <a:ext cx="510988" cy="3046989"/>
+          </a:xfrm>
+          <a:prstGeom prst="rightBrace">
+            <a:avLst/>
+          </a:prstGeom>
+          <a:ln w="38100">
+            <a:solidFill>
+              <a:schemeClr val="tx1"/>
+            </a:solidFill>
+          </a:ln>
+        </p:spPr>
+        <p:style>
+          <a:lnRef idx="1">
+            <a:schemeClr val="accent1"/>
+          </a:lnRef>
+          <a:fillRef idx="0">
+            <a:schemeClr val="accent1"/>
+          </a:fillRef>
+          <a:effectRef idx="0">
+            <a:schemeClr val="accent1"/>
+          </a:effectRef>
+          <a:fontRef idx="minor">
+            <a:schemeClr val="tx1"/>
+          </a:fontRef>
+        </p:style>
+        <p:txBody>
+          <a:bodyPr rtlCol="0" anchor="ctr"/>
+          <a:lstStyle/>
+          <a:p>
+            <a:pPr algn="ctr"/>
+            <a:endParaRPr lang="en-US"/>
+          </a:p>
+        </p:txBody>
+      </p:sp>
+      <p:sp>
+        <p:nvSpPr>
+          <p:cNvPr id="24" name="Rectangle 23">
+            <a:extLst>
+              <a:ext uri="{FF2B5EF4-FFF2-40B4-BE49-F238E27FC236}">
+                <a16:creationId xmlns:a16="http://schemas.microsoft.com/office/drawing/2014/main" id="{3F20019D-4914-E24C-8B45-E8F72091AB09}"/>
+              </a:ext>
+            </a:extLst>
+          </p:cNvPr>
+          <p:cNvSpPr/>
+          <p:nvPr/>
+        </p:nvSpPr>
+        <p:spPr>
+          <a:xfrm>
+            <a:off x="10618224" y="2100000"/>
+            <a:ext cx="1791498" cy="1938992"/>
+          </a:xfrm>
+          <a:prstGeom prst="rect">
+            <a:avLst/>
+          </a:prstGeom>
+        </p:spPr>
+        <p:txBody>
+          <a:bodyPr wrap="square">
+            <a:spAutoFit/>
+          </a:bodyPr>
+          <a:lstStyle/>
+          <a:p>
+            <a:r>
+              <a:rPr lang="en-US" sz="2400" dirty="0"/>
+              <a:t>Pretty typical memory footprint is 30-50Mb</a:t>
+            </a:r>
+          </a:p>
+        </p:txBody>
+      </p:sp>
+      <p:sp>
+        <p:nvSpPr>
+          <p:cNvPr id="25" name="Rectangle 24">
+            <a:extLst>
+              <a:ext uri="{FF2B5EF4-FFF2-40B4-BE49-F238E27FC236}">
+                <a16:creationId xmlns:a16="http://schemas.microsoft.com/office/drawing/2014/main" id="{621C8AD6-DAA6-2542-AB9E-CF5C171DB152}"/>
+              </a:ext>
+            </a:extLst>
+          </p:cNvPr>
+          <p:cNvSpPr/>
+          <p:nvPr/>
+        </p:nvSpPr>
+        <p:spPr>
+          <a:xfrm>
+            <a:off x="6369236" y="4670370"/>
+            <a:ext cx="5154177" cy="1569660"/>
+          </a:xfrm>
+          <a:prstGeom prst="rect">
+            <a:avLst/>
+          </a:prstGeom>
+        </p:spPr>
+        <p:txBody>
+          <a:bodyPr wrap="square">
+            <a:spAutoFit/>
+          </a:bodyPr>
+          <a:lstStyle/>
+          <a:p>
+            <a:r>
+              <a:rPr lang="en-US" sz="2400" b="1" dirty="0">
+                <a:solidFill>
+                  <a:srgbClr val="FF0000"/>
+                </a:solidFill>
+              </a:rPr>
+              <a:t>Not a big deal if you have relatively few services, but most organizations these days have thousands of services.  Plus in the cloud you pay for memory</a:t>
+            </a:r>
+          </a:p>
+        </p:txBody>
+      </p:sp>
+    </p:spTree>
+    <p:extLst>
+      <p:ext uri="{BB962C8B-B14F-4D97-AF65-F5344CB8AC3E}">
+        <p14:creationId xmlns:p14="http://schemas.microsoft.com/office/powerpoint/2010/main" val="1247861871"/>
+      </p:ext>
+    </p:extLst>
+  </p:cSld>
+  <p:clrMapOvr>
+    <a:masterClrMapping/>
+  </p:clrMapOvr>
+</p:sld>
+</file>
+
+<file path=ppt/slides/slide25.xml><?xml version="1.0" encoding="utf-8"?>
+<p:sld xmlns:a="http://schemas.openxmlformats.org/drawingml/2006/main" xmlns:r="http://schemas.openxmlformats.org/officeDocument/2006/relationships" xmlns:p="http://schemas.openxmlformats.org/presentationml/2006/main">
+  <p:cSld>
+    <p:spTree>
+      <p:nvGrpSpPr>
+        <p:cNvPr id="1" name=""/>
+        <p:cNvGrpSpPr/>
+        <p:nvPr/>
+      </p:nvGrpSpPr>
+      <p:grpSpPr>
+        <a:xfrm>
+          <a:off x="0" y="0"/>
+          <a:ext cx="0" cy="0"/>
+          <a:chOff x="0" y="0"/>
+          <a:chExt cx="0" cy="0"/>
+        </a:xfrm>
+      </p:grpSpPr>
+      <p:sp>
+        <p:nvSpPr>
+          <p:cNvPr id="2" name="Title 1">
+            <a:extLst>
+              <a:ext uri="{FF2B5EF4-FFF2-40B4-BE49-F238E27FC236}">
+                <a16:creationId xmlns:a16="http://schemas.microsoft.com/office/drawing/2014/main" id="{AD4D4935-D8AE-4457-8ECD-E9622C739125}"/>
+              </a:ext>
+            </a:extLst>
+          </p:cNvPr>
+          <p:cNvSpPr>
+            <a:spLocks noGrp="1"/>
+          </p:cNvSpPr>
+          <p:nvPr>
+            <p:ph type="title"/>
+          </p:nvPr>
+        </p:nvSpPr>
+        <p:spPr>
+          <a:xfrm>
+            <a:off x="291548" y="0"/>
+            <a:ext cx="11608904" cy="1325563"/>
           </a:xfrm>
         </p:spPr>
         <p:txBody>
@@ -10702,6 +11635,191 @@
           <a:lstStyle/>
           <a:p>
             <a:r>
+              <a:rPr lang="en-US" sz="4000" dirty="0"/>
+              <a:t>Architecture Rationale, Guidance Recommendations I</a:t>
+            </a:r>
+          </a:p>
+        </p:txBody>
+      </p:sp>
+      <p:sp>
+        <p:nvSpPr>
+          <p:cNvPr id="3" name="Content Placeholder 2">
+            <a:extLst>
+              <a:ext uri="{FF2B5EF4-FFF2-40B4-BE49-F238E27FC236}">
+                <a16:creationId xmlns:a16="http://schemas.microsoft.com/office/drawing/2014/main" id="{9CCA84F8-E541-4412-99AB-BEF5FB52AB63}"/>
+              </a:ext>
+            </a:extLst>
+          </p:cNvPr>
+          <p:cNvSpPr>
+            <a:spLocks noGrp="1"/>
+          </p:cNvSpPr>
+          <p:nvPr>
+            <p:ph idx="1"/>
+          </p:nvPr>
+        </p:nvSpPr>
+        <p:spPr>
+          <a:xfrm>
+            <a:off x="659296" y="1253331"/>
+            <a:ext cx="10515600" cy="4351338"/>
+          </a:xfrm>
+        </p:spPr>
+        <p:txBody>
+          <a:bodyPr>
+            <a:normAutofit/>
+          </a:bodyPr>
+          <a:lstStyle/>
+          <a:p>
+            <a:r>
+              <a:rPr lang="en-US" dirty="0"/>
+              <a:t>Javas key strength is backwards compatibility, but its design is old and results in code-bloat that can largely be mitigated with newer JVM languages like Kotlin</a:t>
+            </a:r>
+          </a:p>
+          <a:p>
+            <a:r>
+              <a:rPr lang="en-US" dirty="0"/>
+              <a:t>Kotlin drives higher productivity and less errors (write less boilerplate), but also embraces modern language features that lend themselves to better support of modern distributed applications</a:t>
+            </a:r>
+          </a:p>
+          <a:p>
+            <a:r>
+              <a:rPr lang="en-US" dirty="0"/>
+              <a:t>Since Kotlin interoperates well with existing Java codebases, significant enhancements of existing Java codebases should consider Kotlin</a:t>
+            </a:r>
+          </a:p>
+          <a:p>
+            <a:r>
+              <a:rPr lang="en-US" dirty="0"/>
+              <a:t>New JVM development should STRONGLY consider Kotlin</a:t>
+            </a:r>
+          </a:p>
+          <a:p>
+            <a:endParaRPr lang="en-US" dirty="0"/>
+          </a:p>
+        </p:txBody>
+      </p:sp>
+      <p:sp>
+        <p:nvSpPr>
+          <p:cNvPr id="4" name="Slide Number Placeholder 3">
+            <a:extLst>
+              <a:ext uri="{FF2B5EF4-FFF2-40B4-BE49-F238E27FC236}">
+                <a16:creationId xmlns:a16="http://schemas.microsoft.com/office/drawing/2014/main" id="{20C5C833-51D4-4016-8613-78309C790EF8}"/>
+              </a:ext>
+            </a:extLst>
+          </p:cNvPr>
+          <p:cNvSpPr>
+            <a:spLocks noGrp="1"/>
+          </p:cNvSpPr>
+          <p:nvPr>
+            <p:ph type="sldNum" sz="quarter" idx="12"/>
+          </p:nvPr>
+        </p:nvSpPr>
+        <p:spPr/>
+        <p:txBody>
+          <a:bodyPr/>
+          <a:lstStyle/>
+          <a:p>
+            <a:fld id="{69E57DC2-970A-4B3E-BB1C-7A09969E49DF}" type="slidenum">
+              <a:rPr lang="en-US" smtClean="0"/>
+              <a:t>25</a:t>
+            </a:fld>
+            <a:endParaRPr lang="en-US" dirty="0"/>
+          </a:p>
+        </p:txBody>
+      </p:sp>
+    </p:spTree>
+    <p:extLst>
+      <p:ext uri="{BB962C8B-B14F-4D97-AF65-F5344CB8AC3E}">
+        <p14:creationId xmlns:p14="http://schemas.microsoft.com/office/powerpoint/2010/main" val="3325737200"/>
+      </p:ext>
+    </p:extLst>
+  </p:cSld>
+  <p:clrMapOvr>
+    <a:masterClrMapping/>
+  </p:clrMapOvr>
+</p:sld>
+</file>
+
+<file path=ppt/slides/slide26.xml><?xml version="1.0" encoding="utf-8"?>
+<p:sld xmlns:a="http://schemas.openxmlformats.org/drawingml/2006/main" xmlns:r="http://schemas.openxmlformats.org/officeDocument/2006/relationships" xmlns:p="http://schemas.openxmlformats.org/presentationml/2006/main">
+  <p:cSld>
+    <p:spTree>
+      <p:nvGrpSpPr>
+        <p:cNvPr id="1" name=""/>
+        <p:cNvGrpSpPr/>
+        <p:nvPr/>
+      </p:nvGrpSpPr>
+      <p:grpSpPr>
+        <a:xfrm>
+          <a:off x="0" y="0"/>
+          <a:ext cx="0" cy="0"/>
+          <a:chOff x="0" y="0"/>
+          <a:chExt cx="0" cy="0"/>
+        </a:xfrm>
+      </p:grpSpPr>
+      <p:sp>
+        <p:nvSpPr>
+          <p:cNvPr id="2" name="Title 1">
+            <a:extLst>
+              <a:ext uri="{FF2B5EF4-FFF2-40B4-BE49-F238E27FC236}">
+                <a16:creationId xmlns:a16="http://schemas.microsoft.com/office/drawing/2014/main" id="{AD4D4935-D8AE-4457-8ECD-E9622C739125}"/>
+              </a:ext>
+            </a:extLst>
+          </p:cNvPr>
+          <p:cNvSpPr>
+            <a:spLocks noGrp="1"/>
+          </p:cNvSpPr>
+          <p:nvPr>
+            <p:ph type="title"/>
+          </p:nvPr>
+        </p:nvSpPr>
+        <p:spPr>
+          <a:xfrm>
+            <a:off x="291548" y="0"/>
+            <a:ext cx="11608904" cy="1325563"/>
+          </a:xfrm>
+        </p:spPr>
+        <p:txBody>
+          <a:bodyPr>
+            <a:normAutofit/>
+          </a:bodyPr>
+          <a:lstStyle/>
+          <a:p>
+            <a:r>
+              <a:rPr lang="en-US" sz="4000" dirty="0"/>
+              <a:t>Architecture Rationale, Guidance Recommendations II</a:t>
+            </a:r>
+          </a:p>
+        </p:txBody>
+      </p:sp>
+      <p:sp>
+        <p:nvSpPr>
+          <p:cNvPr id="3" name="Content Placeholder 2">
+            <a:extLst>
+              <a:ext uri="{FF2B5EF4-FFF2-40B4-BE49-F238E27FC236}">
+                <a16:creationId xmlns:a16="http://schemas.microsoft.com/office/drawing/2014/main" id="{9CCA84F8-E541-4412-99AB-BEF5FB52AB63}"/>
+              </a:ext>
+            </a:extLst>
+          </p:cNvPr>
+          <p:cNvSpPr>
+            <a:spLocks noGrp="1"/>
+          </p:cNvSpPr>
+          <p:nvPr>
+            <p:ph idx="1"/>
+          </p:nvPr>
+        </p:nvSpPr>
+        <p:spPr>
+          <a:xfrm>
+            <a:off x="659296" y="1253330"/>
+            <a:ext cx="10515600" cy="5103019"/>
+          </a:xfrm>
+        </p:spPr>
+        <p:txBody>
+          <a:bodyPr>
+            <a:normAutofit/>
+          </a:bodyPr>
+          <a:lstStyle/>
+          <a:p>
+            <a:r>
               <a:rPr lang="en-US" dirty="0"/>
               <a:t>For more modern workloads, containerizing in docker is a better choice than running in the JVM, especially for cloud native architectures, or public cloud deployments</a:t>
             </a:r>
@@ -10768,7 +11886,7 @@
           <a:p>
             <a:fld id="{69E57DC2-970A-4B3E-BB1C-7A09969E49DF}" type="slidenum">
               <a:rPr lang="en-US" smtClean="0"/>
-              <a:t>24</a:t>
+              <a:t>26</a:t>
             </a:fld>
             <a:endParaRPr lang="en-US" dirty="0"/>
           </a:p>

--- a/lectures/Week 1 - Course Overview.pptx
+++ b/lectures/Week 1 - Course Overview.pptx
@@ -6490,8 +6490,16 @@
           <a:lstStyle/>
           <a:p>
             <a:r>
+              <a:rPr lang="en-US" b="1" dirty="0">
+                <a:solidFill>
+                  <a:srgbClr val="00B050"/>
+                </a:solidFill>
+              </a:rPr>
+              <a:t>Architecture Guidance:  </a:t>
+            </a:r>
+            <a:r>
               <a:rPr lang="en-US" dirty="0"/>
-              <a:t>Architecture Guidance:  For most new modern development the overall JVM ecosystem should be avoided, if</a:t>
+              <a:t>For most new modern development the overall JVM ecosystem should be avoided, if</a:t>
             </a:r>
             <a:br>
               <a:rPr lang="en-US" dirty="0"/>
